--- a/Diplom.pptx
+++ b/Diplom.pptx
@@ -9,13 +9,17 @@
     <p:sldId id="257" r:id="rId3"/>
     <p:sldId id="259" r:id="rId4"/>
     <p:sldId id="260" r:id="rId5"/>
-    <p:sldId id="261" r:id="rId6"/>
-    <p:sldId id="262" r:id="rId7"/>
-    <p:sldId id="263" r:id="rId8"/>
-    <p:sldId id="264" r:id="rId9"/>
+    <p:sldId id="268" r:id="rId6"/>
+    <p:sldId id="261" r:id="rId7"/>
+    <p:sldId id="262" r:id="rId8"/>
+    <p:sldId id="263" r:id="rId9"/>
     <p:sldId id="265" r:id="rId10"/>
-    <p:sldId id="266" r:id="rId11"/>
-    <p:sldId id="267" r:id="rId12"/>
+    <p:sldId id="269" r:id="rId11"/>
+    <p:sldId id="270" r:id="rId12"/>
+    <p:sldId id="266" r:id="rId13"/>
+    <p:sldId id="264" r:id="rId14"/>
+    <p:sldId id="271" r:id="rId15"/>
+    <p:sldId id="267" r:id="rId16"/>
   </p:sldIdLst>
   <p:sldSz cx="9144000" cy="6858000" type="screen4x3"/>
   <p:notesSz cx="6858000" cy="9144000"/>
@@ -539,7 +543,7 @@
           <a:p>
             <a:fld id="{EB45D141-8447-444F-A991-BD7B09B4A30D}" type="datetimeFigureOut">
               <a:rPr lang="ru-RU" smtClean="0"/>
-              <a:t>30.05.2011</a:t>
+              <a:t>14.06.2011</a:t>
             </a:fld>
             <a:endParaRPr lang="ru-RU"/>
           </a:p>
@@ -751,7 +755,7 @@
           <a:p>
             <a:fld id="{EB45D141-8447-444F-A991-BD7B09B4A30D}" type="datetimeFigureOut">
               <a:rPr lang="ru-RU" smtClean="0"/>
-              <a:t>30.05.2011</a:t>
+              <a:t>14.06.2011</a:t>
             </a:fld>
             <a:endParaRPr lang="ru-RU"/>
           </a:p>
@@ -938,7 +942,7 @@
           <a:p>
             <a:fld id="{EB45D141-8447-444F-A991-BD7B09B4A30D}" type="datetimeFigureOut">
               <a:rPr lang="ru-RU" smtClean="0"/>
-              <a:t>30.05.2011</a:t>
+              <a:t>14.06.2011</a:t>
             </a:fld>
             <a:endParaRPr lang="ru-RU"/>
           </a:p>
@@ -1035,7 +1039,7 @@
           <a:p>
             <a:fld id="{EB45D141-8447-444F-A991-BD7B09B4A30D}" type="datetimeFigureOut">
               <a:rPr lang="ru-RU" smtClean="0"/>
-              <a:t>30.05.2011</a:t>
+              <a:t>14.06.2011</a:t>
             </a:fld>
             <a:endParaRPr lang="ru-RU"/>
           </a:p>
@@ -1631,7 +1635,7 @@
           <a:p>
             <a:fld id="{EB45D141-8447-444F-A991-BD7B09B4A30D}" type="datetimeFigureOut">
               <a:rPr lang="ru-RU" smtClean="0"/>
-              <a:t>30.05.2011</a:t>
+              <a:t>14.06.2011</a:t>
             </a:fld>
             <a:endParaRPr lang="ru-RU"/>
           </a:p>
@@ -1728,7 +1732,7 @@
           <a:p>
             <a:fld id="{EB45D141-8447-444F-A991-BD7B09B4A30D}" type="datetimeFigureOut">
               <a:rPr lang="ru-RU" smtClean="0"/>
-              <a:t>30.05.2011</a:t>
+              <a:t>14.06.2011</a:t>
             </a:fld>
             <a:endParaRPr lang="ru-RU"/>
           </a:p>
@@ -2333,7 +2337,7 @@
           <a:p>
             <a:fld id="{EB45D141-8447-444F-A991-BD7B09B4A30D}" type="datetimeFigureOut">
               <a:rPr lang="ru-RU" smtClean="0"/>
-              <a:t>30.05.2011</a:t>
+              <a:t>14.06.2011</a:t>
             </a:fld>
             <a:endParaRPr lang="ru-RU"/>
           </a:p>
@@ -2476,7 +2480,7 @@
           <a:p>
             <a:fld id="{EB45D141-8447-444F-A991-BD7B09B4A30D}" type="datetimeFigureOut">
               <a:rPr lang="ru-RU" smtClean="0"/>
-              <a:t>30.05.2011</a:t>
+              <a:t>14.06.2011</a:t>
             </a:fld>
             <a:endParaRPr lang="ru-RU"/>
           </a:p>
@@ -2573,7 +2577,7 @@
           <a:p>
             <a:fld id="{EB45D141-8447-444F-A991-BD7B09B4A30D}" type="datetimeFigureOut">
               <a:rPr lang="ru-RU" smtClean="0"/>
-              <a:t>30.05.2011</a:t>
+              <a:t>14.06.2011</a:t>
             </a:fld>
             <a:endParaRPr lang="ru-RU"/>
           </a:p>
@@ -2857,7 +2861,7 @@
           <a:p>
             <a:fld id="{EB45D141-8447-444F-A991-BD7B09B4A30D}" type="datetimeFigureOut">
               <a:rPr lang="ru-RU" smtClean="0"/>
-              <a:t>30.05.2011</a:t>
+              <a:t>14.06.2011</a:t>
             </a:fld>
             <a:endParaRPr lang="ru-RU"/>
           </a:p>
@@ -3379,7 +3383,7 @@
           <a:p>
             <a:fld id="{EB45D141-8447-444F-A991-BD7B09B4A30D}" type="datetimeFigureOut">
               <a:rPr lang="ru-RU" smtClean="0"/>
-              <a:t>30.05.2011</a:t>
+              <a:t>14.06.2011</a:t>
             </a:fld>
             <a:endParaRPr lang="ru-RU"/>
           </a:p>
@@ -3899,7 +3903,7 @@
           <a:p>
             <a:fld id="{EB45D141-8447-444F-A991-BD7B09B4A30D}" type="datetimeFigureOut">
               <a:rPr lang="ru-RU" smtClean="0"/>
-              <a:t>30.05.2011</a:t>
+              <a:t>14.06.2011</a:t>
             </a:fld>
             <a:endParaRPr lang="ru-RU"/>
           </a:p>
@@ -4613,11 +4617,2201 @@
             <a:pPr algn="ctr"/>
             <a:r>
               <a:rPr lang="uk-UA" sz="2800" dirty="0" smtClean="0"/>
-              <a:t>Програмне забезпечення для планування регресійного тестування </a:t>
-            </a:r>
-            <a:r>
-              <a:rPr lang="en-US" sz="2800" dirty="0" smtClean="0"/>
-              <a:t>Regression Viewer</a:t>
+              <a:t>Використання систем контролю версій для планування регресійного тестування</a:t>
+            </a:r>
+            <a:endParaRPr lang="uk-UA" sz="2800" dirty="0"/>
+          </a:p>
+        </p:txBody>
+      </p:sp>
+      <mc:AlternateContent xmlns:mc="http://schemas.openxmlformats.org/markup-compatibility/2006">
+        <mc:Choice xmlns:a14="http://schemas.microsoft.com/office/drawing/2010/main" Requires="a14">
+          <p:sp>
+            <p:nvSpPr>
+              <p:cNvPr id="3" name="Объект 2"/>
+              <p:cNvSpPr>
+                <a:spLocks noGrp="1"/>
+              </p:cNvSpPr>
+              <p:nvPr>
+                <p:ph sz="quarter" idx="13"/>
+              </p:nvPr>
+            </p:nvSpPr>
+            <p:spPr>
+              <a:xfrm>
+                <a:off x="467544" y="1628800"/>
+                <a:ext cx="8424936" cy="4698856"/>
+              </a:xfrm>
+            </p:spPr>
+            <p:txBody>
+              <a:bodyPr>
+                <a:normAutofit fontScale="70000" lnSpcReduction="20000"/>
+              </a:bodyPr>
+              <a:lstStyle/>
+              <a:p>
+                <a:pPr marL="45720" indent="0">
+                  <a:lnSpc>
+                    <a:spcPct val="120000"/>
+                  </a:lnSpc>
+                  <a:buNone/>
+                </a:pPr>
+                <a14:m>
+                  <m:oMath xmlns:m="http://schemas.openxmlformats.org/officeDocument/2006/math">
+                    <m:sSup>
+                      <m:sSupPr>
+                        <m:ctrlPr>
+                          <a:rPr lang="ru-RU" b="1" i="1"/>
+                        </m:ctrlPr>
+                      </m:sSupPr>
+                      <m:e>
+                        <m:r>
+                          <a:rPr lang="uk-UA" b="1" i="1"/>
+                          <m:t>С</m:t>
+                        </m:r>
+                      </m:e>
+                      <m:sup>
+                        <m:sSup>
+                          <m:sSupPr>
+                            <m:ctrlPr>
+                              <a:rPr lang="ru-RU" b="1" i="1"/>
+                            </m:ctrlPr>
+                          </m:sSupPr>
+                          <m:e>
+                            <m:r>
+                              <a:rPr lang="en-US" b="1" i="1"/>
+                              <m:t>𝑷</m:t>
+                            </m:r>
+                          </m:e>
+                          <m:sup>
+                            <m:r>
+                              <a:rPr lang="uk-UA" b="1" i="1"/>
+                              <m:t>′</m:t>
+                            </m:r>
+                          </m:sup>
+                        </m:sSup>
+                      </m:sup>
+                    </m:sSup>
+                    <m:r>
+                      <a:rPr lang="uk-UA" b="1" i="1"/>
+                      <m:t>(</m:t>
+                    </m:r>
+                    <m:sSub>
+                      <m:sSubPr>
+                        <m:ctrlPr>
+                          <a:rPr lang="ru-RU" b="1" i="1"/>
+                        </m:ctrlPr>
+                      </m:sSubPr>
+                      <m:e>
+                        <m:r>
+                          <a:rPr lang="en-US" b="1" i="1"/>
+                          <m:t>𝑭</m:t>
+                        </m:r>
+                      </m:e>
+                      <m:sub>
+                        <m:sSub>
+                          <m:sSubPr>
+                            <m:ctrlPr>
+                              <a:rPr lang="ru-RU" b="1" i="1"/>
+                            </m:ctrlPr>
+                          </m:sSubPr>
+                          <m:e>
+                            <m:r>
+                              <a:rPr lang="en-US" b="1" i="1"/>
+                              <m:t>𝒊</m:t>
+                            </m:r>
+                          </m:e>
+                          <m:sub>
+                            <m:r>
+                              <a:rPr lang="en-US" b="1" i="1"/>
+                              <m:t>𝒍</m:t>
+                            </m:r>
+                          </m:sub>
+                        </m:sSub>
+                      </m:sub>
+                    </m:sSub>
+                  </m:oMath>
+                </a14:m>
+                <a:r>
+                  <a:rPr lang="uk-UA" b="1" dirty="0"/>
+                  <a:t>)</a:t>
+                </a:r>
+                <a:r>
+                  <a:rPr lang="uk-UA" dirty="0"/>
+                  <a:t> – функція-індикатор що вказує чи змінився файл </a:t>
+                </a:r>
+                <a14:m>
+                  <m:oMath xmlns:m="http://schemas.openxmlformats.org/officeDocument/2006/math">
+                    <m:sSub>
+                      <m:sSubPr>
+                        <m:ctrlPr>
+                          <a:rPr lang="ru-RU" b="1" i="1"/>
+                        </m:ctrlPr>
+                      </m:sSubPr>
+                      <m:e>
+                        <m:r>
+                          <a:rPr lang="en-US" b="1" i="1"/>
+                          <m:t>𝑭</m:t>
+                        </m:r>
+                      </m:e>
+                      <m:sub>
+                        <m:sSub>
+                          <m:sSubPr>
+                            <m:ctrlPr>
+                              <a:rPr lang="ru-RU" b="1" i="1"/>
+                            </m:ctrlPr>
+                          </m:sSubPr>
+                          <m:e>
+                            <m:r>
+                              <a:rPr lang="en-US" b="1" i="1"/>
+                              <m:t>𝒊</m:t>
+                            </m:r>
+                          </m:e>
+                          <m:sub>
+                            <m:r>
+                              <a:rPr lang="en-US" b="1" i="1"/>
+                              <m:t>𝒍</m:t>
+                            </m:r>
+                          </m:sub>
+                        </m:sSub>
+                      </m:sub>
+                    </m:sSub>
+                  </m:oMath>
+                </a14:m>
+                <a:r>
+                  <a:rPr lang="uk-UA" dirty="0"/>
+                  <a:t>, у версії </a:t>
+                </a:r>
+                <a14:m>
+                  <m:oMath xmlns:m="http://schemas.openxmlformats.org/officeDocument/2006/math">
+                    <m:sSup>
+                      <m:sSupPr>
+                        <m:ctrlPr>
+                          <a:rPr lang="ru-RU" b="1" i="1"/>
+                        </m:ctrlPr>
+                      </m:sSupPr>
+                      <m:e>
+                        <m:r>
+                          <a:rPr lang="en-US" b="1" i="1"/>
+                          <m:t>𝑷</m:t>
+                        </m:r>
+                      </m:e>
+                      <m:sup>
+                        <m:r>
+                          <a:rPr lang="uk-UA" b="1" i="1"/>
+                          <m:t>′</m:t>
+                        </m:r>
+                      </m:sup>
+                    </m:sSup>
+                  </m:oMath>
+                </a14:m>
+                <a:r>
+                  <a:rPr lang="uk-UA" dirty="0"/>
+                  <a:t> у порівнянні з </a:t>
+                </a:r>
+                <a14:m>
+                  <m:oMath xmlns:m="http://schemas.openxmlformats.org/officeDocument/2006/math">
+                    <m:r>
+                      <a:rPr lang="uk-UA" b="1" i="1"/>
+                      <m:t>𝑷</m:t>
+                    </m:r>
+                  </m:oMath>
+                </a14:m>
+                <a:r>
+                  <a:rPr lang="uk-UA" dirty="0"/>
+                  <a:t>. У даному методі пропонується отримати </a:t>
+                </a:r>
+                <a14:m>
+                  <m:oMath xmlns:m="http://schemas.openxmlformats.org/officeDocument/2006/math">
+                    <m:sSup>
+                      <m:sSupPr>
+                        <m:ctrlPr>
+                          <a:rPr lang="ru-RU" b="1" i="1"/>
+                        </m:ctrlPr>
+                      </m:sSupPr>
+                      <m:e>
+                        <m:r>
+                          <a:rPr lang="uk-UA" b="1" i="1"/>
+                          <m:t>С</m:t>
+                        </m:r>
+                      </m:e>
+                      <m:sup>
+                        <m:sSup>
+                          <m:sSupPr>
+                            <m:ctrlPr>
+                              <a:rPr lang="ru-RU" b="1" i="1"/>
+                            </m:ctrlPr>
+                          </m:sSupPr>
+                          <m:e>
+                            <m:r>
+                              <a:rPr lang="en-US" b="1" i="1"/>
+                              <m:t>𝑷</m:t>
+                            </m:r>
+                          </m:e>
+                          <m:sup>
+                            <m:r>
+                              <a:rPr lang="uk-UA" b="1" i="1"/>
+                              <m:t>′</m:t>
+                            </m:r>
+                          </m:sup>
+                        </m:sSup>
+                      </m:sup>
+                    </m:sSup>
+                  </m:oMath>
+                </a14:m>
+                <a:r>
+                  <a:rPr lang="uk-UA" dirty="0"/>
+                  <a:t>з системи управління версіями, наприклад найпоширеніші безкоштовні системи управління версіями </a:t>
+                </a:r>
+                <a:r>
+                  <a:rPr lang="en-US" dirty="0" err="1"/>
+                  <a:t>git</a:t>
+                </a:r>
+                <a:r>
+                  <a:rPr lang="uk-UA" dirty="0"/>
+                  <a:t> та </a:t>
+                </a:r>
+                <a:r>
+                  <a:rPr lang="en-US" dirty="0" err="1"/>
+                  <a:t>svn</a:t>
+                </a:r>
+                <a:r>
+                  <a:rPr lang="en-US" dirty="0"/>
+                  <a:t> </a:t>
+                </a:r>
+                <a:r>
+                  <a:rPr lang="uk-UA" dirty="0"/>
+                  <a:t>мають функцію що називається </a:t>
+                </a:r>
+                <a:r>
+                  <a:rPr lang="en-US" dirty="0"/>
+                  <a:t>log </a:t>
+                </a:r>
+                <a:r>
+                  <a:rPr lang="uk-UA" dirty="0"/>
+                  <a:t>і показує які файли мінялися у зазначений проміжок часу або у певному інтервалі ревізій системи контролю версій</a:t>
+                </a:r>
+                <a:r>
+                  <a:rPr lang="uk-UA" dirty="0" smtClean="0"/>
+                  <a:t>.</a:t>
+                </a:r>
+                <a:endParaRPr lang="ru-RU" dirty="0"/>
+              </a:p>
+              <a:p>
+                <a:pPr marL="45720" indent="0">
+                  <a:lnSpc>
+                    <a:spcPct val="120000"/>
+                  </a:lnSpc>
+                  <a:buNone/>
+                </a:pPr>
+                <a:r>
+                  <a:rPr lang="uk-UA" dirty="0"/>
+                  <a:t>Тоді маємо формулу </a:t>
+                </a:r>
+                <a14:m>
+                  <m:oMath xmlns:m="http://schemas.openxmlformats.org/officeDocument/2006/math">
+                    <m:sSubSup>
+                      <m:sSubSupPr>
+                        <m:ctrlPr>
+                          <a:rPr lang="ru-RU" b="1" i="1"/>
+                        </m:ctrlPr>
+                      </m:sSubSupPr>
+                      <m:e>
+                        <m:r>
+                          <a:rPr lang="en-US" b="1" i="1"/>
+                          <m:t>𝑹</m:t>
+                        </m:r>
+                      </m:e>
+                      <m:sub>
+                        <m:r>
+                          <a:rPr lang="uk-UA" b="1" i="1"/>
+                          <m:t>𝒊𝒋</m:t>
+                        </m:r>
+                      </m:sub>
+                      <m:sup>
+                        <m:sSup>
+                          <m:sSupPr>
+                            <m:ctrlPr>
+                              <a:rPr lang="ru-RU" b="1" i="1"/>
+                            </m:ctrlPr>
+                          </m:sSupPr>
+                          <m:e>
+                            <m:r>
+                              <a:rPr lang="en-US" b="1" i="1"/>
+                              <m:t>𝑷</m:t>
+                            </m:r>
+                          </m:e>
+                          <m:sup>
+                            <m:r>
+                              <a:rPr lang="uk-UA" b="1" i="1"/>
+                              <m:t>′</m:t>
+                            </m:r>
+                          </m:sup>
+                        </m:sSup>
+                      </m:sup>
+                    </m:sSubSup>
+                  </m:oMath>
+                </a14:m>
+                <a:r>
+                  <a:rPr lang="uk-UA" b="1" dirty="0"/>
+                  <a:t>-</a:t>
+                </a:r>
+                <a:r>
+                  <a:rPr lang="uk-UA" dirty="0"/>
+                  <a:t> міри зміни модулю </a:t>
+                </a:r>
+                <a:r>
+                  <a:rPr lang="en-US" b="1" i="1" dirty="0"/>
+                  <a:t>j</a:t>
+                </a:r>
+                <a:r>
+                  <a:rPr lang="en-US" dirty="0"/>
+                  <a:t> </a:t>
+                </a:r>
+                <a:r>
+                  <a:rPr lang="uk-UA" dirty="0"/>
+                  <a:t>у зв’язку зі змінами у модулі </a:t>
+                </a:r>
+                <a:r>
+                  <a:rPr lang="en-US" b="1" i="1" dirty="0"/>
+                  <a:t>i</a:t>
+                </a:r>
+                <a:r>
+                  <a:rPr lang="en-US" dirty="0"/>
+                  <a:t> </a:t>
+                </a:r>
+                <a:r>
+                  <a:rPr lang="uk-UA" dirty="0"/>
+                  <a:t>у версії </a:t>
+                </a:r>
+                <a14:m>
+                  <m:oMath xmlns:m="http://schemas.openxmlformats.org/officeDocument/2006/math">
+                    <m:sSup>
+                      <m:sSupPr>
+                        <m:ctrlPr>
+                          <a:rPr lang="ru-RU" b="1" i="1"/>
+                        </m:ctrlPr>
+                      </m:sSupPr>
+                      <m:e>
+                        <m:r>
+                          <a:rPr lang="en-US" b="1" i="1"/>
+                          <m:t>𝑷</m:t>
+                        </m:r>
+                      </m:e>
+                      <m:sup>
+                        <m:r>
+                          <a:rPr lang="uk-UA" b="1" i="1"/>
+                          <m:t>′</m:t>
+                        </m:r>
+                      </m:sup>
+                    </m:sSup>
+                  </m:oMath>
+                </a14:m>
+                <a:r>
+                  <a:rPr lang="uk-UA" dirty="0"/>
+                  <a:t>:</a:t>
+                </a:r>
+                <a:endParaRPr lang="ru-RU" dirty="0"/>
+              </a:p>
+              <a:p>
+                <a:pPr marL="45720" indent="0">
+                  <a:lnSpc>
+                    <a:spcPct val="120000"/>
+                  </a:lnSpc>
+                  <a:buNone/>
+                </a:pPr>
+                <a14:m>
+                  <m:oMathPara xmlns:m="http://schemas.openxmlformats.org/officeDocument/2006/math">
+                    <m:oMathParaPr>
+                      <m:jc m:val="centerGroup"/>
+                    </m:oMathParaPr>
+                    <m:oMath xmlns:m="http://schemas.openxmlformats.org/officeDocument/2006/math">
+                      <m:sSubSup>
+                        <m:sSubSupPr>
+                          <m:ctrlPr>
+                            <a:rPr lang="ru-RU" b="1" i="1"/>
+                          </m:ctrlPr>
+                        </m:sSubSupPr>
+                        <m:e>
+                          <m:r>
+                            <a:rPr lang="en-US" b="1" i="1"/>
+                            <m:t>𝑹</m:t>
+                          </m:r>
+                        </m:e>
+                        <m:sub>
+                          <m:r>
+                            <a:rPr lang="uk-UA" b="1" i="1"/>
+                            <m:t>𝒊𝒋</m:t>
+                          </m:r>
+                        </m:sub>
+                        <m:sup>
+                          <m:sSup>
+                            <m:sSupPr>
+                              <m:ctrlPr>
+                                <a:rPr lang="ru-RU" b="1" i="1"/>
+                              </m:ctrlPr>
+                            </m:sSupPr>
+                            <m:e>
+                              <m:r>
+                                <a:rPr lang="en-US" b="1" i="1"/>
+                                <m:t>𝑷</m:t>
+                              </m:r>
+                            </m:e>
+                            <m:sup>
+                              <m:r>
+                                <a:rPr lang="uk-UA" b="1" i="1"/>
+                                <m:t>′</m:t>
+                              </m:r>
+                            </m:sup>
+                          </m:sSup>
+                        </m:sup>
+                      </m:sSubSup>
+                      <m:r>
+                        <a:rPr lang="uk-UA" b="1" i="1"/>
+                        <m:t>=</m:t>
+                      </m:r>
+                      <m:nary>
+                        <m:naryPr>
+                          <m:chr m:val="∑"/>
+                          <m:limLoc m:val="undOvr"/>
+                          <m:ctrlPr>
+                            <a:rPr lang="ru-RU" b="1" i="1"/>
+                          </m:ctrlPr>
+                        </m:naryPr>
+                        <m:sub>
+                          <m:r>
+                            <a:rPr lang="uk-UA" b="1" i="1"/>
+                            <m:t>𝒍</m:t>
+                          </m:r>
+                          <m:r>
+                            <a:rPr lang="uk-UA" b="1" i="1"/>
+                            <m:t>=</m:t>
+                          </m:r>
+                          <m:r>
+                            <a:rPr lang="uk-UA" b="1" i="1"/>
+                            <m:t>𝟏</m:t>
+                          </m:r>
+                        </m:sub>
+                        <m:sup>
+                          <m:sSub>
+                            <m:sSubPr>
+                              <m:ctrlPr>
+                                <a:rPr lang="ru-RU" b="1" i="1"/>
+                              </m:ctrlPr>
+                            </m:sSubPr>
+                            <m:e>
+                              <m:r>
+                                <a:rPr lang="uk-UA" b="1" i="1"/>
+                                <m:t>𝒑</m:t>
+                              </m:r>
+                            </m:e>
+                            <m:sub>
+                              <m:r>
+                                <a:rPr lang="uk-UA" b="1" i="1"/>
+                                <m:t>𝒍</m:t>
+                              </m:r>
+                            </m:sub>
+                          </m:sSub>
+                        </m:sup>
+                        <m:e>
+                          <m:nary>
+                            <m:naryPr>
+                              <m:chr m:val="∑"/>
+                              <m:limLoc m:val="undOvr"/>
+                              <m:ctrlPr>
+                                <a:rPr lang="ru-RU" b="1" i="1"/>
+                              </m:ctrlPr>
+                            </m:naryPr>
+                            <m:sub>
+                              <m:r>
+                                <a:rPr lang="uk-UA" b="1" i="1"/>
+                                <m:t>𝒌</m:t>
+                              </m:r>
+                              <m:r>
+                                <a:rPr lang="uk-UA" b="1" i="1"/>
+                                <m:t>=</m:t>
+                              </m:r>
+                              <m:r>
+                                <a:rPr lang="uk-UA" b="1" i="1"/>
+                                <m:t>𝟏</m:t>
+                              </m:r>
+                            </m:sub>
+                            <m:sup>
+                              <m:sSub>
+                                <m:sSubPr>
+                                  <m:ctrlPr>
+                                    <a:rPr lang="ru-RU" b="1" i="1"/>
+                                  </m:ctrlPr>
+                                </m:sSubPr>
+                                <m:e>
+                                  <m:r>
+                                    <a:rPr lang="uk-UA" b="1" i="1"/>
+                                    <m:t>𝒑</m:t>
+                                  </m:r>
+                                </m:e>
+                                <m:sub>
+                                  <m:r>
+                                    <a:rPr lang="uk-UA" b="1" i="1"/>
+                                    <m:t>𝒌</m:t>
+                                  </m:r>
+                                </m:sub>
+                              </m:sSub>
+                            </m:sup>
+                            <m:e>
+                              <m:d>
+                                <m:dPr>
+                                  <m:ctrlPr>
+                                    <a:rPr lang="ru-RU" b="1" i="1"/>
+                                  </m:ctrlPr>
+                                </m:dPr>
+                                <m:e>
+                                  <m:sSub>
+                                    <m:sSubPr>
+                                      <m:ctrlPr>
+                                        <a:rPr lang="ru-RU" b="1" i="1"/>
+                                      </m:ctrlPr>
+                                    </m:sSubPr>
+                                    <m:e>
+                                      <m:r>
+                                        <a:rPr lang="uk-UA" b="1" i="1"/>
+                                        <m:t>𝑹</m:t>
+                                      </m:r>
+                                    </m:e>
+                                    <m:sub>
+                                      <m:sSub>
+                                        <m:sSubPr>
+                                          <m:ctrlPr>
+                                            <a:rPr lang="ru-RU" b="1" i="1"/>
+                                          </m:ctrlPr>
+                                        </m:sSubPr>
+                                        <m:e>
+                                          <m:sSub>
+                                            <m:sSubPr>
+                                              <m:ctrlPr>
+                                                <a:rPr lang="ru-RU" b="1" i="1"/>
+                                              </m:ctrlPr>
+                                            </m:sSubPr>
+                                            <m:e>
+                                              <m:r>
+                                                <a:rPr lang="uk-UA" b="1" i="1"/>
+                                                <m:t>𝒊</m:t>
+                                              </m:r>
+                                            </m:e>
+                                            <m:sub>
+                                              <m:r>
+                                                <a:rPr lang="uk-UA" b="1" i="1"/>
+                                                <m:t>𝒍</m:t>
+                                              </m:r>
+                                            </m:sub>
+                                          </m:sSub>
+                                          <m:r>
+                                            <a:rPr lang="uk-UA" b="1" i="1"/>
+                                            <m:t>𝒋</m:t>
+                                          </m:r>
+                                        </m:e>
+                                        <m:sub>
+                                          <m:r>
+                                            <a:rPr lang="uk-UA" b="1" i="1"/>
+                                            <m:t>𝒌</m:t>
+                                          </m:r>
+                                        </m:sub>
+                                      </m:sSub>
+                                    </m:sub>
+                                  </m:sSub>
+                                  <m:r>
+                                    <a:rPr lang="uk-UA" b="1" i="1"/>
+                                    <m:t>⋅</m:t>
+                                  </m:r>
+                                  <m:sSup>
+                                    <m:sSupPr>
+                                      <m:ctrlPr>
+                                        <a:rPr lang="ru-RU" b="1" i="1"/>
+                                      </m:ctrlPr>
+                                    </m:sSupPr>
+                                    <m:e>
+                                      <m:r>
+                                        <a:rPr lang="uk-UA" b="1" i="1"/>
+                                        <m:t>С</m:t>
+                                      </m:r>
+                                    </m:e>
+                                    <m:sup>
+                                      <m:sSup>
+                                        <m:sSupPr>
+                                          <m:ctrlPr>
+                                            <a:rPr lang="ru-RU" b="1" i="1"/>
+                                          </m:ctrlPr>
+                                        </m:sSupPr>
+                                        <m:e>
+                                          <m:r>
+                                            <a:rPr lang="en-US" b="1" i="1"/>
+                                            <m:t>𝑷</m:t>
+                                          </m:r>
+                                        </m:e>
+                                        <m:sup>
+                                          <m:r>
+                                            <a:rPr lang="uk-UA" b="1" i="1"/>
+                                            <m:t>′</m:t>
+                                          </m:r>
+                                        </m:sup>
+                                      </m:sSup>
+                                    </m:sup>
+                                  </m:sSup>
+                                  <m:r>
+                                    <a:rPr lang="uk-UA" b="1" i="1"/>
+                                    <m:t>(</m:t>
+                                  </m:r>
+                                  <m:sSub>
+                                    <m:sSubPr>
+                                      <m:ctrlPr>
+                                        <a:rPr lang="ru-RU" b="1" i="1"/>
+                                      </m:ctrlPr>
+                                    </m:sSubPr>
+                                    <m:e>
+                                      <m:r>
+                                        <a:rPr lang="en-US" b="1" i="1"/>
+                                        <m:t>𝑭</m:t>
+                                      </m:r>
+                                    </m:e>
+                                    <m:sub>
+                                      <m:sSub>
+                                        <m:sSubPr>
+                                          <m:ctrlPr>
+                                            <a:rPr lang="ru-RU" b="1" i="1"/>
+                                          </m:ctrlPr>
+                                        </m:sSubPr>
+                                        <m:e>
+                                          <m:r>
+                                            <a:rPr lang="en-US" b="1" i="1"/>
+                                            <m:t>𝒊</m:t>
+                                          </m:r>
+                                        </m:e>
+                                        <m:sub>
+                                          <m:r>
+                                            <a:rPr lang="en-US" b="1" i="1"/>
+                                            <m:t>𝒍</m:t>
+                                          </m:r>
+                                        </m:sub>
+                                      </m:sSub>
+                                    </m:sub>
+                                  </m:sSub>
+                                  <m:r>
+                                    <a:rPr lang="en-US" b="1" i="1"/>
+                                    <m:t>)</m:t>
+                                  </m:r>
+                                </m:e>
+                              </m:d>
+                            </m:e>
+                          </m:nary>
+                        </m:e>
+                      </m:nary>
+                    </m:oMath>
+                  </m:oMathPara>
+                </a14:m>
+                <a:endParaRPr lang="ru-RU" dirty="0"/>
+              </a:p>
+              <a:p>
+                <a:pPr marL="45720" indent="0">
+                  <a:lnSpc>
+                    <a:spcPct val="120000"/>
+                  </a:lnSpc>
+                  <a:buNone/>
+                </a:pPr>
+                <a14:m>
+                  <m:oMath xmlns:m="http://schemas.openxmlformats.org/officeDocument/2006/math">
+                    <m:sSubSup>
+                      <m:sSubSupPr>
+                        <m:ctrlPr>
+                          <a:rPr lang="ru-RU" b="1" i="1"/>
+                        </m:ctrlPr>
+                      </m:sSubSupPr>
+                      <m:e>
+                        <m:r>
+                          <a:rPr lang="en-US" b="1" i="1"/>
+                          <m:t>𝑹</m:t>
+                        </m:r>
+                      </m:e>
+                      <m:sub>
+                        <m:r>
+                          <a:rPr lang="uk-UA" b="1" i="1"/>
+                          <m:t>𝒊𝒋</m:t>
+                        </m:r>
+                      </m:sub>
+                      <m:sup>
+                        <m:sSup>
+                          <m:sSupPr>
+                            <m:ctrlPr>
+                              <a:rPr lang="ru-RU" b="1" i="1"/>
+                            </m:ctrlPr>
+                          </m:sSupPr>
+                          <m:e>
+                            <m:r>
+                              <a:rPr lang="en-US" b="1" i="1"/>
+                              <m:t>𝑷</m:t>
+                            </m:r>
+                          </m:e>
+                          <m:sup>
+                            <m:r>
+                              <a:rPr lang="uk-UA" b="1" i="1"/>
+                              <m:t>′</m:t>
+                            </m:r>
+                          </m:sup>
+                        </m:sSup>
+                      </m:sup>
+                    </m:sSubSup>
+                    <m:r>
+                      <a:rPr lang="uk-UA" b="1" i="1"/>
+                      <m:t>=</m:t>
+                    </m:r>
+                    <m:r>
+                      <a:rPr lang="uk-UA" b="1" i="1"/>
+                      <m:t>𝟎</m:t>
+                    </m:r>
+                  </m:oMath>
+                </a14:m>
+                <a:r>
+                  <a:rPr lang="uk-UA" dirty="0"/>
+                  <a:t>, тоді і тільки тоді коли або файл</a:t>
+                </a:r>
+                <a:r>
+                  <a:rPr lang="uk-UA" b="1" dirty="0"/>
+                  <a:t> </a:t>
+                </a:r>
+                <a14:m>
+                  <m:oMath xmlns:m="http://schemas.openxmlformats.org/officeDocument/2006/math">
+                    <m:sSub>
+                      <m:sSubPr>
+                        <m:ctrlPr>
+                          <a:rPr lang="ru-RU" b="1" i="1"/>
+                        </m:ctrlPr>
+                      </m:sSubPr>
+                      <m:e>
+                        <m:r>
+                          <a:rPr lang="en-US" b="1" i="1"/>
+                          <m:t>𝑭</m:t>
+                        </m:r>
+                      </m:e>
+                      <m:sub>
+                        <m:sSub>
+                          <m:sSubPr>
+                            <m:ctrlPr>
+                              <a:rPr lang="ru-RU" b="1" i="1"/>
+                            </m:ctrlPr>
+                          </m:sSubPr>
+                          <m:e>
+                            <m:r>
+                              <a:rPr lang="en-US" b="1" i="1"/>
+                              <m:t>𝒋</m:t>
+                            </m:r>
+                          </m:e>
+                          <m:sub>
+                            <m:r>
+                              <a:rPr lang="en-US" b="1" i="1"/>
+                              <m:t>𝒌</m:t>
+                            </m:r>
+                          </m:sub>
+                        </m:sSub>
+                      </m:sub>
+                    </m:sSub>
+                  </m:oMath>
+                </a14:m>
+                <a:r>
+                  <a:rPr lang="en-US" b="1" dirty="0"/>
+                  <a:t> </a:t>
+                </a:r>
+                <a:r>
+                  <a:rPr lang="uk-UA" dirty="0"/>
+                  <a:t>не залежить від</a:t>
+                </a:r>
+                <a:r>
+                  <a:rPr lang="uk-UA" b="1" dirty="0"/>
+                  <a:t> </a:t>
+                </a:r>
+                <a14:m>
+                  <m:oMath xmlns:m="http://schemas.openxmlformats.org/officeDocument/2006/math">
+                    <m:sSub>
+                      <m:sSubPr>
+                        <m:ctrlPr>
+                          <a:rPr lang="ru-RU" b="1" i="1"/>
+                        </m:ctrlPr>
+                      </m:sSubPr>
+                      <m:e>
+                        <m:r>
+                          <a:rPr lang="en-US" b="1" i="1"/>
+                          <m:t>𝑭</m:t>
+                        </m:r>
+                      </m:e>
+                      <m:sub>
+                        <m:sSub>
+                          <m:sSubPr>
+                            <m:ctrlPr>
+                              <a:rPr lang="ru-RU" b="1" i="1"/>
+                            </m:ctrlPr>
+                          </m:sSubPr>
+                          <m:e>
+                            <m:r>
+                              <a:rPr lang="en-US" b="1" i="1"/>
+                              <m:t>𝒊</m:t>
+                            </m:r>
+                          </m:e>
+                          <m:sub>
+                            <m:r>
+                              <a:rPr lang="en-US" b="1" i="1"/>
+                              <m:t>𝒍</m:t>
+                            </m:r>
+                          </m:sub>
+                        </m:sSub>
+                      </m:sub>
+                    </m:sSub>
+                  </m:oMath>
+                </a14:m>
+                <a:r>
+                  <a:rPr lang="uk-UA" dirty="0"/>
+                  <a:t>, або</a:t>
+                </a:r>
+                <a:r>
+                  <a:rPr lang="uk-UA" b="1" dirty="0"/>
+                  <a:t> </a:t>
+                </a:r>
+                <a14:m>
+                  <m:oMath xmlns:m="http://schemas.openxmlformats.org/officeDocument/2006/math">
+                    <m:sSub>
+                      <m:sSubPr>
+                        <m:ctrlPr>
+                          <a:rPr lang="ru-RU" b="1" i="1"/>
+                        </m:ctrlPr>
+                      </m:sSubPr>
+                      <m:e>
+                        <m:r>
+                          <a:rPr lang="en-US" b="1" i="1"/>
+                          <m:t>𝑭</m:t>
+                        </m:r>
+                      </m:e>
+                      <m:sub>
+                        <m:sSub>
+                          <m:sSubPr>
+                            <m:ctrlPr>
+                              <a:rPr lang="ru-RU" b="1" i="1"/>
+                            </m:ctrlPr>
+                          </m:sSubPr>
+                          <m:e>
+                            <m:r>
+                              <a:rPr lang="en-US" b="1" i="1"/>
+                              <m:t>𝒊</m:t>
+                            </m:r>
+                          </m:e>
+                          <m:sub>
+                            <m:r>
+                              <a:rPr lang="en-US" b="1" i="1"/>
+                              <m:t>𝒍</m:t>
+                            </m:r>
+                          </m:sub>
+                        </m:sSub>
+                      </m:sub>
+                    </m:sSub>
+                  </m:oMath>
+                </a14:m>
+                <a:r>
+                  <a:rPr lang="en-US" b="1" dirty="0"/>
+                  <a:t> </a:t>
+                </a:r>
+                <a:r>
+                  <a:rPr lang="uk-UA" dirty="0"/>
+                  <a:t>не змінювався в версії</a:t>
+                </a:r>
+                <a:r>
+                  <a:rPr lang="uk-UA" b="1" dirty="0"/>
+                  <a:t> </a:t>
+                </a:r>
+                <a14:m>
+                  <m:oMath xmlns:m="http://schemas.openxmlformats.org/officeDocument/2006/math">
+                    <m:sSup>
+                      <m:sSupPr>
+                        <m:ctrlPr>
+                          <a:rPr lang="ru-RU" b="1" i="1"/>
+                        </m:ctrlPr>
+                      </m:sSupPr>
+                      <m:e>
+                        <m:r>
+                          <a:rPr lang="en-US" b="1" i="1"/>
+                          <m:t>𝑷</m:t>
+                        </m:r>
+                      </m:e>
+                      <m:sup>
+                        <m:r>
+                          <a:rPr lang="uk-UA" b="1" i="1"/>
+                          <m:t>′</m:t>
+                        </m:r>
+                      </m:sup>
+                    </m:sSup>
+                  </m:oMath>
+                </a14:m>
+                <a:r>
+                  <a:rPr lang="uk-UA" dirty="0"/>
+                  <a:t>.</a:t>
+                </a:r>
+                <a:endParaRPr lang="ru-RU" dirty="0"/>
+              </a:p>
+              <a:p>
+                <a:pPr marL="45720" indent="0">
+                  <a:lnSpc>
+                    <a:spcPct val="120000"/>
+                  </a:lnSpc>
+                  <a:buNone/>
+                </a:pPr>
+                <a:r>
+                  <a:rPr lang="uk-UA" dirty="0" smtClean="0"/>
+                  <a:t>Тепер можемо </a:t>
+                </a:r>
+                <a:r>
+                  <a:rPr lang="uk-UA" dirty="0"/>
+                  <a:t>побудувати когнітивну карту змін у новій версії </a:t>
+                </a:r>
+                <a14:m>
+                  <m:oMath xmlns:m="http://schemas.openxmlformats.org/officeDocument/2006/math">
+                    <m:sSup>
+                      <m:sSupPr>
+                        <m:ctrlPr>
+                          <a:rPr lang="ru-RU" b="1" i="1"/>
+                        </m:ctrlPr>
+                      </m:sSupPr>
+                      <m:e>
+                        <m:r>
+                          <a:rPr lang="en-US" b="1" i="1"/>
+                          <m:t>𝑷</m:t>
+                        </m:r>
+                      </m:e>
+                      <m:sup>
+                        <m:r>
+                          <a:rPr lang="uk-UA" b="1" i="1"/>
+                          <m:t>′</m:t>
+                        </m:r>
+                      </m:sup>
+                    </m:sSup>
+                  </m:oMath>
+                </a14:m>
+                <a:r>
+                  <a:rPr lang="uk-UA" dirty="0"/>
+                  <a:t> програмного забезпечення: </a:t>
+                </a:r>
+                <a:r>
+                  <a:rPr lang="en-US" dirty="0"/>
+                  <a:t> </a:t>
+                </a:r>
+                <a14:m>
+                  <m:oMath xmlns:m="http://schemas.openxmlformats.org/officeDocument/2006/math">
+                    <m:d>
+                      <m:dPr>
+                        <m:ctrlPr>
+                          <a:rPr lang="ru-RU" i="1"/>
+                        </m:ctrlPr>
+                      </m:dPr>
+                      <m:e>
+                        <m:d>
+                          <m:dPr>
+                            <m:begChr m:val="{"/>
+                            <m:endChr m:val="}"/>
+                            <m:ctrlPr>
+                              <a:rPr lang="ru-RU" b="1" i="1"/>
+                            </m:ctrlPr>
+                          </m:dPr>
+                          <m:e>
+                            <m:sSub>
+                              <m:sSubPr>
+                                <m:ctrlPr>
+                                  <a:rPr lang="ru-RU" b="1" i="1"/>
+                                </m:ctrlPr>
+                              </m:sSubPr>
+                              <m:e>
+                                <m:r>
+                                  <a:rPr lang="uk-UA" b="1" i="1"/>
+                                  <m:t>𝑴</m:t>
+                                </m:r>
+                              </m:e>
+                              <m:sub>
+                                <m:r>
+                                  <a:rPr lang="uk-UA" b="1" i="1"/>
+                                  <m:t>𝒊</m:t>
+                                </m:r>
+                              </m:sub>
+                            </m:sSub>
+                          </m:e>
+                        </m:d>
+                        <m:r>
+                          <a:rPr lang="uk-UA" b="1" i="1"/>
+                          <m:t>,</m:t>
+                        </m:r>
+                        <m:d>
+                          <m:dPr>
+                            <m:begChr m:val="{"/>
+                            <m:endChr m:val="}"/>
+                            <m:ctrlPr>
+                              <a:rPr lang="ru-RU" b="1" i="1"/>
+                            </m:ctrlPr>
+                          </m:dPr>
+                          <m:e>
+                            <m:sSubSup>
+                              <m:sSubSupPr>
+                                <m:ctrlPr>
+                                  <a:rPr lang="ru-RU" b="1" i="1"/>
+                                </m:ctrlPr>
+                              </m:sSubSupPr>
+                              <m:e>
+                                <m:r>
+                                  <a:rPr lang="en-US" b="1" i="1"/>
+                                  <m:t>𝑹</m:t>
+                                </m:r>
+                              </m:e>
+                              <m:sub>
+                                <m:r>
+                                  <a:rPr lang="uk-UA" b="1" i="1"/>
+                                  <m:t>𝒊𝒋</m:t>
+                                </m:r>
+                              </m:sub>
+                              <m:sup>
+                                <m:sSup>
+                                  <m:sSupPr>
+                                    <m:ctrlPr>
+                                      <a:rPr lang="ru-RU" b="1" i="1"/>
+                                    </m:ctrlPr>
+                                  </m:sSupPr>
+                                  <m:e>
+                                    <m:r>
+                                      <a:rPr lang="en-US" b="1" i="1"/>
+                                      <m:t>𝑷</m:t>
+                                    </m:r>
+                                  </m:e>
+                                  <m:sup>
+                                    <m:r>
+                                      <a:rPr lang="uk-UA" b="1" i="1"/>
+                                      <m:t>′</m:t>
+                                    </m:r>
+                                  </m:sup>
+                                </m:sSup>
+                              </m:sup>
+                            </m:sSubSup>
+                          </m:e>
+                        </m:d>
+                      </m:e>
+                    </m:d>
+                  </m:oMath>
+                </a14:m>
+                <a:r>
+                  <a:rPr lang="uk-UA" dirty="0"/>
+                  <a:t>, де </a:t>
+                </a:r>
+                <a14:m>
+                  <m:oMath xmlns:m="http://schemas.openxmlformats.org/officeDocument/2006/math">
+                    <m:d>
+                      <m:dPr>
+                        <m:begChr m:val="{"/>
+                        <m:endChr m:val="}"/>
+                        <m:ctrlPr>
+                          <a:rPr lang="ru-RU" b="1" i="1"/>
+                        </m:ctrlPr>
+                      </m:dPr>
+                      <m:e>
+                        <m:sSub>
+                          <m:sSubPr>
+                            <m:ctrlPr>
+                              <a:rPr lang="ru-RU" b="1" i="1"/>
+                            </m:ctrlPr>
+                          </m:sSubPr>
+                          <m:e>
+                            <m:r>
+                              <a:rPr lang="uk-UA" b="1" i="1"/>
+                              <m:t>𝑴</m:t>
+                            </m:r>
+                          </m:e>
+                          <m:sub>
+                            <m:r>
+                              <a:rPr lang="uk-UA" b="1" i="1"/>
+                              <m:t>𝒊</m:t>
+                            </m:r>
+                          </m:sub>
+                        </m:sSub>
+                      </m:e>
+                    </m:d>
+                  </m:oMath>
+                </a14:m>
+                <a:r>
+                  <a:rPr lang="uk-UA" b="1" dirty="0"/>
+                  <a:t> </a:t>
+                </a:r>
+                <a:r>
+                  <a:rPr lang="uk-UA" dirty="0"/>
+                  <a:t>– множина вершин,</a:t>
+                </a:r>
+                <a:r>
+                  <a:rPr lang="uk-UA" b="1" dirty="0"/>
+                  <a:t> </a:t>
+                </a:r>
+                <a14:m>
+                  <m:oMath xmlns:m="http://schemas.openxmlformats.org/officeDocument/2006/math">
+                    <m:d>
+                      <m:dPr>
+                        <m:begChr m:val="{"/>
+                        <m:endChr m:val="}"/>
+                        <m:ctrlPr>
+                          <a:rPr lang="ru-RU" b="1" i="1"/>
+                        </m:ctrlPr>
+                      </m:dPr>
+                      <m:e>
+                        <m:sSubSup>
+                          <m:sSubSupPr>
+                            <m:ctrlPr>
+                              <a:rPr lang="ru-RU" b="1" i="1"/>
+                            </m:ctrlPr>
+                          </m:sSubSupPr>
+                          <m:e>
+                            <m:r>
+                              <a:rPr lang="en-US" b="1" i="1"/>
+                              <m:t>𝑹</m:t>
+                            </m:r>
+                          </m:e>
+                          <m:sub>
+                            <m:r>
+                              <a:rPr lang="uk-UA" b="1" i="1"/>
+                              <m:t>𝒊𝒋</m:t>
+                            </m:r>
+                          </m:sub>
+                          <m:sup>
+                            <m:sSup>
+                              <m:sSupPr>
+                                <m:ctrlPr>
+                                  <a:rPr lang="ru-RU" b="1" i="1"/>
+                                </m:ctrlPr>
+                              </m:sSupPr>
+                              <m:e>
+                                <m:r>
+                                  <a:rPr lang="en-US" b="1" i="1"/>
+                                  <m:t>𝑷</m:t>
+                                </m:r>
+                              </m:e>
+                              <m:sup>
+                                <m:r>
+                                  <a:rPr lang="uk-UA" b="1" i="1"/>
+                                  <m:t>′</m:t>
+                                </m:r>
+                              </m:sup>
+                            </m:sSup>
+                          </m:sup>
+                        </m:sSubSup>
+                      </m:e>
+                    </m:d>
+                  </m:oMath>
+                </a14:m>
+                <a:r>
+                  <a:rPr lang="en-US" b="1" dirty="0"/>
+                  <a:t> </a:t>
+                </a:r>
+                <a:r>
+                  <a:rPr lang="uk-UA" dirty="0"/>
+                  <a:t>– множина зважених ребер</a:t>
+                </a:r>
+                <a:endParaRPr lang="ru-RU" dirty="0"/>
+              </a:p>
+            </p:txBody>
+          </p:sp>
+        </mc:Choice>
+        <mc:Fallback>
+          <p:sp>
+            <p:nvSpPr>
+              <p:cNvPr id="3" name="Объект 2"/>
+              <p:cNvSpPr>
+                <a:spLocks noGrp="1" noRot="1" noChangeAspect="1" noMove="1" noResize="1" noEditPoints="1" noAdjustHandles="1" noChangeArrowheads="1" noChangeShapeType="1" noTextEdit="1"/>
+              </p:cNvSpPr>
+              <p:nvPr>
+                <p:ph sz="quarter" idx="13"/>
+              </p:nvPr>
+            </p:nvSpPr>
+            <p:spPr>
+              <a:xfrm>
+                <a:off x="467544" y="1628800"/>
+                <a:ext cx="8424936" cy="4698856"/>
+              </a:xfrm>
+              <a:blipFill rotWithShape="1">
+                <a:blip r:embed="rId2"/>
+                <a:stretch>
+                  <a:fillRect/>
+                </a:stretch>
+              </a:blipFill>
+            </p:spPr>
+            <p:txBody>
+              <a:bodyPr/>
+              <a:lstStyle/>
+              <a:p>
+                <a:r>
+                  <a:rPr lang="ru-RU">
+                    <a:noFill/>
+                  </a:rPr>
+                  <a:t> </a:t>
+                </a:r>
+              </a:p>
+            </p:txBody>
+          </p:sp>
+        </mc:Fallback>
+      </mc:AlternateContent>
+    </p:spTree>
+    <p:extLst>
+      <p:ext uri="{BB962C8B-B14F-4D97-AF65-F5344CB8AC3E}">
+        <p14:creationId xmlns:p14="http://schemas.microsoft.com/office/powerpoint/2010/main" val="1217430786"/>
+      </p:ext>
+    </p:extLst>
+  </p:cSld>
+  <p:clrMapOvr>
+    <a:masterClrMapping/>
+  </p:clrMapOvr>
+</p:sld>
+</file>
+
+<file path=ppt/slides/slide11.xml><?xml version="1.0" encoding="utf-8"?>
+<p:sld xmlns:a="http://schemas.openxmlformats.org/drawingml/2006/main" xmlns:r="http://schemas.openxmlformats.org/officeDocument/2006/relationships" xmlns:p="http://schemas.openxmlformats.org/presentationml/2006/main">
+  <p:cSld>
+    <p:spTree>
+      <p:nvGrpSpPr>
+        <p:cNvPr id="1" name=""/>
+        <p:cNvGrpSpPr/>
+        <p:nvPr/>
+      </p:nvGrpSpPr>
+      <p:grpSpPr>
+        <a:xfrm>
+          <a:off x="0" y="0"/>
+          <a:ext cx="0" cy="0"/>
+          <a:chOff x="0" y="0"/>
+          <a:chExt cx="0" cy="0"/>
+        </a:xfrm>
+      </p:grpSpPr>
+      <p:sp>
+        <p:nvSpPr>
+          <p:cNvPr id="2" name="Заголовок 1"/>
+          <p:cNvSpPr>
+            <a:spLocks noGrp="1"/>
+          </p:cNvSpPr>
+          <p:nvPr>
+            <p:ph type="title"/>
+          </p:nvPr>
+        </p:nvSpPr>
+        <p:spPr>
+          <a:xfrm>
+            <a:off x="539552" y="332656"/>
+            <a:ext cx="7992888" cy="1008112"/>
+          </a:xfrm>
+        </p:spPr>
+        <p:txBody>
+          <a:bodyPr/>
+          <a:lstStyle/>
+          <a:p>
+            <a:pPr algn="ctr"/>
+            <a:r>
+              <a:rPr lang="uk-UA" sz="2800" dirty="0" smtClean="0"/>
+              <a:t>Використання систем контролю версій для планування регресійного тестування</a:t>
+            </a:r>
+            <a:endParaRPr lang="uk-UA" sz="2800" dirty="0"/>
+          </a:p>
+        </p:txBody>
+      </p:sp>
+      <mc:AlternateContent xmlns:mc="http://schemas.openxmlformats.org/markup-compatibility/2006">
+        <mc:Choice xmlns:a14="http://schemas.microsoft.com/office/drawing/2010/main" Requires="a14">
+          <p:sp>
+            <p:nvSpPr>
+              <p:cNvPr id="3" name="Объект 2"/>
+              <p:cNvSpPr>
+                <a:spLocks noGrp="1"/>
+              </p:cNvSpPr>
+              <p:nvPr>
+                <p:ph sz="quarter" idx="13"/>
+              </p:nvPr>
+            </p:nvSpPr>
+            <p:spPr>
+              <a:xfrm>
+                <a:off x="467544" y="1628800"/>
+                <a:ext cx="8424936" cy="4698856"/>
+              </a:xfrm>
+            </p:spPr>
+            <p:txBody>
+              <a:bodyPr>
+                <a:normAutofit/>
+              </a:bodyPr>
+              <a:lstStyle/>
+              <a:p>
+                <a:pPr marL="45720" indent="0">
+                  <a:buNone/>
+                </a:pPr>
+                <a14:m>
+                  <m:oMath xmlns:m="http://schemas.openxmlformats.org/officeDocument/2006/math">
+                    <m:sSubSup>
+                      <m:sSubSupPr>
+                        <m:ctrlPr>
+                          <a:rPr lang="ru-RU" b="1" i="1"/>
+                        </m:ctrlPr>
+                      </m:sSubSupPr>
+                      <m:e>
+                        <m:r>
+                          <a:rPr lang="uk-UA" b="1" i="1"/>
+                          <m:t>С</m:t>
+                        </m:r>
+                      </m:e>
+                      <m:sub>
+                        <m:r>
+                          <a:rPr lang="uk-UA" b="1" i="1"/>
+                          <m:t>𝟐</m:t>
+                        </m:r>
+                      </m:sub>
+                      <m:sup>
+                        <m:sSup>
+                          <m:sSupPr>
+                            <m:ctrlPr>
+                              <a:rPr lang="ru-RU" b="1" i="1"/>
+                            </m:ctrlPr>
+                          </m:sSupPr>
+                          <m:e>
+                            <m:r>
+                              <a:rPr lang="en-US" b="1" i="1"/>
+                              <m:t>𝑷</m:t>
+                            </m:r>
+                          </m:e>
+                          <m:sup>
+                            <m:r>
+                              <a:rPr lang="uk-UA" b="1" i="1"/>
+                              <m:t>′</m:t>
+                            </m:r>
+                          </m:sup>
+                        </m:sSup>
+                      </m:sup>
+                    </m:sSubSup>
+                    <m:r>
+                      <a:rPr lang="uk-UA" b="1" i="1"/>
+                      <m:t>(</m:t>
+                    </m:r>
+                    <m:sSub>
+                      <m:sSubPr>
+                        <m:ctrlPr>
+                          <a:rPr lang="ru-RU" b="1" i="1"/>
+                        </m:ctrlPr>
+                      </m:sSubPr>
+                      <m:e>
+                        <m:r>
+                          <a:rPr lang="en-US" b="1" i="1"/>
+                          <m:t>𝑭</m:t>
+                        </m:r>
+                      </m:e>
+                      <m:sub>
+                        <m:sSub>
+                          <m:sSubPr>
+                            <m:ctrlPr>
+                              <a:rPr lang="ru-RU" b="1" i="1"/>
+                            </m:ctrlPr>
+                          </m:sSubPr>
+                          <m:e>
+                            <m:r>
+                              <a:rPr lang="en-US" b="1" i="1"/>
+                              <m:t>𝒊</m:t>
+                            </m:r>
+                          </m:e>
+                          <m:sub>
+                            <m:r>
+                              <a:rPr lang="en-US" b="1" i="1"/>
+                              <m:t>𝒍</m:t>
+                            </m:r>
+                          </m:sub>
+                        </m:sSub>
+                      </m:sub>
+                    </m:sSub>
+                  </m:oMath>
+                </a14:m>
+                <a:r>
+                  <a:rPr lang="uk-UA" b="1" dirty="0"/>
+                  <a:t>)</a:t>
+                </a:r>
+                <a:r>
+                  <a:rPr lang="uk-UA" dirty="0"/>
+                  <a:t> – функція-індикатор що вказує чи зазнав файл </a:t>
+                </a:r>
+                <a14:m>
+                  <m:oMath xmlns:m="http://schemas.openxmlformats.org/officeDocument/2006/math">
+                    <m:sSub>
+                      <m:sSubPr>
+                        <m:ctrlPr>
+                          <a:rPr lang="ru-RU" b="1" i="1"/>
+                        </m:ctrlPr>
+                      </m:sSubPr>
+                      <m:e>
+                        <m:r>
+                          <a:rPr lang="en-US" b="1" i="1"/>
+                          <m:t>𝑭</m:t>
+                        </m:r>
+                      </m:e>
+                      <m:sub>
+                        <m:sSub>
+                          <m:sSubPr>
+                            <m:ctrlPr>
+                              <a:rPr lang="ru-RU" b="1" i="1"/>
+                            </m:ctrlPr>
+                          </m:sSubPr>
+                          <m:e>
+                            <m:r>
+                              <a:rPr lang="en-US" b="1" i="1"/>
+                              <m:t>𝒊</m:t>
+                            </m:r>
+                          </m:e>
+                          <m:sub>
+                            <m:r>
+                              <a:rPr lang="en-US" b="1" i="1"/>
+                              <m:t>𝒍</m:t>
+                            </m:r>
+                          </m:sub>
+                        </m:sSub>
+                      </m:sub>
+                    </m:sSub>
+                  </m:oMath>
+                </a14:m>
+                <a:r>
+                  <a:rPr lang="uk-UA" dirty="0"/>
+                  <a:t> прямого впливу від змін  у версії </a:t>
+                </a:r>
+                <a14:m>
+                  <m:oMath xmlns:m="http://schemas.openxmlformats.org/officeDocument/2006/math">
+                    <m:sSup>
+                      <m:sSupPr>
+                        <m:ctrlPr>
+                          <a:rPr lang="ru-RU" b="1" i="1"/>
+                        </m:ctrlPr>
+                      </m:sSupPr>
+                      <m:e>
+                        <m:r>
+                          <a:rPr lang="en-US" b="1" i="1"/>
+                          <m:t>𝑷</m:t>
+                        </m:r>
+                      </m:e>
+                      <m:sup>
+                        <m:r>
+                          <a:rPr lang="uk-UA" b="1" i="1"/>
+                          <m:t>′</m:t>
+                        </m:r>
+                      </m:sup>
+                    </m:sSup>
+                  </m:oMath>
+                </a14:m>
+                <a:r>
+                  <a:rPr lang="uk-UA" dirty="0"/>
+                  <a:t> у порівнянні з </a:t>
+                </a:r>
+                <a14:m>
+                  <m:oMath xmlns:m="http://schemas.openxmlformats.org/officeDocument/2006/math">
+                    <m:r>
+                      <a:rPr lang="uk-UA" b="1" i="1"/>
+                      <m:t>𝑷</m:t>
+                    </m:r>
+                  </m:oMath>
+                </a14:m>
+                <a:endParaRPr lang="ru-RU" dirty="0"/>
+              </a:p>
+              <a:p>
+                <a:pPr marL="45720" indent="0">
+                  <a:buNone/>
+                </a:pPr>
+                <a:r>
+                  <a:rPr lang="uk-UA" dirty="0"/>
+                  <a:t>Тоді маємо формулу </a:t>
+                </a:r>
+                <a14:m>
+                  <m:oMath xmlns:m="http://schemas.openxmlformats.org/officeDocument/2006/math">
+                    <m:sSubSup>
+                      <m:sSubSupPr>
+                        <m:ctrlPr>
+                          <a:rPr lang="ru-RU" b="1" i="1"/>
+                        </m:ctrlPr>
+                      </m:sSubSupPr>
+                      <m:e>
+                        <m:r>
+                          <a:rPr lang="en-US" b="1" i="1"/>
+                          <m:t>𝑰𝑹</m:t>
+                        </m:r>
+                      </m:e>
+                      <m:sub>
+                        <m:r>
+                          <a:rPr lang="uk-UA" b="1" i="1"/>
+                          <m:t>𝒊𝒋</m:t>
+                        </m:r>
+                      </m:sub>
+                      <m:sup>
+                        <m:sSup>
+                          <m:sSupPr>
+                            <m:ctrlPr>
+                              <a:rPr lang="ru-RU" b="1" i="1"/>
+                            </m:ctrlPr>
+                          </m:sSupPr>
+                          <m:e>
+                            <m:r>
+                              <a:rPr lang="en-US" b="1" i="1"/>
+                              <m:t>𝑷</m:t>
+                            </m:r>
+                          </m:e>
+                          <m:sup>
+                            <m:r>
+                              <a:rPr lang="uk-UA" b="1" i="1"/>
+                              <m:t>′</m:t>
+                            </m:r>
+                          </m:sup>
+                        </m:sSup>
+                      </m:sup>
+                    </m:sSubSup>
+                  </m:oMath>
+                </a14:m>
+                <a:r>
+                  <a:rPr lang="uk-UA" b="1" dirty="0"/>
+                  <a:t>- </a:t>
+                </a:r>
+                <a:r>
+                  <a:rPr lang="uk-UA" dirty="0"/>
+                  <a:t>міри непрямих змін модулю </a:t>
+                </a:r>
+                <a:r>
+                  <a:rPr lang="en-US" b="1" i="1" dirty="0"/>
+                  <a:t>j</a:t>
+                </a:r>
+                <a:r>
+                  <a:rPr lang="en-US" dirty="0"/>
+                  <a:t> </a:t>
+                </a:r>
+                <a:r>
+                  <a:rPr lang="uk-UA" dirty="0"/>
+                  <a:t>у зв’язку зі змінами у модулі </a:t>
+                </a:r>
+                <a:r>
+                  <a:rPr lang="en-US" b="1" i="1" dirty="0"/>
+                  <a:t>i</a:t>
+                </a:r>
+                <a:r>
+                  <a:rPr lang="en-US" dirty="0"/>
+                  <a:t> </a:t>
+                </a:r>
+                <a:r>
+                  <a:rPr lang="uk-UA" dirty="0"/>
+                  <a:t>у версії </a:t>
+                </a:r>
+                <a14:m>
+                  <m:oMath xmlns:m="http://schemas.openxmlformats.org/officeDocument/2006/math">
+                    <m:sSup>
+                      <m:sSupPr>
+                        <m:ctrlPr>
+                          <a:rPr lang="ru-RU" b="1" i="1"/>
+                        </m:ctrlPr>
+                      </m:sSupPr>
+                      <m:e>
+                        <m:r>
+                          <a:rPr lang="en-US" b="1" i="1"/>
+                          <m:t>𝑷</m:t>
+                        </m:r>
+                      </m:e>
+                      <m:sup>
+                        <m:r>
+                          <a:rPr lang="uk-UA" b="1" i="1"/>
+                          <m:t>′</m:t>
+                        </m:r>
+                      </m:sup>
+                    </m:sSup>
+                  </m:oMath>
+                </a14:m>
+                <a:r>
+                  <a:rPr lang="uk-UA" dirty="0"/>
+                  <a:t>:</a:t>
+                </a:r>
+                <a:endParaRPr lang="ru-RU" dirty="0"/>
+              </a:p>
+              <a:p>
+                <a:pPr marL="45720" indent="0">
+                  <a:buNone/>
+                </a:pPr>
+                <a14:m>
+                  <m:oMathPara xmlns:m="http://schemas.openxmlformats.org/officeDocument/2006/math">
+                    <m:oMathParaPr>
+                      <m:jc m:val="centerGroup"/>
+                    </m:oMathParaPr>
+                    <m:oMath xmlns:m="http://schemas.openxmlformats.org/officeDocument/2006/math">
+                      <m:sSubSup>
+                        <m:sSubSupPr>
+                          <m:ctrlPr>
+                            <a:rPr lang="ru-RU" b="1" i="1"/>
+                          </m:ctrlPr>
+                        </m:sSubSupPr>
+                        <m:e>
+                          <m:r>
+                            <a:rPr lang="en-US" b="1" i="1"/>
+                            <m:t>𝑰𝑹</m:t>
+                          </m:r>
+                        </m:e>
+                        <m:sub>
+                          <m:r>
+                            <a:rPr lang="uk-UA" b="1" i="1"/>
+                            <m:t>𝒊𝒋</m:t>
+                          </m:r>
+                        </m:sub>
+                        <m:sup>
+                          <m:sSup>
+                            <m:sSupPr>
+                              <m:ctrlPr>
+                                <a:rPr lang="ru-RU" b="1" i="1"/>
+                              </m:ctrlPr>
+                            </m:sSupPr>
+                            <m:e>
+                              <m:r>
+                                <a:rPr lang="en-US" b="1" i="1"/>
+                                <m:t>𝑷</m:t>
+                              </m:r>
+                            </m:e>
+                            <m:sup>
+                              <m:r>
+                                <a:rPr lang="uk-UA" b="1" i="1"/>
+                                <m:t>′</m:t>
+                              </m:r>
+                            </m:sup>
+                          </m:sSup>
+                        </m:sup>
+                      </m:sSubSup>
+                      <m:r>
+                        <a:rPr lang="uk-UA" b="1" i="1"/>
+                        <m:t>=</m:t>
+                      </m:r>
+                      <m:nary>
+                        <m:naryPr>
+                          <m:chr m:val="∑"/>
+                          <m:limLoc m:val="undOvr"/>
+                          <m:ctrlPr>
+                            <a:rPr lang="ru-RU" b="1" i="1"/>
+                          </m:ctrlPr>
+                        </m:naryPr>
+                        <m:sub>
+                          <m:r>
+                            <a:rPr lang="uk-UA" b="1" i="1"/>
+                            <m:t>𝒍</m:t>
+                          </m:r>
+                          <m:r>
+                            <a:rPr lang="uk-UA" b="1" i="1"/>
+                            <m:t>=</m:t>
+                          </m:r>
+                          <m:r>
+                            <a:rPr lang="uk-UA" b="1" i="1"/>
+                            <m:t>𝟏</m:t>
+                          </m:r>
+                        </m:sub>
+                        <m:sup>
+                          <m:sSub>
+                            <m:sSubPr>
+                              <m:ctrlPr>
+                                <a:rPr lang="ru-RU" b="1" i="1"/>
+                              </m:ctrlPr>
+                            </m:sSubPr>
+                            <m:e>
+                              <m:r>
+                                <a:rPr lang="uk-UA" b="1" i="1"/>
+                                <m:t>𝒑</m:t>
+                              </m:r>
+                            </m:e>
+                            <m:sub>
+                              <m:r>
+                                <a:rPr lang="uk-UA" b="1" i="1"/>
+                                <m:t>𝒍</m:t>
+                              </m:r>
+                            </m:sub>
+                          </m:sSub>
+                        </m:sup>
+                        <m:e>
+                          <m:nary>
+                            <m:naryPr>
+                              <m:chr m:val="∑"/>
+                              <m:limLoc m:val="undOvr"/>
+                              <m:ctrlPr>
+                                <a:rPr lang="ru-RU" b="1" i="1"/>
+                              </m:ctrlPr>
+                            </m:naryPr>
+                            <m:sub>
+                              <m:r>
+                                <a:rPr lang="uk-UA" b="1" i="1"/>
+                                <m:t>𝒌</m:t>
+                              </m:r>
+                              <m:r>
+                                <a:rPr lang="uk-UA" b="1" i="1"/>
+                                <m:t>=</m:t>
+                              </m:r>
+                              <m:r>
+                                <a:rPr lang="uk-UA" b="1" i="1"/>
+                                <m:t>𝟏</m:t>
+                              </m:r>
+                            </m:sub>
+                            <m:sup>
+                              <m:sSub>
+                                <m:sSubPr>
+                                  <m:ctrlPr>
+                                    <a:rPr lang="ru-RU" b="1" i="1"/>
+                                  </m:ctrlPr>
+                                </m:sSubPr>
+                                <m:e>
+                                  <m:r>
+                                    <a:rPr lang="uk-UA" b="1" i="1"/>
+                                    <m:t>𝒑</m:t>
+                                  </m:r>
+                                </m:e>
+                                <m:sub>
+                                  <m:r>
+                                    <a:rPr lang="uk-UA" b="1" i="1"/>
+                                    <m:t>𝒌</m:t>
+                                  </m:r>
+                                </m:sub>
+                              </m:sSub>
+                            </m:sup>
+                            <m:e>
+                              <m:d>
+                                <m:dPr>
+                                  <m:ctrlPr>
+                                    <a:rPr lang="ru-RU" b="1" i="1"/>
+                                  </m:ctrlPr>
+                                </m:dPr>
+                                <m:e>
+                                  <m:sSub>
+                                    <m:sSubPr>
+                                      <m:ctrlPr>
+                                        <a:rPr lang="ru-RU" b="1" i="1"/>
+                                      </m:ctrlPr>
+                                    </m:sSubPr>
+                                    <m:e>
+                                      <m:r>
+                                        <a:rPr lang="uk-UA" b="1" i="1"/>
+                                        <m:t>𝑹</m:t>
+                                      </m:r>
+                                    </m:e>
+                                    <m:sub>
+                                      <m:sSub>
+                                        <m:sSubPr>
+                                          <m:ctrlPr>
+                                            <a:rPr lang="ru-RU" b="1" i="1"/>
+                                          </m:ctrlPr>
+                                        </m:sSubPr>
+                                        <m:e>
+                                          <m:sSub>
+                                            <m:sSubPr>
+                                              <m:ctrlPr>
+                                                <a:rPr lang="ru-RU" b="1" i="1"/>
+                                              </m:ctrlPr>
+                                            </m:sSubPr>
+                                            <m:e>
+                                              <m:r>
+                                                <a:rPr lang="uk-UA" b="1" i="1"/>
+                                                <m:t>𝒊</m:t>
+                                              </m:r>
+                                            </m:e>
+                                            <m:sub>
+                                              <m:r>
+                                                <a:rPr lang="uk-UA" b="1" i="1"/>
+                                                <m:t>𝒍</m:t>
+                                              </m:r>
+                                            </m:sub>
+                                          </m:sSub>
+                                          <m:r>
+                                            <a:rPr lang="uk-UA" b="1" i="1"/>
+                                            <m:t>𝒋</m:t>
+                                          </m:r>
+                                        </m:e>
+                                        <m:sub>
+                                          <m:r>
+                                            <a:rPr lang="uk-UA" b="1" i="1"/>
+                                            <m:t>𝒌</m:t>
+                                          </m:r>
+                                        </m:sub>
+                                      </m:sSub>
+                                    </m:sub>
+                                  </m:sSub>
+                                  <m:r>
+                                    <a:rPr lang="uk-UA" b="1" i="1"/>
+                                    <m:t>⋅</m:t>
+                                  </m:r>
+                                  <m:sSubSup>
+                                    <m:sSubSupPr>
+                                      <m:ctrlPr>
+                                        <a:rPr lang="ru-RU" b="1" i="1"/>
+                                      </m:ctrlPr>
+                                    </m:sSubSupPr>
+                                    <m:e>
+                                      <m:r>
+                                        <a:rPr lang="uk-UA" b="1" i="1"/>
+                                        <m:t>С</m:t>
+                                      </m:r>
+                                    </m:e>
+                                    <m:sub>
+                                      <m:r>
+                                        <a:rPr lang="uk-UA" b="1" i="1"/>
+                                        <m:t>𝟐</m:t>
+                                      </m:r>
+                                    </m:sub>
+                                    <m:sup>
+                                      <m:sSup>
+                                        <m:sSupPr>
+                                          <m:ctrlPr>
+                                            <a:rPr lang="ru-RU" b="1" i="1"/>
+                                          </m:ctrlPr>
+                                        </m:sSupPr>
+                                        <m:e>
+                                          <m:r>
+                                            <a:rPr lang="en-US" b="1" i="1"/>
+                                            <m:t>𝑷</m:t>
+                                          </m:r>
+                                        </m:e>
+                                        <m:sup>
+                                          <m:r>
+                                            <a:rPr lang="uk-UA" b="1" i="1"/>
+                                            <m:t>′</m:t>
+                                          </m:r>
+                                        </m:sup>
+                                      </m:sSup>
+                                    </m:sup>
+                                  </m:sSubSup>
+                                  <m:r>
+                                    <a:rPr lang="uk-UA" b="1" i="1"/>
+                                    <m:t>(</m:t>
+                                  </m:r>
+                                  <m:sSub>
+                                    <m:sSubPr>
+                                      <m:ctrlPr>
+                                        <a:rPr lang="ru-RU" b="1" i="1"/>
+                                      </m:ctrlPr>
+                                    </m:sSubPr>
+                                    <m:e>
+                                      <m:r>
+                                        <a:rPr lang="en-US" b="1" i="1"/>
+                                        <m:t>𝑭</m:t>
+                                      </m:r>
+                                    </m:e>
+                                    <m:sub>
+                                      <m:sSub>
+                                        <m:sSubPr>
+                                          <m:ctrlPr>
+                                            <a:rPr lang="ru-RU" b="1" i="1"/>
+                                          </m:ctrlPr>
+                                        </m:sSubPr>
+                                        <m:e>
+                                          <m:r>
+                                            <a:rPr lang="en-US" b="1" i="1"/>
+                                            <m:t>𝒊</m:t>
+                                          </m:r>
+                                        </m:e>
+                                        <m:sub>
+                                          <m:r>
+                                            <a:rPr lang="en-US" b="1" i="1"/>
+                                            <m:t>𝒍</m:t>
+                                          </m:r>
+                                        </m:sub>
+                                      </m:sSub>
+                                    </m:sub>
+                                  </m:sSub>
+                                  <m:r>
+                                    <a:rPr lang="en-US" b="1" i="1"/>
+                                    <m:t>)</m:t>
+                                  </m:r>
+                                </m:e>
+                              </m:d>
+                            </m:e>
+                          </m:nary>
+                        </m:e>
+                      </m:nary>
+                    </m:oMath>
+                  </m:oMathPara>
+                </a14:m>
+                <a:endParaRPr lang="ru-RU" dirty="0"/>
+              </a:p>
+              <a:p>
+                <a:pPr marL="45720" indent="0">
+                  <a:buNone/>
+                </a:pPr>
+                <a:r>
+                  <a:rPr lang="uk-UA" dirty="0"/>
+                  <a:t>Тепер можемо побудувати когнітивну карту змін у новій версії </a:t>
+                </a:r>
+                <a14:m>
+                  <m:oMath xmlns:m="http://schemas.openxmlformats.org/officeDocument/2006/math">
+                    <m:sSup>
+                      <m:sSupPr>
+                        <m:ctrlPr>
+                          <a:rPr lang="ru-RU" b="1" i="1"/>
+                        </m:ctrlPr>
+                      </m:sSupPr>
+                      <m:e>
+                        <m:r>
+                          <a:rPr lang="en-US" b="1" i="1"/>
+                          <m:t>𝑷</m:t>
+                        </m:r>
+                      </m:e>
+                      <m:sup>
+                        <m:r>
+                          <a:rPr lang="uk-UA" b="1" i="1"/>
+                          <m:t>′</m:t>
+                        </m:r>
+                      </m:sup>
+                    </m:sSup>
+                  </m:oMath>
+                </a14:m>
+                <a:r>
+                  <a:rPr lang="uk-UA" dirty="0"/>
+                  <a:t> програмного забезпечення, враховуючи непрямі зв’язки: </a:t>
+                </a:r>
+                <a:r>
+                  <a:rPr lang="en-US" dirty="0"/>
+                  <a:t> </a:t>
+                </a:r>
+                <a14:m>
+                  <m:oMath xmlns:m="http://schemas.openxmlformats.org/officeDocument/2006/math">
+                    <m:d>
+                      <m:dPr>
+                        <m:ctrlPr>
+                          <a:rPr lang="ru-RU" i="1"/>
+                        </m:ctrlPr>
+                      </m:dPr>
+                      <m:e>
+                        <m:d>
+                          <m:dPr>
+                            <m:begChr m:val="{"/>
+                            <m:endChr m:val="}"/>
+                            <m:ctrlPr>
+                              <a:rPr lang="ru-RU" b="1" i="1"/>
+                            </m:ctrlPr>
+                          </m:dPr>
+                          <m:e>
+                            <m:sSub>
+                              <m:sSubPr>
+                                <m:ctrlPr>
+                                  <a:rPr lang="ru-RU" b="1" i="1"/>
+                                </m:ctrlPr>
+                              </m:sSubPr>
+                              <m:e>
+                                <m:r>
+                                  <a:rPr lang="uk-UA" b="1" i="1"/>
+                                  <m:t>𝑴</m:t>
+                                </m:r>
+                              </m:e>
+                              <m:sub>
+                                <m:r>
+                                  <a:rPr lang="uk-UA" b="1" i="1"/>
+                                  <m:t>𝒊</m:t>
+                                </m:r>
+                              </m:sub>
+                            </m:sSub>
+                          </m:e>
+                        </m:d>
+                        <m:r>
+                          <a:rPr lang="uk-UA" b="1" i="1"/>
+                          <m:t>,</m:t>
+                        </m:r>
+                        <m:d>
+                          <m:dPr>
+                            <m:begChr m:val="{"/>
+                            <m:endChr m:val="}"/>
+                            <m:ctrlPr>
+                              <a:rPr lang="ru-RU" b="1" i="1"/>
+                            </m:ctrlPr>
+                          </m:dPr>
+                          <m:e>
+                            <m:sSubSup>
+                              <m:sSubSupPr>
+                                <m:ctrlPr>
+                                  <a:rPr lang="ru-RU" b="1" i="1"/>
+                                </m:ctrlPr>
+                              </m:sSubSupPr>
+                              <m:e>
+                                <m:r>
+                                  <a:rPr lang="en-US" b="1" i="1"/>
+                                  <m:t>𝑹</m:t>
+                                </m:r>
+                              </m:e>
+                              <m:sub>
+                                <m:r>
+                                  <a:rPr lang="uk-UA" b="1" i="1"/>
+                                  <m:t>𝒊𝒋</m:t>
+                                </m:r>
+                              </m:sub>
+                              <m:sup>
+                                <m:sSup>
+                                  <m:sSupPr>
+                                    <m:ctrlPr>
+                                      <a:rPr lang="ru-RU" b="1" i="1"/>
+                                    </m:ctrlPr>
+                                  </m:sSupPr>
+                                  <m:e>
+                                    <m:r>
+                                      <a:rPr lang="en-US" b="1" i="1"/>
+                                      <m:t>𝑷</m:t>
+                                    </m:r>
+                                  </m:e>
+                                  <m:sup>
+                                    <m:r>
+                                      <a:rPr lang="uk-UA" b="1" i="1"/>
+                                      <m:t>′</m:t>
+                                    </m:r>
+                                  </m:sup>
+                                </m:sSup>
+                              </m:sup>
+                            </m:sSubSup>
+                          </m:e>
+                        </m:d>
+                        <m:r>
+                          <a:rPr lang="ru-RU" b="1" i="1"/>
+                          <m:t>∪</m:t>
+                        </m:r>
+                        <m:d>
+                          <m:dPr>
+                            <m:begChr m:val="{"/>
+                            <m:endChr m:val="}"/>
+                            <m:ctrlPr>
+                              <a:rPr lang="ru-RU" b="1" i="1"/>
+                            </m:ctrlPr>
+                          </m:dPr>
+                          <m:e>
+                            <m:sSubSup>
+                              <m:sSubSupPr>
+                                <m:ctrlPr>
+                                  <a:rPr lang="ru-RU" b="1" i="1"/>
+                                </m:ctrlPr>
+                              </m:sSubSupPr>
+                              <m:e>
+                                <m:r>
+                                  <a:rPr lang="en-US" b="1" i="1"/>
+                                  <m:t>𝑰𝑹</m:t>
+                                </m:r>
+                              </m:e>
+                              <m:sub>
+                                <m:r>
+                                  <a:rPr lang="uk-UA" b="1" i="1"/>
+                                  <m:t>𝒊𝒋</m:t>
+                                </m:r>
+                              </m:sub>
+                              <m:sup>
+                                <m:sSup>
+                                  <m:sSupPr>
+                                    <m:ctrlPr>
+                                      <a:rPr lang="ru-RU" b="1" i="1"/>
+                                    </m:ctrlPr>
+                                  </m:sSupPr>
+                                  <m:e>
+                                    <m:r>
+                                      <a:rPr lang="en-US" b="1" i="1"/>
+                                      <m:t>𝑷</m:t>
+                                    </m:r>
+                                  </m:e>
+                                  <m:sup>
+                                    <m:r>
+                                      <a:rPr lang="uk-UA" b="1" i="1"/>
+                                      <m:t>′</m:t>
+                                    </m:r>
+                                  </m:sup>
+                                </m:sSup>
+                              </m:sup>
+                            </m:sSubSup>
+                          </m:e>
+                        </m:d>
+                      </m:e>
+                    </m:d>
+                  </m:oMath>
+                </a14:m>
+                <a:r>
+                  <a:rPr lang="uk-UA" dirty="0"/>
+                  <a:t>.</a:t>
+                </a:r>
+                <a:endParaRPr lang="ru-RU" dirty="0"/>
+              </a:p>
+            </p:txBody>
+          </p:sp>
+        </mc:Choice>
+        <mc:Fallback>
+          <p:sp>
+            <p:nvSpPr>
+              <p:cNvPr id="3" name="Объект 2"/>
+              <p:cNvSpPr>
+                <a:spLocks noGrp="1" noRot="1" noChangeAspect="1" noMove="1" noResize="1" noEditPoints="1" noAdjustHandles="1" noChangeArrowheads="1" noChangeShapeType="1" noTextEdit="1"/>
+              </p:cNvSpPr>
+              <p:nvPr>
+                <p:ph sz="quarter" idx="13"/>
+              </p:nvPr>
+            </p:nvSpPr>
+            <p:spPr>
+              <a:xfrm>
+                <a:off x="467544" y="1628800"/>
+                <a:ext cx="8424936" cy="4698856"/>
+              </a:xfrm>
+              <a:blipFill rotWithShape="1">
+                <a:blip r:embed="rId2"/>
+                <a:stretch>
+                  <a:fillRect l="-362" r="-1881"/>
+                </a:stretch>
+              </a:blipFill>
+            </p:spPr>
+            <p:txBody>
+              <a:bodyPr/>
+              <a:lstStyle/>
+              <a:p>
+                <a:r>
+                  <a:rPr lang="ru-RU">
+                    <a:noFill/>
+                  </a:rPr>
+                  <a:t> </a:t>
+                </a:r>
+              </a:p>
+            </p:txBody>
+          </p:sp>
+        </mc:Fallback>
+      </mc:AlternateContent>
+    </p:spTree>
+    <p:extLst>
+      <p:ext uri="{BB962C8B-B14F-4D97-AF65-F5344CB8AC3E}">
+        <p14:creationId xmlns:p14="http://schemas.microsoft.com/office/powerpoint/2010/main" val="2954651303"/>
+      </p:ext>
+    </p:extLst>
+  </p:cSld>
+  <p:clrMapOvr>
+    <a:masterClrMapping/>
+  </p:clrMapOvr>
+</p:sld>
+</file>
+
+<file path=ppt/slides/slide12.xml><?xml version="1.0" encoding="utf-8"?>
+<p:sld xmlns:a="http://schemas.openxmlformats.org/drawingml/2006/main" xmlns:r="http://schemas.openxmlformats.org/officeDocument/2006/relationships" xmlns:p="http://schemas.openxmlformats.org/presentationml/2006/main">
+  <p:cSld>
+    <p:spTree>
+      <p:nvGrpSpPr>
+        <p:cNvPr id="1" name=""/>
+        <p:cNvGrpSpPr/>
+        <p:nvPr/>
+      </p:nvGrpSpPr>
+      <p:grpSpPr>
+        <a:xfrm>
+          <a:off x="0" y="0"/>
+          <a:ext cx="0" cy="0"/>
+          <a:chOff x="0" y="0"/>
+          <a:chExt cx="0" cy="0"/>
+        </a:xfrm>
+      </p:grpSpPr>
+      <p:sp>
+        <p:nvSpPr>
+          <p:cNvPr id="2" name="Заголовок 1"/>
+          <p:cNvSpPr>
+            <a:spLocks noGrp="1"/>
+          </p:cNvSpPr>
+          <p:nvPr>
+            <p:ph type="title"/>
+          </p:nvPr>
+        </p:nvSpPr>
+        <p:spPr>
+          <a:xfrm>
+            <a:off x="539552" y="332656"/>
+            <a:ext cx="7992888" cy="1008112"/>
+          </a:xfrm>
+        </p:spPr>
+        <p:txBody>
+          <a:bodyPr/>
+          <a:lstStyle/>
+          <a:p>
+            <a:pPr algn="ctr"/>
+            <a:r>
+              <a:rPr lang="uk-UA" sz="2800" dirty="0"/>
+              <a:t>Когнітивна карта </a:t>
+            </a:r>
+            <a:r>
+              <a:rPr lang="uk-UA" sz="2800" dirty="0" smtClean="0"/>
+              <a:t>нової версії програмного забезпечення</a:t>
             </a:r>
             <a:endParaRPr lang="uk-UA" sz="2800" dirty="0"/>
           </a:p>
@@ -4670,7 +6864,7 @@
       </p:sp>
       <p:pic>
         <p:nvPicPr>
-          <p:cNvPr id="3074" name="Picture 2" descr="C:\Users\Артем\Desktop\img\5.png"/>
+          <p:cNvPr id="2050" name="Picture 2" descr="C:\Bakalavr\img\5_1.png"/>
           <p:cNvPicPr>
             <a:picLocks noChangeAspect="1" noChangeArrowheads="1"/>
           </p:cNvPicPr>
@@ -4691,7 +6885,7 @@
         </p:blipFill>
         <p:spPr bwMode="auto">
           <a:xfrm>
-            <a:off x="539552" y="1402754"/>
+            <a:off x="611560" y="1419225"/>
             <a:ext cx="2609850" cy="4019550"/>
           </a:xfrm>
           <a:prstGeom prst="rect">
@@ -4711,7 +6905,7 @@
       </p:pic>
       <p:pic>
         <p:nvPicPr>
-          <p:cNvPr id="3075" name="Picture 3" descr="C:\Users\Артем\Desktop\img\4.png"/>
+          <p:cNvPr id="2051" name="Picture 3" descr="C:\Bakalavr\img\4_3.png"/>
           <p:cNvPicPr>
             <a:picLocks noChangeAspect="1" noChangeArrowheads="1"/>
           </p:cNvPicPr>
@@ -4732,7 +6926,7 @@
         </p:blipFill>
         <p:spPr bwMode="auto">
           <a:xfrm>
-            <a:off x="3419872" y="1852613"/>
+            <a:off x="3491880" y="1852612"/>
             <a:ext cx="5362575" cy="3152775"/>
           </a:xfrm>
           <a:prstGeom prst="rect">
@@ -4796,7 +6990,260 @@
 </p:sld>
 </file>
 
-<file path=ppt/slides/slide11.xml><?xml version="1.0" encoding="utf-8"?>
+<file path=ppt/slides/slide13.xml><?xml version="1.0" encoding="utf-8"?>
+<p:sld xmlns:a="http://schemas.openxmlformats.org/drawingml/2006/main" xmlns:r="http://schemas.openxmlformats.org/officeDocument/2006/relationships" xmlns:p="http://schemas.openxmlformats.org/presentationml/2006/main">
+  <p:cSld>
+    <p:spTree>
+      <p:nvGrpSpPr>
+        <p:cNvPr id="1" name=""/>
+        <p:cNvGrpSpPr/>
+        <p:nvPr/>
+      </p:nvGrpSpPr>
+      <p:grpSpPr>
+        <a:xfrm>
+          <a:off x="0" y="0"/>
+          <a:ext cx="0" cy="0"/>
+          <a:chOff x="0" y="0"/>
+          <a:chExt cx="0" cy="0"/>
+        </a:xfrm>
+      </p:grpSpPr>
+      <p:sp>
+        <p:nvSpPr>
+          <p:cNvPr id="2" name="Заголовок 1"/>
+          <p:cNvSpPr>
+            <a:spLocks noGrp="1"/>
+          </p:cNvSpPr>
+          <p:nvPr>
+            <p:ph type="title"/>
+          </p:nvPr>
+        </p:nvSpPr>
+        <p:spPr>
+          <a:xfrm>
+            <a:off x="539552" y="332656"/>
+            <a:ext cx="7992888" cy="1008112"/>
+          </a:xfrm>
+        </p:spPr>
+        <p:txBody>
+          <a:bodyPr/>
+          <a:lstStyle/>
+          <a:p>
+            <a:pPr algn="ctr"/>
+            <a:r>
+              <a:rPr lang="uk-UA" sz="2800" dirty="0" smtClean="0"/>
+              <a:t>Програмне забезпечення для планування регресійного тестування </a:t>
+            </a:r>
+            <a:r>
+              <a:rPr lang="en-US" sz="2800" dirty="0" smtClean="0"/>
+              <a:t>Regression Viewer</a:t>
+            </a:r>
+            <a:endParaRPr lang="uk-UA" sz="2800" dirty="0"/>
+          </a:p>
+        </p:txBody>
+      </p:sp>
+      <p:sp>
+        <p:nvSpPr>
+          <p:cNvPr id="3" name="Объект 2"/>
+          <p:cNvSpPr>
+            <a:spLocks noGrp="1"/>
+          </p:cNvSpPr>
+          <p:nvPr>
+            <p:ph sz="quarter" idx="13"/>
+          </p:nvPr>
+        </p:nvSpPr>
+        <p:spPr>
+          <a:xfrm>
+            <a:off x="179512" y="5771034"/>
+            <a:ext cx="8712968" cy="556622"/>
+          </a:xfrm>
+        </p:spPr>
+        <p:txBody>
+          <a:bodyPr>
+            <a:normAutofit/>
+          </a:bodyPr>
+          <a:lstStyle/>
+          <a:p>
+            <a:pPr marL="45720" indent="0" algn="ctr">
+              <a:buNone/>
+            </a:pPr>
+            <a:r>
+              <a:rPr lang="uk-UA" dirty="0" smtClean="0"/>
+              <a:t>Головна форма програми – Дерево вихідних файлів та модулі ПЗ</a:t>
+            </a:r>
+            <a:endParaRPr lang="uk-UA" dirty="0"/>
+          </a:p>
+        </p:txBody>
+      </p:sp>
+      <p:pic>
+        <p:nvPicPr>
+          <p:cNvPr id="1026" name="Picture 2" descr="C:\Users\Артем\Desktop\img\6.png"/>
+          <p:cNvPicPr>
+            <a:picLocks noChangeAspect="1" noChangeArrowheads="1"/>
+          </p:cNvPicPr>
+          <p:nvPr/>
+        </p:nvPicPr>
+        <p:blipFill>
+          <a:blip r:embed="rId2">
+            <a:extLst>
+              <a:ext uri="{28A0092B-C50C-407E-A947-70E740481C1C}">
+                <a14:useLocalDpi xmlns:a14="http://schemas.microsoft.com/office/drawing/2010/main" val="0"/>
+              </a:ext>
+            </a:extLst>
+          </a:blip>
+          <a:srcRect/>
+          <a:stretch>
+            <a:fillRect/>
+          </a:stretch>
+        </p:blipFill>
+        <p:spPr bwMode="auto">
+          <a:xfrm>
+            <a:off x="739527" y="1484784"/>
+            <a:ext cx="7713663" cy="4286250"/>
+          </a:xfrm>
+          <a:prstGeom prst="rect">
+            <a:avLst/>
+          </a:prstGeom>
+          <a:noFill/>
+          <a:extLst>
+            <a:ext uri="{909E8E84-426E-40DD-AFC4-6F175D3DCCD1}">
+              <a14:hiddenFill xmlns:a14="http://schemas.microsoft.com/office/drawing/2010/main">
+                <a:solidFill>
+                  <a:srgbClr val="FFFFFF"/>
+                </a:solidFill>
+              </a14:hiddenFill>
+            </a:ext>
+          </a:extLst>
+        </p:spPr>
+      </p:pic>
+    </p:spTree>
+    <p:extLst>
+      <p:ext uri="{BB962C8B-B14F-4D97-AF65-F5344CB8AC3E}">
+        <p14:creationId xmlns:p14="http://schemas.microsoft.com/office/powerpoint/2010/main" val="1175291655"/>
+      </p:ext>
+    </p:extLst>
+  </p:cSld>
+  <p:clrMapOvr>
+    <a:masterClrMapping/>
+  </p:clrMapOvr>
+</p:sld>
+</file>
+
+<file path=ppt/slides/slide14.xml><?xml version="1.0" encoding="utf-8"?>
+<p:sld xmlns:a="http://schemas.openxmlformats.org/drawingml/2006/main" xmlns:r="http://schemas.openxmlformats.org/officeDocument/2006/relationships" xmlns:p="http://schemas.openxmlformats.org/presentationml/2006/main">
+  <p:cSld>
+    <p:spTree>
+      <p:nvGrpSpPr>
+        <p:cNvPr id="1" name=""/>
+        <p:cNvGrpSpPr/>
+        <p:nvPr/>
+      </p:nvGrpSpPr>
+      <p:grpSpPr>
+        <a:xfrm>
+          <a:off x="0" y="0"/>
+          <a:ext cx="0" cy="0"/>
+          <a:chOff x="0" y="0"/>
+          <a:chExt cx="0" cy="0"/>
+        </a:xfrm>
+      </p:grpSpPr>
+      <p:sp>
+        <p:nvSpPr>
+          <p:cNvPr id="2" name="Заголовок 1"/>
+          <p:cNvSpPr>
+            <a:spLocks noGrp="1"/>
+          </p:cNvSpPr>
+          <p:nvPr>
+            <p:ph type="title"/>
+          </p:nvPr>
+        </p:nvSpPr>
+        <p:spPr>
+          <a:xfrm>
+            <a:off x="539552" y="332656"/>
+            <a:ext cx="7992888" cy="1008112"/>
+          </a:xfrm>
+        </p:spPr>
+        <p:txBody>
+          <a:bodyPr/>
+          <a:lstStyle/>
+          <a:p>
+            <a:pPr algn="ctr"/>
+            <a:r>
+              <a:rPr lang="ru-RU" sz="2800" dirty="0"/>
+              <a:t>Блок-схема алгоритму </a:t>
+            </a:r>
+            <a:r>
+              <a:rPr lang="uk-UA" sz="2800" dirty="0" smtClean="0"/>
+              <a:t>програмного </a:t>
+            </a:r>
+            <a:r>
+              <a:rPr lang="uk-UA" sz="2800" dirty="0" smtClean="0"/>
+              <a:t>забезпечення </a:t>
+            </a:r>
+            <a:r>
+              <a:rPr lang="en-US" sz="2800" dirty="0" smtClean="0"/>
+              <a:t>Regression </a:t>
+            </a:r>
+            <a:r>
+              <a:rPr lang="en-US" sz="2800" dirty="0" smtClean="0"/>
+              <a:t>Viewer</a:t>
+            </a:r>
+            <a:endParaRPr lang="uk-UA" sz="2800" dirty="0"/>
+          </a:p>
+        </p:txBody>
+      </p:sp>
+      <p:pic>
+        <p:nvPicPr>
+          <p:cNvPr id="3074" name="Picture 2" descr="C:\Bakalavr\img\Block-Schema.png"/>
+          <p:cNvPicPr>
+            <a:picLocks noChangeAspect="1" noChangeArrowheads="1"/>
+          </p:cNvPicPr>
+          <p:nvPr/>
+        </p:nvPicPr>
+        <p:blipFill>
+          <a:blip r:embed="rId2">
+            <a:extLst>
+              <a:ext uri="{28A0092B-C50C-407E-A947-70E740481C1C}">
+                <a14:useLocalDpi xmlns:a14="http://schemas.microsoft.com/office/drawing/2010/main" val="0"/>
+              </a:ext>
+            </a:extLst>
+          </a:blip>
+          <a:srcRect/>
+          <a:stretch>
+            <a:fillRect/>
+          </a:stretch>
+        </p:blipFill>
+        <p:spPr bwMode="auto">
+          <a:xfrm>
+            <a:off x="1943561" y="1452451"/>
+            <a:ext cx="5256878" cy="5050196"/>
+          </a:xfrm>
+          <a:prstGeom prst="rect">
+            <a:avLst/>
+          </a:prstGeom>
+          <a:noFill/>
+          <a:extLst>
+            <a:ext uri="{909E8E84-426E-40DD-AFC4-6F175D3DCCD1}">
+              <a14:hiddenFill xmlns:a14="http://schemas.microsoft.com/office/drawing/2010/main">
+                <a:solidFill>
+                  <a:srgbClr val="FFFFFF"/>
+                </a:solidFill>
+              </a14:hiddenFill>
+            </a:ext>
+          </a:extLst>
+        </p:spPr>
+      </p:pic>
+    </p:spTree>
+    <p:extLst>
+      <p:ext uri="{BB962C8B-B14F-4D97-AF65-F5344CB8AC3E}">
+        <p14:creationId xmlns:p14="http://schemas.microsoft.com/office/powerpoint/2010/main" val="538092986"/>
+      </p:ext>
+    </p:extLst>
+  </p:cSld>
+  <p:clrMapOvr>
+    <a:masterClrMapping/>
+  </p:clrMapOvr>
+</p:sld>
+</file>
+
+<file path=ppt/slides/slide15.xml><?xml version="1.0" encoding="utf-8"?>
 <p:sld xmlns:a="http://schemas.openxmlformats.org/drawingml/2006/main" xmlns:r="http://schemas.openxmlformats.org/officeDocument/2006/relationships" xmlns:p="http://schemas.openxmlformats.org/presentationml/2006/main">
   <p:cSld>
     <p:spTree>
@@ -4962,13 +7409,13 @@
         </p:nvSpPr>
         <p:spPr>
           <a:xfrm>
-            <a:off x="467544" y="2204864"/>
-            <a:ext cx="8424936" cy="4122792"/>
+            <a:off x="467544" y="1772816"/>
+            <a:ext cx="8424936" cy="2304256"/>
           </a:xfrm>
         </p:spPr>
         <p:txBody>
           <a:bodyPr>
-            <a:normAutofit/>
+            <a:normAutofit lnSpcReduction="10000"/>
           </a:bodyPr>
           <a:lstStyle/>
           <a:p>
@@ -4976,64 +7423,165 @@
               <a:buNone/>
             </a:pPr>
             <a:r>
-              <a:rPr lang="uk-UA" dirty="0"/>
+              <a:rPr lang="uk-UA" sz="2000" dirty="0"/>
               <a:t>Регресійне тестування – </a:t>
             </a:r>
             <a:r>
-              <a:rPr lang="uk-UA" dirty="0" smtClean="0"/>
+              <a:rPr lang="uk-UA" sz="2000" dirty="0" smtClean="0"/>
               <a:t>дорогий, </a:t>
             </a:r>
             <a:r>
-              <a:rPr lang="uk-UA" dirty="0"/>
+              <a:rPr lang="uk-UA" sz="2000" dirty="0"/>
               <a:t>але необхідний </a:t>
             </a:r>
             <a:r>
-              <a:rPr lang="uk-UA" dirty="0" smtClean="0"/>
+              <a:rPr lang="uk-UA" sz="2000" dirty="0" smtClean="0"/>
               <a:t>етап </a:t>
             </a:r>
             <a:r>
-              <a:rPr lang="uk-UA" dirty="0"/>
+              <a:rPr lang="uk-UA" sz="2000" dirty="0"/>
               <a:t>тестування програмного забезпечення, спрямований на повторну перевірку коректності зміненої програми. </a:t>
             </a:r>
-            <a:endParaRPr lang="uk-UA" dirty="0" smtClean="0"/>
+            <a:endParaRPr lang="uk-UA" sz="2000" dirty="0"/>
           </a:p>
           <a:p>
             <a:pPr marL="45720" indent="457200">
               <a:buNone/>
             </a:pPr>
             <a:r>
+              <a:rPr lang="uk-UA" sz="2000" dirty="0" smtClean="0"/>
+              <a:t>Регресійне </a:t>
+            </a:r>
+            <a:r>
+              <a:rPr lang="uk-UA" sz="2000" dirty="0"/>
+              <a:t>тестування потрібно виконувати при випуску будь-якої версії </a:t>
+            </a:r>
+            <a:r>
+              <a:rPr lang="uk-UA" sz="2000" dirty="0" smtClean="0"/>
+              <a:t>ПЗ, а </a:t>
+            </a:r>
+            <a:r>
+              <a:rPr lang="uk-UA" sz="2000" dirty="0"/>
+              <a:t>т</a:t>
+            </a:r>
+            <a:r>
+              <a:rPr lang="uk-UA" sz="2000" dirty="0" smtClean="0"/>
+              <a:t>емпи </a:t>
+            </a:r>
+            <a:r>
+              <a:rPr lang="uk-UA" sz="2000" dirty="0"/>
+              <a:t>розвитку програмного забезпечення набирають таких обертів, що виробники змушені випускати нові версії програмного забезпечення </a:t>
+            </a:r>
+            <a:r>
+              <a:rPr lang="uk-UA" sz="2000" dirty="0" smtClean="0"/>
+              <a:t>все </a:t>
+            </a:r>
+            <a:r>
+              <a:rPr lang="uk-UA" dirty="0"/>
+              <a:t>частіше </a:t>
+            </a:r>
+            <a:r>
               <a:rPr lang="uk-UA" dirty="0" smtClean="0"/>
-              <a:t>Звичайно </a:t>
+              <a:t>і </a:t>
             </a:r>
             <a:r>
               <a:rPr lang="uk-UA" dirty="0"/>
-              <a:t>використовувані методи регресійного тестування включають повторні прогони </a:t>
-            </a:r>
-            <a:r>
-              <a:rPr lang="uk-UA" dirty="0" smtClean="0"/>
-              <a:t>попередніх</a:t>
-            </a:r>
-            <a:r>
-              <a:rPr lang="uk-UA" dirty="0"/>
-              <a:t> тестів, а також перевірки, чи не потрапили регресійні помилки в чергову версію в результаті злиття коду</a:t>
-            </a:r>
-            <a:r>
-              <a:rPr lang="uk-UA" dirty="0" smtClean="0"/>
-              <a:t>. Тому важливим завданням планування </a:t>
-            </a:r>
-            <a:r>
-              <a:rPr lang="uk-UA" dirty="0"/>
-              <a:t>регресійного тестування є </a:t>
-            </a:r>
-            <a:r>
-              <a:rPr lang="uk-UA" dirty="0" smtClean="0"/>
-              <a:t>зменшення кількості виконуваних тестів, що зменшить сукупну вартість і тривалість тестування.</a:t>
-            </a:r>
-            <a:endParaRPr lang="ru-RU" dirty="0"/>
+              <a:t>частіше </a:t>
+            </a:r>
           </a:p>
           <a:p>
             <a:pPr indent="457200"/>
             <a:endParaRPr lang="ru-RU" dirty="0"/>
+          </a:p>
+        </p:txBody>
+      </p:sp>
+      <p:pic>
+        <p:nvPicPr>
+          <p:cNvPr id="1027" name="Picture 3" descr="C:\Bakalavr\img\Roadmap.gif"/>
+          <p:cNvPicPr>
+            <a:picLocks noChangeAspect="1" noChangeArrowheads="1"/>
+          </p:cNvPicPr>
+          <p:nvPr/>
+        </p:nvPicPr>
+        <p:blipFill>
+          <a:blip r:embed="rId2">
+            <a:extLst>
+              <a:ext uri="{28A0092B-C50C-407E-A947-70E740481C1C}">
+                <a14:useLocalDpi xmlns:a14="http://schemas.microsoft.com/office/drawing/2010/main" val="0"/>
+              </a:ext>
+            </a:extLst>
+          </a:blip>
+          <a:srcRect/>
+          <a:stretch>
+            <a:fillRect/>
+          </a:stretch>
+        </p:blipFill>
+        <p:spPr bwMode="auto">
+          <a:xfrm>
+            <a:off x="3851920" y="3805262"/>
+            <a:ext cx="5112567" cy="2779080"/>
+          </a:xfrm>
+          <a:prstGeom prst="rect">
+            <a:avLst/>
+          </a:prstGeom>
+          <a:noFill/>
+          <a:extLst>
+            <a:ext uri="{909E8E84-426E-40DD-AFC4-6F175D3DCCD1}">
+              <a14:hiddenFill xmlns:a14="http://schemas.microsoft.com/office/drawing/2010/main">
+                <a:solidFill>
+                  <a:srgbClr val="FFFFFF"/>
+                </a:solidFill>
+              </a14:hiddenFill>
+            </a:ext>
+          </a:extLst>
+        </p:spPr>
+      </p:pic>
+      <p:sp>
+        <p:nvSpPr>
+          <p:cNvPr id="5" name="Прямоугольник 4"/>
+          <p:cNvSpPr/>
+          <p:nvPr/>
+        </p:nvSpPr>
+        <p:spPr>
+          <a:xfrm>
+            <a:off x="467544" y="3811532"/>
+            <a:ext cx="3384376" cy="1015663"/>
+          </a:xfrm>
+          <a:prstGeom prst="rect">
+            <a:avLst/>
+          </a:prstGeom>
+        </p:spPr>
+        <p:txBody>
+          <a:bodyPr wrap="square">
+            <a:spAutoFit/>
+          </a:bodyPr>
+          <a:lstStyle/>
+          <a:p>
+            <a:pPr marL="45720">
+              <a:buNone/>
+            </a:pPr>
+            <a:r>
+              <a:rPr lang="uk-UA" sz="2000" dirty="0">
+                <a:solidFill>
+                  <a:schemeClr val="tx1">
+                    <a:lumMod val="75000"/>
+                    <a:lumOff val="25000"/>
+                  </a:schemeClr>
+                </a:solidFill>
+              </a:rPr>
+              <a:t>додаючи </a:t>
+            </a:r>
+            <a:r>
+              <a:rPr lang="uk-UA" sz="2000" dirty="0">
+                <a:solidFill>
+                  <a:schemeClr val="tx1">
+                    <a:lumMod val="75000"/>
+                    <a:lumOff val="25000"/>
+                  </a:schemeClr>
+                </a:solidFill>
+              </a:rPr>
+              <a:t>нові функції та виправляючи існуючі проблеми</a:t>
+            </a:r>
           </a:p>
         </p:txBody>
       </p:sp>
@@ -5221,7 +7769,135 @@
             <a:pPr algn="ctr"/>
             <a:r>
               <a:rPr lang="uk-UA" sz="3200" dirty="0" smtClean="0"/>
-              <a:t>Визначення необхідної множини тестів</a:t>
+              <a:t>Постановка задачі</a:t>
+            </a:r>
+            <a:endParaRPr lang="uk-UA" sz="3200" dirty="0"/>
+          </a:p>
+        </p:txBody>
+      </p:sp>
+      <p:sp>
+        <p:nvSpPr>
+          <p:cNvPr id="3" name="Объект 2"/>
+          <p:cNvSpPr>
+            <a:spLocks noGrp="1"/>
+          </p:cNvSpPr>
+          <p:nvPr>
+            <p:ph sz="quarter" idx="13"/>
+          </p:nvPr>
+        </p:nvSpPr>
+        <p:spPr>
+          <a:xfrm>
+            <a:off x="467544" y="1196752"/>
+            <a:ext cx="8424936" cy="5130904"/>
+          </a:xfrm>
+        </p:spPr>
+        <p:txBody>
+          <a:bodyPr>
+            <a:normAutofit/>
+          </a:bodyPr>
+          <a:lstStyle/>
+          <a:p>
+            <a:pPr marL="45720" indent="0">
+              <a:buNone/>
+            </a:pPr>
+            <a:endParaRPr lang="uk-UA" dirty="0" smtClean="0"/>
+          </a:p>
+          <a:p>
+            <a:pPr marL="45720" indent="0">
+              <a:buNone/>
+            </a:pPr>
+            <a:r>
+              <a:rPr lang="uk-UA" sz="2800" dirty="0" smtClean="0"/>
+              <a:t>Планування регресійного тестування ставить такі задачі:</a:t>
+            </a:r>
+          </a:p>
+          <a:p>
+            <a:pPr marL="45720" indent="0">
+              <a:buNone/>
+            </a:pPr>
+            <a:r>
+              <a:rPr lang="uk-UA" sz="2800" dirty="0" smtClean="0"/>
+              <a:t>- мінімізація кількості виконуваних тестів</a:t>
+            </a:r>
+            <a:br>
+              <a:rPr lang="uk-UA" sz="2800" dirty="0" smtClean="0"/>
+            </a:br>
+            <a:r>
+              <a:rPr lang="uk-UA" sz="2800" dirty="0" smtClean="0"/>
+              <a:t>- вибирати тести, що мають максимальну можливість виявити несправність</a:t>
+            </a:r>
+            <a:br>
+              <a:rPr lang="uk-UA" sz="2800" dirty="0" smtClean="0"/>
+            </a:br>
+            <a:r>
+              <a:rPr lang="uk-UA" sz="2800" dirty="0" smtClean="0"/>
+              <a:t>- мінімізувати час самого планування</a:t>
+            </a:r>
+            <a:r>
+              <a:rPr lang="uk-UA" dirty="0" smtClean="0"/>
+              <a:t/>
+            </a:r>
+            <a:br>
+              <a:rPr lang="uk-UA" dirty="0" smtClean="0"/>
+            </a:br>
+            <a:endParaRPr lang="uk-UA" dirty="0"/>
+          </a:p>
+        </p:txBody>
+      </p:sp>
+    </p:spTree>
+    <p:extLst>
+      <p:ext uri="{BB962C8B-B14F-4D97-AF65-F5344CB8AC3E}">
+        <p14:creationId xmlns:p14="http://schemas.microsoft.com/office/powerpoint/2010/main" val="593646037"/>
+      </p:ext>
+    </p:extLst>
+  </p:cSld>
+  <p:clrMapOvr>
+    <a:masterClrMapping/>
+  </p:clrMapOvr>
+</p:sld>
+</file>
+
+<file path=ppt/slides/slide5.xml><?xml version="1.0" encoding="utf-8"?>
+<p:sld xmlns:a="http://schemas.openxmlformats.org/drawingml/2006/main" xmlns:r="http://schemas.openxmlformats.org/officeDocument/2006/relationships" xmlns:p="http://schemas.openxmlformats.org/presentationml/2006/main">
+  <p:cSld>
+    <p:spTree>
+      <p:nvGrpSpPr>
+        <p:cNvPr id="1" name=""/>
+        <p:cNvGrpSpPr/>
+        <p:nvPr/>
+      </p:nvGrpSpPr>
+      <p:grpSpPr>
+        <a:xfrm>
+          <a:off x="0" y="0"/>
+          <a:ext cx="0" cy="0"/>
+          <a:chOff x="0" y="0"/>
+          <a:chExt cx="0" cy="0"/>
+        </a:xfrm>
+      </p:grpSpPr>
+      <p:sp>
+        <p:nvSpPr>
+          <p:cNvPr id="2" name="Заголовок 1"/>
+          <p:cNvSpPr>
+            <a:spLocks noGrp="1"/>
+          </p:cNvSpPr>
+          <p:nvPr>
+            <p:ph type="title"/>
+          </p:nvPr>
+        </p:nvSpPr>
+        <p:spPr>
+          <a:xfrm>
+            <a:off x="395536" y="404664"/>
+            <a:ext cx="8352928" cy="720080"/>
+          </a:xfrm>
+        </p:spPr>
+        <p:txBody>
+          <a:bodyPr/>
+          <a:lstStyle/>
+          <a:p>
+            <a:pPr algn="ctr"/>
+            <a:r>
+              <a:rPr lang="uk-UA" sz="3200" dirty="0" smtClean="0"/>
+              <a:t>Постановка задачі</a:t>
             </a:r>
             <a:endParaRPr lang="uk-UA" sz="3200" dirty="0"/>
           </a:p>
@@ -5247,17 +7923,36 @@
             </p:spPr>
             <p:txBody>
               <a:bodyPr>
-                <a:normAutofit/>
+                <a:normAutofit fontScale="92500"/>
               </a:bodyPr>
               <a:lstStyle/>
               <a:p>
-                <a:pPr marL="45720" indent="457200">
+                <a:pPr marL="45720" indent="0">
                   <a:buNone/>
                 </a:pPr>
                 <a:r>
+                  <a:rPr lang="uk-UA" b="1" i="1" dirty="0" smtClean="0"/>
+                  <a:t>Дано:</a:t>
+                </a:r>
+              </a:p>
+              <a:p>
+                <a:pPr marL="45720" indent="0">
+                  <a:buNone/>
+                </a:pPr>
+                <a:r>
+                  <a:rPr lang="uk-UA" b="1" i="1" dirty="0" smtClean="0"/>
+                  <a:t>P </a:t>
+                </a:r>
+                <a:r>
                   <a:rPr lang="uk-UA" dirty="0"/>
-                  <a:t>Нехай </a:t>
-                </a:r>
+                  <a:t>– певна версія програмного забезпечення</a:t>
+                </a:r>
+                <a:endParaRPr lang="ru-RU" dirty="0"/>
+              </a:p>
+              <a:p>
+                <a:pPr marL="45720" indent="0">
+                  <a:buNone/>
+                </a:pPr>
                 <a14:m>
                   <m:oMath xmlns:m="http://schemas.openxmlformats.org/officeDocument/2006/math">
                     <m:r>
@@ -5348,7 +8043,7 @@
                 </a14:m>
                 <a:r>
                   <a:rPr lang="uk-UA" dirty="0"/>
-                  <a:t> - множина з </a:t>
+                  <a:t> – множина з </a:t>
                 </a:r>
                 <a:r>
                   <a:rPr lang="uk-UA" b="1" i="1" dirty="0"/>
@@ -5356,60 +8051,76 @@
                 </a:r>
                 <a:r>
                   <a:rPr lang="uk-UA" dirty="0"/>
-                  <a:t> тестів, що використовується при первинній розробці програми </a:t>
+                  <a:t> тестів, що використовується при первинному тестуванні програми </a:t>
                 </a:r>
                 <a:r>
                   <a:rPr lang="uk-UA" b="1" i="1" dirty="0"/>
                   <a:t>P</a:t>
                 </a:r>
+                <a:endParaRPr lang="ru-RU" dirty="0"/>
+              </a:p>
+              <a:p>
+                <a:pPr marL="45720" indent="0">
+                  <a:buNone/>
+                </a:pPr>
+                <a:r>
+                  <a:rPr lang="uk-UA" b="1" i="1" dirty="0"/>
+                  <a:t>P' </a:t>
+                </a:r>
                 <a:r>
                   <a:rPr lang="uk-UA" dirty="0"/>
-                  <a:t>, а </a:t>
-                </a:r>
+                  <a:t>– нова версія програми </a:t>
+                </a:r>
+                <a:r>
+                  <a:rPr lang="uk-UA" b="1" i="1" dirty="0" smtClean="0"/>
+                  <a:t>P</a:t>
+                </a:r>
+              </a:p>
+              <a:p>
+                <a:pPr marL="45720" indent="0">
+                  <a:buNone/>
+                </a:pPr>
+                <a:r>
+                  <a:rPr lang="uk-UA" b="1" i="1" dirty="0" smtClean="0"/>
+                  <a:t>Знайти:</a:t>
+                </a:r>
+                <a:endParaRPr lang="ru-RU" dirty="0"/>
+              </a:p>
+              <a:p>
+                <a:pPr marL="45720" indent="0">
+                  <a:buNone/>
+                </a:pPr>
                 <a14:m>
                   <m:oMath xmlns:m="http://schemas.openxmlformats.org/officeDocument/2006/math">
+                    <m:sSubSup>
+                      <m:sSubSupPr>
+                        <m:ctrlPr>
+                          <a:rPr lang="ru-RU" b="1" i="1"/>
+                        </m:ctrlPr>
+                      </m:sSubSupPr>
+                      <m:e>
+                        <m:r>
+                          <a:rPr lang="uk-UA" b="1" i="1"/>
+                          <m:t>𝑻</m:t>
+                        </m:r>
+                      </m:e>
+                      <m:sub>
+                        <m:r>
+                          <a:rPr lang="uk-UA" b="1" i="1"/>
+                          <m:t>𝒑</m:t>
+                        </m:r>
+                      </m:sub>
+                      <m:sup>
+                        <m:r>
+                          <a:rPr lang="uk-UA" b="1" i="1"/>
+                          <m:t>′</m:t>
+                        </m:r>
+                      </m:sup>
+                    </m:sSubSup>
                     <m:r>
                       <a:rPr lang="uk-UA" b="1" i="1"/>
-                      <m:t>𝑻</m:t>
+                      <m:t>⊃</m:t>
                     </m:r>
-                    <m:r>
-                      <a:rPr lang="uk-UA" b="1" i="1"/>
-                      <m:t>′∈</m:t>
-                    </m:r>
-                    <m:r>
-                      <a:rPr lang="uk-UA" b="1" i="1"/>
-                      <m:t>𝑻</m:t>
-                    </m:r>
-                  </m:oMath>
-                </a14:m>
-                <a:r>
-                  <a:rPr lang="uk-UA" dirty="0"/>
-                  <a:t> - підмножина регресійних тестів для тестування нової версії програми </a:t>
-                </a:r>
-                <a:r>
-                  <a:rPr lang="uk-UA" b="1" i="1" dirty="0"/>
-                  <a:t>P'</a:t>
-                </a:r>
-                <a:r>
-                  <a:rPr lang="uk-UA" dirty="0"/>
-                  <a:t>. </a:t>
-                </a:r>
-                <a:endParaRPr lang="uk-UA" dirty="0" smtClean="0"/>
-              </a:p>
-              <a:p>
-                <a:pPr marL="45720" indent="457200">
-                  <a:buNone/>
-                </a:pPr>
-                <a:r>
-                  <a:rPr lang="uk-UA" dirty="0" smtClean="0"/>
-                  <a:t>Інформація </a:t>
-                </a:r>
-                <a:r>
-                  <a:rPr lang="uk-UA" dirty="0"/>
-                  <a:t>про покриття коду, яке забезпечується </a:t>
-                </a:r>
-                <a14:m>
-                  <m:oMath xmlns:m="http://schemas.openxmlformats.org/officeDocument/2006/math">
                     <m:r>
                       <a:rPr lang="uk-UA" b="1" i="1"/>
                       <m:t>𝑻</m:t>
@@ -5421,404 +8132,24 @@
                   </m:oMath>
                 </a14:m>
                 <a:r>
+                  <a:rPr lang="uk-UA" b="1" dirty="0"/>
+                  <a:t> </a:t>
+                </a:r>
+                <a:r>
                   <a:rPr lang="uk-UA" dirty="0"/>
-                  <a:t>, дозволяє вказати блоки </a:t>
-                </a:r>
-                <a:r>
-                  <a:rPr lang="uk-UA" b="1" i="1" dirty="0"/>
-                  <a:t>P'</a:t>
+                  <a:t>–</a:t>
+                </a:r>
+                <a:r>
+                  <a:rPr lang="uk-UA" b="1" dirty="0"/>
+                  <a:t> </a:t>
                 </a:r>
                 <a:r>
                   <a:rPr lang="uk-UA" dirty="0"/>
-                  <a:t>, що потребують додаткового тестування, для чого може знадобитися повторний запуск деяких тестів з множини </a:t>
-                </a:r>
-                <a14:m>
-                  <m:oMath xmlns:m="http://schemas.openxmlformats.org/officeDocument/2006/math">
-                    <m:r>
-                      <a:rPr lang="uk-UA" b="1" i="1"/>
-                      <m:t>𝑻</m:t>
-                    </m:r>
-                    <m:r>
-                      <a:rPr lang="uk-UA" b="1" i="1"/>
-                      <m:t>′</m:t>
-                    </m:r>
-                  </m:oMath>
-                </a14:m>
-                <a:r>
-                  <a:rPr lang="uk-UA" dirty="0"/>
-                  <a:t>, або навіть створення </a:t>
-                </a:r>
-                <a14:m>
-                  <m:oMath xmlns:m="http://schemas.openxmlformats.org/officeDocument/2006/math">
-                    <m:r>
-                      <a:rPr lang="uk-UA" b="1" i="1"/>
-                      <m:t>𝑻</m:t>
-                    </m:r>
-                    <m:r>
-                      <a:rPr lang="uk-UA" b="1" i="1"/>
-                      <m:t>′′</m:t>
-                    </m:r>
-                  </m:oMath>
-                </a14:m>
-                <a:r>
-                  <a:rPr lang="uk-UA" dirty="0"/>
-                  <a:t>- набору нових тестів для </a:t>
-                </a:r>
-                <a:r>
-                  <a:rPr lang="uk-UA" b="1" i="1" dirty="0"/>
-                  <a:t>P'</a:t>
-                </a:r>
-                <a:r>
-                  <a:rPr lang="uk-UA" dirty="0"/>
-                  <a:t> - і оновлення </a:t>
-                </a:r>
-                <a14:m>
-                  <m:oMath xmlns:m="http://schemas.openxmlformats.org/officeDocument/2006/math">
-                    <m:r>
-                      <a:rPr lang="uk-UA" b="1" i="1"/>
-                      <m:t>𝑻</m:t>
-                    </m:r>
-                  </m:oMath>
-                </a14:m>
-                <a:r>
-                  <a:rPr lang="uk-UA" dirty="0"/>
-                  <a:t>. Правильне виявлення множини </a:t>
-                </a:r>
-                <a14:m>
-                  <m:oMath xmlns:m="http://schemas.openxmlformats.org/officeDocument/2006/math">
-                    <m:r>
-                      <a:rPr lang="uk-UA" b="1" i="1"/>
-                      <m:t>𝑻</m:t>
-                    </m:r>
-                    <m:r>
-                      <a:rPr lang="uk-UA" b="1" i="1"/>
-                      <m:t>′</m:t>
-                    </m:r>
-                  </m:oMath>
-                </a14:m>
-                <a:r>
-                  <a:rPr lang="uk-UA" dirty="0"/>
-                  <a:t> є дуже </a:t>
+                  <a:t>шукана множина тестів що є ціллю метода вибору тестів. </a:t>
                 </a:r>
                 <a:r>
                   <a:rPr lang="uk-UA" dirty="0" smtClean="0"/>
-                  <a:t>важкою </a:t>
-                </a:r>
-                <a:r>
-                  <a:rPr lang="uk-UA" dirty="0"/>
-                  <a:t>задачею</a:t>
-                </a:r>
-                <a:r>
-                  <a:rPr lang="uk-UA" dirty="0" smtClean="0"/>
-                  <a:t>.</a:t>
-                </a:r>
-              </a:p>
-              <a:p>
-                <a:pPr marL="45720" indent="457200">
-                  <a:buNone/>
-                </a:pPr>
-                <a:r>
-                  <a:rPr lang="uk-UA" dirty="0"/>
-                  <a:t>Завдання відбору тестів з набору </a:t>
-                </a:r>
-                <a14:m>
-                  <m:oMath xmlns:m="http://schemas.openxmlformats.org/officeDocument/2006/math">
-                    <m:r>
-                      <a:rPr lang="uk-UA" b="1" i="1"/>
-                      <m:t>𝑻</m:t>
-                    </m:r>
-                  </m:oMath>
-                </a14:m>
-                <a:r>
-                  <a:rPr lang="uk-UA" dirty="0"/>
-                  <a:t> для заданої програми </a:t>
-                </a:r>
-                <a:r>
-                  <a:rPr lang="uk-UA" b="1" i="1" dirty="0"/>
-                  <a:t>P</a:t>
-                </a:r>
-                <a:r>
-                  <a:rPr lang="uk-UA" dirty="0"/>
-                  <a:t> і зміненої версії цієї програми </a:t>
-                </a:r>
-                <a14:m>
-                  <m:oMath xmlns:m="http://schemas.openxmlformats.org/officeDocument/2006/math">
-                    <m:r>
-                      <a:rPr lang="uk-UA" b="1" i="1"/>
-                      <m:t>𝑷</m:t>
-                    </m:r>
-                    <m:r>
-                      <a:rPr lang="uk-UA" b="1" i="1"/>
-                      <m:t>′</m:t>
-                    </m:r>
-                  </m:oMath>
-                </a14:m>
-                <a:r>
-                  <a:rPr lang="uk-UA" dirty="0"/>
-                  <a:t> полягає у виборі підмножини </a:t>
-                </a:r>
-                <a14:m>
-                  <m:oMath xmlns:m="http://schemas.openxmlformats.org/officeDocument/2006/math">
-                    <m:r>
-                      <a:rPr lang="uk-UA" b="1" i="1"/>
-                      <m:t>𝑻</m:t>
-                    </m:r>
-                    <m:r>
-                      <a:rPr lang="uk-UA" b="1" i="1"/>
-                      <m:t>′∈</m:t>
-                    </m:r>
-                    <m:r>
-                      <a:rPr lang="uk-UA" b="1" i="1"/>
-                      <m:t>𝑻</m:t>
-                    </m:r>
-                  </m:oMath>
-                </a14:m>
-                <a:r>
-                  <a:rPr lang="uk-UA" dirty="0"/>
-                  <a:t> для повторного запуску на зміненій програмі </a:t>
-                </a:r>
-                <a14:m>
-                  <m:oMath xmlns:m="http://schemas.openxmlformats.org/officeDocument/2006/math">
-                    <m:r>
-                      <a:rPr lang="uk-UA" b="1" i="1"/>
-                      <m:t>𝑷</m:t>
-                    </m:r>
-                    <m:r>
-                      <a:rPr lang="uk-UA" b="1" i="1"/>
-                      <m:t>′</m:t>
-                    </m:r>
-                  </m:oMath>
-                </a14:m>
-                <a:r>
-                  <a:rPr lang="uk-UA" dirty="0"/>
-                  <a:t>, де </a:t>
-                </a:r>
-                <a14:m>
-                  <m:oMath xmlns:m="http://schemas.openxmlformats.org/officeDocument/2006/math">
-                    <m:sSup>
-                      <m:sSupPr>
-                        <m:ctrlPr>
-                          <a:rPr lang="ru-RU" b="1" i="1"/>
-                        </m:ctrlPr>
-                      </m:sSupPr>
-                      <m:e>
-                        <m:r>
-                          <a:rPr lang="uk-UA" b="1" i="1"/>
-                          <m:t>𝑻</m:t>
-                        </m:r>
-                      </m:e>
-                      <m:sup>
-                        <m:r>
-                          <a:rPr lang="uk-UA" b="1" i="1"/>
-                          <m:t>′</m:t>
-                        </m:r>
-                      </m:sup>
-                    </m:sSup>
-                    <m:r>
-                      <a:rPr lang="uk-UA" b="1" i="1"/>
-                      <m:t>=</m:t>
-                    </m:r>
-                    <m:d>
-                      <m:dPr>
-                        <m:begChr m:val="{"/>
-                        <m:endChr m:val="}"/>
-                        <m:ctrlPr>
-                          <a:rPr lang="ru-RU" b="1" i="1"/>
-                        </m:ctrlPr>
-                      </m:dPr>
-                      <m:e>
-                        <m:r>
-                          <a:rPr lang="uk-UA" b="1" i="1"/>
-                          <m:t>𝒕</m:t>
-                        </m:r>
-                        <m:r>
-                          <a:rPr lang="uk-UA" b="1" i="1"/>
-                          <m:t>∈</m:t>
-                        </m:r>
-                        <m:r>
-                          <a:rPr lang="uk-UA" b="1" i="1"/>
-                          <m:t>𝑻</m:t>
-                        </m:r>
-                        <m:r>
-                          <a:rPr lang="uk-UA" b="1" i="1"/>
-                          <m:t>| </m:t>
-                        </m:r>
-                        <m:r>
-                          <a:rPr lang="uk-UA" b="1" i="1"/>
-                          <m:t>𝑷</m:t>
-                        </m:r>
-                        <m:r>
-                          <a:rPr lang="uk-UA" b="1" i="1"/>
-                          <m:t>′(</m:t>
-                        </m:r>
-                        <m:r>
-                          <a:rPr lang="uk-UA" b="1" i="1"/>
-                          <m:t>𝒕</m:t>
-                        </m:r>
-                        <m:r>
-                          <a:rPr lang="uk-UA" b="1" i="1"/>
-                          <m:t>)≠</m:t>
-                        </m:r>
-                        <m:r>
-                          <a:rPr lang="uk-UA" b="1" i="1"/>
-                          <m:t>𝑷</m:t>
-                        </m:r>
-                        <m:r>
-                          <a:rPr lang="uk-UA" b="1" i="1"/>
-                          <m:t>(</m:t>
-                        </m:r>
-                        <m:r>
-                          <a:rPr lang="uk-UA" b="1" i="1"/>
-                          <m:t>𝒕</m:t>
-                        </m:r>
-                        <m:r>
-                          <a:rPr lang="uk-UA" b="1" i="1"/>
-                          <m:t>)</m:t>
-                        </m:r>
-                      </m:e>
-                    </m:d>
-                  </m:oMath>
-                </a14:m>
-                <a:endParaRPr lang="ru-RU" dirty="0"/>
-              </a:p>
-            </p:txBody>
-          </p:sp>
-        </mc:Choice>
-        <mc:Fallback>
-          <p:sp>
-            <p:nvSpPr>
-              <p:cNvPr id="3" name="Объект 2"/>
-              <p:cNvSpPr>
-                <a:spLocks noGrp="1" noRot="1" noChangeAspect="1" noMove="1" noResize="1" noEditPoints="1" noAdjustHandles="1" noChangeArrowheads="1" noChangeShapeType="1" noTextEdit="1"/>
-              </p:cNvSpPr>
-              <p:nvPr>
-                <p:ph sz="quarter" idx="13"/>
-              </p:nvPr>
-            </p:nvSpPr>
-            <p:spPr>
-              <a:xfrm>
-                <a:off x="467544" y="1196752"/>
-                <a:ext cx="8424936" cy="5130904"/>
-              </a:xfrm>
-              <a:blipFill rotWithShape="1">
-                <a:blip r:embed="rId2"/>
-                <a:stretch>
-                  <a:fillRect l="-362" t="-831" r="-1809"/>
-                </a:stretch>
-              </a:blipFill>
-            </p:spPr>
-            <p:txBody>
-              <a:bodyPr/>
-              <a:lstStyle/>
-              <a:p>
-                <a:r>
-                  <a:rPr lang="ru-RU">
-                    <a:noFill/>
-                  </a:rPr>
-                  <a:t> </a:t>
-                </a:r>
-              </a:p>
-            </p:txBody>
-          </p:sp>
-        </mc:Fallback>
-      </mc:AlternateContent>
-    </p:spTree>
-    <p:extLst>
-      <p:ext uri="{BB962C8B-B14F-4D97-AF65-F5344CB8AC3E}">
-        <p14:creationId xmlns:p14="http://schemas.microsoft.com/office/powerpoint/2010/main" val="593646037"/>
-      </p:ext>
-    </p:extLst>
-  </p:cSld>
-  <p:clrMapOvr>
-    <a:masterClrMapping/>
-  </p:clrMapOvr>
-</p:sld>
-</file>
-
-<file path=ppt/slides/slide5.xml><?xml version="1.0" encoding="utf-8"?>
-<p:sld xmlns:a="http://schemas.openxmlformats.org/drawingml/2006/main" xmlns:r="http://schemas.openxmlformats.org/officeDocument/2006/relationships" xmlns:p="http://schemas.openxmlformats.org/presentationml/2006/main">
-  <p:cSld>
-    <p:spTree>
-      <p:nvGrpSpPr>
-        <p:cNvPr id="1" name=""/>
-        <p:cNvGrpSpPr/>
-        <p:nvPr/>
-      </p:nvGrpSpPr>
-      <p:grpSpPr>
-        <a:xfrm>
-          <a:off x="0" y="0"/>
-          <a:ext cx="0" cy="0"/>
-          <a:chOff x="0" y="0"/>
-          <a:chExt cx="0" cy="0"/>
-        </a:xfrm>
-      </p:grpSpPr>
-      <p:sp>
-        <p:nvSpPr>
-          <p:cNvPr id="2" name="Заголовок 1"/>
-          <p:cNvSpPr>
-            <a:spLocks noGrp="1"/>
-          </p:cNvSpPr>
-          <p:nvPr>
-            <p:ph type="title"/>
-          </p:nvPr>
-        </p:nvSpPr>
-        <p:spPr>
-          <a:xfrm>
-            <a:off x="323528" y="332656"/>
-            <a:ext cx="8424936" cy="720080"/>
-          </a:xfrm>
-        </p:spPr>
-        <p:txBody>
-          <a:bodyPr/>
-          <a:lstStyle/>
-          <a:p>
-            <a:pPr algn="ctr"/>
-            <a:r>
-              <a:rPr lang="uk-UA" sz="3200" dirty="0" smtClean="0"/>
-              <a:t>Визначення необхідної множини тестів</a:t>
-            </a:r>
-            <a:endParaRPr lang="uk-UA" sz="3200" dirty="0"/>
-          </a:p>
-        </p:txBody>
-      </p:sp>
-      <mc:AlternateContent xmlns:mc="http://schemas.openxmlformats.org/markup-compatibility/2006">
-        <mc:Choice xmlns:a14="http://schemas.microsoft.com/office/drawing/2010/main" Requires="a14">
-          <p:sp>
-            <p:nvSpPr>
-              <p:cNvPr id="3" name="Объект 2"/>
-              <p:cNvSpPr>
-                <a:spLocks noGrp="1"/>
-              </p:cNvSpPr>
-              <p:nvPr>
-                <p:ph sz="quarter" idx="13"/>
-              </p:nvPr>
-            </p:nvSpPr>
-            <p:spPr>
-              <a:xfrm>
-                <a:off x="467544" y="1052736"/>
-                <a:ext cx="8424936" cy="5274920"/>
-              </a:xfrm>
-            </p:spPr>
-            <p:txBody>
-              <a:bodyPr>
-                <a:normAutofit fontScale="85000" lnSpcReduction="20000"/>
-              </a:bodyPr>
-              <a:lstStyle/>
-              <a:p>
-                <a:pPr marL="45720" indent="457200">
-                  <a:buNone/>
-                </a:pPr>
-                <a:r>
-                  <a:rPr lang="uk-UA" dirty="0"/>
-                  <a:t>Реалістичний варіант вирішення завдання вибіркового регресійного тестування полягає в отриманні корисної інформації за результатами виконання </a:t>
-                </a:r>
-                <a:r>
-                  <a:rPr lang="uk-UA" b="1" i="1" dirty="0"/>
-                  <a:t>P</a:t>
-                </a:r>
-                <a:r>
-                  <a:rPr lang="uk-UA" dirty="0"/>
-                  <a:t> і об'єднання цієї інформації з даними статичного аналізу для отримання множини </a:t>
+                  <a:t>Множина </a:t>
                 </a:r>
                 <a14:m>
                   <m:oMath xmlns:m="http://schemas.openxmlformats.org/officeDocument/2006/math">
@@ -5851,35 +8182,47 @@
                 </a14:m>
                 <a:r>
                   <a:rPr lang="uk-UA" dirty="0"/>
-                  <a:t> у вигляді апроксимації </a:t>
+                  <a:t> </a:t>
+                </a:r>
+                <a:r>
+                  <a:rPr lang="uk-UA" dirty="0" smtClean="0"/>
+                  <a:t>повинна </a:t>
+                </a:r>
+                <a:r>
+                  <a:rPr lang="uk-UA" dirty="0"/>
+                  <a:t>включати всі тести з </a:t>
                 </a:r>
                 <a14:m>
                   <m:oMath xmlns:m="http://schemas.openxmlformats.org/officeDocument/2006/math">
-                    <m:sSubSup>
-                      <m:sSubSupPr>
-                        <m:ctrlPr>
-                          <a:rPr lang="ru-RU" b="1" i="1"/>
-                        </m:ctrlPr>
-                      </m:sSubSupPr>
-                      <m:e>
-                        <m:r>
-                          <a:rPr lang="uk-UA" b="1" i="1"/>
-                          <m:t>𝑻</m:t>
-                        </m:r>
-                      </m:e>
-                      <m:sub/>
-                      <m:sup>
-                        <m:r>
-                          <a:rPr lang="uk-UA" b="1" i="1"/>
-                          <m:t>′</m:t>
-                        </m:r>
-                      </m:sup>
-                    </m:sSubSup>
+                    <m:r>
+                      <a:rPr lang="uk-UA" b="1" i="1"/>
+                      <m:t>𝑻</m:t>
+                    </m:r>
                   </m:oMath>
                 </a14:m>
                 <a:r>
                   <a:rPr lang="uk-UA" dirty="0"/>
-                  <a:t>. Цей підхід застосовується у всіх відомих вибіркових методах регресійного тестування, заснованих на аналізі коду. Множина </a:t>
+                  <a:t>, що активують змінений код, і не включати ніяких інших тестів, тобто тест </a:t>
+                </a:r>
+                <a14:m>
+                  <m:oMath xmlns:m="http://schemas.openxmlformats.org/officeDocument/2006/math">
+                    <m:r>
+                      <a:rPr lang="uk-UA" b="1" i="1"/>
+                      <m:t>𝒕</m:t>
+                    </m:r>
+                    <m:r>
+                      <a:rPr lang="uk-UA" b="1" i="1"/>
+                      <m:t>∈</m:t>
+                    </m:r>
+                    <m:r>
+                      <a:rPr lang="uk-UA" b="1" i="1"/>
+                      <m:t>𝑻</m:t>
+                    </m:r>
+                  </m:oMath>
+                </a14:m>
+                <a:r>
+                  <a:rPr lang="uk-UA" dirty="0"/>
+                  <a:t> входить до </a:t>
                 </a:r>
                 <a14:m>
                   <m:oMath xmlns:m="http://schemas.openxmlformats.org/officeDocument/2006/math">
@@ -5912,71 +8255,6 @@
                 </a14:m>
                 <a:r>
                   <a:rPr lang="uk-UA" dirty="0"/>
-                  <a:t> повинно включати всі тести з </a:t>
-                </a:r>
-                <a14:m>
-                  <m:oMath xmlns:m="http://schemas.openxmlformats.org/officeDocument/2006/math">
-                    <m:r>
-                      <a:rPr lang="uk-UA" b="1" i="1"/>
-                      <m:t>𝑻</m:t>
-                    </m:r>
-                  </m:oMath>
-                </a14:m>
-                <a:r>
-                  <a:rPr lang="uk-UA" dirty="0"/>
-                  <a:t>, що активують змінений код, і не включати ніяких інших тестів, тобто тест </a:t>
-                </a:r>
-                <a14:m>
-                  <m:oMath xmlns:m="http://schemas.openxmlformats.org/officeDocument/2006/math">
-                    <m:r>
-                      <a:rPr lang="uk-UA" b="1" i="1"/>
-                      <m:t>𝒕</m:t>
-                    </m:r>
-                    <m:r>
-                      <a:rPr lang="uk-UA" b="1" i="1"/>
-                      <m:t>∈</m:t>
-                    </m:r>
-                    <m:r>
-                      <a:rPr lang="uk-UA" b="1" i="1"/>
-                      <m:t>𝑻</m:t>
-                    </m:r>
-                  </m:oMath>
-                </a14:m>
-                <a:r>
-                  <a:rPr lang="uk-UA" dirty="0"/>
-                  <a:t> входить до </a:t>
-                </a:r>
-                <a14:m>
-                  <m:oMath xmlns:m="http://schemas.openxmlformats.org/officeDocument/2006/math">
-                    <m:sSubSup>
-                      <m:sSubSupPr>
-                        <m:ctrlPr>
-                          <a:rPr lang="ru-RU" b="1" i="1"/>
-                        </m:ctrlPr>
-                      </m:sSubSupPr>
-                      <m:e>
-                        <m:r>
-                          <a:rPr lang="uk-UA" b="1" i="1"/>
-                          <m:t>𝑻</m:t>
-                        </m:r>
-                      </m:e>
-                      <m:sub>
-                        <m:r>
-                          <a:rPr lang="uk-UA" b="1" i="1"/>
-                          <m:t>𝒑</m:t>
-                        </m:r>
-                      </m:sub>
-                      <m:sup>
-                        <m:r>
-                          <a:rPr lang="uk-UA" b="1" i="1"/>
-                          <m:t>′</m:t>
-                        </m:r>
-                      </m:sup>
-                    </m:sSubSup>
-                  </m:oMath>
-                </a14:m>
-                <a:r>
-                  <a:rPr lang="uk-UA" dirty="0"/>
                   <a:t> тоді і тільки тоді, коли </a:t>
                 </a:r>
                 <a14:m>
@@ -6013,384 +8291,190 @@
                 </a14:m>
                 <a:r>
                   <a:rPr lang="uk-UA" dirty="0"/>
-                  <a:t> код був видалений або змінений, або де був доданий новий код.</a:t>
+                  <a:t> код був видалений або змінений, або де був доданий новий </a:t>
+                </a:r>
+                <a:r>
+                  <a:rPr lang="uk-UA" dirty="0" smtClean="0"/>
+                  <a:t>код,</a:t>
                 </a:r>
                 <a:endParaRPr lang="ru-RU" dirty="0"/>
               </a:p>
               <a:p>
-                <a:pPr marL="45720" indent="457200">
+                <a:pPr marL="45720" indent="0">
                   <a:buNone/>
                 </a:pPr>
                 <a:r>
-                  <a:rPr lang="uk-UA" dirty="0"/>
-                  <a:t>Якщо певний тест </a:t>
+                  <a:rPr lang="uk-UA" dirty="0" smtClean="0"/>
+                  <a:t>де </a:t>
                 </a:r>
                 <a14:m>
                   <m:oMath xmlns:m="http://schemas.openxmlformats.org/officeDocument/2006/math">
                     <m:r>
-                      <a:rPr lang="uk-UA" b="1" i="1"/>
-                      <m:t>𝒕</m:t>
+                      <a:rPr lang="uk-UA" b="1" i="1">
+                        <a:latin typeface="Cambria Math"/>
+                      </a:rPr>
+                      <m:t>𝑻</m:t>
+                    </m:r>
+                    <m:r>
+                      <a:rPr lang="uk-UA" b="1" i="1">
+                        <a:latin typeface="Cambria Math"/>
+                      </a:rPr>
+                      <m:t>′⊂</m:t>
+                    </m:r>
+                    <m:r>
+                      <a:rPr lang="uk-UA" b="1" i="1">
+                        <a:latin typeface="Cambria Math"/>
+                      </a:rPr>
+                      <m:t>𝑻</m:t>
                     </m:r>
                   </m:oMath>
                 </a14:m>
                 <a:r>
                   <a:rPr lang="uk-UA" dirty="0"/>
-                  <a:t> </a:t>
+                  <a:t> – </a:t>
                 </a:r>
                 <a:r>
                   <a:rPr lang="uk-UA" dirty="0" smtClean="0"/>
-                  <a:t>задіє </a:t>
+                  <a:t>невідома, </a:t>
                 </a:r>
                 <a:r>
                   <a:rPr lang="uk-UA" dirty="0"/>
-                  <a:t>в </a:t>
+                  <a:t>ідеальна підмножина регресійних тестів для тестування нової версії програми </a:t>
                 </a:r>
                 <a:r>
                   <a:rPr lang="uk-UA" b="1" i="1" dirty="0"/>
-                  <a:t>P</a:t>
+                  <a:t>P'</a:t>
                 </a:r>
                 <a:r>
                   <a:rPr lang="uk-UA" dirty="0"/>
-                  <a:t> той самий код, що і в </a:t>
-                </a:r>
-                <a14:m>
-                  <m:oMath xmlns:m="http://schemas.openxmlformats.org/officeDocument/2006/math">
-                    <m:r>
-                      <a:rPr lang="uk-UA" b="1" i="1"/>
-                      <m:t>𝑷</m:t>
-                    </m:r>
-                    <m:r>
-                      <a:rPr lang="uk-UA" b="1" i="1"/>
-                      <m:t>′</m:t>
-                    </m:r>
-                  </m:oMath>
-                </a14:m>
-                <a:r>
-                  <a:rPr lang="uk-UA" dirty="0"/>
-                  <a:t>, вихідні дані </a:t>
-                </a:r>
-                <a:r>
-                  <a:rPr lang="uk-UA" b="1" i="1" dirty="0"/>
-                  <a:t>P</a:t>
-                </a:r>
-                <a:r>
-                  <a:rPr lang="uk-UA" dirty="0"/>
-                  <a:t> і </a:t>
-                </a:r>
-                <a14:m>
-                  <m:oMath xmlns:m="http://schemas.openxmlformats.org/officeDocument/2006/math">
-                    <m:r>
-                      <a:rPr lang="uk-UA" b="1" i="1"/>
-                      <m:t>𝑷</m:t>
-                    </m:r>
-                    <m:r>
-                      <a:rPr lang="uk-UA" b="1" i="1"/>
-                      <m:t>′</m:t>
-                    </m:r>
-                  </m:oMath>
-                </a14:m>
-                <a:r>
-                  <a:rPr lang="uk-UA" dirty="0"/>
-                  <a:t> для </a:t>
-                </a:r>
-                <a14:m>
-                  <m:oMath xmlns:m="http://schemas.openxmlformats.org/officeDocument/2006/math">
-                    <m:r>
-                      <a:rPr lang="uk-UA" b="1" i="1"/>
-                      <m:t>𝒕</m:t>
-                    </m:r>
-                  </m:oMath>
-                </a14:m>
-                <a:r>
-                  <a:rPr lang="uk-UA" dirty="0"/>
-                  <a:t> відрізнятися не будуть. З цього випливає, що якщо </a:t>
-                </a:r>
-                <a14:m>
-                  <m:oMath xmlns:m="http://schemas.openxmlformats.org/officeDocument/2006/math">
-                    <m:r>
-                      <a:rPr lang="uk-UA" b="1" i="1"/>
-                      <m:t>𝑷</m:t>
-                    </m:r>
-                    <m:r>
-                      <a:rPr lang="uk-UA" b="1" i="1"/>
-                      <m:t>′(</m:t>
-                    </m:r>
-                    <m:r>
-                      <a:rPr lang="uk-UA" b="1" i="1"/>
-                      <m:t>𝒕</m:t>
-                    </m:r>
-                    <m:r>
-                      <a:rPr lang="uk-UA" b="1" i="1"/>
-                      <m:t>)≠</m:t>
-                    </m:r>
-                    <m:r>
-                      <a:rPr lang="uk-UA" b="1" i="1"/>
-                      <m:t>𝑷</m:t>
-                    </m:r>
-                    <m:r>
-                      <a:rPr lang="uk-UA" b="1" i="1"/>
-                      <m:t>(</m:t>
-                    </m:r>
-                    <m:r>
-                      <a:rPr lang="uk-UA" b="1" i="1"/>
-                      <m:t>𝒕</m:t>
-                    </m:r>
-                    <m:r>
-                      <a:rPr lang="uk-UA" b="1" i="1"/>
-                      <m:t>)</m:t>
-                    </m:r>
-                  </m:oMath>
-                </a14:m>
-                <a:r>
-                  <a:rPr lang="uk-UA" dirty="0"/>
-                  <a:t>, </a:t>
-                </a:r>
-                <a14:m>
-                  <m:oMath xmlns:m="http://schemas.openxmlformats.org/officeDocument/2006/math">
-                    <m:r>
-                      <a:rPr lang="uk-UA" b="1" i="1"/>
-                      <m:t>𝒕</m:t>
-                    </m:r>
-                  </m:oMath>
-                </a14:m>
-                <a:r>
-                  <a:rPr lang="uk-UA" dirty="0"/>
-                  <a:t>  повинен задіяти певний код, змінений в </a:t>
-                </a:r>
-                <a14:m>
-                  <m:oMath xmlns:m="http://schemas.openxmlformats.org/officeDocument/2006/math">
-                    <m:r>
-                      <a:rPr lang="uk-UA" b="1" i="1"/>
-                      <m:t>𝑷</m:t>
-                    </m:r>
-                    <m:r>
-                      <a:rPr lang="uk-UA" b="1" i="1"/>
-                      <m:t>′</m:t>
-                    </m:r>
-                  </m:oMath>
-                </a14:m>
-                <a:r>
-                  <a:rPr lang="uk-UA" dirty="0"/>
-                  <a:t> по відношенню до </a:t>
-                </a:r>
-                <a14:m>
-                  <m:oMath xmlns:m="http://schemas.openxmlformats.org/officeDocument/2006/math">
-                    <m:r>
-                      <a:rPr lang="uk-UA" b="1" i="1"/>
-                      <m:t>𝑷</m:t>
-                    </m:r>
-                  </m:oMath>
-                </a14:m>
-                <a:r>
-                  <a:rPr lang="uk-UA" dirty="0"/>
-                  <a:t>, тобто повинно виконуватися відношення </a:t>
-                </a:r>
-                <a14:m>
-                  <m:oMath xmlns:m="http://schemas.openxmlformats.org/officeDocument/2006/math">
-                    <m:r>
-                      <a:rPr lang="uk-UA" b="1" i="1"/>
-                      <m:t>𝒕</m:t>
-                    </m:r>
-                    <m:r>
-                      <a:rPr lang="uk-UA" b="1" i="1"/>
-                      <m:t>∈</m:t>
-                    </m:r>
-                    <m:sSubSup>
-                      <m:sSubSupPr>
-                        <m:ctrlPr>
-                          <a:rPr lang="ru-RU" b="1" i="1"/>
-                        </m:ctrlPr>
-                      </m:sSubSupPr>
-                      <m:e>
-                        <m:r>
-                          <a:rPr lang="uk-UA" b="1" i="1"/>
-                          <m:t>𝑻</m:t>
-                        </m:r>
-                      </m:e>
-                      <m:sub>
-                        <m:r>
-                          <a:rPr lang="uk-UA" b="1" i="1"/>
-                          <m:t>𝒑</m:t>
-                        </m:r>
-                      </m:sub>
-                      <m:sup>
-                        <m:r>
-                          <a:rPr lang="uk-UA" b="1" i="1"/>
-                          <m:t>′</m:t>
-                        </m:r>
-                      </m:sup>
-                    </m:sSubSup>
-                  </m:oMath>
-                </a14:m>
-                <a:r>
-                  <a:rPr lang="uk-UA" dirty="0"/>
-                  <a:t>. З іншого боку, оскільки не кожне виконання зміненого коду відбивається на вихідних значеннях тесту, можуть існувати деякі такі </a:t>
-                </a:r>
-                <a14:m>
-                  <m:oMath xmlns:m="http://schemas.openxmlformats.org/officeDocument/2006/math">
-                    <m:r>
-                      <a:rPr lang="uk-UA" b="1" i="1"/>
-                      <m:t>𝒕</m:t>
-                    </m:r>
-                    <m:r>
-                      <a:rPr lang="uk-UA" b="1" i="1"/>
-                      <m:t>∈</m:t>
-                    </m:r>
-                    <m:sSubSup>
-                      <m:sSubSupPr>
-                        <m:ctrlPr>
-                          <a:rPr lang="ru-RU" b="1" i="1"/>
-                        </m:ctrlPr>
-                      </m:sSubSupPr>
-                      <m:e>
-                        <m:r>
-                          <a:rPr lang="uk-UA" b="1" i="1"/>
-                          <m:t>𝑻</m:t>
-                        </m:r>
-                      </m:e>
-                      <m:sub>
-                        <m:r>
-                          <a:rPr lang="uk-UA" b="1" i="1"/>
-                          <m:t>𝒑</m:t>
-                        </m:r>
-                      </m:sub>
-                      <m:sup>
-                        <m:r>
-                          <a:rPr lang="uk-UA" b="1" i="1"/>
-                          <m:t>′</m:t>
-                        </m:r>
-                      </m:sup>
-                    </m:sSubSup>
-                  </m:oMath>
-                </a14:m>
-                <a:r>
-                  <a:rPr lang="uk-UA" dirty="0"/>
-                  <a:t>, що </a:t>
+                  <a:t>, тобто </a:t>
                 </a:r>
                 <a14:m>
                   <m:oMath xmlns:m="http://schemas.openxmlformats.org/officeDocument/2006/math">
                     <m:sSup>
                       <m:sSupPr>
                         <m:ctrlPr>
-                          <a:rPr lang="ru-RU" b="1" i="1"/>
+                          <a:rPr lang="ru-RU" b="1" i="1">
+                            <a:latin typeface="Cambria Math"/>
+                          </a:rPr>
                         </m:ctrlPr>
                       </m:sSupPr>
                       <m:e>
                         <m:r>
-                          <a:rPr lang="uk-UA" b="1" i="1"/>
-                          <m:t>𝑷</m:t>
-                        </m:r>
-                      </m:e>
-                      <m:sup>
-                        <m:r>
-                          <a:rPr lang="uk-UA" b="1" i="1"/>
-                          <m:t>′</m:t>
-                        </m:r>
-                      </m:sup>
-                    </m:sSup>
-                    <m:d>
-                      <m:dPr>
-                        <m:ctrlPr>
-                          <a:rPr lang="ru-RU" b="1" i="1"/>
-                        </m:ctrlPr>
-                      </m:dPr>
-                      <m:e>
-                        <m:r>
-                          <a:rPr lang="uk-UA" b="1" i="1"/>
-                          <m:t>𝒕</m:t>
-                        </m:r>
-                      </m:e>
-                    </m:d>
-                    <m:r>
-                      <a:rPr lang="uk-UA" b="1" i="1"/>
-                      <m:t>=</m:t>
-                    </m:r>
-                    <m:r>
-                      <a:rPr lang="uk-UA" b="1" i="1"/>
-                      <m:t>𝑷</m:t>
-                    </m:r>
-                    <m:r>
-                      <a:rPr lang="uk-UA" b="1" i="1"/>
-                      <m:t>(</m:t>
-                    </m:r>
-                    <m:r>
-                      <a:rPr lang="uk-UA" b="1" i="1"/>
-                      <m:t>𝒕</m:t>
-                    </m:r>
-                    <m:r>
-                      <a:rPr lang="uk-UA" b="1" i="1"/>
-                      <m:t>)</m:t>
-                    </m:r>
-                  </m:oMath>
-                </a14:m>
-                <a:r>
-                  <a:rPr lang="uk-UA" dirty="0"/>
-                  <a:t>. Таким чином, </a:t>
-                </a:r>
-                <a14:m>
-                  <m:oMath xmlns:m="http://schemas.openxmlformats.org/officeDocument/2006/math">
-                    <m:sSubSup>
-                      <m:sSubSupPr>
-                        <m:ctrlPr>
-                          <a:rPr lang="ru-RU" b="1" i="1"/>
-                        </m:ctrlPr>
-                      </m:sSubSupPr>
-                      <m:e>
-                        <m:r>
-                          <a:rPr lang="uk-UA" b="1" i="1"/>
-                          <m:t>𝑻</m:t>
-                        </m:r>
-                      </m:e>
-                      <m:sub>
-                        <m:r>
-                          <a:rPr lang="uk-UA" b="1" i="1"/>
-                          <m:t>𝒑</m:t>
-                        </m:r>
-                      </m:sub>
-                      <m:sup>
-                        <m:r>
-                          <a:rPr lang="uk-UA" b="1" i="1"/>
-                          <m:t>′</m:t>
-                        </m:r>
-                      </m:sup>
-                    </m:sSubSup>
-                  </m:oMath>
-                </a14:m>
-                <a:r>
-                  <a:rPr lang="uk-UA" dirty="0"/>
-                  <a:t> містить </a:t>
-                </a:r>
-                <a14:m>
-                  <m:oMath xmlns:m="http://schemas.openxmlformats.org/officeDocument/2006/math">
-                    <m:sSup>
-                      <m:sSupPr>
-                        <m:ctrlPr>
-                          <a:rPr lang="ru-RU" b="1" i="1"/>
-                        </m:ctrlPr>
-                      </m:sSupPr>
-                      <m:e>
-                        <m:r>
-                          <a:rPr lang="uk-UA" b="1" i="1"/>
+                          <a:rPr lang="uk-UA" b="1" i="1">
+                            <a:latin typeface="Cambria Math"/>
+                          </a:rPr>
                           <m:t>𝑻</m:t>
                         </m:r>
                       </m:e>
                       <m:sup>
                         <m:r>
-                          <a:rPr lang="uk-UA" b="1" i="1"/>
+                          <a:rPr lang="uk-UA" b="1" i="1">
+                            <a:latin typeface="Cambria Math"/>
+                          </a:rPr>
                           <m:t>′</m:t>
                         </m:r>
                       </m:sup>
                     </m:sSup>
+                    <m:r>
+                      <a:rPr lang="uk-UA" b="1" i="1">
+                        <a:latin typeface="Cambria Math"/>
+                      </a:rPr>
+                      <m:t>=</m:t>
+                    </m:r>
+                    <m:d>
+                      <m:dPr>
+                        <m:begChr m:val="{"/>
+                        <m:endChr m:val="}"/>
+                        <m:ctrlPr>
+                          <a:rPr lang="ru-RU" b="1" i="1">
+                            <a:latin typeface="Cambria Math"/>
+                          </a:rPr>
+                        </m:ctrlPr>
+                      </m:dPr>
+                      <m:e>
+                        <m:r>
+                          <a:rPr lang="uk-UA" b="1" i="1">
+                            <a:latin typeface="Cambria Math"/>
+                          </a:rPr>
+                          <m:t>𝒕</m:t>
+                        </m:r>
+                        <m:r>
+                          <a:rPr lang="uk-UA" b="1" i="1">
+                            <a:latin typeface="Cambria Math"/>
+                          </a:rPr>
+                          <m:t>∈</m:t>
+                        </m:r>
+                        <m:r>
+                          <a:rPr lang="uk-UA" b="1" i="1">
+                            <a:latin typeface="Cambria Math"/>
+                          </a:rPr>
+                          <m:t>𝑻</m:t>
+                        </m:r>
+                        <m:r>
+                          <a:rPr lang="uk-UA" b="1" i="1">
+                            <a:latin typeface="Cambria Math"/>
+                          </a:rPr>
+                          <m:t>| </m:t>
+                        </m:r>
+                        <m:r>
+                          <a:rPr lang="uk-UA" b="1" i="1">
+                            <a:latin typeface="Cambria Math"/>
+                          </a:rPr>
+                          <m:t>𝑷</m:t>
+                        </m:r>
+                        <m:r>
+                          <a:rPr lang="uk-UA" b="1" i="1">
+                            <a:latin typeface="Cambria Math"/>
+                          </a:rPr>
+                          <m:t>′(</m:t>
+                        </m:r>
+                        <m:r>
+                          <a:rPr lang="uk-UA" b="1" i="1">
+                            <a:latin typeface="Cambria Math"/>
+                          </a:rPr>
+                          <m:t>𝒕</m:t>
+                        </m:r>
+                        <m:r>
+                          <a:rPr lang="uk-UA" b="1" i="1">
+                            <a:latin typeface="Cambria Math"/>
+                          </a:rPr>
+                          <m:t>)≠</m:t>
+                        </m:r>
+                        <m:r>
+                          <a:rPr lang="uk-UA" b="1" i="1">
+                            <a:latin typeface="Cambria Math"/>
+                          </a:rPr>
+                          <m:t>𝑷</m:t>
+                        </m:r>
+                        <m:r>
+                          <a:rPr lang="uk-UA" b="1" i="1">
+                            <a:latin typeface="Cambria Math"/>
+                          </a:rPr>
+                          <m:t>(</m:t>
+                        </m:r>
+                        <m:r>
+                          <a:rPr lang="uk-UA" b="1" i="1">
+                            <a:latin typeface="Cambria Math"/>
+                          </a:rPr>
+                          <m:t>𝒕</m:t>
+                        </m:r>
+                        <m:r>
+                          <a:rPr lang="uk-UA" b="1" i="1">
+                            <a:latin typeface="Cambria Math"/>
+                          </a:rPr>
+                          <m:t>)</m:t>
+                        </m:r>
+                      </m:e>
+                    </m:d>
                   </m:oMath>
                 </a14:m>
-                <a:r>
-                  <a:rPr lang="uk-UA" b="1" dirty="0"/>
-                  <a:t> </a:t>
-                </a:r>
-                <a:r>
-                  <a:rPr lang="uk-UA" dirty="0"/>
-                  <a:t>цілком і може використовуватися в якості його альтернативи без шкоди для якості програмного продукту.</a:t>
-                </a:r>
+                <a:endParaRPr lang="ru-RU" dirty="0"/>
+              </a:p>
+              <a:p>
+                <a:pPr marL="45720" indent="0">
+                  <a:buNone/>
+                </a:pPr>
                 <a:endParaRPr lang="ru-RU" dirty="0"/>
               </a:p>
             </p:txBody>
@@ -6409,13 +8493,13 @@
             </p:nvSpPr>
             <p:spPr>
               <a:xfrm>
-                <a:off x="467544" y="1052736"/>
-                <a:ext cx="8424936" cy="5274920"/>
+                <a:off x="467544" y="1196752"/>
+                <a:ext cx="8424936" cy="5130904"/>
               </a:xfrm>
               <a:blipFill rotWithShape="1">
                 <a:blip r:embed="rId2"/>
                 <a:stretch>
-                  <a:fillRect l="-145" t="-1734" r="-1447"/>
+                  <a:fillRect l="-217" t="-713" r="-1158"/>
                 </a:stretch>
               </a:blipFill>
             </p:spPr>
@@ -6437,7 +8521,7 @@
     </p:spTree>
     <p:extLst>
       <p:ext uri="{BB962C8B-B14F-4D97-AF65-F5344CB8AC3E}">
-        <p14:creationId xmlns:p14="http://schemas.microsoft.com/office/powerpoint/2010/main" val="593646037"/>
+        <p14:creationId xmlns:p14="http://schemas.microsoft.com/office/powerpoint/2010/main" val="1289011594"/>
       </p:ext>
     </p:extLst>
   </p:cSld>
@@ -6476,8 +8560,8 @@
         </p:nvSpPr>
         <p:spPr>
           <a:xfrm>
-            <a:off x="539552" y="332656"/>
-            <a:ext cx="7992888" cy="1008112"/>
+            <a:off x="323528" y="332656"/>
+            <a:ext cx="8424936" cy="720080"/>
           </a:xfrm>
         </p:spPr>
         <p:txBody>
@@ -6486,100 +8570,263 @@
           <a:p>
             <a:pPr algn="ctr"/>
             <a:r>
-              <a:rPr lang="uk-UA" sz="2800" dirty="0" smtClean="0"/>
-              <a:t>Використання систем контролю версій для планування регресійного тестування</a:t>
-            </a:r>
-            <a:endParaRPr lang="uk-UA" sz="2800" dirty="0"/>
+              <a:rPr lang="uk-UA" sz="2400" dirty="0" smtClean="0"/>
+              <a:t>Класифікація методів регресійного тестування</a:t>
+            </a:r>
+            <a:endParaRPr lang="uk-UA" sz="2400" dirty="0"/>
           </a:p>
         </p:txBody>
       </p:sp>
-      <p:sp>
-        <p:nvSpPr>
-          <p:cNvPr id="3" name="Объект 2"/>
-          <p:cNvSpPr>
-            <a:spLocks noGrp="1"/>
-          </p:cNvSpPr>
-          <p:nvPr>
-            <p:ph sz="quarter" idx="13"/>
-          </p:nvPr>
-        </p:nvSpPr>
-        <p:spPr>
-          <a:xfrm>
-            <a:off x="467544" y="1628800"/>
-            <a:ext cx="8424936" cy="4698856"/>
-          </a:xfrm>
-        </p:spPr>
-        <p:txBody>
-          <a:bodyPr>
-            <a:normAutofit/>
-          </a:bodyPr>
-          <a:lstStyle/>
-          <a:p>
-            <a:pPr marL="45720" indent="457200">
-              <a:buNone/>
-            </a:pPr>
-            <a:r>
-              <a:rPr lang="uk-UA" dirty="0"/>
-              <a:t>У галузі розробки програмного забезпечення, контроль версій є єдиною можливістю відстежувати і забезпечувати контроль за змінами у вихідному коді. </a:t>
-            </a:r>
-            <a:r>
-              <a:rPr lang="uk-UA" dirty="0" smtClean="0"/>
-              <a:t>Команди </a:t>
-            </a:r>
-            <a:r>
-              <a:rPr lang="uk-UA" dirty="0"/>
-              <a:t>розробників одночасно проектують, розробляють та впроваджують </a:t>
-            </a:r>
-            <a:r>
-              <a:rPr lang="uk-UA" dirty="0" smtClean="0"/>
-              <a:t>декілька </a:t>
-            </a:r>
-            <a:r>
-              <a:rPr lang="uk-UA" dirty="0"/>
-              <a:t>версій одного і того ж програмного забезпечення, які будуть розгорнуті в різних місцях, і одночасно працюють над оновленнями(</a:t>
-            </a:r>
-            <a:r>
-              <a:rPr lang="uk-UA" dirty="0" err="1"/>
-              <a:t>patches</a:t>
-            </a:r>
-            <a:r>
-              <a:rPr lang="uk-UA" dirty="0"/>
-              <a:t>). Певні помилки або функції  програмного забезпечення часто присутні тільки в деяких </a:t>
-            </a:r>
-            <a:r>
-              <a:rPr lang="uk-UA" dirty="0" smtClean="0"/>
-              <a:t>версіях. </a:t>
-            </a:r>
-            <a:r>
-              <a:rPr lang="uk-UA" dirty="0"/>
-              <a:t>Таким чином, з метою пошуку та виправлення помилок, життєво важливо мати можливість контролювати </a:t>
-            </a:r>
-            <a:r>
-              <a:rPr lang="uk-UA" dirty="0" smtClean="0"/>
-              <a:t>процес регресійного тестування і </a:t>
-            </a:r>
-            <a:r>
-              <a:rPr lang="uk-UA" dirty="0"/>
-              <a:t>запускати різні </a:t>
-            </a:r>
-            <a:r>
-              <a:rPr lang="uk-UA" dirty="0" smtClean="0"/>
-              <a:t>набори тестів на різних версіях.</a:t>
-            </a:r>
-            <a:endParaRPr lang="ru-RU" dirty="0"/>
-          </a:p>
-          <a:p>
-            <a:pPr marL="45720" indent="457200">
-              <a:buNone/>
-            </a:pPr>
-            <a:endParaRPr lang="ru-RU" dirty="0"/>
-          </a:p>
-        </p:txBody>
-      </p:sp>
+      <mc:AlternateContent xmlns:mc="http://schemas.openxmlformats.org/markup-compatibility/2006">
+        <mc:Choice xmlns:a14="http://schemas.microsoft.com/office/drawing/2010/main" Requires="a14">
+          <p:sp>
+            <p:nvSpPr>
+              <p:cNvPr id="3" name="Объект 2"/>
+              <p:cNvSpPr>
+                <a:spLocks noGrp="1"/>
+              </p:cNvSpPr>
+              <p:nvPr>
+                <p:ph sz="quarter" idx="13"/>
+              </p:nvPr>
+            </p:nvSpPr>
+            <p:spPr>
+              <a:xfrm>
+                <a:off x="467544" y="1052736"/>
+                <a:ext cx="8424936" cy="5274920"/>
+              </a:xfrm>
+            </p:spPr>
+            <p:txBody>
+              <a:bodyPr>
+                <a:normAutofit fontScale="92500" lnSpcReduction="10000"/>
+              </a:bodyPr>
+              <a:lstStyle/>
+              <a:p>
+                <a:pPr marL="45720" indent="0">
+                  <a:buNone/>
+                </a:pPr>
+                <a:r>
+                  <a:rPr lang="uk-UA" b="1" dirty="0" smtClean="0"/>
+                  <a:t>1)Випадкові методи</a:t>
+                </a:r>
+                <a:endParaRPr lang="ru-RU" dirty="0"/>
+              </a:p>
+              <a:p>
+                <a:pPr marL="45720" indent="0">
+                  <a:buNone/>
+                </a:pPr>
+                <a:r>
+                  <a:rPr lang="uk-UA" dirty="0" smtClean="0"/>
+                  <a:t>Тести вибираються випадковим </a:t>
+                </a:r>
+                <a:r>
+                  <a:rPr lang="uk-UA" dirty="0"/>
+                  <a:t>чином або на </a:t>
+                </a:r>
+                <a:r>
+                  <a:rPr lang="uk-UA" dirty="0" smtClean="0"/>
+                  <a:t>основі "здогадок</a:t>
+                </a:r>
+                <a:r>
+                  <a:rPr lang="uk-UA" dirty="0"/>
+                  <a:t>", тобто можливого співвіднесення тестів з функціональними можливостями на підставі попередніх знань або досвіду.</a:t>
+                </a:r>
+                <a:endParaRPr lang="ru-RU" dirty="0"/>
+              </a:p>
+              <a:p>
+                <a:pPr marL="45720" indent="0">
+                  <a:buNone/>
+                </a:pPr>
+                <a:r>
+                  <a:rPr lang="uk-UA" b="1" dirty="0"/>
+                  <a:t>2)Безпечні методи</a:t>
+                </a:r>
+                <a:endParaRPr lang="ru-RU" dirty="0"/>
+              </a:p>
+              <a:p>
+                <a:pPr marL="45720" indent="0">
+                  <a:buNone/>
+                </a:pPr>
+                <a:r>
+                  <a:rPr lang="uk-UA" dirty="0"/>
+                  <a:t>Метод вибіркового регресійного тестування називається безпечним, якщо </a:t>
+                </a:r>
+                <a:r>
+                  <a:rPr lang="uk-UA" dirty="0" smtClean="0"/>
+                  <a:t>він </a:t>
+                </a:r>
+                <a:r>
+                  <a:rPr lang="uk-UA" dirty="0"/>
+                  <a:t>не виключає тестів, які виявили б помилки у зміненій </a:t>
+                </a:r>
+                <a:r>
+                  <a:rPr lang="uk-UA" dirty="0" smtClean="0"/>
+                  <a:t>програмі.</a:t>
+                </a:r>
+              </a:p>
+              <a:p>
+                <a:pPr marL="45720" indent="0">
+                  <a:buNone/>
+                </a:pPr>
+                <a:r>
+                  <a:rPr lang="uk-UA" b="1" dirty="0" smtClean="0"/>
+                  <a:t>3)Методи </a:t>
+                </a:r>
+                <a:r>
+                  <a:rPr lang="uk-UA" b="1" dirty="0"/>
+                  <a:t>мінімізації </a:t>
+                </a:r>
+                <a:endParaRPr lang="ru-RU" dirty="0"/>
+              </a:p>
+              <a:p>
+                <a:pPr marL="45720" indent="0">
+                  <a:buNone/>
+                </a:pPr>
+                <a:r>
+                  <a:rPr lang="uk-UA" dirty="0"/>
+                  <a:t>Процедура мінімізації набору тестів ставить за мету відбір мінімальної (в термінах кількості тестів) підмножини T, необхідної для покриття кожного елемента програми, що зазнав змін. </a:t>
+                </a:r>
+                <a:r>
+                  <a:rPr lang="uk-UA" dirty="0" smtClean="0"/>
+                  <a:t>Мінімізація </a:t>
+                </a:r>
+                <a:r>
+                  <a:rPr lang="uk-UA" dirty="0"/>
+                  <a:t>набору тестів вимагає </a:t>
+                </a:r>
+                <a:r>
+                  <a:rPr lang="uk-UA" dirty="0" smtClean="0"/>
+                  <a:t>великих витрат </a:t>
+                </a:r>
+                <a:r>
+                  <a:rPr lang="uk-UA" dirty="0"/>
+                  <a:t>на аналіз. </a:t>
+                </a:r>
+                <a:endParaRPr lang="uk-UA" dirty="0" smtClean="0"/>
+              </a:p>
+              <a:p>
+                <a:pPr marL="45720" indent="0">
+                  <a:buNone/>
+                </a:pPr>
+                <a:r>
+                  <a:rPr lang="uk-UA" b="1" dirty="0" smtClean="0"/>
+                  <a:t>4)Методи</a:t>
+                </a:r>
+                <a:r>
+                  <a:rPr lang="uk-UA" b="1" dirty="0"/>
+                  <a:t>, засновані на покритті коду </a:t>
+                </a:r>
+                <a:endParaRPr lang="ru-RU" dirty="0"/>
+              </a:p>
+              <a:p>
+                <a:pPr marL="45720" indent="0">
+                  <a:buNone/>
+                </a:pPr>
+                <a:r>
+                  <a:rPr lang="uk-UA" dirty="0" smtClean="0"/>
+                  <a:t>Вибираються тільки ті тести з </a:t>
+                </a:r>
+                <a:r>
+                  <a:rPr lang="uk-UA" dirty="0"/>
+                  <a:t>T</a:t>
+                </a:r>
+                <a:r>
+                  <a:rPr lang="uk-UA" dirty="0" smtClean="0"/>
+                  <a:t> </a:t>
+                </a:r>
+                <a:r>
+                  <a:rPr lang="uk-UA" dirty="0"/>
+                  <a:t>що активують змінений </a:t>
+                </a:r>
+                <a:r>
+                  <a:rPr lang="uk-UA" dirty="0" smtClean="0"/>
+                  <a:t>у </a:t>
+                </a:r>
+                <a14:m>
+                  <m:oMath xmlns:m="http://schemas.openxmlformats.org/officeDocument/2006/math">
+                    <m:sSup>
+                      <m:sSupPr>
+                        <m:ctrlPr>
+                          <a:rPr lang="uk-UA" b="1" i="1">
+                            <a:latin typeface="Cambria Math"/>
+                          </a:rPr>
+                        </m:ctrlPr>
+                      </m:sSupPr>
+                      <m:e>
+                        <m:r>
+                          <a:rPr lang="uk-UA" b="1" i="1">
+                            <a:latin typeface="Cambria Math"/>
+                          </a:rPr>
+                          <m:t>𝑷</m:t>
+                        </m:r>
+                      </m:e>
+                      <m:sup>
+                        <m:r>
+                          <a:rPr lang="uk-UA" b="1" i="1">
+                            <a:latin typeface="Cambria Math"/>
+                          </a:rPr>
+                          <m:t>′</m:t>
+                        </m:r>
+                      </m:sup>
+                    </m:sSup>
+                  </m:oMath>
+                </a14:m>
+                <a:r>
+                  <a:rPr lang="uk-UA" dirty="0" smtClean="0"/>
+                  <a:t> код.</a:t>
+                </a:r>
+                <a:endParaRPr lang="ru-RU" dirty="0"/>
+              </a:p>
+              <a:p>
+                <a:pPr marL="45720" indent="457200">
+                  <a:buNone/>
+                </a:pPr>
+                <a:endParaRPr lang="ru-RU" dirty="0"/>
+              </a:p>
+            </p:txBody>
+          </p:sp>
+        </mc:Choice>
+        <mc:Fallback>
+          <p:sp>
+            <p:nvSpPr>
+              <p:cNvPr id="3" name="Объект 2"/>
+              <p:cNvSpPr>
+                <a:spLocks noGrp="1" noRot="1" noChangeAspect="1" noMove="1" noResize="1" noEditPoints="1" noAdjustHandles="1" noChangeArrowheads="1" noChangeShapeType="1" noTextEdit="1"/>
+              </p:cNvSpPr>
+              <p:nvPr>
+                <p:ph sz="quarter" idx="13"/>
+              </p:nvPr>
+            </p:nvSpPr>
+            <p:spPr>
+              <a:xfrm>
+                <a:off x="467544" y="1052736"/>
+                <a:ext cx="8424936" cy="5274920"/>
+              </a:xfrm>
+              <a:blipFill rotWithShape="1">
+                <a:blip r:embed="rId2"/>
+                <a:stretch>
+                  <a:fillRect l="-217" t="-1272" r="-1085"/>
+                </a:stretch>
+              </a:blipFill>
+            </p:spPr>
+            <p:txBody>
+              <a:bodyPr/>
+              <a:lstStyle/>
+              <a:p>
+                <a:r>
+                  <a:rPr lang="ru-RU">
+                    <a:noFill/>
+                  </a:rPr>
+                  <a:t> </a:t>
+                </a:r>
+              </a:p>
+            </p:txBody>
+          </p:sp>
+        </mc:Fallback>
+      </mc:AlternateContent>
     </p:spTree>
     <p:extLst>
       <p:ext uri="{BB962C8B-B14F-4D97-AF65-F5344CB8AC3E}">
-        <p14:creationId xmlns:p14="http://schemas.microsoft.com/office/powerpoint/2010/main" val="1596294271"/>
+        <p14:creationId xmlns:p14="http://schemas.microsoft.com/office/powerpoint/2010/main" val="593646037"/>
       </p:ext>
     </p:extLst>
   </p:cSld>
@@ -6653,7 +8900,7 @@
         </p:spPr>
         <p:txBody>
           <a:bodyPr>
-            <a:normAutofit lnSpcReduction="10000"/>
+            <a:normAutofit/>
           </a:bodyPr>
           <a:lstStyle/>
           <a:p>
@@ -6661,31 +8908,108 @@
               <a:buNone/>
             </a:pPr>
             <a:r>
-              <a:rPr lang="uk-UA" sz="2800" dirty="0" smtClean="0"/>
-              <a:t>Системи контролю версій мають високу функціональність і дозволяють отримати детальну інформацію в яких саме файлах(модулях програмного забезпечення) відбулися зміни в порівнянні з попередньою версією. Спираючись на цю інформацію, а також на взаємозв'язки між файлами можна побудувати когнітивну карту змін у ПЗ – виявити не тільки змінені модулі, але й ті модулі що могли зазнати випадкового негативного впливу при внесенні змін або при </a:t>
-            </a:r>
-            <a:r>
-              <a:rPr lang="uk-UA" sz="2800" dirty="0" err="1" smtClean="0"/>
-              <a:t>рефактринзі</a:t>
-            </a:r>
-            <a:r>
-              <a:rPr lang="uk-UA" sz="2800" dirty="0" smtClean="0"/>
-              <a:t> коду.</a:t>
-            </a:r>
-            <a:endParaRPr lang="ru-RU" sz="2800" dirty="0"/>
+              <a:rPr lang="uk-UA" sz="2000" dirty="0"/>
+              <a:t>У галузі розробки програмного забезпечення, контроль версій є єдиною можливістю відстежувати і забезпечувати контроль за змінами у вихідному коді. </a:t>
+            </a:r>
+            <a:r>
+              <a:rPr lang="uk-UA" sz="2000" dirty="0" smtClean="0"/>
+              <a:t>Команди </a:t>
+            </a:r>
+            <a:r>
+              <a:rPr lang="uk-UA" sz="2000" dirty="0"/>
+              <a:t>розробників одночасно проектують, розробляють та впроваджують </a:t>
+            </a:r>
+            <a:r>
+              <a:rPr lang="uk-UA" sz="2000" dirty="0" smtClean="0"/>
+              <a:t>декілька </a:t>
+            </a:r>
+            <a:r>
+              <a:rPr lang="uk-UA" sz="2000" dirty="0"/>
+              <a:t>версій одного і того ж програмного забезпечення, які будуть розгорнуті в різних місцях, і одночасно працюють над </a:t>
+            </a:r>
+            <a:r>
+              <a:rPr lang="uk-UA" sz="2000" dirty="0" smtClean="0"/>
+              <a:t>виправл</a:t>
+            </a:r>
+            <a:r>
+              <a:rPr lang="uk-UA" sz="2000" dirty="0" smtClean="0"/>
+              <a:t>еннями(</a:t>
+            </a:r>
+            <a:r>
+              <a:rPr lang="uk-UA" sz="2000" dirty="0" err="1" smtClean="0"/>
+              <a:t>patches</a:t>
+            </a:r>
+            <a:r>
+              <a:rPr lang="uk-UA" sz="2000" dirty="0" smtClean="0"/>
+              <a:t>). </a:t>
+            </a:r>
+            <a:r>
+              <a:rPr lang="uk-UA" sz="2000" dirty="0"/>
+              <a:t>Певні помилки або функції  програмного забезпечення часто присутні тільки в деяких </a:t>
+            </a:r>
+            <a:r>
+              <a:rPr lang="uk-UA" sz="2000" dirty="0" smtClean="0"/>
+              <a:t>версіях. </a:t>
+            </a:r>
+            <a:r>
+              <a:rPr lang="uk-UA" sz="2000" dirty="0"/>
+              <a:t>Таким чином, з метою пошуку та виправлення помилок, життєво важливо мати можливість контролювати </a:t>
+            </a:r>
+            <a:r>
+              <a:rPr lang="uk-UA" sz="2000" dirty="0" smtClean="0"/>
+              <a:t>процес регресійного тестування і </a:t>
+            </a:r>
+            <a:r>
+              <a:rPr lang="uk-UA" sz="2000" dirty="0"/>
+              <a:t>запускати різні </a:t>
+            </a:r>
+            <a:r>
+              <a:rPr lang="uk-UA" sz="2000" dirty="0" smtClean="0"/>
+              <a:t>набори тестів на різних версіях</a:t>
+            </a:r>
+            <a:r>
+              <a:rPr lang="uk-UA" sz="2000" dirty="0" smtClean="0"/>
+              <a:t>.</a:t>
+            </a:r>
           </a:p>
           <a:p>
             <a:pPr marL="45720" indent="457200">
               <a:buNone/>
             </a:pPr>
-            <a:endParaRPr lang="ru-RU" dirty="0"/>
+            <a:r>
+              <a:rPr lang="uk-UA" sz="2000" dirty="0"/>
+              <a:t>Системи контролю версій </a:t>
+            </a:r>
+            <a:r>
+              <a:rPr lang="uk-UA" sz="2000" dirty="0" smtClean="0"/>
+              <a:t>дозволяють </a:t>
+            </a:r>
+            <a:r>
+              <a:rPr lang="uk-UA" sz="2000" dirty="0"/>
+              <a:t>отримати детальну інформацію в яких саме </a:t>
+            </a:r>
+            <a:r>
+              <a:rPr lang="uk-UA" sz="2000" dirty="0" smtClean="0"/>
+              <a:t>файлах(або модулях </a:t>
+            </a:r>
+            <a:r>
+              <a:rPr lang="uk-UA" sz="2000" dirty="0"/>
+              <a:t>програмного забезпечення) відбулися зміни в порівнянні з попередньою версією.</a:t>
+            </a:r>
+            <a:endParaRPr lang="ru-RU" sz="2000" dirty="0"/>
+          </a:p>
+          <a:p>
+            <a:pPr marL="45720" indent="457200">
+              <a:buNone/>
+            </a:pPr>
+            <a:endParaRPr lang="ru-RU" sz="2000" dirty="0"/>
           </a:p>
         </p:txBody>
       </p:sp>
     </p:spTree>
     <p:extLst>
       <p:ext uri="{BB962C8B-B14F-4D97-AF65-F5344CB8AC3E}">
-        <p14:creationId xmlns:p14="http://schemas.microsoft.com/office/powerpoint/2010/main" val="1579137830"/>
+        <p14:creationId xmlns:p14="http://schemas.microsoft.com/office/powerpoint/2010/main" val="1596294271"/>
       </p:ext>
     </p:extLst>
   </p:cSld>
@@ -6735,94 +9059,1216 @@
             <a:pPr algn="ctr"/>
             <a:r>
               <a:rPr lang="uk-UA" sz="2800" dirty="0" smtClean="0"/>
-              <a:t>Програмне забезпечення для планування регресійного тестування </a:t>
-            </a:r>
-            <a:r>
-              <a:rPr lang="en-US" sz="2800" dirty="0" smtClean="0"/>
-              <a:t>Regression Viewer</a:t>
+              <a:t>Формалізація залежностей у програмному забезпеченні</a:t>
             </a:r>
             <a:endParaRPr lang="uk-UA" sz="2800" dirty="0"/>
           </a:p>
         </p:txBody>
       </p:sp>
-      <p:sp>
-        <p:nvSpPr>
-          <p:cNvPr id="3" name="Объект 2"/>
-          <p:cNvSpPr>
-            <a:spLocks noGrp="1"/>
-          </p:cNvSpPr>
-          <p:nvPr>
-            <p:ph sz="quarter" idx="13"/>
-          </p:nvPr>
-        </p:nvSpPr>
-        <p:spPr>
-          <a:xfrm>
-            <a:off x="179512" y="5771034"/>
-            <a:ext cx="8712968" cy="556622"/>
-          </a:xfrm>
-        </p:spPr>
-        <p:txBody>
-          <a:bodyPr>
-            <a:normAutofit/>
-          </a:bodyPr>
-          <a:lstStyle/>
-          <a:p>
-            <a:pPr marL="45720" indent="0" algn="ctr">
-              <a:buNone/>
-            </a:pPr>
-            <a:r>
-              <a:rPr lang="uk-UA" dirty="0" smtClean="0"/>
-              <a:t>Головна форма програми – Дерево вихідних файлів та модулі ПЗ</a:t>
-            </a:r>
-            <a:endParaRPr lang="uk-UA" dirty="0"/>
-          </a:p>
-        </p:txBody>
-      </p:sp>
-      <p:pic>
-        <p:nvPicPr>
-          <p:cNvPr id="1026" name="Picture 2" descr="C:\Users\Артем\Desktop\img\6.png"/>
-          <p:cNvPicPr>
-            <a:picLocks noChangeAspect="1" noChangeArrowheads="1"/>
-          </p:cNvPicPr>
-          <p:nvPr/>
-        </p:nvPicPr>
-        <p:blipFill>
-          <a:blip r:embed="rId2">
-            <a:extLst>
-              <a:ext uri="{28A0092B-C50C-407E-A947-70E740481C1C}">
-                <a14:useLocalDpi xmlns:a14="http://schemas.microsoft.com/office/drawing/2010/main" val="0"/>
-              </a:ext>
-            </a:extLst>
-          </a:blip>
-          <a:srcRect/>
-          <a:stretch>
-            <a:fillRect/>
-          </a:stretch>
-        </p:blipFill>
-        <p:spPr bwMode="auto">
-          <a:xfrm>
-            <a:off x="739527" y="1484784"/>
-            <a:ext cx="7713663" cy="4286250"/>
-          </a:xfrm>
-          <a:prstGeom prst="rect">
-            <a:avLst/>
-          </a:prstGeom>
-          <a:noFill/>
-          <a:extLst>
-            <a:ext uri="{909E8E84-426E-40DD-AFC4-6F175D3DCCD1}">
-              <a14:hiddenFill xmlns:a14="http://schemas.microsoft.com/office/drawing/2010/main">
-                <a:solidFill>
-                  <a:srgbClr val="FFFFFF"/>
-                </a:solidFill>
-              </a14:hiddenFill>
-            </a:ext>
-          </a:extLst>
-        </p:spPr>
-      </p:pic>
+      <mc:AlternateContent xmlns:mc="http://schemas.openxmlformats.org/markup-compatibility/2006">
+        <mc:Choice xmlns:a14="http://schemas.microsoft.com/office/drawing/2010/main" Requires="a14">
+          <p:sp>
+            <p:nvSpPr>
+              <p:cNvPr id="3" name="Объект 2"/>
+              <p:cNvSpPr>
+                <a:spLocks noGrp="1"/>
+              </p:cNvSpPr>
+              <p:nvPr>
+                <p:ph sz="quarter" idx="13"/>
+              </p:nvPr>
+            </p:nvSpPr>
+            <p:spPr>
+              <a:xfrm>
+                <a:off x="467544" y="1628800"/>
+                <a:ext cx="8424936" cy="4698856"/>
+              </a:xfrm>
+            </p:spPr>
+            <p:txBody>
+              <a:bodyPr>
+                <a:normAutofit fontScale="55000" lnSpcReduction="20000"/>
+              </a:bodyPr>
+              <a:lstStyle/>
+              <a:p>
+                <a:pPr marL="45720" indent="0">
+                  <a:lnSpc>
+                    <a:spcPct val="120000"/>
+                  </a:lnSpc>
+                  <a:buNone/>
+                </a:pPr>
+                <a14:m>
+                  <m:oMath xmlns:m="http://schemas.openxmlformats.org/officeDocument/2006/math">
+                    <m:r>
+                      <a:rPr lang="uk-UA" sz="2800" b="1" i="1"/>
+                      <m:t>𝑷</m:t>
+                    </m:r>
+                    <m:r>
+                      <a:rPr lang="uk-UA" sz="2800" b="1" i="1"/>
+                      <m:t>=</m:t>
+                    </m:r>
+                    <m:d>
+                      <m:dPr>
+                        <m:begChr m:val="{"/>
+                        <m:endChr m:val="}"/>
+                        <m:ctrlPr>
+                          <a:rPr lang="ru-RU" sz="2800" b="1" i="1"/>
+                        </m:ctrlPr>
+                      </m:dPr>
+                      <m:e>
+                        <m:sSub>
+                          <m:sSubPr>
+                            <m:ctrlPr>
+                              <a:rPr lang="ru-RU" sz="2800" b="1" i="1"/>
+                            </m:ctrlPr>
+                          </m:sSubPr>
+                          <m:e>
+                            <m:r>
+                              <a:rPr lang="uk-UA" sz="2800" b="1" i="1"/>
+                              <m:t>𝑴</m:t>
+                            </m:r>
+                          </m:e>
+                          <m:sub>
+                            <m:r>
+                              <a:rPr lang="uk-UA" sz="2800" b="1" i="1"/>
+                              <m:t>𝒊</m:t>
+                            </m:r>
+                          </m:sub>
+                        </m:sSub>
+                        <m:r>
+                          <a:rPr lang="uk-UA" sz="2800" b="1" i="1"/>
+                          <m:t>|</m:t>
+                        </m:r>
+                        <m:r>
+                          <a:rPr lang="uk-UA" sz="2800" b="1" i="1"/>
+                          <m:t>𝒊</m:t>
+                        </m:r>
+                        <m:r>
+                          <a:rPr lang="uk-UA" sz="2800" b="1" i="1"/>
+                          <m:t>=</m:t>
+                        </m:r>
+                        <m:r>
+                          <a:rPr lang="uk-UA" sz="2800" b="1" i="1"/>
+                          <m:t>𝟏</m:t>
+                        </m:r>
+                        <m:r>
+                          <a:rPr lang="uk-UA" sz="2800" b="1" i="1"/>
+                          <m:t>..</m:t>
+                        </m:r>
+                        <m:r>
+                          <a:rPr lang="uk-UA" sz="2800" b="1" i="1"/>
+                          <m:t>𝒎</m:t>
+                        </m:r>
+                      </m:e>
+                    </m:d>
+                  </m:oMath>
+                </a14:m>
+                <a:r>
+                  <a:rPr lang="uk-UA" sz="2800" b="1" dirty="0"/>
+                  <a:t> </a:t>
+                </a:r>
+                <a:r>
+                  <a:rPr lang="uk-UA" sz="2800" dirty="0"/>
+                  <a:t>, де </a:t>
+                </a:r>
+                <a14:m>
+                  <m:oMath xmlns:m="http://schemas.openxmlformats.org/officeDocument/2006/math">
+                    <m:sSub>
+                      <m:sSubPr>
+                        <m:ctrlPr>
+                          <a:rPr lang="ru-RU" sz="2800" b="1" i="1"/>
+                        </m:ctrlPr>
+                      </m:sSubPr>
+                      <m:e>
+                        <m:r>
+                          <a:rPr lang="en-US" sz="2800" b="1" i="1"/>
+                          <m:t>𝑴</m:t>
+                        </m:r>
+                      </m:e>
+                      <m:sub>
+                        <m:r>
+                          <a:rPr lang="en-US" sz="2800" b="1" i="1"/>
+                          <m:t>𝒊</m:t>
+                        </m:r>
+                      </m:sub>
+                    </m:sSub>
+                  </m:oMath>
+                </a14:m>
+                <a:r>
+                  <a:rPr lang="en-US" sz="2800" b="1" dirty="0"/>
+                  <a:t> </a:t>
+                </a:r>
+                <a:r>
+                  <a:rPr lang="ru-RU" sz="2800" dirty="0"/>
+                  <a:t>– </a:t>
+                </a:r>
+                <a:r>
+                  <a:rPr lang="uk-UA" sz="2800" dirty="0"/>
+                  <a:t>модуль (функціонально закінчений фрагмент) програми</a:t>
+                </a:r>
+                <a:endParaRPr lang="ru-RU" sz="2800" dirty="0"/>
+              </a:p>
+              <a:p>
+                <a:pPr marL="45720" indent="0">
+                  <a:lnSpc>
+                    <a:spcPct val="120000"/>
+                  </a:lnSpc>
+                  <a:buNone/>
+                </a:pPr>
+                <a14:m>
+                  <m:oMath xmlns:m="http://schemas.openxmlformats.org/officeDocument/2006/math">
+                    <m:sSub>
+                      <m:sSubPr>
+                        <m:ctrlPr>
+                          <a:rPr lang="ru-RU" sz="2800" b="1" i="1"/>
+                        </m:ctrlPr>
+                      </m:sSubPr>
+                      <m:e>
+                        <m:r>
+                          <a:rPr lang="en-US" sz="2800" b="1" i="1"/>
+                          <m:t>𝑴</m:t>
+                        </m:r>
+                      </m:e>
+                      <m:sub>
+                        <m:r>
+                          <a:rPr lang="en-US" sz="2800" b="1" i="1"/>
+                          <m:t>𝒊</m:t>
+                        </m:r>
+                      </m:sub>
+                    </m:sSub>
+                    <m:r>
+                      <a:rPr lang="ru-RU" sz="2800" b="1" i="1"/>
+                      <m:t>=</m:t>
+                    </m:r>
+                    <m:d>
+                      <m:dPr>
+                        <m:begChr m:val="{"/>
+                        <m:endChr m:val="}"/>
+                        <m:ctrlPr>
+                          <a:rPr lang="ru-RU" sz="2800" b="1" i="1"/>
+                        </m:ctrlPr>
+                      </m:dPr>
+                      <m:e>
+                        <m:sSub>
+                          <m:sSubPr>
+                            <m:ctrlPr>
+                              <a:rPr lang="ru-RU" sz="2800" b="1" i="1"/>
+                            </m:ctrlPr>
+                          </m:sSubPr>
+                          <m:e>
+                            <m:r>
+                              <a:rPr lang="en-US" sz="2800" b="1" i="1"/>
+                              <m:t>𝑭</m:t>
+                            </m:r>
+                          </m:e>
+                          <m:sub>
+                            <m:sSub>
+                              <m:sSubPr>
+                                <m:ctrlPr>
+                                  <a:rPr lang="ru-RU" sz="2800" b="1" i="1"/>
+                                </m:ctrlPr>
+                              </m:sSubPr>
+                              <m:e>
+                                <m:r>
+                                  <a:rPr lang="en-US" sz="2800" b="1" i="1"/>
+                                  <m:t>𝒊</m:t>
+                                </m:r>
+                              </m:e>
+                              <m:sub>
+                                <m:r>
+                                  <a:rPr lang="en-US" sz="2800" b="1" i="1"/>
+                                  <m:t>𝒍</m:t>
+                                </m:r>
+                              </m:sub>
+                            </m:sSub>
+                          </m:sub>
+                        </m:sSub>
+                        <m:r>
+                          <a:rPr lang="ru-RU" sz="2800" b="1" i="1"/>
+                          <m:t>|</m:t>
+                        </m:r>
+                        <m:r>
+                          <a:rPr lang="en-US" sz="2800" b="1" i="1"/>
+                          <m:t>𝒍</m:t>
+                        </m:r>
+                        <m:r>
+                          <a:rPr lang="ru-RU" sz="2800" b="1" i="1"/>
+                          <m:t>=</m:t>
+                        </m:r>
+                        <m:r>
+                          <a:rPr lang="en-US" sz="2800" b="1" i="1"/>
+                          <m:t>𝟏</m:t>
+                        </m:r>
+                        <m:r>
+                          <a:rPr lang="ru-RU" sz="2800" b="1" i="1"/>
+                          <m:t>..</m:t>
+                        </m:r>
+                        <m:sSub>
+                          <m:sSubPr>
+                            <m:ctrlPr>
+                              <a:rPr lang="ru-RU" sz="2800" b="1" i="1"/>
+                            </m:ctrlPr>
+                          </m:sSubPr>
+                          <m:e>
+                            <m:r>
+                              <a:rPr lang="en-US" sz="2800" b="1" i="1"/>
+                              <m:t>𝒑</m:t>
+                            </m:r>
+                          </m:e>
+                          <m:sub>
+                            <m:r>
+                              <a:rPr lang="en-US" sz="2800" b="1" i="1"/>
+                              <m:t>𝒍</m:t>
+                            </m:r>
+                          </m:sub>
+                        </m:sSub>
+                      </m:e>
+                    </m:d>
+                  </m:oMath>
+                </a14:m>
+                <a:r>
+                  <a:rPr lang="en-US" sz="2800" b="1" dirty="0"/>
+                  <a:t> </a:t>
+                </a:r>
+                <a:r>
+                  <a:rPr lang="ru-RU" sz="2800" dirty="0"/>
+                  <a:t>, де </a:t>
+                </a:r>
+                <a14:m>
+                  <m:oMath xmlns:m="http://schemas.openxmlformats.org/officeDocument/2006/math">
+                    <m:sSub>
+                      <m:sSubPr>
+                        <m:ctrlPr>
+                          <a:rPr lang="ru-RU" sz="2800" b="1" i="1"/>
+                        </m:ctrlPr>
+                      </m:sSubPr>
+                      <m:e>
+                        <m:r>
+                          <a:rPr lang="en-US" sz="2800" b="1" i="1"/>
+                          <m:t>𝑭</m:t>
+                        </m:r>
+                      </m:e>
+                      <m:sub>
+                        <m:sSub>
+                          <m:sSubPr>
+                            <m:ctrlPr>
+                              <a:rPr lang="ru-RU" sz="2800" b="1" i="1"/>
+                            </m:ctrlPr>
+                          </m:sSubPr>
+                          <m:e>
+                            <m:r>
+                              <a:rPr lang="en-US" sz="2800" b="1" i="1"/>
+                              <m:t>𝒊</m:t>
+                            </m:r>
+                          </m:e>
+                          <m:sub>
+                            <m:r>
+                              <a:rPr lang="en-US" sz="2800" b="1" i="1"/>
+                              <m:t>𝒍</m:t>
+                            </m:r>
+                          </m:sub>
+                        </m:sSub>
+                      </m:sub>
+                    </m:sSub>
+                  </m:oMath>
+                </a14:m>
+                <a:r>
+                  <a:rPr lang="ru-RU" sz="2800" b="1" dirty="0"/>
+                  <a:t> – </a:t>
+                </a:r>
+                <a:r>
+                  <a:rPr lang="ru-RU" sz="2800" dirty="0"/>
+                  <a:t>файл </a:t>
+                </a:r>
+                <a:r>
+                  <a:rPr lang="uk-UA" sz="2800" dirty="0"/>
+                  <a:t>вихідного коду що входить до складу модулю. </a:t>
+                </a:r>
+                <a:endParaRPr lang="ru-RU" sz="2800" dirty="0"/>
+              </a:p>
+              <a:p>
+                <a:pPr marL="45720" indent="0">
+                  <a:lnSpc>
+                    <a:spcPct val="120000"/>
+                  </a:lnSpc>
+                  <a:buNone/>
+                </a:pPr>
+                <a14:m>
+                  <m:oMath xmlns:m="http://schemas.openxmlformats.org/officeDocument/2006/math">
+                    <m:sSub>
+                      <m:sSubPr>
+                        <m:ctrlPr>
+                          <a:rPr lang="ru-RU" sz="2800" b="1" i="1"/>
+                        </m:ctrlPr>
+                      </m:sSubPr>
+                      <m:e>
+                        <m:r>
+                          <a:rPr lang="en-US" sz="2800" b="1" i="1"/>
+                          <m:t>𝑹</m:t>
+                        </m:r>
+                      </m:e>
+                      <m:sub>
+                        <m:sSub>
+                          <m:sSubPr>
+                            <m:ctrlPr>
+                              <a:rPr lang="ru-RU" sz="2800" b="1" i="1"/>
+                            </m:ctrlPr>
+                          </m:sSubPr>
+                          <m:e>
+                            <m:sSub>
+                              <m:sSubPr>
+                                <m:ctrlPr>
+                                  <a:rPr lang="ru-RU" sz="2800" b="1" i="1"/>
+                                </m:ctrlPr>
+                              </m:sSubPr>
+                              <m:e>
+                                <m:r>
+                                  <a:rPr lang="en-US" sz="2800" b="1" i="1"/>
+                                  <m:t>𝒊</m:t>
+                                </m:r>
+                              </m:e>
+                              <m:sub>
+                                <m:r>
+                                  <a:rPr lang="en-US" sz="2800" b="1" i="1"/>
+                                  <m:t>𝒍</m:t>
+                                </m:r>
+                              </m:sub>
+                            </m:sSub>
+                            <m:r>
+                              <a:rPr lang="en-US" sz="2800" b="1" i="1"/>
+                              <m:t>𝒋</m:t>
+                            </m:r>
+                          </m:e>
+                          <m:sub>
+                            <m:r>
+                              <a:rPr lang="en-US" sz="2800" b="1" i="1"/>
+                              <m:t>𝒌</m:t>
+                            </m:r>
+                          </m:sub>
+                        </m:sSub>
+                      </m:sub>
+                    </m:sSub>
+                    <m:r>
+                      <a:rPr lang="uk-UA" sz="2800" i="1"/>
+                      <m:t>=</m:t>
+                    </m:r>
+                    <m:r>
+                      <a:rPr lang="en-US" sz="2800" b="1" i="1"/>
+                      <m:t>𝑹</m:t>
+                    </m:r>
+                    <m:d>
+                      <m:dPr>
+                        <m:ctrlPr>
+                          <a:rPr lang="ru-RU" sz="2800" i="1"/>
+                        </m:ctrlPr>
+                      </m:dPr>
+                      <m:e>
+                        <m:sSub>
+                          <m:sSubPr>
+                            <m:ctrlPr>
+                              <a:rPr lang="ru-RU" sz="2800" b="1" i="1"/>
+                            </m:ctrlPr>
+                          </m:sSubPr>
+                          <m:e>
+                            <m:r>
+                              <a:rPr lang="en-US" sz="2800" b="1" i="1"/>
+                              <m:t>𝑭</m:t>
+                            </m:r>
+                          </m:e>
+                          <m:sub>
+                            <m:sSub>
+                              <m:sSubPr>
+                                <m:ctrlPr>
+                                  <a:rPr lang="ru-RU" sz="2800" b="1" i="1"/>
+                                </m:ctrlPr>
+                              </m:sSubPr>
+                              <m:e>
+                                <m:r>
+                                  <a:rPr lang="en-US" sz="2800" b="1" i="1"/>
+                                  <m:t>𝒊</m:t>
+                                </m:r>
+                              </m:e>
+                              <m:sub>
+                                <m:r>
+                                  <a:rPr lang="en-US" sz="2800" b="1" i="1"/>
+                                  <m:t>𝒍</m:t>
+                                </m:r>
+                              </m:sub>
+                            </m:sSub>
+                          </m:sub>
+                        </m:sSub>
+                        <m:r>
+                          <a:rPr lang="uk-UA" sz="2800" b="1" i="1"/>
+                          <m:t>,</m:t>
+                        </m:r>
+                        <m:sSub>
+                          <m:sSubPr>
+                            <m:ctrlPr>
+                              <a:rPr lang="ru-RU" sz="2800" b="1" i="1"/>
+                            </m:ctrlPr>
+                          </m:sSubPr>
+                          <m:e>
+                            <m:r>
+                              <a:rPr lang="en-US" sz="2800" b="1" i="1"/>
+                              <m:t>𝑭</m:t>
+                            </m:r>
+                          </m:e>
+                          <m:sub>
+                            <m:sSub>
+                              <m:sSubPr>
+                                <m:ctrlPr>
+                                  <a:rPr lang="ru-RU" sz="2800" b="1" i="1"/>
+                                </m:ctrlPr>
+                              </m:sSubPr>
+                              <m:e>
+                                <m:r>
+                                  <a:rPr lang="en-US" sz="2800" b="1" i="1"/>
+                                  <m:t>𝒋</m:t>
+                                </m:r>
+                              </m:e>
+                              <m:sub>
+                                <m:r>
+                                  <a:rPr lang="en-US" sz="2800" b="1" i="1"/>
+                                  <m:t>𝒌</m:t>
+                                </m:r>
+                              </m:sub>
+                            </m:sSub>
+                          </m:sub>
+                        </m:sSub>
+                      </m:e>
+                    </m:d>
+                  </m:oMath>
+                </a14:m>
+                <a:r>
+                  <a:rPr lang="en-US" sz="2800" i="1" dirty="0"/>
+                  <a:t> </a:t>
+                </a:r>
+                <a:r>
+                  <a:rPr lang="uk-UA" sz="2800" dirty="0"/>
+                  <a:t>– зв'язок між файлами вихідного коду, виражається цілим числом від 0 до 10: 0 – зв’язку між файлами не існує(за замовчуванням); 5 – </a:t>
+                </a:r>
+                <a14:m>
+                  <m:oMath xmlns:m="http://schemas.openxmlformats.org/officeDocument/2006/math">
+                    <m:sSub>
+                      <m:sSubPr>
+                        <m:ctrlPr>
+                          <a:rPr lang="ru-RU" sz="2800" b="1" i="1"/>
+                        </m:ctrlPr>
+                      </m:sSubPr>
+                      <m:e>
+                        <m:r>
+                          <a:rPr lang="en-US" sz="2800" b="1" i="1"/>
+                          <m:t>𝑭</m:t>
+                        </m:r>
+                      </m:e>
+                      <m:sub>
+                        <m:sSub>
+                          <m:sSubPr>
+                            <m:ctrlPr>
+                              <a:rPr lang="ru-RU" sz="2800" b="1" i="1"/>
+                            </m:ctrlPr>
+                          </m:sSubPr>
+                          <m:e>
+                            <m:r>
+                              <a:rPr lang="en-US" sz="2800" b="1" i="1"/>
+                              <m:t>𝒊</m:t>
+                            </m:r>
+                          </m:e>
+                          <m:sub>
+                            <m:r>
+                              <a:rPr lang="en-US" sz="2800" b="1" i="1"/>
+                              <m:t>𝒍</m:t>
+                            </m:r>
+                          </m:sub>
+                        </m:sSub>
+                      </m:sub>
+                    </m:sSub>
+                  </m:oMath>
+                </a14:m>
+                <a:r>
+                  <a:rPr lang="uk-UA" sz="2800" dirty="0"/>
+                  <a:t> використовує </a:t>
+                </a:r>
+                <a14:m>
+                  <m:oMath xmlns:m="http://schemas.openxmlformats.org/officeDocument/2006/math">
+                    <m:sSub>
+                      <m:sSubPr>
+                        <m:ctrlPr>
+                          <a:rPr lang="ru-RU" sz="2800" b="1" i="1"/>
+                        </m:ctrlPr>
+                      </m:sSubPr>
+                      <m:e>
+                        <m:r>
+                          <a:rPr lang="en-US" sz="2800" b="1" i="1"/>
+                          <m:t>𝑭</m:t>
+                        </m:r>
+                      </m:e>
+                      <m:sub>
+                        <m:sSub>
+                          <m:sSubPr>
+                            <m:ctrlPr>
+                              <a:rPr lang="ru-RU" sz="2800" b="1" i="1"/>
+                            </m:ctrlPr>
+                          </m:sSubPr>
+                          <m:e>
+                            <m:r>
+                              <a:rPr lang="en-US" sz="2800" b="1" i="1"/>
+                              <m:t>𝒋</m:t>
+                            </m:r>
+                          </m:e>
+                          <m:sub>
+                            <m:r>
+                              <a:rPr lang="en-US" sz="2800" b="1" i="1"/>
+                              <m:t>𝒌</m:t>
+                            </m:r>
+                          </m:sub>
+                        </m:sSub>
+                      </m:sub>
+                    </m:sSub>
+                  </m:oMath>
+                </a14:m>
+                <a:r>
+                  <a:rPr lang="uk-UA" sz="2800" dirty="0"/>
+                  <a:t>; 10 – </a:t>
+                </a:r>
+                <a14:m>
+                  <m:oMath xmlns:m="http://schemas.openxmlformats.org/officeDocument/2006/math">
+                    <m:sSub>
+                      <m:sSubPr>
+                        <m:ctrlPr>
+                          <a:rPr lang="ru-RU" sz="2800" b="1" i="1"/>
+                        </m:ctrlPr>
+                      </m:sSubPr>
+                      <m:e>
+                        <m:r>
+                          <a:rPr lang="en-US" sz="2800" b="1" i="1"/>
+                          <m:t>𝑭</m:t>
+                        </m:r>
+                      </m:e>
+                      <m:sub>
+                        <m:sSub>
+                          <m:sSubPr>
+                            <m:ctrlPr>
+                              <a:rPr lang="ru-RU" sz="2800" b="1" i="1"/>
+                            </m:ctrlPr>
+                          </m:sSubPr>
+                          <m:e>
+                            <m:r>
+                              <a:rPr lang="en-US" sz="2800" b="1" i="1"/>
+                              <m:t>𝒊</m:t>
+                            </m:r>
+                          </m:e>
+                          <m:sub>
+                            <m:r>
+                              <a:rPr lang="en-US" sz="2800" b="1" i="1"/>
+                              <m:t>𝒍</m:t>
+                            </m:r>
+                          </m:sub>
+                        </m:sSub>
+                      </m:sub>
+                    </m:sSub>
+                  </m:oMath>
+                </a14:m>
+                <a:r>
+                  <a:rPr lang="uk-UA" sz="2800" dirty="0"/>
+                  <a:t> повністю залежить від </a:t>
+                </a:r>
+                <a14:m>
+                  <m:oMath xmlns:m="http://schemas.openxmlformats.org/officeDocument/2006/math">
+                    <m:sSub>
+                      <m:sSubPr>
+                        <m:ctrlPr>
+                          <a:rPr lang="ru-RU" sz="2800" b="1" i="1"/>
+                        </m:ctrlPr>
+                      </m:sSubPr>
+                      <m:e>
+                        <m:r>
+                          <a:rPr lang="en-US" sz="2800" b="1" i="1"/>
+                          <m:t>𝑭</m:t>
+                        </m:r>
+                      </m:e>
+                      <m:sub>
+                        <m:sSub>
+                          <m:sSubPr>
+                            <m:ctrlPr>
+                              <a:rPr lang="ru-RU" sz="2800" b="1" i="1"/>
+                            </m:ctrlPr>
+                          </m:sSubPr>
+                          <m:e>
+                            <m:r>
+                              <a:rPr lang="en-US" sz="2800" b="1" i="1"/>
+                              <m:t>𝒋</m:t>
+                            </m:r>
+                          </m:e>
+                          <m:sub>
+                            <m:r>
+                              <a:rPr lang="en-US" sz="2800" b="1" i="1"/>
+                              <m:t>𝒌</m:t>
+                            </m:r>
+                          </m:sub>
+                        </m:sSub>
+                      </m:sub>
+                    </m:sSub>
+                  </m:oMath>
+                </a14:m>
+                <a:r>
+                  <a:rPr lang="uk-UA" sz="2800" dirty="0"/>
+                  <a:t>. Ступінь залежності визначається </a:t>
+                </a:r>
+                <a:r>
+                  <a:rPr lang="uk-UA" sz="2800" dirty="0" smtClean="0"/>
+                  <a:t>ОПР </a:t>
+                </a:r>
+                <a:r>
+                  <a:rPr lang="uk-UA" sz="2800" dirty="0"/>
+                  <a:t>(експерт у програмному забезпеченні) </a:t>
+                </a:r>
+                <a:endParaRPr lang="ru-RU" sz="2800" dirty="0"/>
+              </a:p>
+              <a:p>
+                <a:pPr marL="45720" indent="0">
+                  <a:lnSpc>
+                    <a:spcPct val="120000"/>
+                  </a:lnSpc>
+                  <a:buNone/>
+                </a:pPr>
+                <a:r>
+                  <a:rPr lang="uk-UA" sz="2800" dirty="0"/>
+                  <a:t>Тоді маємо </a:t>
+                </a:r>
+                <a:r>
+                  <a:rPr lang="ru-RU" sz="2800" dirty="0"/>
+                  <a:t>формулу </a:t>
+                </a:r>
+                <a14:m>
+                  <m:oMath xmlns:m="http://schemas.openxmlformats.org/officeDocument/2006/math">
+                    <m:sSub>
+                      <m:sSubPr>
+                        <m:ctrlPr>
+                          <a:rPr lang="ru-RU" sz="2800" b="1" i="1"/>
+                        </m:ctrlPr>
+                      </m:sSubPr>
+                      <m:e>
+                        <m:r>
+                          <a:rPr lang="uk-UA" sz="2800" b="1" i="1"/>
+                          <m:t>𝑹</m:t>
+                        </m:r>
+                      </m:e>
+                      <m:sub>
+                        <m:r>
+                          <a:rPr lang="uk-UA" sz="2800" b="1" i="1"/>
+                          <m:t>𝒊𝒋</m:t>
+                        </m:r>
+                      </m:sub>
+                    </m:sSub>
+                  </m:oMath>
+                </a14:m>
+                <a:r>
+                  <a:rPr lang="uk-UA" sz="2800" b="1" dirty="0"/>
+                  <a:t> – </a:t>
+                </a:r>
+                <a:r>
+                  <a:rPr lang="uk-UA" sz="2800" dirty="0"/>
+                  <a:t>зв’язку між двома модулями:</a:t>
+                </a:r>
+                <a:endParaRPr lang="ru-RU" sz="2800" dirty="0"/>
+              </a:p>
+              <a:p>
+                <a:pPr marL="45720" indent="0">
+                  <a:lnSpc>
+                    <a:spcPct val="120000"/>
+                  </a:lnSpc>
+                  <a:buNone/>
+                </a:pPr>
+                <a14:m>
+                  <m:oMathPara xmlns:m="http://schemas.openxmlformats.org/officeDocument/2006/math">
+                    <m:oMathParaPr>
+                      <m:jc m:val="centerGroup"/>
+                    </m:oMathParaPr>
+                    <m:oMath xmlns:m="http://schemas.openxmlformats.org/officeDocument/2006/math">
+                      <m:sSub>
+                        <m:sSubPr>
+                          <m:ctrlPr>
+                            <a:rPr lang="ru-RU" sz="2800" b="1" i="1"/>
+                          </m:ctrlPr>
+                        </m:sSubPr>
+                        <m:e>
+                          <m:r>
+                            <a:rPr lang="uk-UA" sz="2800" b="1" i="1"/>
+                            <m:t>𝑹</m:t>
+                          </m:r>
+                        </m:e>
+                        <m:sub>
+                          <m:r>
+                            <a:rPr lang="uk-UA" sz="2800" b="1" i="1"/>
+                            <m:t>𝒊𝒋</m:t>
+                          </m:r>
+                        </m:sub>
+                      </m:sSub>
+                      <m:r>
+                        <a:rPr lang="uk-UA" sz="2800" b="1" i="1"/>
+                        <m:t>=</m:t>
+                      </m:r>
+                      <m:nary>
+                        <m:naryPr>
+                          <m:chr m:val="∑"/>
+                          <m:limLoc m:val="undOvr"/>
+                          <m:ctrlPr>
+                            <a:rPr lang="ru-RU" sz="2800" b="1" i="1"/>
+                          </m:ctrlPr>
+                        </m:naryPr>
+                        <m:sub>
+                          <m:r>
+                            <a:rPr lang="uk-UA" sz="2800" b="1" i="1"/>
+                            <m:t>𝒍</m:t>
+                          </m:r>
+                          <m:r>
+                            <a:rPr lang="uk-UA" sz="2800" b="1" i="1"/>
+                            <m:t>=</m:t>
+                          </m:r>
+                          <m:r>
+                            <a:rPr lang="uk-UA" sz="2800" b="1" i="1"/>
+                            <m:t>𝟏</m:t>
+                          </m:r>
+                        </m:sub>
+                        <m:sup>
+                          <m:sSub>
+                            <m:sSubPr>
+                              <m:ctrlPr>
+                                <a:rPr lang="ru-RU" sz="2800" b="1" i="1"/>
+                              </m:ctrlPr>
+                            </m:sSubPr>
+                            <m:e>
+                              <m:r>
+                                <a:rPr lang="uk-UA" sz="2800" b="1" i="1"/>
+                                <m:t>𝒑</m:t>
+                              </m:r>
+                            </m:e>
+                            <m:sub>
+                              <m:r>
+                                <a:rPr lang="uk-UA" sz="2800" b="1" i="1"/>
+                                <m:t>𝒍</m:t>
+                              </m:r>
+                            </m:sub>
+                          </m:sSub>
+                        </m:sup>
+                        <m:e>
+                          <m:nary>
+                            <m:naryPr>
+                              <m:chr m:val="∑"/>
+                              <m:limLoc m:val="undOvr"/>
+                              <m:ctrlPr>
+                                <a:rPr lang="ru-RU" sz="2800" b="1" i="1"/>
+                              </m:ctrlPr>
+                            </m:naryPr>
+                            <m:sub>
+                              <m:r>
+                                <a:rPr lang="uk-UA" sz="2800" b="1" i="1"/>
+                                <m:t>𝒌</m:t>
+                              </m:r>
+                              <m:r>
+                                <a:rPr lang="uk-UA" sz="2800" b="1" i="1"/>
+                                <m:t>=</m:t>
+                              </m:r>
+                              <m:r>
+                                <a:rPr lang="uk-UA" sz="2800" b="1" i="1"/>
+                                <m:t>𝟏</m:t>
+                              </m:r>
+                            </m:sub>
+                            <m:sup>
+                              <m:sSub>
+                                <m:sSubPr>
+                                  <m:ctrlPr>
+                                    <a:rPr lang="ru-RU" sz="2800" b="1" i="1"/>
+                                  </m:ctrlPr>
+                                </m:sSubPr>
+                                <m:e>
+                                  <m:r>
+                                    <a:rPr lang="uk-UA" sz="2800" b="1" i="1"/>
+                                    <m:t>𝒑</m:t>
+                                  </m:r>
+                                </m:e>
+                                <m:sub>
+                                  <m:r>
+                                    <a:rPr lang="uk-UA" sz="2800" b="1" i="1"/>
+                                    <m:t>𝒌</m:t>
+                                  </m:r>
+                                </m:sub>
+                              </m:sSub>
+                            </m:sup>
+                            <m:e>
+                              <m:sSub>
+                                <m:sSubPr>
+                                  <m:ctrlPr>
+                                    <a:rPr lang="ru-RU" sz="2800" b="1" i="1"/>
+                                  </m:ctrlPr>
+                                </m:sSubPr>
+                                <m:e>
+                                  <m:r>
+                                    <a:rPr lang="uk-UA" sz="2800" b="1" i="1"/>
+                                    <m:t>𝑹</m:t>
+                                  </m:r>
+                                </m:e>
+                                <m:sub>
+                                  <m:sSub>
+                                    <m:sSubPr>
+                                      <m:ctrlPr>
+                                        <a:rPr lang="ru-RU" sz="2800" b="1" i="1"/>
+                                      </m:ctrlPr>
+                                    </m:sSubPr>
+                                    <m:e>
+                                      <m:sSub>
+                                        <m:sSubPr>
+                                          <m:ctrlPr>
+                                            <a:rPr lang="ru-RU" sz="2800" b="1" i="1"/>
+                                          </m:ctrlPr>
+                                        </m:sSubPr>
+                                        <m:e>
+                                          <m:r>
+                                            <a:rPr lang="uk-UA" sz="2800" b="1" i="1"/>
+                                            <m:t>𝒊</m:t>
+                                          </m:r>
+                                        </m:e>
+                                        <m:sub>
+                                          <m:r>
+                                            <a:rPr lang="uk-UA" sz="2800" b="1" i="1"/>
+                                            <m:t>𝒍</m:t>
+                                          </m:r>
+                                        </m:sub>
+                                      </m:sSub>
+                                      <m:r>
+                                        <a:rPr lang="uk-UA" sz="2800" b="1" i="1"/>
+                                        <m:t>𝒋</m:t>
+                                      </m:r>
+                                    </m:e>
+                                    <m:sub>
+                                      <m:r>
+                                        <a:rPr lang="uk-UA" sz="2800" b="1" i="1"/>
+                                        <m:t>𝒌</m:t>
+                                      </m:r>
+                                    </m:sub>
+                                  </m:sSub>
+                                </m:sub>
+                              </m:sSub>
+                            </m:e>
+                          </m:nary>
+                        </m:e>
+                      </m:nary>
+                    </m:oMath>
+                  </m:oMathPara>
+                </a14:m>
+                <a:endParaRPr lang="ru-RU" sz="2800" dirty="0"/>
+              </a:p>
+              <a:p>
+                <a:pPr marL="45720" indent="0">
+                  <a:lnSpc>
+                    <a:spcPct val="120000"/>
+                  </a:lnSpc>
+                  <a:buNone/>
+                </a:pPr>
+                <a:r>
+                  <a:rPr lang="uk-UA" sz="2800" dirty="0"/>
+                  <a:t>Тепер можемо ввести когнітивну карту залежностей у програмному забезпеченні: </a:t>
+                </a:r>
+                <a:r>
+                  <a:rPr lang="en-US" sz="2800" dirty="0"/>
+                  <a:t> </a:t>
+                </a:r>
+                <a14:m>
+                  <m:oMath xmlns:m="http://schemas.openxmlformats.org/officeDocument/2006/math">
+                    <m:d>
+                      <m:dPr>
+                        <m:ctrlPr>
+                          <a:rPr lang="ru-RU" sz="2800" i="1"/>
+                        </m:ctrlPr>
+                      </m:dPr>
+                      <m:e>
+                        <m:d>
+                          <m:dPr>
+                            <m:begChr m:val="{"/>
+                            <m:endChr m:val="}"/>
+                            <m:ctrlPr>
+                              <a:rPr lang="ru-RU" sz="2800" b="1" i="1"/>
+                            </m:ctrlPr>
+                          </m:dPr>
+                          <m:e>
+                            <m:sSub>
+                              <m:sSubPr>
+                                <m:ctrlPr>
+                                  <a:rPr lang="ru-RU" sz="2800" b="1" i="1"/>
+                                </m:ctrlPr>
+                              </m:sSubPr>
+                              <m:e>
+                                <m:r>
+                                  <a:rPr lang="uk-UA" sz="2800" b="1" i="1"/>
+                                  <m:t>𝑴</m:t>
+                                </m:r>
+                              </m:e>
+                              <m:sub>
+                                <m:r>
+                                  <a:rPr lang="uk-UA" sz="2800" b="1" i="1"/>
+                                  <m:t>𝒊</m:t>
+                                </m:r>
+                              </m:sub>
+                            </m:sSub>
+                          </m:e>
+                        </m:d>
+                        <m:r>
+                          <a:rPr lang="uk-UA" sz="2800" b="1" i="1"/>
+                          <m:t>,</m:t>
+                        </m:r>
+                        <m:d>
+                          <m:dPr>
+                            <m:begChr m:val="{"/>
+                            <m:endChr m:val="}"/>
+                            <m:ctrlPr>
+                              <a:rPr lang="ru-RU" sz="2800" b="1" i="1"/>
+                            </m:ctrlPr>
+                          </m:dPr>
+                          <m:e>
+                            <m:sSub>
+                              <m:sSubPr>
+                                <m:ctrlPr>
+                                  <a:rPr lang="ru-RU" sz="2800" b="1" i="1"/>
+                                </m:ctrlPr>
+                              </m:sSubPr>
+                              <m:e>
+                                <m:r>
+                                  <a:rPr lang="en-US" sz="2800" b="1" i="1"/>
+                                  <m:t>𝑹</m:t>
+                                </m:r>
+                              </m:e>
+                              <m:sub>
+                                <m:sSub>
+                                  <m:sSubPr>
+                                    <m:ctrlPr>
+                                      <a:rPr lang="ru-RU" sz="2800" b="1" i="1"/>
+                                    </m:ctrlPr>
+                                  </m:sSubPr>
+                                  <m:e>
+                                    <m:sSub>
+                                      <m:sSubPr>
+                                        <m:ctrlPr>
+                                          <a:rPr lang="ru-RU" sz="2800" b="1" i="1"/>
+                                        </m:ctrlPr>
+                                      </m:sSubPr>
+                                      <m:e>
+                                        <m:r>
+                                          <a:rPr lang="en-US" sz="2800" b="1" i="1"/>
+                                          <m:t>𝒊</m:t>
+                                        </m:r>
+                                      </m:e>
+                                      <m:sub>
+                                        <m:r>
+                                          <a:rPr lang="en-US" sz="2800" b="1" i="1"/>
+                                          <m:t>𝒍</m:t>
+                                        </m:r>
+                                      </m:sub>
+                                    </m:sSub>
+                                    <m:r>
+                                      <a:rPr lang="en-US" sz="2800" b="1" i="1"/>
+                                      <m:t>𝒋</m:t>
+                                    </m:r>
+                                  </m:e>
+                                  <m:sub>
+                                    <m:r>
+                                      <a:rPr lang="en-US" sz="2800" b="1" i="1"/>
+                                      <m:t>𝒌</m:t>
+                                    </m:r>
+                                  </m:sub>
+                                </m:sSub>
+                              </m:sub>
+                            </m:sSub>
+                          </m:e>
+                        </m:d>
+                      </m:e>
+                    </m:d>
+                  </m:oMath>
+                </a14:m>
+                <a:r>
+                  <a:rPr lang="uk-UA" sz="2800" dirty="0"/>
+                  <a:t> – модель подання знань експерта у вигляді знакового орграфа, де </a:t>
+                </a:r>
+                <a14:m>
+                  <m:oMath xmlns:m="http://schemas.openxmlformats.org/officeDocument/2006/math">
+                    <m:d>
+                      <m:dPr>
+                        <m:begChr m:val="{"/>
+                        <m:endChr m:val="}"/>
+                        <m:ctrlPr>
+                          <a:rPr lang="ru-RU" sz="2800" b="1" i="1"/>
+                        </m:ctrlPr>
+                      </m:dPr>
+                      <m:e>
+                        <m:sSub>
+                          <m:sSubPr>
+                            <m:ctrlPr>
+                              <a:rPr lang="ru-RU" sz="2800" b="1" i="1"/>
+                            </m:ctrlPr>
+                          </m:sSubPr>
+                          <m:e>
+                            <m:r>
+                              <a:rPr lang="uk-UA" sz="2800" b="1" i="1"/>
+                              <m:t>𝑴</m:t>
+                            </m:r>
+                          </m:e>
+                          <m:sub>
+                            <m:r>
+                              <a:rPr lang="uk-UA" sz="2800" b="1" i="1"/>
+                              <m:t>𝒊</m:t>
+                            </m:r>
+                          </m:sub>
+                        </m:sSub>
+                      </m:e>
+                    </m:d>
+                  </m:oMath>
+                </a14:m>
+                <a:r>
+                  <a:rPr lang="uk-UA" sz="2800" b="1" dirty="0"/>
+                  <a:t> </a:t>
+                </a:r>
+                <a:r>
+                  <a:rPr lang="uk-UA" sz="2800" dirty="0"/>
+                  <a:t>– множина вершин,</a:t>
+                </a:r>
+                <a:r>
+                  <a:rPr lang="uk-UA" sz="2800" b="1" dirty="0"/>
+                  <a:t> </a:t>
+                </a:r>
+                <a14:m>
+                  <m:oMath xmlns:m="http://schemas.openxmlformats.org/officeDocument/2006/math">
+                    <m:d>
+                      <m:dPr>
+                        <m:begChr m:val="{"/>
+                        <m:endChr m:val="}"/>
+                        <m:ctrlPr>
+                          <a:rPr lang="ru-RU" sz="2800" b="1" i="1"/>
+                        </m:ctrlPr>
+                      </m:dPr>
+                      <m:e>
+                        <m:sSub>
+                          <m:sSubPr>
+                            <m:ctrlPr>
+                              <a:rPr lang="ru-RU" sz="2800" b="1" i="1"/>
+                            </m:ctrlPr>
+                          </m:sSubPr>
+                          <m:e>
+                            <m:r>
+                              <a:rPr lang="en-US" sz="2800" b="1" i="1"/>
+                              <m:t>𝑹</m:t>
+                            </m:r>
+                          </m:e>
+                          <m:sub>
+                            <m:sSub>
+                              <m:sSubPr>
+                                <m:ctrlPr>
+                                  <a:rPr lang="ru-RU" sz="2800" b="1" i="1"/>
+                                </m:ctrlPr>
+                              </m:sSubPr>
+                              <m:e>
+                                <m:sSub>
+                                  <m:sSubPr>
+                                    <m:ctrlPr>
+                                      <a:rPr lang="ru-RU" sz="2800" b="1" i="1"/>
+                                    </m:ctrlPr>
+                                  </m:sSubPr>
+                                  <m:e>
+                                    <m:r>
+                                      <a:rPr lang="en-US" sz="2800" b="1" i="1"/>
+                                      <m:t>𝒊</m:t>
+                                    </m:r>
+                                  </m:e>
+                                  <m:sub>
+                                    <m:r>
+                                      <a:rPr lang="en-US" sz="2800" b="1" i="1"/>
+                                      <m:t>𝒍</m:t>
+                                    </m:r>
+                                  </m:sub>
+                                </m:sSub>
+                                <m:r>
+                                  <a:rPr lang="en-US" sz="2800" b="1" i="1"/>
+                                  <m:t>𝒋</m:t>
+                                </m:r>
+                              </m:e>
+                              <m:sub>
+                                <m:r>
+                                  <a:rPr lang="en-US" sz="2800" b="1" i="1"/>
+                                  <m:t>𝒌</m:t>
+                                </m:r>
+                              </m:sub>
+                            </m:sSub>
+                          </m:sub>
+                        </m:sSub>
+                      </m:e>
+                    </m:d>
+                  </m:oMath>
+                </a14:m>
+                <a:r>
+                  <a:rPr lang="en-US" sz="2800" b="1" dirty="0"/>
+                  <a:t> </a:t>
+                </a:r>
+                <a:r>
+                  <a:rPr lang="uk-UA" sz="2800" dirty="0"/>
+                  <a:t>– множина зважених </a:t>
+                </a:r>
+                <a:r>
+                  <a:rPr lang="uk-UA" sz="2800" dirty="0" smtClean="0"/>
+                  <a:t>ребер</a:t>
+                </a:r>
+                <a:endParaRPr lang="ru-RU" sz="2800" dirty="0"/>
+              </a:p>
+              <a:p>
+                <a:pPr marL="45720" indent="457200">
+                  <a:lnSpc>
+                    <a:spcPct val="120000"/>
+                  </a:lnSpc>
+                  <a:buNone/>
+                </a:pPr>
+                <a:endParaRPr lang="ru-RU" dirty="0"/>
+              </a:p>
+            </p:txBody>
+          </p:sp>
+        </mc:Choice>
+        <mc:Fallback>
+          <p:sp>
+            <p:nvSpPr>
+              <p:cNvPr id="3" name="Объект 2"/>
+              <p:cNvSpPr>
+                <a:spLocks noGrp="1" noRot="1" noChangeAspect="1" noMove="1" noResize="1" noEditPoints="1" noAdjustHandles="1" noChangeArrowheads="1" noChangeShapeType="1" noTextEdit="1"/>
+              </p:cNvSpPr>
+              <p:nvPr>
+                <p:ph sz="quarter" idx="13"/>
+              </p:nvPr>
+            </p:nvSpPr>
+            <p:spPr>
+              <a:xfrm>
+                <a:off x="467544" y="1628800"/>
+                <a:ext cx="8424936" cy="4698856"/>
+              </a:xfrm>
+              <a:blipFill rotWithShape="1">
+                <a:blip r:embed="rId2"/>
+                <a:stretch>
+                  <a:fillRect t="-259"/>
+                </a:stretch>
+              </a:blipFill>
+            </p:spPr>
+            <p:txBody>
+              <a:bodyPr/>
+              <a:lstStyle/>
+              <a:p>
+                <a:r>
+                  <a:rPr lang="ru-RU">
+                    <a:noFill/>
+                  </a:rPr>
+                  <a:t> </a:t>
+                </a:r>
+              </a:p>
+            </p:txBody>
+          </p:sp>
+        </mc:Fallback>
+      </mc:AlternateContent>
     </p:spTree>
     <p:extLst>
       <p:ext uri="{BB962C8B-B14F-4D97-AF65-F5344CB8AC3E}">
-        <p14:creationId xmlns:p14="http://schemas.microsoft.com/office/powerpoint/2010/main" val="1175291655"/>
+        <p14:creationId xmlns:p14="http://schemas.microsoft.com/office/powerpoint/2010/main" val="1579137830"/>
       </p:ext>
     </p:extLst>
   </p:cSld>
@@ -6872,11 +10318,11 @@
             <a:pPr algn="ctr"/>
             <a:r>
               <a:rPr lang="uk-UA" sz="2800" dirty="0" smtClean="0"/>
-              <a:t>Програмне забезпечення для планування регресійного тестування </a:t>
-            </a:r>
-            <a:r>
-              <a:rPr lang="en-US" sz="2800" dirty="0" smtClean="0"/>
-              <a:t>Regression Viewer</a:t>
+              <a:t>Когнітивна карта </a:t>
+            </a:r>
+            <a:r>
+              <a:rPr lang="uk-UA" sz="2800" dirty="0"/>
+              <a:t>залежностей у програмному забезпеченні</a:t>
             </a:r>
             <a:endParaRPr lang="uk-UA" sz="2800" dirty="0"/>
           </a:p>

--- a/Diplom.pptx
+++ b/Diplom.pptx
@@ -20,6 +20,7 @@
     <p:sldId id="264" r:id="rId14"/>
     <p:sldId id="271" r:id="rId15"/>
     <p:sldId id="267" r:id="rId16"/>
+    <p:sldId id="272" r:id="rId17"/>
   </p:sldIdLst>
   <p:sldSz cx="9144000" cy="6858000" type="screen4x3"/>
   <p:notesSz cx="6858000" cy="9144000"/>
@@ -543,7 +544,7 @@
           <a:p>
             <a:fld id="{EB45D141-8447-444F-A991-BD7B09B4A30D}" type="datetimeFigureOut">
               <a:rPr lang="ru-RU" smtClean="0"/>
-              <a:t>14.06.2011</a:t>
+              <a:t>15.06.2011</a:t>
             </a:fld>
             <a:endParaRPr lang="ru-RU"/>
           </a:p>
@@ -755,7 +756,7 @@
           <a:p>
             <a:fld id="{EB45D141-8447-444F-A991-BD7B09B4A30D}" type="datetimeFigureOut">
               <a:rPr lang="ru-RU" smtClean="0"/>
-              <a:t>14.06.2011</a:t>
+              <a:t>15.06.2011</a:t>
             </a:fld>
             <a:endParaRPr lang="ru-RU"/>
           </a:p>
@@ -942,7 +943,7 @@
           <a:p>
             <a:fld id="{EB45D141-8447-444F-A991-BD7B09B4A30D}" type="datetimeFigureOut">
               <a:rPr lang="ru-RU" smtClean="0"/>
-              <a:t>14.06.2011</a:t>
+              <a:t>15.06.2011</a:t>
             </a:fld>
             <a:endParaRPr lang="ru-RU"/>
           </a:p>
@@ -1039,7 +1040,7 @@
           <a:p>
             <a:fld id="{EB45D141-8447-444F-A991-BD7B09B4A30D}" type="datetimeFigureOut">
               <a:rPr lang="ru-RU" smtClean="0"/>
-              <a:t>14.06.2011</a:t>
+              <a:t>15.06.2011</a:t>
             </a:fld>
             <a:endParaRPr lang="ru-RU"/>
           </a:p>
@@ -1635,7 +1636,7 @@
           <a:p>
             <a:fld id="{EB45D141-8447-444F-A991-BD7B09B4A30D}" type="datetimeFigureOut">
               <a:rPr lang="ru-RU" smtClean="0"/>
-              <a:t>14.06.2011</a:t>
+              <a:t>15.06.2011</a:t>
             </a:fld>
             <a:endParaRPr lang="ru-RU"/>
           </a:p>
@@ -1732,7 +1733,7 @@
           <a:p>
             <a:fld id="{EB45D141-8447-444F-A991-BD7B09B4A30D}" type="datetimeFigureOut">
               <a:rPr lang="ru-RU" smtClean="0"/>
-              <a:t>14.06.2011</a:t>
+              <a:t>15.06.2011</a:t>
             </a:fld>
             <a:endParaRPr lang="ru-RU"/>
           </a:p>
@@ -2337,7 +2338,7 @@
           <a:p>
             <a:fld id="{EB45D141-8447-444F-A991-BD7B09B4A30D}" type="datetimeFigureOut">
               <a:rPr lang="ru-RU" smtClean="0"/>
-              <a:t>14.06.2011</a:t>
+              <a:t>15.06.2011</a:t>
             </a:fld>
             <a:endParaRPr lang="ru-RU"/>
           </a:p>
@@ -2480,7 +2481,7 @@
           <a:p>
             <a:fld id="{EB45D141-8447-444F-A991-BD7B09B4A30D}" type="datetimeFigureOut">
               <a:rPr lang="ru-RU" smtClean="0"/>
-              <a:t>14.06.2011</a:t>
+              <a:t>15.06.2011</a:t>
             </a:fld>
             <a:endParaRPr lang="ru-RU"/>
           </a:p>
@@ -2577,7 +2578,7 @@
           <a:p>
             <a:fld id="{EB45D141-8447-444F-A991-BD7B09B4A30D}" type="datetimeFigureOut">
               <a:rPr lang="ru-RU" smtClean="0"/>
-              <a:t>14.06.2011</a:t>
+              <a:t>15.06.2011</a:t>
             </a:fld>
             <a:endParaRPr lang="ru-RU"/>
           </a:p>
@@ -2861,7 +2862,7 @@
           <a:p>
             <a:fld id="{EB45D141-8447-444F-A991-BD7B09B4A30D}" type="datetimeFigureOut">
               <a:rPr lang="ru-RU" smtClean="0"/>
-              <a:t>14.06.2011</a:t>
+              <a:t>15.06.2011</a:t>
             </a:fld>
             <a:endParaRPr lang="ru-RU"/>
           </a:p>
@@ -3383,7 +3384,7 @@
           <a:p>
             <a:fld id="{EB45D141-8447-444F-A991-BD7B09B4A30D}" type="datetimeFigureOut">
               <a:rPr lang="ru-RU" smtClean="0"/>
-              <a:t>14.06.2011</a:t>
+              <a:t>15.06.2011</a:t>
             </a:fld>
             <a:endParaRPr lang="ru-RU"/>
           </a:p>
@@ -3903,7 +3904,7 @@
           <a:p>
             <a:fld id="{EB45D141-8447-444F-A991-BD7B09B4A30D}" type="datetimeFigureOut">
               <a:rPr lang="ru-RU" smtClean="0"/>
-              <a:t>14.06.2011</a:t>
+              <a:t>15.06.2011</a:t>
             </a:fld>
             <a:endParaRPr lang="ru-RU"/>
           </a:p>
@@ -4623,8 +4624,8 @@
           </a:p>
         </p:txBody>
       </p:sp>
-      <mc:AlternateContent xmlns:mc="http://schemas.openxmlformats.org/markup-compatibility/2006">
-        <mc:Choice xmlns:a14="http://schemas.microsoft.com/office/drawing/2010/main" Requires="a14">
+      <mc:AlternateContent xmlns:mc="http://schemas.openxmlformats.org/markup-compatibility/2006" xmlns:a14="http://schemas.microsoft.com/office/drawing/2010/main">
+        <mc:Choice Requires="a14">
           <p:sp>
             <p:nvSpPr>
               <p:cNvPr id="3" name="Объект 2"/>
@@ -4658,12 +4659,16 @@
                     <m:sSup>
                       <m:sSupPr>
                         <m:ctrlPr>
-                          <a:rPr lang="ru-RU" b="1" i="1"/>
+                          <a:rPr lang="ru-RU" b="1" i="1">
+                            <a:latin typeface="Cambria Math"/>
+                          </a:rPr>
                         </m:ctrlPr>
                       </m:sSupPr>
                       <m:e>
                         <m:r>
-                          <a:rPr lang="uk-UA" b="1" i="1"/>
+                          <a:rPr lang="uk-UA" b="1" i="1">
+                            <a:latin typeface="Cambria Math"/>
+                          </a:rPr>
                           <m:t>С</m:t>
                         </m:r>
                       </m:e>
@@ -4671,18 +4676,24 @@
                         <m:sSup>
                           <m:sSupPr>
                             <m:ctrlPr>
-                              <a:rPr lang="ru-RU" b="1" i="1"/>
+                              <a:rPr lang="ru-RU" b="1" i="1">
+                                <a:latin typeface="Cambria Math"/>
+                              </a:rPr>
                             </m:ctrlPr>
                           </m:sSupPr>
                           <m:e>
                             <m:r>
-                              <a:rPr lang="en-US" b="1" i="1"/>
+                              <a:rPr lang="en-US" b="1" i="1">
+                                <a:latin typeface="Cambria Math"/>
+                              </a:rPr>
                               <m:t>𝑷</m:t>
                             </m:r>
                           </m:e>
                           <m:sup>
                             <m:r>
-                              <a:rPr lang="uk-UA" b="1" i="1"/>
+                              <a:rPr lang="uk-UA" b="1" i="1">
+                                <a:latin typeface="Cambria Math"/>
+                              </a:rPr>
                               <m:t>′</m:t>
                             </m:r>
                           </m:sup>
@@ -4690,18 +4701,24 @@
                       </m:sup>
                     </m:sSup>
                     <m:r>
-                      <a:rPr lang="uk-UA" b="1" i="1"/>
+                      <a:rPr lang="uk-UA" b="1" i="1">
+                        <a:latin typeface="Cambria Math"/>
+                      </a:rPr>
                       <m:t>(</m:t>
                     </m:r>
                     <m:sSub>
                       <m:sSubPr>
                         <m:ctrlPr>
-                          <a:rPr lang="ru-RU" b="1" i="1"/>
+                          <a:rPr lang="ru-RU" b="1" i="1">
+                            <a:latin typeface="Cambria Math"/>
+                          </a:rPr>
                         </m:ctrlPr>
                       </m:sSubPr>
                       <m:e>
                         <m:r>
-                          <a:rPr lang="en-US" b="1" i="1"/>
+                          <a:rPr lang="en-US" b="1" i="1">
+                            <a:latin typeface="Cambria Math"/>
+                          </a:rPr>
                           <m:t>𝑭</m:t>
                         </m:r>
                       </m:e>
@@ -4709,18 +4726,24 @@
                         <m:sSub>
                           <m:sSubPr>
                             <m:ctrlPr>
-                              <a:rPr lang="ru-RU" b="1" i="1"/>
+                              <a:rPr lang="ru-RU" b="1" i="1">
+                                <a:latin typeface="Cambria Math"/>
+                              </a:rPr>
                             </m:ctrlPr>
                           </m:sSubPr>
                           <m:e>
                             <m:r>
-                              <a:rPr lang="en-US" b="1" i="1"/>
+                              <a:rPr lang="en-US" b="1" i="1">
+                                <a:latin typeface="Cambria Math"/>
+                              </a:rPr>
                               <m:t>𝒊</m:t>
                             </m:r>
                           </m:e>
                           <m:sub>
                             <m:r>
-                              <a:rPr lang="en-US" b="1" i="1"/>
+                              <a:rPr lang="en-US" b="1" i="1">
+                                <a:latin typeface="Cambria Math"/>
+                              </a:rPr>
                               <m:t>𝒍</m:t>
                             </m:r>
                           </m:sub>
@@ -4742,12 +4765,16 @@
                     <m:sSub>
                       <m:sSubPr>
                         <m:ctrlPr>
-                          <a:rPr lang="ru-RU" b="1" i="1"/>
+                          <a:rPr lang="ru-RU" b="1" i="1">
+                            <a:latin typeface="Cambria Math"/>
+                          </a:rPr>
                         </m:ctrlPr>
                       </m:sSubPr>
                       <m:e>
                         <m:r>
-                          <a:rPr lang="en-US" b="1" i="1"/>
+                          <a:rPr lang="en-US" b="1" i="1">
+                            <a:latin typeface="Cambria Math"/>
+                          </a:rPr>
                           <m:t>𝑭</m:t>
                         </m:r>
                       </m:e>
@@ -4755,18 +4782,24 @@
                         <m:sSub>
                           <m:sSubPr>
                             <m:ctrlPr>
-                              <a:rPr lang="ru-RU" b="1" i="1"/>
+                              <a:rPr lang="ru-RU" b="1" i="1">
+                                <a:latin typeface="Cambria Math"/>
+                              </a:rPr>
                             </m:ctrlPr>
                           </m:sSubPr>
                           <m:e>
                             <m:r>
-                              <a:rPr lang="en-US" b="1" i="1"/>
+                              <a:rPr lang="en-US" b="1" i="1">
+                                <a:latin typeface="Cambria Math"/>
+                              </a:rPr>
                               <m:t>𝒊</m:t>
                             </m:r>
                           </m:e>
                           <m:sub>
                             <m:r>
-                              <a:rPr lang="en-US" b="1" i="1"/>
+                              <a:rPr lang="en-US" b="1" i="1">
+                                <a:latin typeface="Cambria Math"/>
+                              </a:rPr>
                               <m:t>𝒍</m:t>
                             </m:r>
                           </m:sub>
@@ -4784,18 +4817,24 @@
                     <m:sSup>
                       <m:sSupPr>
                         <m:ctrlPr>
-                          <a:rPr lang="ru-RU" b="1" i="1"/>
+                          <a:rPr lang="ru-RU" b="1" i="1">
+                            <a:latin typeface="Cambria Math"/>
+                          </a:rPr>
                         </m:ctrlPr>
                       </m:sSupPr>
                       <m:e>
                         <m:r>
-                          <a:rPr lang="en-US" b="1" i="1"/>
+                          <a:rPr lang="en-US" b="1" i="1">
+                            <a:latin typeface="Cambria Math"/>
+                          </a:rPr>
                           <m:t>𝑷</m:t>
                         </m:r>
                       </m:e>
                       <m:sup>
                         <m:r>
-                          <a:rPr lang="uk-UA" b="1" i="1"/>
+                          <a:rPr lang="uk-UA" b="1" i="1">
+                            <a:latin typeface="Cambria Math"/>
+                          </a:rPr>
                           <m:t>′</m:t>
                         </m:r>
                       </m:sup>
@@ -4809,7 +4848,9 @@
                 <a14:m>
                   <m:oMath xmlns:m="http://schemas.openxmlformats.org/officeDocument/2006/math">
                     <m:r>
-                      <a:rPr lang="uk-UA" b="1" i="1"/>
+                      <a:rPr lang="uk-UA" b="1" i="1">
+                        <a:latin typeface="Cambria Math"/>
+                      </a:rPr>
                       <m:t>𝑷</m:t>
                     </m:r>
                   </m:oMath>
@@ -4823,12 +4864,16 @@
                     <m:sSup>
                       <m:sSupPr>
                         <m:ctrlPr>
-                          <a:rPr lang="ru-RU" b="1" i="1"/>
+                          <a:rPr lang="ru-RU" b="1" i="1">
+                            <a:latin typeface="Cambria Math"/>
+                          </a:rPr>
                         </m:ctrlPr>
                       </m:sSupPr>
                       <m:e>
                         <m:r>
-                          <a:rPr lang="uk-UA" b="1" i="1"/>
+                          <a:rPr lang="uk-UA" b="1" i="1">
+                            <a:latin typeface="Cambria Math"/>
+                          </a:rPr>
                           <m:t>С</m:t>
                         </m:r>
                       </m:e>
@@ -4836,18 +4881,24 @@
                         <m:sSup>
                           <m:sSupPr>
                             <m:ctrlPr>
-                              <a:rPr lang="ru-RU" b="1" i="1"/>
+                              <a:rPr lang="ru-RU" b="1" i="1">
+                                <a:latin typeface="Cambria Math"/>
+                              </a:rPr>
                             </m:ctrlPr>
                           </m:sSupPr>
                           <m:e>
                             <m:r>
-                              <a:rPr lang="en-US" b="1" i="1"/>
+                              <a:rPr lang="en-US" b="1" i="1">
+                                <a:latin typeface="Cambria Math"/>
+                              </a:rPr>
                               <m:t>𝑷</m:t>
                             </m:r>
                           </m:e>
                           <m:sup>
                             <m:r>
-                              <a:rPr lang="uk-UA" b="1" i="1"/>
+                              <a:rPr lang="uk-UA" b="1" i="1">
+                                <a:latin typeface="Cambria Math"/>
+                              </a:rPr>
                               <m:t>′</m:t>
                             </m:r>
                           </m:sup>
@@ -4910,18 +4961,24 @@
                     <m:sSubSup>
                       <m:sSubSupPr>
                         <m:ctrlPr>
-                          <a:rPr lang="ru-RU" b="1" i="1"/>
+                          <a:rPr lang="ru-RU" b="1" i="1">
+                            <a:latin typeface="Cambria Math"/>
+                          </a:rPr>
                         </m:ctrlPr>
                       </m:sSubSupPr>
                       <m:e>
                         <m:r>
-                          <a:rPr lang="en-US" b="1" i="1"/>
+                          <a:rPr lang="en-US" b="1" i="1">
+                            <a:latin typeface="Cambria Math"/>
+                          </a:rPr>
                           <m:t>𝑹</m:t>
                         </m:r>
                       </m:e>
                       <m:sub>
                         <m:r>
-                          <a:rPr lang="uk-UA" b="1" i="1"/>
+                          <a:rPr lang="uk-UA" b="1" i="1">
+                            <a:latin typeface="Cambria Math"/>
+                          </a:rPr>
                           <m:t>𝒊𝒋</m:t>
                         </m:r>
                       </m:sub>
@@ -4929,18 +4986,24 @@
                         <m:sSup>
                           <m:sSupPr>
                             <m:ctrlPr>
-                              <a:rPr lang="ru-RU" b="1" i="1"/>
+                              <a:rPr lang="ru-RU" b="1" i="1">
+                                <a:latin typeface="Cambria Math"/>
+                              </a:rPr>
                             </m:ctrlPr>
                           </m:sSupPr>
                           <m:e>
                             <m:r>
-                              <a:rPr lang="en-US" b="1" i="1"/>
+                              <a:rPr lang="en-US" b="1" i="1">
+                                <a:latin typeface="Cambria Math"/>
+                              </a:rPr>
                               <m:t>𝑷</m:t>
                             </m:r>
                           </m:e>
                           <m:sup>
                             <m:r>
-                              <a:rPr lang="uk-UA" b="1" i="1"/>
+                              <a:rPr lang="uk-UA" b="1" i="1">
+                                <a:latin typeface="Cambria Math"/>
+                              </a:rPr>
                               <m:t>′</m:t>
                             </m:r>
                           </m:sup>
@@ -4986,18 +5049,24 @@
                     <m:sSup>
                       <m:sSupPr>
                         <m:ctrlPr>
-                          <a:rPr lang="ru-RU" b="1" i="1"/>
+                          <a:rPr lang="ru-RU" b="1" i="1">
+                            <a:latin typeface="Cambria Math"/>
+                          </a:rPr>
                         </m:ctrlPr>
                       </m:sSupPr>
                       <m:e>
                         <m:r>
-                          <a:rPr lang="en-US" b="1" i="1"/>
+                          <a:rPr lang="en-US" b="1" i="1">
+                            <a:latin typeface="Cambria Math"/>
+                          </a:rPr>
                           <m:t>𝑷</m:t>
                         </m:r>
                       </m:e>
                       <m:sup>
                         <m:r>
-                          <a:rPr lang="uk-UA" b="1" i="1"/>
+                          <a:rPr lang="uk-UA" b="1" i="1">
+                            <a:latin typeface="Cambria Math"/>
+                          </a:rPr>
                           <m:t>′</m:t>
                         </m:r>
                       </m:sup>
@@ -5026,18 +5095,24 @@
                       <m:sSubSup>
                         <m:sSubSupPr>
                           <m:ctrlPr>
-                            <a:rPr lang="ru-RU" b="1" i="1"/>
+                            <a:rPr lang="ru-RU" b="1" i="1">
+                              <a:latin typeface="Cambria Math"/>
+                            </a:rPr>
                           </m:ctrlPr>
                         </m:sSubSupPr>
                         <m:e>
                           <m:r>
-                            <a:rPr lang="en-US" b="1" i="1"/>
+                            <a:rPr lang="en-US" b="1" i="1">
+                              <a:latin typeface="Cambria Math"/>
+                            </a:rPr>
                             <m:t>𝑹</m:t>
                           </m:r>
                         </m:e>
                         <m:sub>
                           <m:r>
-                            <a:rPr lang="uk-UA" b="1" i="1"/>
+                            <a:rPr lang="uk-UA" b="1" i="1">
+                              <a:latin typeface="Cambria Math"/>
+                            </a:rPr>
                             <m:t>𝒊𝒋</m:t>
                           </m:r>
                         </m:sub>
@@ -5045,18 +5120,24 @@
                           <m:sSup>
                             <m:sSupPr>
                               <m:ctrlPr>
-                                <a:rPr lang="ru-RU" b="1" i="1"/>
+                                <a:rPr lang="ru-RU" b="1" i="1">
+                                  <a:latin typeface="Cambria Math"/>
+                                </a:rPr>
                               </m:ctrlPr>
                             </m:sSupPr>
                             <m:e>
                               <m:r>
-                                <a:rPr lang="en-US" b="1" i="1"/>
+                                <a:rPr lang="en-US" b="1" i="1">
+                                  <a:latin typeface="Cambria Math"/>
+                                </a:rPr>
                                 <m:t>𝑷</m:t>
                               </m:r>
                             </m:e>
                             <m:sup>
                               <m:r>
-                                <a:rPr lang="uk-UA" b="1" i="1"/>
+                                <a:rPr lang="uk-UA" b="1" i="1">
+                                  <a:latin typeface="Cambria Math"/>
+                                </a:rPr>
                                 <m:t>′</m:t>
                               </m:r>
                             </m:sup>
@@ -5064,7 +5145,9 @@
                         </m:sup>
                       </m:sSubSup>
                       <m:r>
-                        <a:rPr lang="uk-UA" b="1" i="1"/>
+                        <a:rPr lang="uk-UA" b="1" i="1">
+                          <a:latin typeface="Cambria Math"/>
+                        </a:rPr>
                         <m:t>=</m:t>
                       </m:r>
                       <m:nary>
@@ -5072,20 +5155,28 @@
                           <m:chr m:val="∑"/>
                           <m:limLoc m:val="undOvr"/>
                           <m:ctrlPr>
-                            <a:rPr lang="ru-RU" b="1" i="1"/>
+                            <a:rPr lang="ru-RU" b="1" i="1">
+                              <a:latin typeface="Cambria Math"/>
+                            </a:rPr>
                           </m:ctrlPr>
                         </m:naryPr>
                         <m:sub>
                           <m:r>
-                            <a:rPr lang="uk-UA" b="1" i="1"/>
+                            <a:rPr lang="uk-UA" b="1" i="1">
+                              <a:latin typeface="Cambria Math"/>
+                            </a:rPr>
                             <m:t>𝒍</m:t>
                           </m:r>
                           <m:r>
-                            <a:rPr lang="uk-UA" b="1" i="1"/>
+                            <a:rPr lang="uk-UA" b="1" i="1">
+                              <a:latin typeface="Cambria Math"/>
+                            </a:rPr>
                             <m:t>=</m:t>
                           </m:r>
                           <m:r>
-                            <a:rPr lang="uk-UA" b="1" i="1"/>
+                            <a:rPr lang="uk-UA" b="1" i="1">
+                              <a:latin typeface="Cambria Math"/>
+                            </a:rPr>
                             <m:t>𝟏</m:t>
                           </m:r>
                         </m:sub>
@@ -5093,18 +5184,24 @@
                           <m:sSub>
                             <m:sSubPr>
                               <m:ctrlPr>
-                                <a:rPr lang="ru-RU" b="1" i="1"/>
+                                <a:rPr lang="ru-RU" b="1" i="1">
+                                  <a:latin typeface="Cambria Math"/>
+                                </a:rPr>
                               </m:ctrlPr>
                             </m:sSubPr>
                             <m:e>
                               <m:r>
-                                <a:rPr lang="uk-UA" b="1" i="1"/>
+                                <a:rPr lang="uk-UA" b="1" i="1">
+                                  <a:latin typeface="Cambria Math"/>
+                                </a:rPr>
                                 <m:t>𝒑</m:t>
                               </m:r>
                             </m:e>
                             <m:sub>
                               <m:r>
-                                <a:rPr lang="uk-UA" b="1" i="1"/>
+                                <a:rPr lang="uk-UA" b="1" i="1">
+                                  <a:latin typeface="Cambria Math"/>
+                                </a:rPr>
                                 <m:t>𝒍</m:t>
                               </m:r>
                             </m:sub>
@@ -5116,20 +5213,28 @@
                               <m:chr m:val="∑"/>
                               <m:limLoc m:val="undOvr"/>
                               <m:ctrlPr>
-                                <a:rPr lang="ru-RU" b="1" i="1"/>
+                                <a:rPr lang="ru-RU" b="1" i="1">
+                                  <a:latin typeface="Cambria Math"/>
+                                </a:rPr>
                               </m:ctrlPr>
                             </m:naryPr>
                             <m:sub>
                               <m:r>
-                                <a:rPr lang="uk-UA" b="1" i="1"/>
+                                <a:rPr lang="uk-UA" b="1" i="1">
+                                  <a:latin typeface="Cambria Math"/>
+                                </a:rPr>
                                 <m:t>𝒌</m:t>
                               </m:r>
                               <m:r>
-                                <a:rPr lang="uk-UA" b="1" i="1"/>
+                                <a:rPr lang="uk-UA" b="1" i="1">
+                                  <a:latin typeface="Cambria Math"/>
+                                </a:rPr>
                                 <m:t>=</m:t>
                               </m:r>
                               <m:r>
-                                <a:rPr lang="uk-UA" b="1" i="1"/>
+                                <a:rPr lang="uk-UA" b="1" i="1">
+                                  <a:latin typeface="Cambria Math"/>
+                                </a:rPr>
                                 <m:t>𝟏</m:t>
                               </m:r>
                             </m:sub>
@@ -5137,18 +5242,24 @@
                               <m:sSub>
                                 <m:sSubPr>
                                   <m:ctrlPr>
-                                    <a:rPr lang="ru-RU" b="1" i="1"/>
+                                    <a:rPr lang="ru-RU" b="1" i="1">
+                                      <a:latin typeface="Cambria Math"/>
+                                    </a:rPr>
                                   </m:ctrlPr>
                                 </m:sSubPr>
                                 <m:e>
                                   <m:r>
-                                    <a:rPr lang="uk-UA" b="1" i="1"/>
+                                    <a:rPr lang="uk-UA" b="1" i="1">
+                                      <a:latin typeface="Cambria Math"/>
+                                    </a:rPr>
                                     <m:t>𝒑</m:t>
                                   </m:r>
                                 </m:e>
                                 <m:sub>
                                   <m:r>
-                                    <a:rPr lang="uk-UA" b="1" i="1"/>
+                                    <a:rPr lang="uk-UA" b="1" i="1">
+                                      <a:latin typeface="Cambria Math"/>
+                                    </a:rPr>
                                     <m:t>𝒌</m:t>
                                   </m:r>
                                 </m:sub>
@@ -5158,19 +5269,25 @@
                               <m:d>
                                 <m:dPr>
                                   <m:ctrlPr>
-                                    <a:rPr lang="ru-RU" b="1" i="1"/>
+                                    <a:rPr lang="ru-RU" b="1" i="1">
+                                      <a:latin typeface="Cambria Math"/>
+                                    </a:rPr>
                                   </m:ctrlPr>
                                 </m:dPr>
                                 <m:e>
                                   <m:sSub>
                                     <m:sSubPr>
                                       <m:ctrlPr>
-                                        <a:rPr lang="ru-RU" b="1" i="1"/>
+                                        <a:rPr lang="ru-RU" b="1" i="1">
+                                          <a:latin typeface="Cambria Math"/>
+                                        </a:rPr>
                                       </m:ctrlPr>
                                     </m:sSubPr>
                                     <m:e>
                                       <m:r>
-                                        <a:rPr lang="uk-UA" b="1" i="1"/>
+                                        <a:rPr lang="uk-UA" b="1" i="1">
+                                          <a:latin typeface="Cambria Math"/>
+                                        </a:rPr>
                                         <m:t>𝑹</m:t>
                                       </m:r>
                                     </m:e>
@@ -5178,37 +5295,49 @@
                                       <m:sSub>
                                         <m:sSubPr>
                                           <m:ctrlPr>
-                                            <a:rPr lang="ru-RU" b="1" i="1"/>
+                                            <a:rPr lang="ru-RU" b="1" i="1">
+                                              <a:latin typeface="Cambria Math"/>
+                                            </a:rPr>
                                           </m:ctrlPr>
                                         </m:sSubPr>
                                         <m:e>
                                           <m:sSub>
                                             <m:sSubPr>
                                               <m:ctrlPr>
-                                                <a:rPr lang="ru-RU" b="1" i="1"/>
+                                                <a:rPr lang="ru-RU" b="1" i="1">
+                                                  <a:latin typeface="Cambria Math"/>
+                                                </a:rPr>
                                               </m:ctrlPr>
                                             </m:sSubPr>
                                             <m:e>
                                               <m:r>
-                                                <a:rPr lang="uk-UA" b="1" i="1"/>
+                                                <a:rPr lang="uk-UA" b="1" i="1">
+                                                  <a:latin typeface="Cambria Math"/>
+                                                </a:rPr>
                                                 <m:t>𝒊</m:t>
                                               </m:r>
                                             </m:e>
                                             <m:sub>
                                               <m:r>
-                                                <a:rPr lang="uk-UA" b="1" i="1"/>
+                                                <a:rPr lang="uk-UA" b="1" i="1">
+                                                  <a:latin typeface="Cambria Math"/>
+                                                </a:rPr>
                                                 <m:t>𝒍</m:t>
                                               </m:r>
                                             </m:sub>
                                           </m:sSub>
                                           <m:r>
-                                            <a:rPr lang="uk-UA" b="1" i="1"/>
+                                            <a:rPr lang="uk-UA" b="1" i="1">
+                                              <a:latin typeface="Cambria Math"/>
+                                            </a:rPr>
                                             <m:t>𝒋</m:t>
                                           </m:r>
                                         </m:e>
                                         <m:sub>
                                           <m:r>
-                                            <a:rPr lang="uk-UA" b="1" i="1"/>
+                                            <a:rPr lang="uk-UA" b="1" i="1">
+                                              <a:latin typeface="Cambria Math"/>
+                                            </a:rPr>
                                             <m:t>𝒌</m:t>
                                           </m:r>
                                         </m:sub>
@@ -5216,18 +5345,24 @@
                                     </m:sub>
                                   </m:sSub>
                                   <m:r>
-                                    <a:rPr lang="uk-UA" b="1" i="1"/>
+                                    <a:rPr lang="uk-UA" b="1" i="1">
+                                      <a:latin typeface="Cambria Math"/>
+                                    </a:rPr>
                                     <m:t>⋅</m:t>
                                   </m:r>
                                   <m:sSup>
                                     <m:sSupPr>
                                       <m:ctrlPr>
-                                        <a:rPr lang="ru-RU" b="1" i="1"/>
+                                        <a:rPr lang="ru-RU" b="1" i="1">
+                                          <a:latin typeface="Cambria Math"/>
+                                        </a:rPr>
                                       </m:ctrlPr>
                                     </m:sSupPr>
                                     <m:e>
                                       <m:r>
-                                        <a:rPr lang="uk-UA" b="1" i="1"/>
+                                        <a:rPr lang="uk-UA" b="1" i="1">
+                                          <a:latin typeface="Cambria Math"/>
+                                        </a:rPr>
                                         <m:t>С</m:t>
                                       </m:r>
                                     </m:e>
@@ -5235,18 +5370,24 @@
                                       <m:sSup>
                                         <m:sSupPr>
                                           <m:ctrlPr>
-                                            <a:rPr lang="ru-RU" b="1" i="1"/>
+                                            <a:rPr lang="ru-RU" b="1" i="1">
+                                              <a:latin typeface="Cambria Math"/>
+                                            </a:rPr>
                                           </m:ctrlPr>
                                         </m:sSupPr>
                                         <m:e>
                                           <m:r>
-                                            <a:rPr lang="en-US" b="1" i="1"/>
+                                            <a:rPr lang="en-US" b="1" i="1">
+                                              <a:latin typeface="Cambria Math"/>
+                                            </a:rPr>
                                             <m:t>𝑷</m:t>
                                           </m:r>
                                         </m:e>
                                         <m:sup>
                                           <m:r>
-                                            <a:rPr lang="uk-UA" b="1" i="1"/>
+                                            <a:rPr lang="uk-UA" b="1" i="1">
+                                              <a:latin typeface="Cambria Math"/>
+                                            </a:rPr>
                                             <m:t>′</m:t>
                                           </m:r>
                                         </m:sup>
@@ -5254,18 +5395,24 @@
                                     </m:sup>
                                   </m:sSup>
                                   <m:r>
-                                    <a:rPr lang="uk-UA" b="1" i="1"/>
+                                    <a:rPr lang="uk-UA" b="1" i="1">
+                                      <a:latin typeface="Cambria Math"/>
+                                    </a:rPr>
                                     <m:t>(</m:t>
                                   </m:r>
                                   <m:sSub>
                                     <m:sSubPr>
                                       <m:ctrlPr>
-                                        <a:rPr lang="ru-RU" b="1" i="1"/>
+                                        <a:rPr lang="ru-RU" b="1" i="1">
+                                          <a:latin typeface="Cambria Math"/>
+                                        </a:rPr>
                                       </m:ctrlPr>
                                     </m:sSubPr>
                                     <m:e>
                                       <m:r>
-                                        <a:rPr lang="en-US" b="1" i="1"/>
+                                        <a:rPr lang="en-US" b="1" i="1">
+                                          <a:latin typeface="Cambria Math"/>
+                                        </a:rPr>
                                         <m:t>𝑭</m:t>
                                       </m:r>
                                     </m:e>
@@ -5273,18 +5420,24 @@
                                       <m:sSub>
                                         <m:sSubPr>
                                           <m:ctrlPr>
-                                            <a:rPr lang="ru-RU" b="1" i="1"/>
+                                            <a:rPr lang="ru-RU" b="1" i="1">
+                                              <a:latin typeface="Cambria Math"/>
+                                            </a:rPr>
                                           </m:ctrlPr>
                                         </m:sSubPr>
                                         <m:e>
                                           <m:r>
-                                            <a:rPr lang="en-US" b="1" i="1"/>
+                                            <a:rPr lang="en-US" b="1" i="1">
+                                              <a:latin typeface="Cambria Math"/>
+                                            </a:rPr>
                                             <m:t>𝒊</m:t>
                                           </m:r>
                                         </m:e>
                                         <m:sub>
                                           <m:r>
-                                            <a:rPr lang="en-US" b="1" i="1"/>
+                                            <a:rPr lang="en-US" b="1" i="1">
+                                              <a:latin typeface="Cambria Math"/>
+                                            </a:rPr>
                                             <m:t>𝒍</m:t>
                                           </m:r>
                                         </m:sub>
@@ -5292,7 +5445,9 @@
                                     </m:sub>
                                   </m:sSub>
                                   <m:r>
-                                    <a:rPr lang="en-US" b="1" i="1"/>
+                                    <a:rPr lang="en-US" b="1" i="1">
+                                      <a:latin typeface="Cambria Math"/>
+                                    </a:rPr>
                                     <m:t>)</m:t>
                                   </m:r>
                                 </m:e>
@@ -5318,18 +5473,24 @@
                     <m:sSubSup>
                       <m:sSubSupPr>
                         <m:ctrlPr>
-                          <a:rPr lang="ru-RU" b="1" i="1"/>
+                          <a:rPr lang="ru-RU" b="1" i="1">
+                            <a:latin typeface="Cambria Math"/>
+                          </a:rPr>
                         </m:ctrlPr>
                       </m:sSubSupPr>
                       <m:e>
                         <m:r>
-                          <a:rPr lang="en-US" b="1" i="1"/>
+                          <a:rPr lang="en-US" b="1" i="1">
+                            <a:latin typeface="Cambria Math"/>
+                          </a:rPr>
                           <m:t>𝑹</m:t>
                         </m:r>
                       </m:e>
                       <m:sub>
                         <m:r>
-                          <a:rPr lang="uk-UA" b="1" i="1"/>
+                          <a:rPr lang="uk-UA" b="1" i="1">
+                            <a:latin typeface="Cambria Math"/>
+                          </a:rPr>
                           <m:t>𝒊𝒋</m:t>
                         </m:r>
                       </m:sub>
@@ -5337,18 +5498,24 @@
                         <m:sSup>
                           <m:sSupPr>
                             <m:ctrlPr>
-                              <a:rPr lang="ru-RU" b="1" i="1"/>
+                              <a:rPr lang="ru-RU" b="1" i="1">
+                                <a:latin typeface="Cambria Math"/>
+                              </a:rPr>
                             </m:ctrlPr>
                           </m:sSupPr>
                           <m:e>
                             <m:r>
-                              <a:rPr lang="en-US" b="1" i="1"/>
+                              <a:rPr lang="en-US" b="1" i="1">
+                                <a:latin typeface="Cambria Math"/>
+                              </a:rPr>
                               <m:t>𝑷</m:t>
                             </m:r>
                           </m:e>
                           <m:sup>
                             <m:r>
-                              <a:rPr lang="uk-UA" b="1" i="1"/>
+                              <a:rPr lang="uk-UA" b="1" i="1">
+                                <a:latin typeface="Cambria Math"/>
+                              </a:rPr>
                               <m:t>′</m:t>
                             </m:r>
                           </m:sup>
@@ -5356,11 +5523,15 @@
                       </m:sup>
                     </m:sSubSup>
                     <m:r>
-                      <a:rPr lang="uk-UA" b="1" i="1"/>
+                      <a:rPr lang="uk-UA" b="1" i="1">
+                        <a:latin typeface="Cambria Math"/>
+                      </a:rPr>
                       <m:t>=</m:t>
                     </m:r>
                     <m:r>
-                      <a:rPr lang="uk-UA" b="1" i="1"/>
+                      <a:rPr lang="uk-UA" b="1" i="1">
+                        <a:latin typeface="Cambria Math"/>
+                      </a:rPr>
                       <m:t>𝟎</m:t>
                     </m:r>
                   </m:oMath>
@@ -5378,12 +5549,16 @@
                     <m:sSub>
                       <m:sSubPr>
                         <m:ctrlPr>
-                          <a:rPr lang="ru-RU" b="1" i="1"/>
+                          <a:rPr lang="ru-RU" b="1" i="1">
+                            <a:latin typeface="Cambria Math"/>
+                          </a:rPr>
                         </m:ctrlPr>
                       </m:sSubPr>
                       <m:e>
                         <m:r>
-                          <a:rPr lang="en-US" b="1" i="1"/>
+                          <a:rPr lang="en-US" b="1" i="1">
+                            <a:latin typeface="Cambria Math"/>
+                          </a:rPr>
                           <m:t>𝑭</m:t>
                         </m:r>
                       </m:e>
@@ -5391,18 +5566,24 @@
                         <m:sSub>
                           <m:sSubPr>
                             <m:ctrlPr>
-                              <a:rPr lang="ru-RU" b="1" i="1"/>
+                              <a:rPr lang="ru-RU" b="1" i="1">
+                                <a:latin typeface="Cambria Math"/>
+                              </a:rPr>
                             </m:ctrlPr>
                           </m:sSubPr>
                           <m:e>
                             <m:r>
-                              <a:rPr lang="en-US" b="1" i="1"/>
+                              <a:rPr lang="en-US" b="1" i="1">
+                                <a:latin typeface="Cambria Math"/>
+                              </a:rPr>
                               <m:t>𝒋</m:t>
                             </m:r>
                           </m:e>
                           <m:sub>
                             <m:r>
-                              <a:rPr lang="en-US" b="1" i="1"/>
+                              <a:rPr lang="en-US" b="1" i="1">
+                                <a:latin typeface="Cambria Math"/>
+                              </a:rPr>
                               <m:t>𝒌</m:t>
                             </m:r>
                           </m:sub>
@@ -5428,12 +5609,16 @@
                     <m:sSub>
                       <m:sSubPr>
                         <m:ctrlPr>
-                          <a:rPr lang="ru-RU" b="1" i="1"/>
+                          <a:rPr lang="ru-RU" b="1" i="1">
+                            <a:latin typeface="Cambria Math"/>
+                          </a:rPr>
                         </m:ctrlPr>
                       </m:sSubPr>
                       <m:e>
                         <m:r>
-                          <a:rPr lang="en-US" b="1" i="1"/>
+                          <a:rPr lang="en-US" b="1" i="1">
+                            <a:latin typeface="Cambria Math"/>
+                          </a:rPr>
                           <m:t>𝑭</m:t>
                         </m:r>
                       </m:e>
@@ -5441,18 +5626,24 @@
                         <m:sSub>
                           <m:sSubPr>
                             <m:ctrlPr>
-                              <a:rPr lang="ru-RU" b="1" i="1"/>
+                              <a:rPr lang="ru-RU" b="1" i="1">
+                                <a:latin typeface="Cambria Math"/>
+                              </a:rPr>
                             </m:ctrlPr>
                           </m:sSubPr>
                           <m:e>
                             <m:r>
-                              <a:rPr lang="en-US" b="1" i="1"/>
+                              <a:rPr lang="en-US" b="1" i="1">
+                                <a:latin typeface="Cambria Math"/>
+                              </a:rPr>
                               <m:t>𝒊</m:t>
                             </m:r>
                           </m:e>
                           <m:sub>
                             <m:r>
-                              <a:rPr lang="en-US" b="1" i="1"/>
+                              <a:rPr lang="en-US" b="1" i="1">
+                                <a:latin typeface="Cambria Math"/>
+                              </a:rPr>
                               <m:t>𝒍</m:t>
                             </m:r>
                           </m:sub>
@@ -5474,12 +5665,16 @@
                     <m:sSub>
                       <m:sSubPr>
                         <m:ctrlPr>
-                          <a:rPr lang="ru-RU" b="1" i="1"/>
+                          <a:rPr lang="ru-RU" b="1" i="1">
+                            <a:latin typeface="Cambria Math"/>
+                          </a:rPr>
                         </m:ctrlPr>
                       </m:sSubPr>
                       <m:e>
                         <m:r>
-                          <a:rPr lang="en-US" b="1" i="1"/>
+                          <a:rPr lang="en-US" b="1" i="1">
+                            <a:latin typeface="Cambria Math"/>
+                          </a:rPr>
                           <m:t>𝑭</m:t>
                         </m:r>
                       </m:e>
@@ -5487,18 +5682,24 @@
                         <m:sSub>
                           <m:sSubPr>
                             <m:ctrlPr>
-                              <a:rPr lang="ru-RU" b="1" i="1"/>
+                              <a:rPr lang="ru-RU" b="1" i="1">
+                                <a:latin typeface="Cambria Math"/>
+                              </a:rPr>
                             </m:ctrlPr>
                           </m:sSubPr>
                           <m:e>
                             <m:r>
-                              <a:rPr lang="en-US" b="1" i="1"/>
+                              <a:rPr lang="en-US" b="1" i="1">
+                                <a:latin typeface="Cambria Math"/>
+                              </a:rPr>
                               <m:t>𝒊</m:t>
                             </m:r>
                           </m:e>
                           <m:sub>
                             <m:r>
-                              <a:rPr lang="en-US" b="1" i="1"/>
+                              <a:rPr lang="en-US" b="1" i="1">
+                                <a:latin typeface="Cambria Math"/>
+                              </a:rPr>
                               <m:t>𝒍</m:t>
                             </m:r>
                           </m:sub>
@@ -5524,18 +5725,24 @@
                     <m:sSup>
                       <m:sSupPr>
                         <m:ctrlPr>
-                          <a:rPr lang="ru-RU" b="1" i="1"/>
+                          <a:rPr lang="ru-RU" b="1" i="1">
+                            <a:latin typeface="Cambria Math"/>
+                          </a:rPr>
                         </m:ctrlPr>
                       </m:sSupPr>
                       <m:e>
                         <m:r>
-                          <a:rPr lang="en-US" b="1" i="1"/>
+                          <a:rPr lang="en-US" b="1" i="1">
+                            <a:latin typeface="Cambria Math"/>
+                          </a:rPr>
                           <m:t>𝑷</m:t>
                         </m:r>
                       </m:e>
                       <m:sup>
                         <m:r>
-                          <a:rPr lang="uk-UA" b="1" i="1"/>
+                          <a:rPr lang="uk-UA" b="1" i="1">
+                            <a:latin typeface="Cambria Math"/>
+                          </a:rPr>
                           <m:t>′</m:t>
                         </m:r>
                       </m:sup>
@@ -5568,18 +5775,24 @@
                     <m:sSup>
                       <m:sSupPr>
                         <m:ctrlPr>
-                          <a:rPr lang="ru-RU" b="1" i="1"/>
+                          <a:rPr lang="ru-RU" b="1" i="1">
+                            <a:latin typeface="Cambria Math"/>
+                          </a:rPr>
                         </m:ctrlPr>
                       </m:sSupPr>
                       <m:e>
                         <m:r>
-                          <a:rPr lang="en-US" b="1" i="1"/>
+                          <a:rPr lang="en-US" b="1" i="1">
+                            <a:latin typeface="Cambria Math"/>
+                          </a:rPr>
                           <m:t>𝑷</m:t>
                         </m:r>
                       </m:e>
                       <m:sup>
                         <m:r>
-                          <a:rPr lang="uk-UA" b="1" i="1"/>
+                          <a:rPr lang="uk-UA" b="1" i="1">
+                            <a:latin typeface="Cambria Math"/>
+                          </a:rPr>
                           <m:t>′</m:t>
                         </m:r>
                       </m:sup>
@@ -5599,7 +5812,9 @@
                     <m:d>
                       <m:dPr>
                         <m:ctrlPr>
-                          <a:rPr lang="ru-RU" i="1"/>
+                          <a:rPr lang="ru-RU" i="1">
+                            <a:latin typeface="Cambria Math"/>
+                          </a:rPr>
                         </m:ctrlPr>
                       </m:dPr>
                       <m:e>
@@ -5608,25 +5823,33 @@
                             <m:begChr m:val="{"/>
                             <m:endChr m:val="}"/>
                             <m:ctrlPr>
-                              <a:rPr lang="ru-RU" b="1" i="1"/>
+                              <a:rPr lang="ru-RU" b="1" i="1">
+                                <a:latin typeface="Cambria Math"/>
+                              </a:rPr>
                             </m:ctrlPr>
                           </m:dPr>
                           <m:e>
                             <m:sSub>
                               <m:sSubPr>
                                 <m:ctrlPr>
-                                  <a:rPr lang="ru-RU" b="1" i="1"/>
+                                  <a:rPr lang="ru-RU" b="1" i="1">
+                                    <a:latin typeface="Cambria Math"/>
+                                  </a:rPr>
                                 </m:ctrlPr>
                               </m:sSubPr>
                               <m:e>
                                 <m:r>
-                                  <a:rPr lang="uk-UA" b="1" i="1"/>
+                                  <a:rPr lang="uk-UA" b="1" i="1">
+                                    <a:latin typeface="Cambria Math"/>
+                                  </a:rPr>
                                   <m:t>𝑴</m:t>
                                 </m:r>
                               </m:e>
                               <m:sub>
                                 <m:r>
-                                  <a:rPr lang="uk-UA" b="1" i="1"/>
+                                  <a:rPr lang="uk-UA" b="1" i="1">
+                                    <a:latin typeface="Cambria Math"/>
+                                  </a:rPr>
                                   <m:t>𝒊</m:t>
                                 </m:r>
                               </m:sub>
@@ -5634,7 +5857,9 @@
                           </m:e>
                         </m:d>
                         <m:r>
-                          <a:rPr lang="uk-UA" b="1" i="1"/>
+                          <a:rPr lang="uk-UA" b="1" i="1">
+                            <a:latin typeface="Cambria Math"/>
+                          </a:rPr>
                           <m:t>,</m:t>
                         </m:r>
                         <m:d>
@@ -5642,25 +5867,33 @@
                             <m:begChr m:val="{"/>
                             <m:endChr m:val="}"/>
                             <m:ctrlPr>
-                              <a:rPr lang="ru-RU" b="1" i="1"/>
+                              <a:rPr lang="ru-RU" b="1" i="1">
+                                <a:latin typeface="Cambria Math"/>
+                              </a:rPr>
                             </m:ctrlPr>
                           </m:dPr>
                           <m:e>
                             <m:sSubSup>
                               <m:sSubSupPr>
                                 <m:ctrlPr>
-                                  <a:rPr lang="ru-RU" b="1" i="1"/>
+                                  <a:rPr lang="ru-RU" b="1" i="1">
+                                    <a:latin typeface="Cambria Math"/>
+                                  </a:rPr>
                                 </m:ctrlPr>
                               </m:sSubSupPr>
                               <m:e>
                                 <m:r>
-                                  <a:rPr lang="en-US" b="1" i="1"/>
+                                  <a:rPr lang="en-US" b="1" i="1">
+                                    <a:latin typeface="Cambria Math"/>
+                                  </a:rPr>
                                   <m:t>𝑹</m:t>
                                 </m:r>
                               </m:e>
                               <m:sub>
                                 <m:r>
-                                  <a:rPr lang="uk-UA" b="1" i="1"/>
+                                  <a:rPr lang="uk-UA" b="1" i="1">
+                                    <a:latin typeface="Cambria Math"/>
+                                  </a:rPr>
                                   <m:t>𝒊𝒋</m:t>
                                 </m:r>
                               </m:sub>
@@ -5668,18 +5901,24 @@
                                 <m:sSup>
                                   <m:sSupPr>
                                     <m:ctrlPr>
-                                      <a:rPr lang="ru-RU" b="1" i="1"/>
+                                      <a:rPr lang="ru-RU" b="1" i="1">
+                                        <a:latin typeface="Cambria Math"/>
+                                      </a:rPr>
                                     </m:ctrlPr>
                                   </m:sSupPr>
                                   <m:e>
                                     <m:r>
-                                      <a:rPr lang="en-US" b="1" i="1"/>
+                                      <a:rPr lang="en-US" b="1" i="1">
+                                        <a:latin typeface="Cambria Math"/>
+                                      </a:rPr>
                                       <m:t>𝑷</m:t>
                                     </m:r>
                                   </m:e>
                                   <m:sup>
                                     <m:r>
-                                      <a:rPr lang="uk-UA" b="1" i="1"/>
+                                      <a:rPr lang="uk-UA" b="1" i="1">
+                                        <a:latin typeface="Cambria Math"/>
+                                      </a:rPr>
                                       <m:t>′</m:t>
                                     </m:r>
                                   </m:sup>
@@ -5703,25 +5942,33 @@
                         <m:begChr m:val="{"/>
                         <m:endChr m:val="}"/>
                         <m:ctrlPr>
-                          <a:rPr lang="ru-RU" b="1" i="1"/>
+                          <a:rPr lang="ru-RU" b="1" i="1">
+                            <a:latin typeface="Cambria Math"/>
+                          </a:rPr>
                         </m:ctrlPr>
                       </m:dPr>
                       <m:e>
                         <m:sSub>
                           <m:sSubPr>
                             <m:ctrlPr>
-                              <a:rPr lang="ru-RU" b="1" i="1"/>
+                              <a:rPr lang="ru-RU" b="1" i="1">
+                                <a:latin typeface="Cambria Math"/>
+                              </a:rPr>
                             </m:ctrlPr>
                           </m:sSubPr>
                           <m:e>
                             <m:r>
-                              <a:rPr lang="uk-UA" b="1" i="1"/>
+                              <a:rPr lang="uk-UA" b="1" i="1">
+                                <a:latin typeface="Cambria Math"/>
+                              </a:rPr>
                               <m:t>𝑴</m:t>
                             </m:r>
                           </m:e>
                           <m:sub>
                             <m:r>
-                              <a:rPr lang="uk-UA" b="1" i="1"/>
+                              <a:rPr lang="uk-UA" b="1" i="1">
+                                <a:latin typeface="Cambria Math"/>
+                              </a:rPr>
                               <m:t>𝒊</m:t>
                             </m:r>
                           </m:sub>
@@ -5749,25 +5996,33 @@
                         <m:begChr m:val="{"/>
                         <m:endChr m:val="}"/>
                         <m:ctrlPr>
-                          <a:rPr lang="ru-RU" b="1" i="1"/>
+                          <a:rPr lang="ru-RU" b="1" i="1">
+                            <a:latin typeface="Cambria Math"/>
+                          </a:rPr>
                         </m:ctrlPr>
                       </m:dPr>
                       <m:e>
                         <m:sSubSup>
                           <m:sSubSupPr>
                             <m:ctrlPr>
-                              <a:rPr lang="ru-RU" b="1" i="1"/>
+                              <a:rPr lang="ru-RU" b="1" i="1">
+                                <a:latin typeface="Cambria Math"/>
+                              </a:rPr>
                             </m:ctrlPr>
                           </m:sSubSupPr>
                           <m:e>
                             <m:r>
-                              <a:rPr lang="en-US" b="1" i="1"/>
+                              <a:rPr lang="en-US" b="1" i="1">
+                                <a:latin typeface="Cambria Math"/>
+                              </a:rPr>
                               <m:t>𝑹</m:t>
                             </m:r>
                           </m:e>
                           <m:sub>
                             <m:r>
-                              <a:rPr lang="uk-UA" b="1" i="1"/>
+                              <a:rPr lang="uk-UA" b="1" i="1">
+                                <a:latin typeface="Cambria Math"/>
+                              </a:rPr>
                               <m:t>𝒊𝒋</m:t>
                             </m:r>
                           </m:sub>
@@ -5775,18 +6030,24 @@
                             <m:sSup>
                               <m:sSupPr>
                                 <m:ctrlPr>
-                                  <a:rPr lang="ru-RU" b="1" i="1"/>
+                                  <a:rPr lang="ru-RU" b="1" i="1">
+                                    <a:latin typeface="Cambria Math"/>
+                                  </a:rPr>
                                 </m:ctrlPr>
                               </m:sSupPr>
                               <m:e>
                                 <m:r>
-                                  <a:rPr lang="en-US" b="1" i="1"/>
+                                  <a:rPr lang="en-US" b="1" i="1">
+                                    <a:latin typeface="Cambria Math"/>
+                                  </a:rPr>
                                   <m:t>𝑷</m:t>
                                 </m:r>
                               </m:e>
                               <m:sup>
                                 <m:r>
-                                  <a:rPr lang="uk-UA" b="1" i="1"/>
+                                  <a:rPr lang="uk-UA" b="1" i="1">
+                                    <a:latin typeface="Cambria Math"/>
+                                  </a:rPr>
                                   <m:t>′</m:t>
                                 </m:r>
                               </m:sup>
@@ -5810,7 +6071,7 @@
             </p:txBody>
           </p:sp>
         </mc:Choice>
-        <mc:Fallback>
+        <mc:Fallback xmlns="">
           <p:sp>
             <p:nvSpPr>
               <p:cNvPr id="3" name="Объект 2"/>
@@ -5907,8 +6168,8 @@
           </a:p>
         </p:txBody>
       </p:sp>
-      <mc:AlternateContent xmlns:mc="http://schemas.openxmlformats.org/markup-compatibility/2006">
-        <mc:Choice xmlns:a14="http://schemas.microsoft.com/office/drawing/2010/main" Requires="a14">
+      <mc:AlternateContent xmlns:mc="http://schemas.openxmlformats.org/markup-compatibility/2006" xmlns:a14="http://schemas.microsoft.com/office/drawing/2010/main">
+        <mc:Choice Requires="a14">
           <p:sp>
             <p:nvSpPr>
               <p:cNvPr id="3" name="Объект 2"/>
@@ -5939,18 +6200,24 @@
                     <m:sSubSup>
                       <m:sSubSupPr>
                         <m:ctrlPr>
-                          <a:rPr lang="ru-RU" b="1" i="1"/>
+                          <a:rPr lang="ru-RU" b="1" i="1">
+                            <a:latin typeface="Cambria Math"/>
+                          </a:rPr>
                         </m:ctrlPr>
                       </m:sSubSupPr>
                       <m:e>
                         <m:r>
-                          <a:rPr lang="uk-UA" b="1" i="1"/>
+                          <a:rPr lang="uk-UA" b="1" i="1">
+                            <a:latin typeface="Cambria Math"/>
+                          </a:rPr>
                           <m:t>С</m:t>
                         </m:r>
                       </m:e>
                       <m:sub>
                         <m:r>
-                          <a:rPr lang="uk-UA" b="1" i="1"/>
+                          <a:rPr lang="uk-UA" b="1" i="1">
+                            <a:latin typeface="Cambria Math"/>
+                          </a:rPr>
                           <m:t>𝟐</m:t>
                         </m:r>
                       </m:sub>
@@ -5958,18 +6225,24 @@
                         <m:sSup>
                           <m:sSupPr>
                             <m:ctrlPr>
-                              <a:rPr lang="ru-RU" b="1" i="1"/>
+                              <a:rPr lang="ru-RU" b="1" i="1">
+                                <a:latin typeface="Cambria Math"/>
+                              </a:rPr>
                             </m:ctrlPr>
                           </m:sSupPr>
                           <m:e>
                             <m:r>
-                              <a:rPr lang="en-US" b="1" i="1"/>
+                              <a:rPr lang="en-US" b="1" i="1">
+                                <a:latin typeface="Cambria Math"/>
+                              </a:rPr>
                               <m:t>𝑷</m:t>
                             </m:r>
                           </m:e>
                           <m:sup>
                             <m:r>
-                              <a:rPr lang="uk-UA" b="1" i="1"/>
+                              <a:rPr lang="uk-UA" b="1" i="1">
+                                <a:latin typeface="Cambria Math"/>
+                              </a:rPr>
                               <m:t>′</m:t>
                             </m:r>
                           </m:sup>
@@ -5977,18 +6250,24 @@
                       </m:sup>
                     </m:sSubSup>
                     <m:r>
-                      <a:rPr lang="uk-UA" b="1" i="1"/>
+                      <a:rPr lang="uk-UA" b="1" i="1">
+                        <a:latin typeface="Cambria Math"/>
+                      </a:rPr>
                       <m:t>(</m:t>
                     </m:r>
                     <m:sSub>
                       <m:sSubPr>
                         <m:ctrlPr>
-                          <a:rPr lang="ru-RU" b="1" i="1"/>
+                          <a:rPr lang="ru-RU" b="1" i="1">
+                            <a:latin typeface="Cambria Math"/>
+                          </a:rPr>
                         </m:ctrlPr>
                       </m:sSubPr>
                       <m:e>
                         <m:r>
-                          <a:rPr lang="en-US" b="1" i="1"/>
+                          <a:rPr lang="en-US" b="1" i="1">
+                            <a:latin typeface="Cambria Math"/>
+                          </a:rPr>
                           <m:t>𝑭</m:t>
                         </m:r>
                       </m:e>
@@ -5996,18 +6275,24 @@
                         <m:sSub>
                           <m:sSubPr>
                             <m:ctrlPr>
-                              <a:rPr lang="ru-RU" b="1" i="1"/>
+                              <a:rPr lang="ru-RU" b="1" i="1">
+                                <a:latin typeface="Cambria Math"/>
+                              </a:rPr>
                             </m:ctrlPr>
                           </m:sSubPr>
                           <m:e>
                             <m:r>
-                              <a:rPr lang="en-US" b="1" i="1"/>
+                              <a:rPr lang="en-US" b="1" i="1">
+                                <a:latin typeface="Cambria Math"/>
+                              </a:rPr>
                               <m:t>𝒊</m:t>
                             </m:r>
                           </m:e>
                           <m:sub>
                             <m:r>
-                              <a:rPr lang="en-US" b="1" i="1"/>
+                              <a:rPr lang="en-US" b="1" i="1">
+                                <a:latin typeface="Cambria Math"/>
+                              </a:rPr>
                               <m:t>𝒍</m:t>
                             </m:r>
                           </m:sub>
@@ -6029,12 +6314,16 @@
                     <m:sSub>
                       <m:sSubPr>
                         <m:ctrlPr>
-                          <a:rPr lang="ru-RU" b="1" i="1"/>
+                          <a:rPr lang="ru-RU" b="1" i="1">
+                            <a:latin typeface="Cambria Math"/>
+                          </a:rPr>
                         </m:ctrlPr>
                       </m:sSubPr>
                       <m:e>
                         <m:r>
-                          <a:rPr lang="en-US" b="1" i="1"/>
+                          <a:rPr lang="en-US" b="1" i="1">
+                            <a:latin typeface="Cambria Math"/>
+                          </a:rPr>
                           <m:t>𝑭</m:t>
                         </m:r>
                       </m:e>
@@ -6042,18 +6331,24 @@
                         <m:sSub>
                           <m:sSubPr>
                             <m:ctrlPr>
-                              <a:rPr lang="ru-RU" b="1" i="1"/>
+                              <a:rPr lang="ru-RU" b="1" i="1">
+                                <a:latin typeface="Cambria Math"/>
+                              </a:rPr>
                             </m:ctrlPr>
                           </m:sSubPr>
                           <m:e>
                             <m:r>
-                              <a:rPr lang="en-US" b="1" i="1"/>
+                              <a:rPr lang="en-US" b="1" i="1">
+                                <a:latin typeface="Cambria Math"/>
+                              </a:rPr>
                               <m:t>𝒊</m:t>
                             </m:r>
                           </m:e>
                           <m:sub>
                             <m:r>
-                              <a:rPr lang="en-US" b="1" i="1"/>
+                              <a:rPr lang="en-US" b="1" i="1">
+                                <a:latin typeface="Cambria Math"/>
+                              </a:rPr>
                               <m:t>𝒍</m:t>
                             </m:r>
                           </m:sub>
@@ -6071,18 +6366,24 @@
                     <m:sSup>
                       <m:sSupPr>
                         <m:ctrlPr>
-                          <a:rPr lang="ru-RU" b="1" i="1"/>
+                          <a:rPr lang="ru-RU" b="1" i="1">
+                            <a:latin typeface="Cambria Math"/>
+                          </a:rPr>
                         </m:ctrlPr>
                       </m:sSupPr>
                       <m:e>
                         <m:r>
-                          <a:rPr lang="en-US" b="1" i="1"/>
+                          <a:rPr lang="en-US" b="1" i="1">
+                            <a:latin typeface="Cambria Math"/>
+                          </a:rPr>
                           <m:t>𝑷</m:t>
                         </m:r>
                       </m:e>
                       <m:sup>
                         <m:r>
-                          <a:rPr lang="uk-UA" b="1" i="1"/>
+                          <a:rPr lang="uk-UA" b="1" i="1">
+                            <a:latin typeface="Cambria Math"/>
+                          </a:rPr>
                           <m:t>′</m:t>
                         </m:r>
                       </m:sup>
@@ -6096,7 +6397,9 @@
                 <a14:m>
                   <m:oMath xmlns:m="http://schemas.openxmlformats.org/officeDocument/2006/math">
                     <m:r>
-                      <a:rPr lang="uk-UA" b="1" i="1"/>
+                      <a:rPr lang="uk-UA" b="1" i="1">
+                        <a:latin typeface="Cambria Math"/>
+                      </a:rPr>
                       <m:t>𝑷</m:t>
                     </m:r>
                   </m:oMath>
@@ -6116,18 +6419,24 @@
                     <m:sSubSup>
                       <m:sSubSupPr>
                         <m:ctrlPr>
-                          <a:rPr lang="ru-RU" b="1" i="1"/>
+                          <a:rPr lang="ru-RU" b="1" i="1">
+                            <a:latin typeface="Cambria Math"/>
+                          </a:rPr>
                         </m:ctrlPr>
                       </m:sSubSupPr>
                       <m:e>
                         <m:r>
-                          <a:rPr lang="en-US" b="1" i="1"/>
+                          <a:rPr lang="en-US" b="1" i="1">
+                            <a:latin typeface="Cambria Math"/>
+                          </a:rPr>
                           <m:t>𝑰𝑹</m:t>
                         </m:r>
                       </m:e>
                       <m:sub>
                         <m:r>
-                          <a:rPr lang="uk-UA" b="1" i="1"/>
+                          <a:rPr lang="uk-UA" b="1" i="1">
+                            <a:latin typeface="Cambria Math"/>
+                          </a:rPr>
                           <m:t>𝒊𝒋</m:t>
                         </m:r>
                       </m:sub>
@@ -6135,18 +6444,24 @@
                         <m:sSup>
                           <m:sSupPr>
                             <m:ctrlPr>
-                              <a:rPr lang="ru-RU" b="1" i="1"/>
+                              <a:rPr lang="ru-RU" b="1" i="1">
+                                <a:latin typeface="Cambria Math"/>
+                              </a:rPr>
                             </m:ctrlPr>
                           </m:sSupPr>
                           <m:e>
                             <m:r>
-                              <a:rPr lang="en-US" b="1" i="1"/>
+                              <a:rPr lang="en-US" b="1" i="1">
+                                <a:latin typeface="Cambria Math"/>
+                              </a:rPr>
                               <m:t>𝑷</m:t>
                             </m:r>
                           </m:e>
                           <m:sup>
                             <m:r>
-                              <a:rPr lang="uk-UA" b="1" i="1"/>
+                              <a:rPr lang="uk-UA" b="1" i="1">
+                                <a:latin typeface="Cambria Math"/>
+                              </a:rPr>
                               <m:t>′</m:t>
                             </m:r>
                           </m:sup>
@@ -6192,18 +6507,24 @@
                     <m:sSup>
                       <m:sSupPr>
                         <m:ctrlPr>
-                          <a:rPr lang="ru-RU" b="1" i="1"/>
+                          <a:rPr lang="ru-RU" b="1" i="1">
+                            <a:latin typeface="Cambria Math"/>
+                          </a:rPr>
                         </m:ctrlPr>
                       </m:sSupPr>
                       <m:e>
                         <m:r>
-                          <a:rPr lang="en-US" b="1" i="1"/>
+                          <a:rPr lang="en-US" b="1" i="1">
+                            <a:latin typeface="Cambria Math"/>
+                          </a:rPr>
                           <m:t>𝑷</m:t>
                         </m:r>
                       </m:e>
                       <m:sup>
                         <m:r>
-                          <a:rPr lang="uk-UA" b="1" i="1"/>
+                          <a:rPr lang="uk-UA" b="1" i="1">
+                            <a:latin typeface="Cambria Math"/>
+                          </a:rPr>
                           <m:t>′</m:t>
                         </m:r>
                       </m:sup>
@@ -6229,18 +6550,24 @@
                       <m:sSubSup>
                         <m:sSubSupPr>
                           <m:ctrlPr>
-                            <a:rPr lang="ru-RU" b="1" i="1"/>
+                            <a:rPr lang="ru-RU" b="1" i="1">
+                              <a:latin typeface="Cambria Math"/>
+                            </a:rPr>
                           </m:ctrlPr>
                         </m:sSubSupPr>
                         <m:e>
                           <m:r>
-                            <a:rPr lang="en-US" b="1" i="1"/>
+                            <a:rPr lang="en-US" b="1" i="1">
+                              <a:latin typeface="Cambria Math"/>
+                            </a:rPr>
                             <m:t>𝑰𝑹</m:t>
                           </m:r>
                         </m:e>
                         <m:sub>
                           <m:r>
-                            <a:rPr lang="uk-UA" b="1" i="1"/>
+                            <a:rPr lang="uk-UA" b="1" i="1">
+                              <a:latin typeface="Cambria Math"/>
+                            </a:rPr>
                             <m:t>𝒊𝒋</m:t>
                           </m:r>
                         </m:sub>
@@ -6248,18 +6575,24 @@
                           <m:sSup>
                             <m:sSupPr>
                               <m:ctrlPr>
-                                <a:rPr lang="ru-RU" b="1" i="1"/>
+                                <a:rPr lang="ru-RU" b="1" i="1">
+                                  <a:latin typeface="Cambria Math"/>
+                                </a:rPr>
                               </m:ctrlPr>
                             </m:sSupPr>
                             <m:e>
                               <m:r>
-                                <a:rPr lang="en-US" b="1" i="1"/>
+                                <a:rPr lang="en-US" b="1" i="1">
+                                  <a:latin typeface="Cambria Math"/>
+                                </a:rPr>
                                 <m:t>𝑷</m:t>
                               </m:r>
                             </m:e>
                             <m:sup>
                               <m:r>
-                                <a:rPr lang="uk-UA" b="1" i="1"/>
+                                <a:rPr lang="uk-UA" b="1" i="1">
+                                  <a:latin typeface="Cambria Math"/>
+                                </a:rPr>
                                 <m:t>′</m:t>
                               </m:r>
                             </m:sup>
@@ -6267,7 +6600,9 @@
                         </m:sup>
                       </m:sSubSup>
                       <m:r>
-                        <a:rPr lang="uk-UA" b="1" i="1"/>
+                        <a:rPr lang="uk-UA" b="1" i="1">
+                          <a:latin typeface="Cambria Math"/>
+                        </a:rPr>
                         <m:t>=</m:t>
                       </m:r>
                       <m:nary>
@@ -6275,20 +6610,28 @@
                           <m:chr m:val="∑"/>
                           <m:limLoc m:val="undOvr"/>
                           <m:ctrlPr>
-                            <a:rPr lang="ru-RU" b="1" i="1"/>
+                            <a:rPr lang="ru-RU" b="1" i="1">
+                              <a:latin typeface="Cambria Math"/>
+                            </a:rPr>
                           </m:ctrlPr>
                         </m:naryPr>
                         <m:sub>
                           <m:r>
-                            <a:rPr lang="uk-UA" b="1" i="1"/>
+                            <a:rPr lang="uk-UA" b="1" i="1">
+                              <a:latin typeface="Cambria Math"/>
+                            </a:rPr>
                             <m:t>𝒍</m:t>
                           </m:r>
                           <m:r>
-                            <a:rPr lang="uk-UA" b="1" i="1"/>
+                            <a:rPr lang="uk-UA" b="1" i="1">
+                              <a:latin typeface="Cambria Math"/>
+                            </a:rPr>
                             <m:t>=</m:t>
                           </m:r>
                           <m:r>
-                            <a:rPr lang="uk-UA" b="1" i="1"/>
+                            <a:rPr lang="uk-UA" b="1" i="1">
+                              <a:latin typeface="Cambria Math"/>
+                            </a:rPr>
                             <m:t>𝟏</m:t>
                           </m:r>
                         </m:sub>
@@ -6296,18 +6639,24 @@
                           <m:sSub>
                             <m:sSubPr>
                               <m:ctrlPr>
-                                <a:rPr lang="ru-RU" b="1" i="1"/>
+                                <a:rPr lang="ru-RU" b="1" i="1">
+                                  <a:latin typeface="Cambria Math"/>
+                                </a:rPr>
                               </m:ctrlPr>
                             </m:sSubPr>
                             <m:e>
                               <m:r>
-                                <a:rPr lang="uk-UA" b="1" i="1"/>
+                                <a:rPr lang="uk-UA" b="1" i="1">
+                                  <a:latin typeface="Cambria Math"/>
+                                </a:rPr>
                                 <m:t>𝒑</m:t>
                               </m:r>
                             </m:e>
                             <m:sub>
                               <m:r>
-                                <a:rPr lang="uk-UA" b="1" i="1"/>
+                                <a:rPr lang="uk-UA" b="1" i="1">
+                                  <a:latin typeface="Cambria Math"/>
+                                </a:rPr>
                                 <m:t>𝒍</m:t>
                               </m:r>
                             </m:sub>
@@ -6319,20 +6668,28 @@
                               <m:chr m:val="∑"/>
                               <m:limLoc m:val="undOvr"/>
                               <m:ctrlPr>
-                                <a:rPr lang="ru-RU" b="1" i="1"/>
+                                <a:rPr lang="ru-RU" b="1" i="1">
+                                  <a:latin typeface="Cambria Math"/>
+                                </a:rPr>
                               </m:ctrlPr>
                             </m:naryPr>
                             <m:sub>
                               <m:r>
-                                <a:rPr lang="uk-UA" b="1" i="1"/>
+                                <a:rPr lang="uk-UA" b="1" i="1">
+                                  <a:latin typeface="Cambria Math"/>
+                                </a:rPr>
                                 <m:t>𝒌</m:t>
                               </m:r>
                               <m:r>
-                                <a:rPr lang="uk-UA" b="1" i="1"/>
+                                <a:rPr lang="uk-UA" b="1" i="1">
+                                  <a:latin typeface="Cambria Math"/>
+                                </a:rPr>
                                 <m:t>=</m:t>
                               </m:r>
                               <m:r>
-                                <a:rPr lang="uk-UA" b="1" i="1"/>
+                                <a:rPr lang="uk-UA" b="1" i="1">
+                                  <a:latin typeface="Cambria Math"/>
+                                </a:rPr>
                                 <m:t>𝟏</m:t>
                               </m:r>
                             </m:sub>
@@ -6340,18 +6697,24 @@
                               <m:sSub>
                                 <m:sSubPr>
                                   <m:ctrlPr>
-                                    <a:rPr lang="ru-RU" b="1" i="1"/>
+                                    <a:rPr lang="ru-RU" b="1" i="1">
+                                      <a:latin typeface="Cambria Math"/>
+                                    </a:rPr>
                                   </m:ctrlPr>
                                 </m:sSubPr>
                                 <m:e>
                                   <m:r>
-                                    <a:rPr lang="uk-UA" b="1" i="1"/>
+                                    <a:rPr lang="uk-UA" b="1" i="1">
+                                      <a:latin typeface="Cambria Math"/>
+                                    </a:rPr>
                                     <m:t>𝒑</m:t>
                                   </m:r>
                                 </m:e>
                                 <m:sub>
                                   <m:r>
-                                    <a:rPr lang="uk-UA" b="1" i="1"/>
+                                    <a:rPr lang="uk-UA" b="1" i="1">
+                                      <a:latin typeface="Cambria Math"/>
+                                    </a:rPr>
                                     <m:t>𝒌</m:t>
                                   </m:r>
                                 </m:sub>
@@ -6361,19 +6724,25 @@
                               <m:d>
                                 <m:dPr>
                                   <m:ctrlPr>
-                                    <a:rPr lang="ru-RU" b="1" i="1"/>
+                                    <a:rPr lang="ru-RU" b="1" i="1">
+                                      <a:latin typeface="Cambria Math"/>
+                                    </a:rPr>
                                   </m:ctrlPr>
                                 </m:dPr>
                                 <m:e>
                                   <m:sSub>
                                     <m:sSubPr>
                                       <m:ctrlPr>
-                                        <a:rPr lang="ru-RU" b="1" i="1"/>
+                                        <a:rPr lang="ru-RU" b="1" i="1">
+                                          <a:latin typeface="Cambria Math"/>
+                                        </a:rPr>
                                       </m:ctrlPr>
                                     </m:sSubPr>
                                     <m:e>
                                       <m:r>
-                                        <a:rPr lang="uk-UA" b="1" i="1"/>
+                                        <a:rPr lang="uk-UA" b="1" i="1">
+                                          <a:latin typeface="Cambria Math"/>
+                                        </a:rPr>
                                         <m:t>𝑹</m:t>
                                       </m:r>
                                     </m:e>
@@ -6381,37 +6750,49 @@
                                       <m:sSub>
                                         <m:sSubPr>
                                           <m:ctrlPr>
-                                            <a:rPr lang="ru-RU" b="1" i="1"/>
+                                            <a:rPr lang="ru-RU" b="1" i="1">
+                                              <a:latin typeface="Cambria Math"/>
+                                            </a:rPr>
                                           </m:ctrlPr>
                                         </m:sSubPr>
                                         <m:e>
                                           <m:sSub>
                                             <m:sSubPr>
                                               <m:ctrlPr>
-                                                <a:rPr lang="ru-RU" b="1" i="1"/>
+                                                <a:rPr lang="ru-RU" b="1" i="1">
+                                                  <a:latin typeface="Cambria Math"/>
+                                                </a:rPr>
                                               </m:ctrlPr>
                                             </m:sSubPr>
                                             <m:e>
                                               <m:r>
-                                                <a:rPr lang="uk-UA" b="1" i="1"/>
+                                                <a:rPr lang="uk-UA" b="1" i="1">
+                                                  <a:latin typeface="Cambria Math"/>
+                                                </a:rPr>
                                                 <m:t>𝒊</m:t>
                                               </m:r>
                                             </m:e>
                                             <m:sub>
                                               <m:r>
-                                                <a:rPr lang="uk-UA" b="1" i="1"/>
+                                                <a:rPr lang="uk-UA" b="1" i="1">
+                                                  <a:latin typeface="Cambria Math"/>
+                                                </a:rPr>
                                                 <m:t>𝒍</m:t>
                                               </m:r>
                                             </m:sub>
                                           </m:sSub>
                                           <m:r>
-                                            <a:rPr lang="uk-UA" b="1" i="1"/>
+                                            <a:rPr lang="uk-UA" b="1" i="1">
+                                              <a:latin typeface="Cambria Math"/>
+                                            </a:rPr>
                                             <m:t>𝒋</m:t>
                                           </m:r>
                                         </m:e>
                                         <m:sub>
                                           <m:r>
-                                            <a:rPr lang="uk-UA" b="1" i="1"/>
+                                            <a:rPr lang="uk-UA" b="1" i="1">
+                                              <a:latin typeface="Cambria Math"/>
+                                            </a:rPr>
                                             <m:t>𝒌</m:t>
                                           </m:r>
                                         </m:sub>
@@ -6419,24 +6800,32 @@
                                     </m:sub>
                                   </m:sSub>
                                   <m:r>
-                                    <a:rPr lang="uk-UA" b="1" i="1"/>
+                                    <a:rPr lang="uk-UA" b="1" i="1">
+                                      <a:latin typeface="Cambria Math"/>
+                                    </a:rPr>
                                     <m:t>⋅</m:t>
                                   </m:r>
                                   <m:sSubSup>
                                     <m:sSubSupPr>
                                       <m:ctrlPr>
-                                        <a:rPr lang="ru-RU" b="1" i="1"/>
+                                        <a:rPr lang="ru-RU" b="1" i="1">
+                                          <a:latin typeface="Cambria Math"/>
+                                        </a:rPr>
                                       </m:ctrlPr>
                                     </m:sSubSupPr>
                                     <m:e>
                                       <m:r>
-                                        <a:rPr lang="uk-UA" b="1" i="1"/>
+                                        <a:rPr lang="uk-UA" b="1" i="1">
+                                          <a:latin typeface="Cambria Math"/>
+                                        </a:rPr>
                                         <m:t>С</m:t>
                                       </m:r>
                                     </m:e>
                                     <m:sub>
                                       <m:r>
-                                        <a:rPr lang="uk-UA" b="1" i="1"/>
+                                        <a:rPr lang="uk-UA" b="1" i="1">
+                                          <a:latin typeface="Cambria Math"/>
+                                        </a:rPr>
                                         <m:t>𝟐</m:t>
                                       </m:r>
                                     </m:sub>
@@ -6444,18 +6833,24 @@
                                       <m:sSup>
                                         <m:sSupPr>
                                           <m:ctrlPr>
-                                            <a:rPr lang="ru-RU" b="1" i="1"/>
+                                            <a:rPr lang="ru-RU" b="1" i="1">
+                                              <a:latin typeface="Cambria Math"/>
+                                            </a:rPr>
                                           </m:ctrlPr>
                                         </m:sSupPr>
                                         <m:e>
                                           <m:r>
-                                            <a:rPr lang="en-US" b="1" i="1"/>
+                                            <a:rPr lang="en-US" b="1" i="1">
+                                              <a:latin typeface="Cambria Math"/>
+                                            </a:rPr>
                                             <m:t>𝑷</m:t>
                                           </m:r>
                                         </m:e>
                                         <m:sup>
                                           <m:r>
-                                            <a:rPr lang="uk-UA" b="1" i="1"/>
+                                            <a:rPr lang="uk-UA" b="1" i="1">
+                                              <a:latin typeface="Cambria Math"/>
+                                            </a:rPr>
                                             <m:t>′</m:t>
                                           </m:r>
                                         </m:sup>
@@ -6463,18 +6858,24 @@
                                     </m:sup>
                                   </m:sSubSup>
                                   <m:r>
-                                    <a:rPr lang="uk-UA" b="1" i="1"/>
+                                    <a:rPr lang="uk-UA" b="1" i="1">
+                                      <a:latin typeface="Cambria Math"/>
+                                    </a:rPr>
                                     <m:t>(</m:t>
                                   </m:r>
                                   <m:sSub>
                                     <m:sSubPr>
                                       <m:ctrlPr>
-                                        <a:rPr lang="ru-RU" b="1" i="1"/>
+                                        <a:rPr lang="ru-RU" b="1" i="1">
+                                          <a:latin typeface="Cambria Math"/>
+                                        </a:rPr>
                                       </m:ctrlPr>
                                     </m:sSubPr>
                                     <m:e>
                                       <m:r>
-                                        <a:rPr lang="en-US" b="1" i="1"/>
+                                        <a:rPr lang="en-US" b="1" i="1">
+                                          <a:latin typeface="Cambria Math"/>
+                                        </a:rPr>
                                         <m:t>𝑭</m:t>
                                       </m:r>
                                     </m:e>
@@ -6482,18 +6883,24 @@
                                       <m:sSub>
                                         <m:sSubPr>
                                           <m:ctrlPr>
-                                            <a:rPr lang="ru-RU" b="1" i="1"/>
+                                            <a:rPr lang="ru-RU" b="1" i="1">
+                                              <a:latin typeface="Cambria Math"/>
+                                            </a:rPr>
                                           </m:ctrlPr>
                                         </m:sSubPr>
                                         <m:e>
                                           <m:r>
-                                            <a:rPr lang="en-US" b="1" i="1"/>
+                                            <a:rPr lang="en-US" b="1" i="1">
+                                              <a:latin typeface="Cambria Math"/>
+                                            </a:rPr>
                                             <m:t>𝒊</m:t>
                                           </m:r>
                                         </m:e>
                                         <m:sub>
                                           <m:r>
-                                            <a:rPr lang="en-US" b="1" i="1"/>
+                                            <a:rPr lang="en-US" b="1" i="1">
+                                              <a:latin typeface="Cambria Math"/>
+                                            </a:rPr>
                                             <m:t>𝒍</m:t>
                                           </m:r>
                                         </m:sub>
@@ -6501,7 +6908,9 @@
                                     </m:sub>
                                   </m:sSub>
                                   <m:r>
-                                    <a:rPr lang="en-US" b="1" i="1"/>
+                                    <a:rPr lang="en-US" b="1" i="1">
+                                      <a:latin typeface="Cambria Math"/>
+                                    </a:rPr>
                                     <m:t>)</m:t>
                                   </m:r>
                                 </m:e>
@@ -6528,18 +6937,24 @@
                     <m:sSup>
                       <m:sSupPr>
                         <m:ctrlPr>
-                          <a:rPr lang="ru-RU" b="1" i="1"/>
+                          <a:rPr lang="ru-RU" b="1" i="1">
+                            <a:latin typeface="Cambria Math"/>
+                          </a:rPr>
                         </m:ctrlPr>
                       </m:sSupPr>
                       <m:e>
                         <m:r>
-                          <a:rPr lang="en-US" b="1" i="1"/>
+                          <a:rPr lang="en-US" b="1" i="1">
+                            <a:latin typeface="Cambria Math"/>
+                          </a:rPr>
                           <m:t>𝑷</m:t>
                         </m:r>
                       </m:e>
                       <m:sup>
                         <m:r>
-                          <a:rPr lang="uk-UA" b="1" i="1"/>
+                          <a:rPr lang="uk-UA" b="1" i="1">
+                            <a:latin typeface="Cambria Math"/>
+                          </a:rPr>
                           <m:t>′</m:t>
                         </m:r>
                       </m:sup>
@@ -6559,7 +6974,9 @@
                     <m:d>
                       <m:dPr>
                         <m:ctrlPr>
-                          <a:rPr lang="ru-RU" i="1"/>
+                          <a:rPr lang="ru-RU" i="1">
+                            <a:latin typeface="Cambria Math"/>
+                          </a:rPr>
                         </m:ctrlPr>
                       </m:dPr>
                       <m:e>
@@ -6568,25 +6985,33 @@
                             <m:begChr m:val="{"/>
                             <m:endChr m:val="}"/>
                             <m:ctrlPr>
-                              <a:rPr lang="ru-RU" b="1" i="1"/>
+                              <a:rPr lang="ru-RU" b="1" i="1">
+                                <a:latin typeface="Cambria Math"/>
+                              </a:rPr>
                             </m:ctrlPr>
                           </m:dPr>
                           <m:e>
                             <m:sSub>
                               <m:sSubPr>
                                 <m:ctrlPr>
-                                  <a:rPr lang="ru-RU" b="1" i="1"/>
+                                  <a:rPr lang="ru-RU" b="1" i="1">
+                                    <a:latin typeface="Cambria Math"/>
+                                  </a:rPr>
                                 </m:ctrlPr>
                               </m:sSubPr>
                               <m:e>
                                 <m:r>
-                                  <a:rPr lang="uk-UA" b="1" i="1"/>
+                                  <a:rPr lang="uk-UA" b="1" i="1">
+                                    <a:latin typeface="Cambria Math"/>
+                                  </a:rPr>
                                   <m:t>𝑴</m:t>
                                 </m:r>
                               </m:e>
                               <m:sub>
                                 <m:r>
-                                  <a:rPr lang="uk-UA" b="1" i="1"/>
+                                  <a:rPr lang="uk-UA" b="1" i="1">
+                                    <a:latin typeface="Cambria Math"/>
+                                  </a:rPr>
                                   <m:t>𝒊</m:t>
                                 </m:r>
                               </m:sub>
@@ -6594,7 +7019,9 @@
                           </m:e>
                         </m:d>
                         <m:r>
-                          <a:rPr lang="uk-UA" b="1" i="1"/>
+                          <a:rPr lang="uk-UA" b="1" i="1">
+                            <a:latin typeface="Cambria Math"/>
+                          </a:rPr>
                           <m:t>,</m:t>
                         </m:r>
                         <m:d>
@@ -6602,25 +7029,33 @@
                             <m:begChr m:val="{"/>
                             <m:endChr m:val="}"/>
                             <m:ctrlPr>
-                              <a:rPr lang="ru-RU" b="1" i="1"/>
+                              <a:rPr lang="ru-RU" b="1" i="1">
+                                <a:latin typeface="Cambria Math"/>
+                              </a:rPr>
                             </m:ctrlPr>
                           </m:dPr>
                           <m:e>
                             <m:sSubSup>
                               <m:sSubSupPr>
                                 <m:ctrlPr>
-                                  <a:rPr lang="ru-RU" b="1" i="1"/>
+                                  <a:rPr lang="ru-RU" b="1" i="1">
+                                    <a:latin typeface="Cambria Math"/>
+                                  </a:rPr>
                                 </m:ctrlPr>
                               </m:sSubSupPr>
                               <m:e>
                                 <m:r>
-                                  <a:rPr lang="en-US" b="1" i="1"/>
+                                  <a:rPr lang="en-US" b="1" i="1">
+                                    <a:latin typeface="Cambria Math"/>
+                                  </a:rPr>
                                   <m:t>𝑹</m:t>
                                 </m:r>
                               </m:e>
                               <m:sub>
                                 <m:r>
-                                  <a:rPr lang="uk-UA" b="1" i="1"/>
+                                  <a:rPr lang="uk-UA" b="1" i="1">
+                                    <a:latin typeface="Cambria Math"/>
+                                  </a:rPr>
                                   <m:t>𝒊𝒋</m:t>
                                 </m:r>
                               </m:sub>
@@ -6628,18 +7063,24 @@
                                 <m:sSup>
                                   <m:sSupPr>
                                     <m:ctrlPr>
-                                      <a:rPr lang="ru-RU" b="1" i="1"/>
+                                      <a:rPr lang="ru-RU" b="1" i="1">
+                                        <a:latin typeface="Cambria Math"/>
+                                      </a:rPr>
                                     </m:ctrlPr>
                                   </m:sSupPr>
                                   <m:e>
                                     <m:r>
-                                      <a:rPr lang="en-US" b="1" i="1"/>
+                                      <a:rPr lang="en-US" b="1" i="1">
+                                        <a:latin typeface="Cambria Math"/>
+                                      </a:rPr>
                                       <m:t>𝑷</m:t>
                                     </m:r>
                                   </m:e>
                                   <m:sup>
                                     <m:r>
-                                      <a:rPr lang="uk-UA" b="1" i="1"/>
+                                      <a:rPr lang="uk-UA" b="1" i="1">
+                                        <a:latin typeface="Cambria Math"/>
+                                      </a:rPr>
                                       <m:t>′</m:t>
                                     </m:r>
                                   </m:sup>
@@ -6649,7 +7090,9 @@
                           </m:e>
                         </m:d>
                         <m:r>
-                          <a:rPr lang="ru-RU" b="1" i="1"/>
+                          <a:rPr lang="ru-RU" b="1" i="1">
+                            <a:latin typeface="Cambria Math"/>
+                          </a:rPr>
                           <m:t>∪</m:t>
                         </m:r>
                         <m:d>
@@ -6657,25 +7100,33 @@
                             <m:begChr m:val="{"/>
                             <m:endChr m:val="}"/>
                             <m:ctrlPr>
-                              <a:rPr lang="ru-RU" b="1" i="1"/>
+                              <a:rPr lang="ru-RU" b="1" i="1">
+                                <a:latin typeface="Cambria Math"/>
+                              </a:rPr>
                             </m:ctrlPr>
                           </m:dPr>
                           <m:e>
                             <m:sSubSup>
                               <m:sSubSupPr>
                                 <m:ctrlPr>
-                                  <a:rPr lang="ru-RU" b="1" i="1"/>
+                                  <a:rPr lang="ru-RU" b="1" i="1">
+                                    <a:latin typeface="Cambria Math"/>
+                                  </a:rPr>
                                 </m:ctrlPr>
                               </m:sSubSupPr>
                               <m:e>
                                 <m:r>
-                                  <a:rPr lang="en-US" b="1" i="1"/>
+                                  <a:rPr lang="en-US" b="1" i="1">
+                                    <a:latin typeface="Cambria Math"/>
+                                  </a:rPr>
                                   <m:t>𝑰𝑹</m:t>
                                 </m:r>
                               </m:e>
                               <m:sub>
                                 <m:r>
-                                  <a:rPr lang="uk-UA" b="1" i="1"/>
+                                  <a:rPr lang="uk-UA" b="1" i="1">
+                                    <a:latin typeface="Cambria Math"/>
+                                  </a:rPr>
                                   <m:t>𝒊𝒋</m:t>
                                 </m:r>
                               </m:sub>
@@ -6683,18 +7134,24 @@
                                 <m:sSup>
                                   <m:sSupPr>
                                     <m:ctrlPr>
-                                      <a:rPr lang="ru-RU" b="1" i="1"/>
+                                      <a:rPr lang="ru-RU" b="1" i="1">
+                                        <a:latin typeface="Cambria Math"/>
+                                      </a:rPr>
                                     </m:ctrlPr>
                                   </m:sSupPr>
                                   <m:e>
                                     <m:r>
-                                      <a:rPr lang="en-US" b="1" i="1"/>
+                                      <a:rPr lang="en-US" b="1" i="1">
+                                        <a:latin typeface="Cambria Math"/>
+                                      </a:rPr>
                                       <m:t>𝑷</m:t>
                                     </m:r>
                                   </m:e>
                                   <m:sup>
                                     <m:r>
-                                      <a:rPr lang="uk-UA" b="1" i="1"/>
+                                      <a:rPr lang="uk-UA" b="1" i="1">
+                                        <a:latin typeface="Cambria Math"/>
+                                      </a:rPr>
                                       <m:t>′</m:t>
                                     </m:r>
                                   </m:sup>
@@ -6716,7 +7173,7 @@
             </p:txBody>
           </p:sp>
         </mc:Choice>
-        <mc:Fallback>
+        <mc:Fallback xmlns="">
           <p:sp>
             <p:nvSpPr>
               <p:cNvPr id="3" name="Объект 2"/>
@@ -7171,19 +7628,11 @@
             </a:r>
             <a:r>
               <a:rPr lang="uk-UA" sz="2800" dirty="0" smtClean="0"/>
-              <a:t>програмного </a:t>
-            </a:r>
-            <a:r>
-              <a:rPr lang="uk-UA" sz="2800" dirty="0" smtClean="0"/>
-              <a:t>забезпечення </a:t>
+              <a:t>програмного забезпечення </a:t>
             </a:r>
             <a:r>
               <a:rPr lang="en-US" sz="2800" dirty="0" smtClean="0"/>
-              <a:t>Regression </a:t>
-            </a:r>
-            <a:r>
-              <a:rPr lang="en-US" sz="2800" dirty="0" smtClean="0"/>
-              <a:t>Viewer</a:t>
+              <a:t>Regression Viewer</a:t>
             </a:r>
             <a:endParaRPr lang="uk-UA" sz="2800" dirty="0"/>
           </a:p>
@@ -7307,7 +7756,7 @@
         </p:spPr>
         <p:txBody>
           <a:bodyPr>
-            <a:normAutofit/>
+            <a:normAutofit lnSpcReduction="10000"/>
           </a:bodyPr>
           <a:lstStyle/>
           <a:p>
@@ -7332,7 +7781,36 @@
             </a:r>
             <a:r>
               <a:rPr lang="uk-UA" sz="2800" dirty="0" smtClean="0"/>
-              <a:t>версіями дав можливість розробити метод планування регресійного тестування заснований на використанні систем управління версіями та розробити програмне забезпечення що реалізує дані функції за допомогою побудови когнітивних карт.</a:t>
+              <a:t>версіями дав </a:t>
+            </a:r>
+            <a:r>
+              <a:rPr lang="uk-UA" sz="2800" dirty="0" smtClean="0"/>
+              <a:t>можливість:</a:t>
+            </a:r>
+          </a:p>
+          <a:p>
+            <a:r>
+              <a:rPr lang="uk-UA" sz="2800" dirty="0" smtClean="0"/>
+              <a:t> </a:t>
+            </a:r>
+            <a:r>
+              <a:rPr lang="uk-UA" sz="2800" dirty="0" smtClean="0"/>
+              <a:t>розробити метод планування регресійного тестування заснований на використанні систем управління версіями </a:t>
+            </a:r>
+            <a:endParaRPr lang="uk-UA" sz="2800" dirty="0" smtClean="0"/>
+          </a:p>
+          <a:p>
+            <a:r>
+              <a:rPr lang="uk-UA" sz="2800" dirty="0" smtClean="0"/>
+              <a:t>розробити </a:t>
+            </a:r>
+            <a:r>
+              <a:rPr lang="uk-UA" sz="2800" dirty="0" smtClean="0"/>
+              <a:t>програмне забезпечення що реалізує дані функції за допомогою побудови когнітивних </a:t>
+            </a:r>
+            <a:r>
+              <a:rPr lang="uk-UA" sz="2800" dirty="0" smtClean="0"/>
+              <a:t>карт</a:t>
             </a:r>
             <a:endParaRPr lang="ru-RU" sz="2800" dirty="0"/>
           </a:p>
@@ -7342,6 +7820,65 @@
     <p:extLst>
       <p:ext uri="{BB962C8B-B14F-4D97-AF65-F5344CB8AC3E}">
         <p14:creationId xmlns:p14="http://schemas.microsoft.com/office/powerpoint/2010/main" val="1559220084"/>
+      </p:ext>
+    </p:extLst>
+  </p:cSld>
+  <p:clrMapOvr>
+    <a:masterClrMapping/>
+  </p:clrMapOvr>
+</p:sld>
+</file>
+
+<file path=ppt/slides/slide16.xml><?xml version="1.0" encoding="utf-8"?>
+<p:sld xmlns:a="http://schemas.openxmlformats.org/drawingml/2006/main" xmlns:r="http://schemas.openxmlformats.org/officeDocument/2006/relationships" xmlns:p="http://schemas.openxmlformats.org/presentationml/2006/main">
+  <p:cSld>
+    <p:spTree>
+      <p:nvGrpSpPr>
+        <p:cNvPr id="1" name=""/>
+        <p:cNvGrpSpPr/>
+        <p:nvPr/>
+      </p:nvGrpSpPr>
+      <p:grpSpPr>
+        <a:xfrm>
+          <a:off x="0" y="0"/>
+          <a:ext cx="0" cy="0"/>
+          <a:chOff x="0" y="0"/>
+          <a:chExt cx="0" cy="0"/>
+        </a:xfrm>
+      </p:grpSpPr>
+      <p:sp>
+        <p:nvSpPr>
+          <p:cNvPr id="2" name="Заголовок 1"/>
+          <p:cNvSpPr>
+            <a:spLocks noGrp="1"/>
+          </p:cNvSpPr>
+          <p:nvPr>
+            <p:ph type="title"/>
+          </p:nvPr>
+        </p:nvSpPr>
+        <p:spPr>
+          <a:xfrm>
+            <a:off x="0" y="2348880"/>
+            <a:ext cx="9144000" cy="1143000"/>
+          </a:xfrm>
+        </p:spPr>
+        <p:txBody>
+          <a:bodyPr/>
+          <a:lstStyle/>
+          <a:p>
+            <a:pPr algn="ctr"/>
+            <a:r>
+              <a:rPr lang="uk-UA" sz="7200" dirty="0" smtClean="0"/>
+              <a:t>Дякую за увагу!</a:t>
+            </a:r>
+            <a:endParaRPr lang="ru-RU" sz="7200" dirty="0"/>
+          </a:p>
+        </p:txBody>
+      </p:sp>
+    </p:spTree>
+    <p:extLst>
+      <p:ext uri="{BB962C8B-B14F-4D97-AF65-F5344CB8AC3E}">
+        <p14:creationId xmlns:p14="http://schemas.microsoft.com/office/powerpoint/2010/main" val="1985359699"/>
       </p:ext>
     </p:extLst>
   </p:cSld>
@@ -7442,7 +7979,6 @@
               <a:rPr lang="uk-UA" sz="2000" dirty="0"/>
               <a:t>тестування програмного забезпечення, спрямований на повторну перевірку коректності зміненої програми. </a:t>
             </a:r>
-            <a:endParaRPr lang="uk-UA" sz="2000" dirty="0"/>
           </a:p>
           <a:p>
             <a:pPr marL="45720" indent="457200">
@@ -7569,18 +8105,7 @@
                   </a:schemeClr>
                 </a:solidFill>
               </a:rPr>
-              <a:t>додаючи </a:t>
-            </a:r>
-            <a:r>
-              <a:rPr lang="uk-UA" sz="2000" dirty="0">
-                <a:solidFill>
-                  <a:schemeClr val="tx1">
-                    <a:lumMod val="75000"/>
-                    <a:lumOff val="25000"/>
-                  </a:schemeClr>
-                </a:solidFill>
-              </a:rPr>
-              <a:t>нові функції та виправляючи існуючі проблеми</a:t>
+              <a:t>додаючи нові функції та виправляючи існуючі проблеми</a:t>
             </a:r>
           </a:p>
         </p:txBody>
@@ -7903,8 +8428,8 @@
           </a:p>
         </p:txBody>
       </p:sp>
-      <mc:AlternateContent xmlns:mc="http://schemas.openxmlformats.org/markup-compatibility/2006">
-        <mc:Choice xmlns:a14="http://schemas.microsoft.com/office/drawing/2010/main" Requires="a14">
+      <mc:AlternateContent xmlns:mc="http://schemas.openxmlformats.org/markup-compatibility/2006" xmlns:a14="http://schemas.microsoft.com/office/drawing/2010/main">
+        <mc:Choice Requires="a14">
           <p:sp>
             <p:nvSpPr>
               <p:cNvPr id="3" name="Объект 2"/>
@@ -7956,11 +8481,15 @@
                 <a14:m>
                   <m:oMath xmlns:m="http://schemas.openxmlformats.org/officeDocument/2006/math">
                     <m:r>
-                      <a:rPr lang="uk-UA" b="1" i="1"/>
+                      <a:rPr lang="uk-UA" b="1" i="1">
+                        <a:latin typeface="Cambria Math"/>
+                      </a:rPr>
                       <m:t>𝑻</m:t>
                     </m:r>
                     <m:r>
-                      <a:rPr lang="uk-UA" i="1"/>
+                      <a:rPr lang="uk-UA" i="1">
+                        <a:latin typeface="Cambria Math"/>
+                      </a:rPr>
                       <m:t>=</m:t>
                     </m:r>
                     <m:d>
@@ -7968,71 +8497,95 @@
                         <m:begChr m:val="{"/>
                         <m:endChr m:val="}"/>
                         <m:ctrlPr>
-                          <a:rPr lang="ru-RU" i="1"/>
+                          <a:rPr lang="ru-RU" i="1">
+                            <a:latin typeface="Cambria Math"/>
+                          </a:rPr>
                         </m:ctrlPr>
                       </m:dPr>
                       <m:e>
                         <m:sSub>
                           <m:sSubPr>
                             <m:ctrlPr>
-                              <a:rPr lang="ru-RU" i="1"/>
+                              <a:rPr lang="ru-RU" i="1">
+                                <a:latin typeface="Cambria Math"/>
+                              </a:rPr>
                             </m:ctrlPr>
                           </m:sSubPr>
                           <m:e>
                             <m:r>
-                              <a:rPr lang="uk-UA" i="1"/>
+                              <a:rPr lang="uk-UA" i="1">
+                                <a:latin typeface="Cambria Math"/>
+                              </a:rPr>
                               <m:t>𝑡</m:t>
                             </m:r>
                           </m:e>
                           <m:sub>
                             <m:r>
-                              <a:rPr lang="uk-UA" i="1"/>
+                              <a:rPr lang="uk-UA" i="1">
+                                <a:latin typeface="Cambria Math"/>
+                              </a:rPr>
                               <m:t>1</m:t>
                             </m:r>
                           </m:sub>
                         </m:sSub>
                         <m:r>
-                          <a:rPr lang="uk-UA" i="1"/>
+                          <a:rPr lang="uk-UA" i="1">
+                            <a:latin typeface="Cambria Math"/>
+                          </a:rPr>
                           <m:t>,</m:t>
                         </m:r>
                         <m:sSub>
                           <m:sSubPr>
                             <m:ctrlPr>
-                              <a:rPr lang="ru-RU" i="1"/>
+                              <a:rPr lang="ru-RU" i="1">
+                                <a:latin typeface="Cambria Math"/>
+                              </a:rPr>
                             </m:ctrlPr>
                           </m:sSubPr>
                           <m:e>
                             <m:r>
-                              <a:rPr lang="uk-UA" i="1"/>
+                              <a:rPr lang="uk-UA" i="1">
+                                <a:latin typeface="Cambria Math"/>
+                              </a:rPr>
                               <m:t>𝑡</m:t>
                             </m:r>
                           </m:e>
                           <m:sub>
                             <m:r>
-                              <a:rPr lang="uk-UA" i="1"/>
+                              <a:rPr lang="uk-UA" i="1">
+                                <a:latin typeface="Cambria Math"/>
+                              </a:rPr>
                               <m:t>2</m:t>
                             </m:r>
                           </m:sub>
                         </m:sSub>
                         <m:r>
-                          <a:rPr lang="uk-UA" i="1"/>
+                          <a:rPr lang="uk-UA" i="1">
+                            <a:latin typeface="Cambria Math"/>
+                          </a:rPr>
                           <m:t>,…,</m:t>
                         </m:r>
                         <m:sSub>
                           <m:sSubPr>
                             <m:ctrlPr>
-                              <a:rPr lang="ru-RU" i="1"/>
+                              <a:rPr lang="ru-RU" i="1">
+                                <a:latin typeface="Cambria Math"/>
+                              </a:rPr>
                             </m:ctrlPr>
                           </m:sSubPr>
                           <m:e>
                             <m:r>
-                              <a:rPr lang="uk-UA" i="1"/>
+                              <a:rPr lang="uk-UA" i="1">
+                                <a:latin typeface="Cambria Math"/>
+                              </a:rPr>
                               <m:t>𝑡</m:t>
                             </m:r>
                           </m:e>
                           <m:sub>
                             <m:r>
-                              <a:rPr lang="uk-UA" i="1"/>
+                              <a:rPr lang="uk-UA" i="1">
+                                <a:latin typeface="Cambria Math"/>
+                              </a:rPr>
                               <m:t>𝑁</m:t>
                             </m:r>
                           </m:sub>
@@ -8095,38 +8648,52 @@
                     <m:sSubSup>
                       <m:sSubSupPr>
                         <m:ctrlPr>
-                          <a:rPr lang="ru-RU" b="1" i="1"/>
+                          <a:rPr lang="ru-RU" b="1" i="1">
+                            <a:latin typeface="Cambria Math"/>
+                          </a:rPr>
                         </m:ctrlPr>
                       </m:sSubSupPr>
                       <m:e>
                         <m:r>
-                          <a:rPr lang="uk-UA" b="1" i="1"/>
+                          <a:rPr lang="uk-UA" b="1" i="1">
+                            <a:latin typeface="Cambria Math"/>
+                          </a:rPr>
                           <m:t>𝑻</m:t>
                         </m:r>
                       </m:e>
                       <m:sub>
                         <m:r>
-                          <a:rPr lang="uk-UA" b="1" i="1"/>
+                          <a:rPr lang="uk-UA" b="1" i="1">
+                            <a:latin typeface="Cambria Math"/>
+                          </a:rPr>
                           <m:t>𝒑</m:t>
                         </m:r>
                       </m:sub>
                       <m:sup>
                         <m:r>
-                          <a:rPr lang="uk-UA" b="1" i="1"/>
+                          <a:rPr lang="uk-UA" b="1" i="1">
+                            <a:latin typeface="Cambria Math"/>
+                          </a:rPr>
                           <m:t>′</m:t>
                         </m:r>
                       </m:sup>
                     </m:sSubSup>
                     <m:r>
-                      <a:rPr lang="uk-UA" b="1" i="1"/>
+                      <a:rPr lang="uk-UA" b="1" i="1">
+                        <a:latin typeface="Cambria Math"/>
+                      </a:rPr>
                       <m:t>⊃</m:t>
                     </m:r>
                     <m:r>
-                      <a:rPr lang="uk-UA" b="1" i="1"/>
+                      <a:rPr lang="uk-UA" b="1" i="1">
+                        <a:latin typeface="Cambria Math"/>
+                      </a:rPr>
                       <m:t>𝑻</m:t>
                     </m:r>
                     <m:r>
-                      <a:rPr lang="uk-UA" b="1" i="1"/>
+                      <a:rPr lang="uk-UA" b="1" i="1">
+                        <a:latin typeface="Cambria Math"/>
+                      </a:rPr>
                       <m:t>′</m:t>
                     </m:r>
                   </m:oMath>
@@ -8156,24 +8723,32 @@
                     <m:sSubSup>
                       <m:sSubSupPr>
                         <m:ctrlPr>
-                          <a:rPr lang="ru-RU" b="1" i="1"/>
+                          <a:rPr lang="ru-RU" b="1" i="1">
+                            <a:latin typeface="Cambria Math"/>
+                          </a:rPr>
                         </m:ctrlPr>
                       </m:sSubSupPr>
                       <m:e>
                         <m:r>
-                          <a:rPr lang="uk-UA" b="1" i="1"/>
+                          <a:rPr lang="uk-UA" b="1" i="1">
+                            <a:latin typeface="Cambria Math"/>
+                          </a:rPr>
                           <m:t>𝑻</m:t>
                         </m:r>
                       </m:e>
                       <m:sub>
                         <m:r>
-                          <a:rPr lang="uk-UA" b="1" i="1"/>
+                          <a:rPr lang="uk-UA" b="1" i="1">
+                            <a:latin typeface="Cambria Math"/>
+                          </a:rPr>
                           <m:t>𝒑</m:t>
                         </m:r>
                       </m:sub>
                       <m:sup>
                         <m:r>
-                          <a:rPr lang="uk-UA" b="1" i="1"/>
+                          <a:rPr lang="uk-UA" b="1" i="1">
+                            <a:latin typeface="Cambria Math"/>
+                          </a:rPr>
                           <m:t>′</m:t>
                         </m:r>
                       </m:sup>
@@ -8195,7 +8770,9 @@
                 <a14:m>
                   <m:oMath xmlns:m="http://schemas.openxmlformats.org/officeDocument/2006/math">
                     <m:r>
-                      <a:rPr lang="uk-UA" b="1" i="1"/>
+                      <a:rPr lang="uk-UA" b="1" i="1">
+                        <a:latin typeface="Cambria Math"/>
+                      </a:rPr>
                       <m:t>𝑻</m:t>
                     </m:r>
                   </m:oMath>
@@ -8207,15 +8784,21 @@
                 <a14:m>
                   <m:oMath xmlns:m="http://schemas.openxmlformats.org/officeDocument/2006/math">
                     <m:r>
-                      <a:rPr lang="uk-UA" b="1" i="1"/>
+                      <a:rPr lang="uk-UA" b="1" i="1">
+                        <a:latin typeface="Cambria Math"/>
+                      </a:rPr>
                       <m:t>𝒕</m:t>
                     </m:r>
                     <m:r>
-                      <a:rPr lang="uk-UA" b="1" i="1"/>
+                      <a:rPr lang="uk-UA" b="1" i="1">
+                        <a:latin typeface="Cambria Math"/>
+                      </a:rPr>
                       <m:t>∈</m:t>
                     </m:r>
                     <m:r>
-                      <a:rPr lang="uk-UA" b="1" i="1"/>
+                      <a:rPr lang="uk-UA" b="1" i="1">
+                        <a:latin typeface="Cambria Math"/>
+                      </a:rPr>
                       <m:t>𝑻</m:t>
                     </m:r>
                   </m:oMath>
@@ -8229,24 +8812,32 @@
                     <m:sSubSup>
                       <m:sSubSupPr>
                         <m:ctrlPr>
-                          <a:rPr lang="ru-RU" b="1" i="1"/>
+                          <a:rPr lang="ru-RU" b="1" i="1">
+                            <a:latin typeface="Cambria Math"/>
+                          </a:rPr>
                         </m:ctrlPr>
                       </m:sSubSupPr>
                       <m:e>
                         <m:r>
-                          <a:rPr lang="uk-UA" b="1" i="1"/>
+                          <a:rPr lang="uk-UA" b="1" i="1">
+                            <a:latin typeface="Cambria Math"/>
+                          </a:rPr>
                           <m:t>𝑻</m:t>
                         </m:r>
                       </m:e>
                       <m:sub>
                         <m:r>
-                          <a:rPr lang="uk-UA" b="1" i="1"/>
+                          <a:rPr lang="uk-UA" b="1" i="1">
+                            <a:latin typeface="Cambria Math"/>
+                          </a:rPr>
                           <m:t>𝒑</m:t>
                         </m:r>
                       </m:sub>
                       <m:sup>
                         <m:r>
-                          <a:rPr lang="uk-UA" b="1" i="1"/>
+                          <a:rPr lang="uk-UA" b="1" i="1">
+                            <a:latin typeface="Cambria Math"/>
+                          </a:rPr>
                           <m:t>′</m:t>
                         </m:r>
                       </m:sup>
@@ -8260,7 +8851,9 @@
                 <a14:m>
                   <m:oMath xmlns:m="http://schemas.openxmlformats.org/officeDocument/2006/math">
                     <m:r>
-                      <a:rPr lang="uk-UA" b="1" i="1"/>
+                      <a:rPr lang="uk-UA" b="1" i="1">
+                        <a:latin typeface="Cambria Math"/>
+                      </a:rPr>
                       <m:t>𝒕</m:t>
                     </m:r>
                   </m:oMath>
@@ -8280,11 +8873,15 @@
                 <a14:m>
                   <m:oMath xmlns:m="http://schemas.openxmlformats.org/officeDocument/2006/math">
                     <m:r>
-                      <a:rPr lang="uk-UA" b="1" i="1"/>
+                      <a:rPr lang="uk-UA" b="1" i="1">
+                        <a:latin typeface="Cambria Math"/>
+                      </a:rPr>
                       <m:t>𝑷</m:t>
                     </m:r>
                     <m:r>
-                      <a:rPr lang="uk-UA" b="1" i="1"/>
+                      <a:rPr lang="uk-UA" b="1" i="1">
+                        <a:latin typeface="Cambria Math"/>
+                      </a:rPr>
                       <m:t>′</m:t>
                     </m:r>
                   </m:oMath>
@@ -8480,7 +9077,7 @@
             </p:txBody>
           </p:sp>
         </mc:Choice>
-        <mc:Fallback>
+        <mc:Fallback xmlns="">
           <p:sp>
             <p:nvSpPr>
               <p:cNvPr id="3" name="Объект 2"/>
@@ -8577,8 +9174,8 @@
           </a:p>
         </p:txBody>
       </p:sp>
-      <mc:AlternateContent xmlns:mc="http://schemas.openxmlformats.org/markup-compatibility/2006">
-        <mc:Choice xmlns:a14="http://schemas.microsoft.com/office/drawing/2010/main" Requires="a14">
+      <mc:AlternateContent xmlns:mc="http://schemas.openxmlformats.org/markup-compatibility/2006" xmlns:a14="http://schemas.microsoft.com/office/drawing/2010/main">
+        <mc:Choice Requires="a14">
           <p:sp>
             <p:nvSpPr>
               <p:cNvPr id="3" name="Объект 2"/>
@@ -8785,7 +9382,7 @@
             </p:txBody>
           </p:sp>
         </mc:Choice>
-        <mc:Fallback>
+        <mc:Fallback xmlns="">
           <p:sp>
             <p:nvSpPr>
               <p:cNvPr id="3" name="Объект 2"/>
@@ -8929,11 +9526,7 @@
             </a:r>
             <a:r>
               <a:rPr lang="uk-UA" sz="2000" dirty="0" smtClean="0"/>
-              <a:t>виправл</a:t>
-            </a:r>
-            <a:r>
-              <a:rPr lang="uk-UA" sz="2000" dirty="0" smtClean="0"/>
-              <a:t>еннями(</a:t>
+              <a:t>виправленнями(</a:t>
             </a:r>
             <a:r>
               <a:rPr lang="uk-UA" sz="2000" dirty="0" err="1" smtClean="0"/>
@@ -8965,11 +9558,7 @@
             </a:r>
             <a:r>
               <a:rPr lang="uk-UA" sz="2000" dirty="0" smtClean="0"/>
-              <a:t>набори тестів на різних версіях</a:t>
-            </a:r>
-            <a:r>
-              <a:rPr lang="uk-UA" sz="2000" dirty="0" smtClean="0"/>
-              <a:t>.</a:t>
+              <a:t>набори тестів на різних версіях.</a:t>
             </a:r>
           </a:p>
           <a:p>
@@ -9065,8 +9654,8 @@
           </a:p>
         </p:txBody>
       </p:sp>
-      <mc:AlternateContent xmlns:mc="http://schemas.openxmlformats.org/markup-compatibility/2006">
-        <mc:Choice xmlns:a14="http://schemas.microsoft.com/office/drawing/2010/main" Requires="a14">
+      <mc:AlternateContent xmlns:mc="http://schemas.openxmlformats.org/markup-compatibility/2006" xmlns:a14="http://schemas.microsoft.com/office/drawing/2010/main">
+        <mc:Choice Requires="a14">
           <p:sp>
             <p:nvSpPr>
               <p:cNvPr id="3" name="Объект 2"/>
@@ -9098,11 +9687,15 @@
                 <a14:m>
                   <m:oMath xmlns:m="http://schemas.openxmlformats.org/officeDocument/2006/math">
                     <m:r>
-                      <a:rPr lang="uk-UA" sz="2800" b="1" i="1"/>
+                      <a:rPr lang="uk-UA" sz="2800" b="1" i="1">
+                        <a:latin typeface="Cambria Math"/>
+                      </a:rPr>
                       <m:t>𝑷</m:t>
                     </m:r>
                     <m:r>
-                      <a:rPr lang="uk-UA" sz="2800" b="1" i="1"/>
+                      <a:rPr lang="uk-UA" sz="2800" b="1" i="1">
+                        <a:latin typeface="Cambria Math"/>
+                      </a:rPr>
                       <m:t>=</m:t>
                     </m:r>
                     <m:d>
@@ -9110,51 +9703,71 @@
                         <m:begChr m:val="{"/>
                         <m:endChr m:val="}"/>
                         <m:ctrlPr>
-                          <a:rPr lang="ru-RU" sz="2800" b="1" i="1"/>
+                          <a:rPr lang="ru-RU" sz="2800" b="1" i="1">
+                            <a:latin typeface="Cambria Math"/>
+                          </a:rPr>
                         </m:ctrlPr>
                       </m:dPr>
                       <m:e>
                         <m:sSub>
                           <m:sSubPr>
                             <m:ctrlPr>
-                              <a:rPr lang="ru-RU" sz="2800" b="1" i="1"/>
+                              <a:rPr lang="ru-RU" sz="2800" b="1" i="1">
+                                <a:latin typeface="Cambria Math"/>
+                              </a:rPr>
                             </m:ctrlPr>
                           </m:sSubPr>
                           <m:e>
                             <m:r>
-                              <a:rPr lang="uk-UA" sz="2800" b="1" i="1"/>
+                              <a:rPr lang="uk-UA" sz="2800" b="1" i="1">
+                                <a:latin typeface="Cambria Math"/>
+                              </a:rPr>
                               <m:t>𝑴</m:t>
                             </m:r>
                           </m:e>
                           <m:sub>
                             <m:r>
-                              <a:rPr lang="uk-UA" sz="2800" b="1" i="1"/>
+                              <a:rPr lang="uk-UA" sz="2800" b="1" i="1">
+                                <a:latin typeface="Cambria Math"/>
+                              </a:rPr>
                               <m:t>𝒊</m:t>
                             </m:r>
                           </m:sub>
                         </m:sSub>
                         <m:r>
-                          <a:rPr lang="uk-UA" sz="2800" b="1" i="1"/>
+                          <a:rPr lang="uk-UA" sz="2800" b="1" i="1">
+                            <a:latin typeface="Cambria Math"/>
+                          </a:rPr>
                           <m:t>|</m:t>
                         </m:r>
                         <m:r>
-                          <a:rPr lang="uk-UA" sz="2800" b="1" i="1"/>
+                          <a:rPr lang="uk-UA" sz="2800" b="1" i="1">
+                            <a:latin typeface="Cambria Math"/>
+                          </a:rPr>
                           <m:t>𝒊</m:t>
                         </m:r>
                         <m:r>
-                          <a:rPr lang="uk-UA" sz="2800" b="1" i="1"/>
+                          <a:rPr lang="uk-UA" sz="2800" b="1" i="1">
+                            <a:latin typeface="Cambria Math"/>
+                          </a:rPr>
                           <m:t>=</m:t>
                         </m:r>
                         <m:r>
-                          <a:rPr lang="uk-UA" sz="2800" b="1" i="1"/>
+                          <a:rPr lang="uk-UA" sz="2800" b="1" i="1">
+                            <a:latin typeface="Cambria Math"/>
+                          </a:rPr>
                           <m:t>𝟏</m:t>
                         </m:r>
                         <m:r>
-                          <a:rPr lang="uk-UA" sz="2800" b="1" i="1"/>
+                          <a:rPr lang="uk-UA" sz="2800" b="1" i="1">
+                            <a:latin typeface="Cambria Math"/>
+                          </a:rPr>
                           <m:t>..</m:t>
                         </m:r>
                         <m:r>
-                          <a:rPr lang="uk-UA" sz="2800" b="1" i="1"/>
+                          <a:rPr lang="uk-UA" sz="2800" b="1" i="1">
+                            <a:latin typeface="Cambria Math"/>
+                          </a:rPr>
                           <m:t>𝒎</m:t>
                         </m:r>
                       </m:e>
@@ -9174,18 +9787,24 @@
                     <m:sSub>
                       <m:sSubPr>
                         <m:ctrlPr>
-                          <a:rPr lang="ru-RU" sz="2800" b="1" i="1"/>
+                          <a:rPr lang="ru-RU" sz="2800" b="1" i="1">
+                            <a:latin typeface="Cambria Math"/>
+                          </a:rPr>
                         </m:ctrlPr>
                       </m:sSubPr>
                       <m:e>
                         <m:r>
-                          <a:rPr lang="en-US" sz="2800" b="1" i="1"/>
+                          <a:rPr lang="en-US" sz="2800" b="1" i="1">
+                            <a:latin typeface="Cambria Math"/>
+                          </a:rPr>
                           <m:t>𝑴</m:t>
                         </m:r>
                       </m:e>
                       <m:sub>
                         <m:r>
-                          <a:rPr lang="en-US" sz="2800" b="1" i="1"/>
+                          <a:rPr lang="en-US" sz="2800" b="1" i="1">
+                            <a:latin typeface="Cambria Math"/>
+                          </a:rPr>
                           <m:t>𝒊</m:t>
                         </m:r>
                       </m:sub>
@@ -9218,24 +9837,32 @@
                     <m:sSub>
                       <m:sSubPr>
                         <m:ctrlPr>
-                          <a:rPr lang="ru-RU" sz="2800" b="1" i="1"/>
+                          <a:rPr lang="ru-RU" sz="2800" b="1" i="1">
+                            <a:latin typeface="Cambria Math"/>
+                          </a:rPr>
                         </m:ctrlPr>
                       </m:sSubPr>
                       <m:e>
                         <m:r>
-                          <a:rPr lang="en-US" sz="2800" b="1" i="1"/>
+                          <a:rPr lang="en-US" sz="2800" b="1" i="1">
+                            <a:latin typeface="Cambria Math"/>
+                          </a:rPr>
                           <m:t>𝑴</m:t>
                         </m:r>
                       </m:e>
                       <m:sub>
                         <m:r>
-                          <a:rPr lang="en-US" sz="2800" b="1" i="1"/>
+                          <a:rPr lang="en-US" sz="2800" b="1" i="1">
+                            <a:latin typeface="Cambria Math"/>
+                          </a:rPr>
                           <m:t>𝒊</m:t>
                         </m:r>
                       </m:sub>
                     </m:sSub>
                     <m:r>
-                      <a:rPr lang="ru-RU" sz="2800" b="1" i="1"/>
+                      <a:rPr lang="ru-RU" sz="2800" b="1" i="1">
+                        <a:latin typeface="Cambria Math"/>
+                      </a:rPr>
                       <m:t>=</m:t>
                     </m:r>
                     <m:d>
@@ -9243,19 +9870,25 @@
                         <m:begChr m:val="{"/>
                         <m:endChr m:val="}"/>
                         <m:ctrlPr>
-                          <a:rPr lang="ru-RU" sz="2800" b="1" i="1"/>
+                          <a:rPr lang="ru-RU" sz="2800" b="1" i="1">
+                            <a:latin typeface="Cambria Math"/>
+                          </a:rPr>
                         </m:ctrlPr>
                       </m:dPr>
                       <m:e>
                         <m:sSub>
                           <m:sSubPr>
                             <m:ctrlPr>
-                              <a:rPr lang="ru-RU" sz="2800" b="1" i="1"/>
+                              <a:rPr lang="ru-RU" sz="2800" b="1" i="1">
+                                <a:latin typeface="Cambria Math"/>
+                              </a:rPr>
                             </m:ctrlPr>
                           </m:sSubPr>
                           <m:e>
                             <m:r>
-                              <a:rPr lang="en-US" sz="2800" b="1" i="1"/>
+                              <a:rPr lang="en-US" sz="2800" b="1" i="1">
+                                <a:latin typeface="Cambria Math"/>
+                              </a:rPr>
                               <m:t>𝑭</m:t>
                             </m:r>
                           </m:e>
@@ -9263,18 +9896,24 @@
                             <m:sSub>
                               <m:sSubPr>
                                 <m:ctrlPr>
-                                  <a:rPr lang="ru-RU" sz="2800" b="1" i="1"/>
+                                  <a:rPr lang="ru-RU" sz="2800" b="1" i="1">
+                                    <a:latin typeface="Cambria Math"/>
+                                  </a:rPr>
                                 </m:ctrlPr>
                               </m:sSubPr>
                               <m:e>
                                 <m:r>
-                                  <a:rPr lang="en-US" sz="2800" b="1" i="1"/>
+                                  <a:rPr lang="en-US" sz="2800" b="1" i="1">
+                                    <a:latin typeface="Cambria Math"/>
+                                  </a:rPr>
                                   <m:t>𝒊</m:t>
                                 </m:r>
                               </m:e>
                               <m:sub>
                                 <m:r>
-                                  <a:rPr lang="en-US" sz="2800" b="1" i="1"/>
+                                  <a:rPr lang="en-US" sz="2800" b="1" i="1">
+                                    <a:latin typeface="Cambria Math"/>
+                                  </a:rPr>
                                   <m:t>𝒍</m:t>
                                 </m:r>
                               </m:sub>
@@ -9282,40 +9921,56 @@
                           </m:sub>
                         </m:sSub>
                         <m:r>
-                          <a:rPr lang="ru-RU" sz="2800" b="1" i="1"/>
+                          <a:rPr lang="ru-RU" sz="2800" b="1" i="1">
+                            <a:latin typeface="Cambria Math"/>
+                          </a:rPr>
                           <m:t>|</m:t>
                         </m:r>
                         <m:r>
-                          <a:rPr lang="en-US" sz="2800" b="1" i="1"/>
+                          <a:rPr lang="en-US" sz="2800" b="1" i="1">
+                            <a:latin typeface="Cambria Math"/>
+                          </a:rPr>
                           <m:t>𝒍</m:t>
                         </m:r>
                         <m:r>
-                          <a:rPr lang="ru-RU" sz="2800" b="1" i="1"/>
+                          <a:rPr lang="ru-RU" sz="2800" b="1" i="1">
+                            <a:latin typeface="Cambria Math"/>
+                          </a:rPr>
                           <m:t>=</m:t>
                         </m:r>
                         <m:r>
-                          <a:rPr lang="en-US" sz="2800" b="1" i="1"/>
+                          <a:rPr lang="en-US" sz="2800" b="1" i="1">
+                            <a:latin typeface="Cambria Math"/>
+                          </a:rPr>
                           <m:t>𝟏</m:t>
                         </m:r>
                         <m:r>
-                          <a:rPr lang="ru-RU" sz="2800" b="1" i="1"/>
+                          <a:rPr lang="ru-RU" sz="2800" b="1" i="1">
+                            <a:latin typeface="Cambria Math"/>
+                          </a:rPr>
                           <m:t>..</m:t>
                         </m:r>
                         <m:sSub>
                           <m:sSubPr>
                             <m:ctrlPr>
-                              <a:rPr lang="ru-RU" sz="2800" b="1" i="1"/>
+                              <a:rPr lang="ru-RU" sz="2800" b="1" i="1">
+                                <a:latin typeface="Cambria Math"/>
+                              </a:rPr>
                             </m:ctrlPr>
                           </m:sSubPr>
                           <m:e>
                             <m:r>
-                              <a:rPr lang="en-US" sz="2800" b="1" i="1"/>
+                              <a:rPr lang="en-US" sz="2800" b="1" i="1">
+                                <a:latin typeface="Cambria Math"/>
+                              </a:rPr>
                               <m:t>𝒑</m:t>
                             </m:r>
                           </m:e>
                           <m:sub>
                             <m:r>
-                              <a:rPr lang="en-US" sz="2800" b="1" i="1"/>
+                              <a:rPr lang="en-US" sz="2800" b="1" i="1">
+                                <a:latin typeface="Cambria Math"/>
+                              </a:rPr>
                               <m:t>𝒍</m:t>
                             </m:r>
                           </m:sub>
@@ -9337,12 +9992,16 @@
                     <m:sSub>
                       <m:sSubPr>
                         <m:ctrlPr>
-                          <a:rPr lang="ru-RU" sz="2800" b="1" i="1"/>
+                          <a:rPr lang="ru-RU" sz="2800" b="1" i="1">
+                            <a:latin typeface="Cambria Math"/>
+                          </a:rPr>
                         </m:ctrlPr>
                       </m:sSubPr>
                       <m:e>
                         <m:r>
-                          <a:rPr lang="en-US" sz="2800" b="1" i="1"/>
+                          <a:rPr lang="en-US" sz="2800" b="1" i="1">
+                            <a:latin typeface="Cambria Math"/>
+                          </a:rPr>
                           <m:t>𝑭</m:t>
                         </m:r>
                       </m:e>
@@ -9350,18 +10009,24 @@
                         <m:sSub>
                           <m:sSubPr>
                             <m:ctrlPr>
-                              <a:rPr lang="ru-RU" sz="2800" b="1" i="1"/>
+                              <a:rPr lang="ru-RU" sz="2800" b="1" i="1">
+                                <a:latin typeface="Cambria Math"/>
+                              </a:rPr>
                             </m:ctrlPr>
                           </m:sSubPr>
                           <m:e>
                             <m:r>
-                              <a:rPr lang="en-US" sz="2800" b="1" i="1"/>
+                              <a:rPr lang="en-US" sz="2800" b="1" i="1">
+                                <a:latin typeface="Cambria Math"/>
+                              </a:rPr>
                               <m:t>𝒊</m:t>
                             </m:r>
                           </m:e>
                           <m:sub>
                             <m:r>
-                              <a:rPr lang="en-US" sz="2800" b="1" i="1"/>
+                              <a:rPr lang="en-US" sz="2800" b="1" i="1">
+                                <a:latin typeface="Cambria Math"/>
+                              </a:rPr>
                               <m:t>𝒍</m:t>
                             </m:r>
                           </m:sub>
@@ -9396,12 +10061,16 @@
                     <m:sSub>
                       <m:sSubPr>
                         <m:ctrlPr>
-                          <a:rPr lang="ru-RU" sz="2800" b="1" i="1"/>
+                          <a:rPr lang="ru-RU" sz="2800" b="1" i="1">
+                            <a:latin typeface="Cambria Math"/>
+                          </a:rPr>
                         </m:ctrlPr>
                       </m:sSubPr>
                       <m:e>
                         <m:r>
-                          <a:rPr lang="en-US" sz="2800" b="1" i="1"/>
+                          <a:rPr lang="en-US" sz="2800" b="1" i="1">
+                            <a:latin typeface="Cambria Math"/>
+                          </a:rPr>
                           <m:t>𝑹</m:t>
                         </m:r>
                       </m:e>
@@ -9409,37 +10078,49 @@
                         <m:sSub>
                           <m:sSubPr>
                             <m:ctrlPr>
-                              <a:rPr lang="ru-RU" sz="2800" b="1" i="1"/>
+                              <a:rPr lang="ru-RU" sz="2800" b="1" i="1">
+                                <a:latin typeface="Cambria Math"/>
+                              </a:rPr>
                             </m:ctrlPr>
                           </m:sSubPr>
                           <m:e>
                             <m:sSub>
                               <m:sSubPr>
                                 <m:ctrlPr>
-                                  <a:rPr lang="ru-RU" sz="2800" b="1" i="1"/>
+                                  <a:rPr lang="ru-RU" sz="2800" b="1" i="1">
+                                    <a:latin typeface="Cambria Math"/>
+                                  </a:rPr>
                                 </m:ctrlPr>
                               </m:sSubPr>
                               <m:e>
                                 <m:r>
-                                  <a:rPr lang="en-US" sz="2800" b="1" i="1"/>
+                                  <a:rPr lang="en-US" sz="2800" b="1" i="1">
+                                    <a:latin typeface="Cambria Math"/>
+                                  </a:rPr>
                                   <m:t>𝒊</m:t>
                                 </m:r>
                               </m:e>
                               <m:sub>
                                 <m:r>
-                                  <a:rPr lang="en-US" sz="2800" b="1" i="1"/>
+                                  <a:rPr lang="en-US" sz="2800" b="1" i="1">
+                                    <a:latin typeface="Cambria Math"/>
+                                  </a:rPr>
                                   <m:t>𝒍</m:t>
                                 </m:r>
                               </m:sub>
                             </m:sSub>
                             <m:r>
-                              <a:rPr lang="en-US" sz="2800" b="1" i="1"/>
+                              <a:rPr lang="en-US" sz="2800" b="1" i="1">
+                                <a:latin typeface="Cambria Math"/>
+                              </a:rPr>
                               <m:t>𝒋</m:t>
                             </m:r>
                           </m:e>
                           <m:sub>
                             <m:r>
-                              <a:rPr lang="en-US" sz="2800" b="1" i="1"/>
+                              <a:rPr lang="en-US" sz="2800" b="1" i="1">
+                                <a:latin typeface="Cambria Math"/>
+                              </a:rPr>
                               <m:t>𝒌</m:t>
                             </m:r>
                           </m:sub>
@@ -9447,29 +10128,39 @@
                       </m:sub>
                     </m:sSub>
                     <m:r>
-                      <a:rPr lang="uk-UA" sz="2800" i="1"/>
+                      <a:rPr lang="uk-UA" sz="2800" i="1">
+                        <a:latin typeface="Cambria Math"/>
+                      </a:rPr>
                       <m:t>=</m:t>
                     </m:r>
                     <m:r>
-                      <a:rPr lang="en-US" sz="2800" b="1" i="1"/>
+                      <a:rPr lang="en-US" sz="2800" b="1" i="1">
+                        <a:latin typeface="Cambria Math"/>
+                      </a:rPr>
                       <m:t>𝑹</m:t>
                     </m:r>
                     <m:d>
                       <m:dPr>
                         <m:ctrlPr>
-                          <a:rPr lang="ru-RU" sz="2800" i="1"/>
+                          <a:rPr lang="ru-RU" sz="2800" i="1">
+                            <a:latin typeface="Cambria Math"/>
+                          </a:rPr>
                         </m:ctrlPr>
                       </m:dPr>
                       <m:e>
                         <m:sSub>
                           <m:sSubPr>
                             <m:ctrlPr>
-                              <a:rPr lang="ru-RU" sz="2800" b="1" i="1"/>
+                              <a:rPr lang="ru-RU" sz="2800" b="1" i="1">
+                                <a:latin typeface="Cambria Math"/>
+                              </a:rPr>
                             </m:ctrlPr>
                           </m:sSubPr>
                           <m:e>
                             <m:r>
-                              <a:rPr lang="en-US" sz="2800" b="1" i="1"/>
+                              <a:rPr lang="en-US" sz="2800" b="1" i="1">
+                                <a:latin typeface="Cambria Math"/>
+                              </a:rPr>
                               <m:t>𝑭</m:t>
                             </m:r>
                           </m:e>
@@ -9477,18 +10168,24 @@
                             <m:sSub>
                               <m:sSubPr>
                                 <m:ctrlPr>
-                                  <a:rPr lang="ru-RU" sz="2800" b="1" i="1"/>
+                                  <a:rPr lang="ru-RU" sz="2800" b="1" i="1">
+                                    <a:latin typeface="Cambria Math"/>
+                                  </a:rPr>
                                 </m:ctrlPr>
                               </m:sSubPr>
                               <m:e>
                                 <m:r>
-                                  <a:rPr lang="en-US" sz="2800" b="1" i="1"/>
+                                  <a:rPr lang="en-US" sz="2800" b="1" i="1">
+                                    <a:latin typeface="Cambria Math"/>
+                                  </a:rPr>
                                   <m:t>𝒊</m:t>
                                 </m:r>
                               </m:e>
                               <m:sub>
                                 <m:r>
-                                  <a:rPr lang="en-US" sz="2800" b="1" i="1"/>
+                                  <a:rPr lang="en-US" sz="2800" b="1" i="1">
+                                    <a:latin typeface="Cambria Math"/>
+                                  </a:rPr>
                                   <m:t>𝒍</m:t>
                                 </m:r>
                               </m:sub>
@@ -9496,18 +10193,24 @@
                           </m:sub>
                         </m:sSub>
                         <m:r>
-                          <a:rPr lang="uk-UA" sz="2800" b="1" i="1"/>
+                          <a:rPr lang="uk-UA" sz="2800" b="1" i="1">
+                            <a:latin typeface="Cambria Math"/>
+                          </a:rPr>
                           <m:t>,</m:t>
                         </m:r>
                         <m:sSub>
                           <m:sSubPr>
                             <m:ctrlPr>
-                              <a:rPr lang="ru-RU" sz="2800" b="1" i="1"/>
+                              <a:rPr lang="ru-RU" sz="2800" b="1" i="1">
+                                <a:latin typeface="Cambria Math"/>
+                              </a:rPr>
                             </m:ctrlPr>
                           </m:sSubPr>
                           <m:e>
                             <m:r>
-                              <a:rPr lang="en-US" sz="2800" b="1" i="1"/>
+                              <a:rPr lang="en-US" sz="2800" b="1" i="1">
+                                <a:latin typeface="Cambria Math"/>
+                              </a:rPr>
                               <m:t>𝑭</m:t>
                             </m:r>
                           </m:e>
@@ -9515,18 +10218,24 @@
                             <m:sSub>
                               <m:sSubPr>
                                 <m:ctrlPr>
-                                  <a:rPr lang="ru-RU" sz="2800" b="1" i="1"/>
+                                  <a:rPr lang="ru-RU" sz="2800" b="1" i="1">
+                                    <a:latin typeface="Cambria Math"/>
+                                  </a:rPr>
                                 </m:ctrlPr>
                               </m:sSubPr>
                               <m:e>
                                 <m:r>
-                                  <a:rPr lang="en-US" sz="2800" b="1" i="1"/>
+                                  <a:rPr lang="en-US" sz="2800" b="1" i="1">
+                                    <a:latin typeface="Cambria Math"/>
+                                  </a:rPr>
                                   <m:t>𝒋</m:t>
                                 </m:r>
                               </m:e>
                               <m:sub>
                                 <m:r>
-                                  <a:rPr lang="en-US" sz="2800" b="1" i="1"/>
+                                  <a:rPr lang="en-US" sz="2800" b="1" i="1">
+                                    <a:latin typeface="Cambria Math"/>
+                                  </a:rPr>
                                   <m:t>𝒌</m:t>
                                 </m:r>
                               </m:sub>
@@ -9550,12 +10259,16 @@
                     <m:sSub>
                       <m:sSubPr>
                         <m:ctrlPr>
-                          <a:rPr lang="ru-RU" sz="2800" b="1" i="1"/>
+                          <a:rPr lang="ru-RU" sz="2800" b="1" i="1">
+                            <a:latin typeface="Cambria Math"/>
+                          </a:rPr>
                         </m:ctrlPr>
                       </m:sSubPr>
                       <m:e>
                         <m:r>
-                          <a:rPr lang="en-US" sz="2800" b="1" i="1"/>
+                          <a:rPr lang="en-US" sz="2800" b="1" i="1">
+                            <a:latin typeface="Cambria Math"/>
+                          </a:rPr>
                           <m:t>𝑭</m:t>
                         </m:r>
                       </m:e>
@@ -9563,18 +10276,24 @@
                         <m:sSub>
                           <m:sSubPr>
                             <m:ctrlPr>
-                              <a:rPr lang="ru-RU" sz="2800" b="1" i="1"/>
+                              <a:rPr lang="ru-RU" sz="2800" b="1" i="1">
+                                <a:latin typeface="Cambria Math"/>
+                              </a:rPr>
                             </m:ctrlPr>
                           </m:sSubPr>
                           <m:e>
                             <m:r>
-                              <a:rPr lang="en-US" sz="2800" b="1" i="1"/>
+                              <a:rPr lang="en-US" sz="2800" b="1" i="1">
+                                <a:latin typeface="Cambria Math"/>
+                              </a:rPr>
                               <m:t>𝒊</m:t>
                             </m:r>
                           </m:e>
                           <m:sub>
                             <m:r>
-                              <a:rPr lang="en-US" sz="2800" b="1" i="1"/>
+                              <a:rPr lang="en-US" sz="2800" b="1" i="1">
+                                <a:latin typeface="Cambria Math"/>
+                              </a:rPr>
                               <m:t>𝒍</m:t>
                             </m:r>
                           </m:sub>
@@ -9592,12 +10311,16 @@
                     <m:sSub>
                       <m:sSubPr>
                         <m:ctrlPr>
-                          <a:rPr lang="ru-RU" sz="2800" b="1" i="1"/>
+                          <a:rPr lang="ru-RU" sz="2800" b="1" i="1">
+                            <a:latin typeface="Cambria Math"/>
+                          </a:rPr>
                         </m:ctrlPr>
                       </m:sSubPr>
                       <m:e>
                         <m:r>
-                          <a:rPr lang="en-US" sz="2800" b="1" i="1"/>
+                          <a:rPr lang="en-US" sz="2800" b="1" i="1">
+                            <a:latin typeface="Cambria Math"/>
+                          </a:rPr>
                           <m:t>𝑭</m:t>
                         </m:r>
                       </m:e>
@@ -9605,18 +10328,24 @@
                         <m:sSub>
                           <m:sSubPr>
                             <m:ctrlPr>
-                              <a:rPr lang="ru-RU" sz="2800" b="1" i="1"/>
+                              <a:rPr lang="ru-RU" sz="2800" b="1" i="1">
+                                <a:latin typeface="Cambria Math"/>
+                              </a:rPr>
                             </m:ctrlPr>
                           </m:sSubPr>
                           <m:e>
                             <m:r>
-                              <a:rPr lang="en-US" sz="2800" b="1" i="1"/>
+                              <a:rPr lang="en-US" sz="2800" b="1" i="1">
+                                <a:latin typeface="Cambria Math"/>
+                              </a:rPr>
                               <m:t>𝒋</m:t>
                             </m:r>
                           </m:e>
                           <m:sub>
                             <m:r>
-                              <a:rPr lang="en-US" sz="2800" b="1" i="1"/>
+                              <a:rPr lang="en-US" sz="2800" b="1" i="1">
+                                <a:latin typeface="Cambria Math"/>
+                              </a:rPr>
                               <m:t>𝒌</m:t>
                             </m:r>
                           </m:sub>
@@ -9634,12 +10363,16 @@
                     <m:sSub>
                       <m:sSubPr>
                         <m:ctrlPr>
-                          <a:rPr lang="ru-RU" sz="2800" b="1" i="1"/>
+                          <a:rPr lang="ru-RU" sz="2800" b="1" i="1">
+                            <a:latin typeface="Cambria Math"/>
+                          </a:rPr>
                         </m:ctrlPr>
                       </m:sSubPr>
                       <m:e>
                         <m:r>
-                          <a:rPr lang="en-US" sz="2800" b="1" i="1"/>
+                          <a:rPr lang="en-US" sz="2800" b="1" i="1">
+                            <a:latin typeface="Cambria Math"/>
+                          </a:rPr>
                           <m:t>𝑭</m:t>
                         </m:r>
                       </m:e>
@@ -9647,18 +10380,24 @@
                         <m:sSub>
                           <m:sSubPr>
                             <m:ctrlPr>
-                              <a:rPr lang="ru-RU" sz="2800" b="1" i="1"/>
+                              <a:rPr lang="ru-RU" sz="2800" b="1" i="1">
+                                <a:latin typeface="Cambria Math"/>
+                              </a:rPr>
                             </m:ctrlPr>
                           </m:sSubPr>
                           <m:e>
                             <m:r>
-                              <a:rPr lang="en-US" sz="2800" b="1" i="1"/>
+                              <a:rPr lang="en-US" sz="2800" b="1" i="1">
+                                <a:latin typeface="Cambria Math"/>
+                              </a:rPr>
                               <m:t>𝒊</m:t>
                             </m:r>
                           </m:e>
                           <m:sub>
                             <m:r>
-                              <a:rPr lang="en-US" sz="2800" b="1" i="1"/>
+                              <a:rPr lang="en-US" sz="2800" b="1" i="1">
+                                <a:latin typeface="Cambria Math"/>
+                              </a:rPr>
                               <m:t>𝒍</m:t>
                             </m:r>
                           </m:sub>
@@ -9676,12 +10415,16 @@
                     <m:sSub>
                       <m:sSubPr>
                         <m:ctrlPr>
-                          <a:rPr lang="ru-RU" sz="2800" b="1" i="1"/>
+                          <a:rPr lang="ru-RU" sz="2800" b="1" i="1">
+                            <a:latin typeface="Cambria Math"/>
+                          </a:rPr>
                         </m:ctrlPr>
                       </m:sSubPr>
                       <m:e>
                         <m:r>
-                          <a:rPr lang="en-US" sz="2800" b="1" i="1"/>
+                          <a:rPr lang="en-US" sz="2800" b="1" i="1">
+                            <a:latin typeface="Cambria Math"/>
+                          </a:rPr>
                           <m:t>𝑭</m:t>
                         </m:r>
                       </m:e>
@@ -9689,18 +10432,24 @@
                         <m:sSub>
                           <m:sSubPr>
                             <m:ctrlPr>
-                              <a:rPr lang="ru-RU" sz="2800" b="1" i="1"/>
+                              <a:rPr lang="ru-RU" sz="2800" b="1" i="1">
+                                <a:latin typeface="Cambria Math"/>
+                              </a:rPr>
                             </m:ctrlPr>
                           </m:sSubPr>
                           <m:e>
                             <m:r>
-                              <a:rPr lang="en-US" sz="2800" b="1" i="1"/>
+                              <a:rPr lang="en-US" sz="2800" b="1" i="1">
+                                <a:latin typeface="Cambria Math"/>
+                              </a:rPr>
                               <m:t>𝒋</m:t>
                             </m:r>
                           </m:e>
                           <m:sub>
                             <m:r>
-                              <a:rPr lang="en-US" sz="2800" b="1" i="1"/>
+                              <a:rPr lang="en-US" sz="2800" b="1" i="1">
+                                <a:latin typeface="Cambria Math"/>
+                              </a:rPr>
                               <m:t>𝒌</m:t>
                             </m:r>
                           </m:sub>
@@ -9743,18 +10492,24 @@
                     <m:sSub>
                       <m:sSubPr>
                         <m:ctrlPr>
-                          <a:rPr lang="ru-RU" sz="2800" b="1" i="1"/>
+                          <a:rPr lang="ru-RU" sz="2800" b="1" i="1">
+                            <a:latin typeface="Cambria Math"/>
+                          </a:rPr>
                         </m:ctrlPr>
                       </m:sSubPr>
                       <m:e>
                         <m:r>
-                          <a:rPr lang="uk-UA" sz="2800" b="1" i="1"/>
+                          <a:rPr lang="uk-UA" sz="2800" b="1" i="1">
+                            <a:latin typeface="Cambria Math"/>
+                          </a:rPr>
                           <m:t>𝑹</m:t>
                         </m:r>
                       </m:e>
                       <m:sub>
                         <m:r>
-                          <a:rPr lang="uk-UA" sz="2800" b="1" i="1"/>
+                          <a:rPr lang="uk-UA" sz="2800" b="1" i="1">
+                            <a:latin typeface="Cambria Math"/>
+                          </a:rPr>
                           <m:t>𝒊𝒋</m:t>
                         </m:r>
                       </m:sub>
@@ -9787,24 +10542,32 @@
                       <m:sSub>
                         <m:sSubPr>
                           <m:ctrlPr>
-                            <a:rPr lang="ru-RU" sz="2800" b="1" i="1"/>
+                            <a:rPr lang="ru-RU" sz="2800" b="1" i="1">
+                              <a:latin typeface="Cambria Math"/>
+                            </a:rPr>
                           </m:ctrlPr>
                         </m:sSubPr>
                         <m:e>
                           <m:r>
-                            <a:rPr lang="uk-UA" sz="2800" b="1" i="1"/>
+                            <a:rPr lang="uk-UA" sz="2800" b="1" i="1">
+                              <a:latin typeface="Cambria Math"/>
+                            </a:rPr>
                             <m:t>𝑹</m:t>
                           </m:r>
                         </m:e>
                         <m:sub>
                           <m:r>
-                            <a:rPr lang="uk-UA" sz="2800" b="1" i="1"/>
+                            <a:rPr lang="uk-UA" sz="2800" b="1" i="1">
+                              <a:latin typeface="Cambria Math"/>
+                            </a:rPr>
                             <m:t>𝒊𝒋</m:t>
                           </m:r>
                         </m:sub>
                       </m:sSub>
                       <m:r>
-                        <a:rPr lang="uk-UA" sz="2800" b="1" i="1"/>
+                        <a:rPr lang="uk-UA" sz="2800" b="1" i="1">
+                          <a:latin typeface="Cambria Math"/>
+                        </a:rPr>
                         <m:t>=</m:t>
                       </m:r>
                       <m:nary>
@@ -9812,20 +10575,28 @@
                           <m:chr m:val="∑"/>
                           <m:limLoc m:val="undOvr"/>
                           <m:ctrlPr>
-                            <a:rPr lang="ru-RU" sz="2800" b="1" i="1"/>
+                            <a:rPr lang="ru-RU" sz="2800" b="1" i="1">
+                              <a:latin typeface="Cambria Math"/>
+                            </a:rPr>
                           </m:ctrlPr>
                         </m:naryPr>
                         <m:sub>
                           <m:r>
-                            <a:rPr lang="uk-UA" sz="2800" b="1" i="1"/>
+                            <a:rPr lang="uk-UA" sz="2800" b="1" i="1">
+                              <a:latin typeface="Cambria Math"/>
+                            </a:rPr>
                             <m:t>𝒍</m:t>
                           </m:r>
                           <m:r>
-                            <a:rPr lang="uk-UA" sz="2800" b="1" i="1"/>
+                            <a:rPr lang="uk-UA" sz="2800" b="1" i="1">
+                              <a:latin typeface="Cambria Math"/>
+                            </a:rPr>
                             <m:t>=</m:t>
                           </m:r>
                           <m:r>
-                            <a:rPr lang="uk-UA" sz="2800" b="1" i="1"/>
+                            <a:rPr lang="uk-UA" sz="2800" b="1" i="1">
+                              <a:latin typeface="Cambria Math"/>
+                            </a:rPr>
                             <m:t>𝟏</m:t>
                           </m:r>
                         </m:sub>
@@ -9833,18 +10604,24 @@
                           <m:sSub>
                             <m:sSubPr>
                               <m:ctrlPr>
-                                <a:rPr lang="ru-RU" sz="2800" b="1" i="1"/>
+                                <a:rPr lang="ru-RU" sz="2800" b="1" i="1">
+                                  <a:latin typeface="Cambria Math"/>
+                                </a:rPr>
                               </m:ctrlPr>
                             </m:sSubPr>
                             <m:e>
                               <m:r>
-                                <a:rPr lang="uk-UA" sz="2800" b="1" i="1"/>
+                                <a:rPr lang="uk-UA" sz="2800" b="1" i="1">
+                                  <a:latin typeface="Cambria Math"/>
+                                </a:rPr>
                                 <m:t>𝒑</m:t>
                               </m:r>
                             </m:e>
                             <m:sub>
                               <m:r>
-                                <a:rPr lang="uk-UA" sz="2800" b="1" i="1"/>
+                                <a:rPr lang="uk-UA" sz="2800" b="1" i="1">
+                                  <a:latin typeface="Cambria Math"/>
+                                </a:rPr>
                                 <m:t>𝒍</m:t>
                               </m:r>
                             </m:sub>
@@ -9856,20 +10633,28 @@
                               <m:chr m:val="∑"/>
                               <m:limLoc m:val="undOvr"/>
                               <m:ctrlPr>
-                                <a:rPr lang="ru-RU" sz="2800" b="1" i="1"/>
+                                <a:rPr lang="ru-RU" sz="2800" b="1" i="1">
+                                  <a:latin typeface="Cambria Math"/>
+                                </a:rPr>
                               </m:ctrlPr>
                             </m:naryPr>
                             <m:sub>
                               <m:r>
-                                <a:rPr lang="uk-UA" sz="2800" b="1" i="1"/>
+                                <a:rPr lang="uk-UA" sz="2800" b="1" i="1">
+                                  <a:latin typeface="Cambria Math"/>
+                                </a:rPr>
                                 <m:t>𝒌</m:t>
                               </m:r>
                               <m:r>
-                                <a:rPr lang="uk-UA" sz="2800" b="1" i="1"/>
+                                <a:rPr lang="uk-UA" sz="2800" b="1" i="1">
+                                  <a:latin typeface="Cambria Math"/>
+                                </a:rPr>
                                 <m:t>=</m:t>
                               </m:r>
                               <m:r>
-                                <a:rPr lang="uk-UA" sz="2800" b="1" i="1"/>
+                                <a:rPr lang="uk-UA" sz="2800" b="1" i="1">
+                                  <a:latin typeface="Cambria Math"/>
+                                </a:rPr>
                                 <m:t>𝟏</m:t>
                               </m:r>
                             </m:sub>
@@ -9877,18 +10662,24 @@
                               <m:sSub>
                                 <m:sSubPr>
                                   <m:ctrlPr>
-                                    <a:rPr lang="ru-RU" sz="2800" b="1" i="1"/>
+                                    <a:rPr lang="ru-RU" sz="2800" b="1" i="1">
+                                      <a:latin typeface="Cambria Math"/>
+                                    </a:rPr>
                                   </m:ctrlPr>
                                 </m:sSubPr>
                                 <m:e>
                                   <m:r>
-                                    <a:rPr lang="uk-UA" sz="2800" b="1" i="1"/>
+                                    <a:rPr lang="uk-UA" sz="2800" b="1" i="1">
+                                      <a:latin typeface="Cambria Math"/>
+                                    </a:rPr>
                                     <m:t>𝒑</m:t>
                                   </m:r>
                                 </m:e>
                                 <m:sub>
                                   <m:r>
-                                    <a:rPr lang="uk-UA" sz="2800" b="1" i="1"/>
+                                    <a:rPr lang="uk-UA" sz="2800" b="1" i="1">
+                                      <a:latin typeface="Cambria Math"/>
+                                    </a:rPr>
                                     <m:t>𝒌</m:t>
                                   </m:r>
                                 </m:sub>
@@ -9898,12 +10689,16 @@
                               <m:sSub>
                                 <m:sSubPr>
                                   <m:ctrlPr>
-                                    <a:rPr lang="ru-RU" sz="2800" b="1" i="1"/>
+                                    <a:rPr lang="ru-RU" sz="2800" b="1" i="1">
+                                      <a:latin typeface="Cambria Math"/>
+                                    </a:rPr>
                                   </m:ctrlPr>
                                 </m:sSubPr>
                                 <m:e>
                                   <m:r>
-                                    <a:rPr lang="uk-UA" sz="2800" b="1" i="1"/>
+                                    <a:rPr lang="uk-UA" sz="2800" b="1" i="1">
+                                      <a:latin typeface="Cambria Math"/>
+                                    </a:rPr>
                                     <m:t>𝑹</m:t>
                                   </m:r>
                                 </m:e>
@@ -9911,37 +10706,49 @@
                                   <m:sSub>
                                     <m:sSubPr>
                                       <m:ctrlPr>
-                                        <a:rPr lang="ru-RU" sz="2800" b="1" i="1"/>
+                                        <a:rPr lang="ru-RU" sz="2800" b="1" i="1">
+                                          <a:latin typeface="Cambria Math"/>
+                                        </a:rPr>
                                       </m:ctrlPr>
                                     </m:sSubPr>
                                     <m:e>
                                       <m:sSub>
                                         <m:sSubPr>
                                           <m:ctrlPr>
-                                            <a:rPr lang="ru-RU" sz="2800" b="1" i="1"/>
+                                            <a:rPr lang="ru-RU" sz="2800" b="1" i="1">
+                                              <a:latin typeface="Cambria Math"/>
+                                            </a:rPr>
                                           </m:ctrlPr>
                                         </m:sSubPr>
                                         <m:e>
                                           <m:r>
-                                            <a:rPr lang="uk-UA" sz="2800" b="1" i="1"/>
+                                            <a:rPr lang="uk-UA" sz="2800" b="1" i="1">
+                                              <a:latin typeface="Cambria Math"/>
+                                            </a:rPr>
                                             <m:t>𝒊</m:t>
                                           </m:r>
                                         </m:e>
                                         <m:sub>
                                           <m:r>
-                                            <a:rPr lang="uk-UA" sz="2800" b="1" i="1"/>
+                                            <a:rPr lang="uk-UA" sz="2800" b="1" i="1">
+                                              <a:latin typeface="Cambria Math"/>
+                                            </a:rPr>
                                             <m:t>𝒍</m:t>
                                           </m:r>
                                         </m:sub>
                                       </m:sSub>
                                       <m:r>
-                                        <a:rPr lang="uk-UA" sz="2800" b="1" i="1"/>
+                                        <a:rPr lang="uk-UA" sz="2800" b="1" i="1">
+                                          <a:latin typeface="Cambria Math"/>
+                                        </a:rPr>
                                         <m:t>𝒋</m:t>
                                       </m:r>
                                     </m:e>
                                     <m:sub>
                                       <m:r>
-                                        <a:rPr lang="uk-UA" sz="2800" b="1" i="1"/>
+                                        <a:rPr lang="uk-UA" sz="2800" b="1" i="1">
+                                          <a:latin typeface="Cambria Math"/>
+                                        </a:rPr>
                                         <m:t>𝒌</m:t>
                                       </m:r>
                                     </m:sub>
@@ -9977,7 +10784,9 @@
                     <m:d>
                       <m:dPr>
                         <m:ctrlPr>
-                          <a:rPr lang="ru-RU" sz="2800" i="1"/>
+                          <a:rPr lang="ru-RU" sz="2800" i="1">
+                            <a:latin typeface="Cambria Math"/>
+                          </a:rPr>
                         </m:ctrlPr>
                       </m:dPr>
                       <m:e>
@@ -9986,25 +10795,33 @@
                             <m:begChr m:val="{"/>
                             <m:endChr m:val="}"/>
                             <m:ctrlPr>
-                              <a:rPr lang="ru-RU" sz="2800" b="1" i="1"/>
+                              <a:rPr lang="ru-RU" sz="2800" b="1" i="1">
+                                <a:latin typeface="Cambria Math"/>
+                              </a:rPr>
                             </m:ctrlPr>
                           </m:dPr>
                           <m:e>
                             <m:sSub>
                               <m:sSubPr>
                                 <m:ctrlPr>
-                                  <a:rPr lang="ru-RU" sz="2800" b="1" i="1"/>
+                                  <a:rPr lang="ru-RU" sz="2800" b="1" i="1">
+                                    <a:latin typeface="Cambria Math"/>
+                                  </a:rPr>
                                 </m:ctrlPr>
                               </m:sSubPr>
                               <m:e>
                                 <m:r>
-                                  <a:rPr lang="uk-UA" sz="2800" b="1" i="1"/>
+                                  <a:rPr lang="uk-UA" sz="2800" b="1" i="1">
+                                    <a:latin typeface="Cambria Math"/>
+                                  </a:rPr>
                                   <m:t>𝑴</m:t>
                                 </m:r>
                               </m:e>
                               <m:sub>
                                 <m:r>
-                                  <a:rPr lang="uk-UA" sz="2800" b="1" i="1"/>
+                                  <a:rPr lang="uk-UA" sz="2800" b="1" i="1">
+                                    <a:latin typeface="Cambria Math"/>
+                                  </a:rPr>
                                   <m:t>𝒊</m:t>
                                 </m:r>
                               </m:sub>
@@ -10012,7 +10829,9 @@
                           </m:e>
                         </m:d>
                         <m:r>
-                          <a:rPr lang="uk-UA" sz="2800" b="1" i="1"/>
+                          <a:rPr lang="uk-UA" sz="2800" b="1" i="1">
+                            <a:latin typeface="Cambria Math"/>
+                          </a:rPr>
                           <m:t>,</m:t>
                         </m:r>
                         <m:d>
@@ -10020,19 +10839,25 @@
                             <m:begChr m:val="{"/>
                             <m:endChr m:val="}"/>
                             <m:ctrlPr>
-                              <a:rPr lang="ru-RU" sz="2800" b="1" i="1"/>
+                              <a:rPr lang="ru-RU" sz="2800" b="1" i="1">
+                                <a:latin typeface="Cambria Math"/>
+                              </a:rPr>
                             </m:ctrlPr>
                           </m:dPr>
                           <m:e>
                             <m:sSub>
                               <m:sSubPr>
                                 <m:ctrlPr>
-                                  <a:rPr lang="ru-RU" sz="2800" b="1" i="1"/>
+                                  <a:rPr lang="ru-RU" sz="2800" b="1" i="1">
+                                    <a:latin typeface="Cambria Math"/>
+                                  </a:rPr>
                                 </m:ctrlPr>
                               </m:sSubPr>
                               <m:e>
                                 <m:r>
-                                  <a:rPr lang="en-US" sz="2800" b="1" i="1"/>
+                                  <a:rPr lang="en-US" sz="2800" b="1" i="1">
+                                    <a:latin typeface="Cambria Math"/>
+                                  </a:rPr>
                                   <m:t>𝑹</m:t>
                                 </m:r>
                               </m:e>
@@ -10040,37 +10865,49 @@
                                 <m:sSub>
                                   <m:sSubPr>
                                     <m:ctrlPr>
-                                      <a:rPr lang="ru-RU" sz="2800" b="1" i="1"/>
+                                      <a:rPr lang="ru-RU" sz="2800" b="1" i="1">
+                                        <a:latin typeface="Cambria Math"/>
+                                      </a:rPr>
                                     </m:ctrlPr>
                                   </m:sSubPr>
                                   <m:e>
                                     <m:sSub>
                                       <m:sSubPr>
                                         <m:ctrlPr>
-                                          <a:rPr lang="ru-RU" sz="2800" b="1" i="1"/>
+                                          <a:rPr lang="ru-RU" sz="2800" b="1" i="1">
+                                            <a:latin typeface="Cambria Math"/>
+                                          </a:rPr>
                                         </m:ctrlPr>
                                       </m:sSubPr>
                                       <m:e>
                                         <m:r>
-                                          <a:rPr lang="en-US" sz="2800" b="1" i="1"/>
+                                          <a:rPr lang="en-US" sz="2800" b="1" i="1">
+                                            <a:latin typeface="Cambria Math"/>
+                                          </a:rPr>
                                           <m:t>𝒊</m:t>
                                         </m:r>
                                       </m:e>
                                       <m:sub>
                                         <m:r>
-                                          <a:rPr lang="en-US" sz="2800" b="1" i="1"/>
+                                          <a:rPr lang="en-US" sz="2800" b="1" i="1">
+                                            <a:latin typeface="Cambria Math"/>
+                                          </a:rPr>
                                           <m:t>𝒍</m:t>
                                         </m:r>
                                       </m:sub>
                                     </m:sSub>
                                     <m:r>
-                                      <a:rPr lang="en-US" sz="2800" b="1" i="1"/>
+                                      <a:rPr lang="en-US" sz="2800" b="1" i="1">
+                                        <a:latin typeface="Cambria Math"/>
+                                      </a:rPr>
                                       <m:t>𝒋</m:t>
                                     </m:r>
                                   </m:e>
                                   <m:sub>
                                     <m:r>
-                                      <a:rPr lang="en-US" sz="2800" b="1" i="1"/>
+                                      <a:rPr lang="en-US" sz="2800" b="1" i="1">
+                                        <a:latin typeface="Cambria Math"/>
+                                      </a:rPr>
                                       <m:t>𝒌</m:t>
                                     </m:r>
                                   </m:sub>
@@ -10094,25 +10931,33 @@
                         <m:begChr m:val="{"/>
                         <m:endChr m:val="}"/>
                         <m:ctrlPr>
-                          <a:rPr lang="ru-RU" sz="2800" b="1" i="1"/>
+                          <a:rPr lang="ru-RU" sz="2800" b="1" i="1">
+                            <a:latin typeface="Cambria Math"/>
+                          </a:rPr>
                         </m:ctrlPr>
                       </m:dPr>
                       <m:e>
                         <m:sSub>
                           <m:sSubPr>
                             <m:ctrlPr>
-                              <a:rPr lang="ru-RU" sz="2800" b="1" i="1"/>
+                              <a:rPr lang="ru-RU" sz="2800" b="1" i="1">
+                                <a:latin typeface="Cambria Math"/>
+                              </a:rPr>
                             </m:ctrlPr>
                           </m:sSubPr>
                           <m:e>
                             <m:r>
-                              <a:rPr lang="uk-UA" sz="2800" b="1" i="1"/>
+                              <a:rPr lang="uk-UA" sz="2800" b="1" i="1">
+                                <a:latin typeface="Cambria Math"/>
+                              </a:rPr>
                               <m:t>𝑴</m:t>
                             </m:r>
                           </m:e>
                           <m:sub>
                             <m:r>
-                              <a:rPr lang="uk-UA" sz="2800" b="1" i="1"/>
+                              <a:rPr lang="uk-UA" sz="2800" b="1" i="1">
+                                <a:latin typeface="Cambria Math"/>
+                              </a:rPr>
                               <m:t>𝒊</m:t>
                             </m:r>
                           </m:sub>
@@ -10140,19 +10985,25 @@
                         <m:begChr m:val="{"/>
                         <m:endChr m:val="}"/>
                         <m:ctrlPr>
-                          <a:rPr lang="ru-RU" sz="2800" b="1" i="1"/>
+                          <a:rPr lang="ru-RU" sz="2800" b="1" i="1">
+                            <a:latin typeface="Cambria Math"/>
+                          </a:rPr>
                         </m:ctrlPr>
                       </m:dPr>
                       <m:e>
                         <m:sSub>
                           <m:sSubPr>
                             <m:ctrlPr>
-                              <a:rPr lang="ru-RU" sz="2800" b="1" i="1"/>
+                              <a:rPr lang="ru-RU" sz="2800" b="1" i="1">
+                                <a:latin typeface="Cambria Math"/>
+                              </a:rPr>
                             </m:ctrlPr>
                           </m:sSubPr>
                           <m:e>
                             <m:r>
-                              <a:rPr lang="en-US" sz="2800" b="1" i="1"/>
+                              <a:rPr lang="en-US" sz="2800" b="1" i="1">
+                                <a:latin typeface="Cambria Math"/>
+                              </a:rPr>
                               <m:t>𝑹</m:t>
                             </m:r>
                           </m:e>
@@ -10160,37 +11011,49 @@
                             <m:sSub>
                               <m:sSubPr>
                                 <m:ctrlPr>
-                                  <a:rPr lang="ru-RU" sz="2800" b="1" i="1"/>
+                                  <a:rPr lang="ru-RU" sz="2800" b="1" i="1">
+                                    <a:latin typeface="Cambria Math"/>
+                                  </a:rPr>
                                 </m:ctrlPr>
                               </m:sSubPr>
                               <m:e>
                                 <m:sSub>
                                   <m:sSubPr>
                                     <m:ctrlPr>
-                                      <a:rPr lang="ru-RU" sz="2800" b="1" i="1"/>
+                                      <a:rPr lang="ru-RU" sz="2800" b="1" i="1">
+                                        <a:latin typeface="Cambria Math"/>
+                                      </a:rPr>
                                     </m:ctrlPr>
                                   </m:sSubPr>
                                   <m:e>
                                     <m:r>
-                                      <a:rPr lang="en-US" sz="2800" b="1" i="1"/>
+                                      <a:rPr lang="en-US" sz="2800" b="1" i="1">
+                                        <a:latin typeface="Cambria Math"/>
+                                      </a:rPr>
                                       <m:t>𝒊</m:t>
                                     </m:r>
                                   </m:e>
                                   <m:sub>
                                     <m:r>
-                                      <a:rPr lang="en-US" sz="2800" b="1" i="1"/>
+                                      <a:rPr lang="en-US" sz="2800" b="1" i="1">
+                                        <a:latin typeface="Cambria Math"/>
+                                      </a:rPr>
                                       <m:t>𝒍</m:t>
                                     </m:r>
                                   </m:sub>
                                 </m:sSub>
                                 <m:r>
-                                  <a:rPr lang="en-US" sz="2800" b="1" i="1"/>
+                                  <a:rPr lang="en-US" sz="2800" b="1" i="1">
+                                    <a:latin typeface="Cambria Math"/>
+                                  </a:rPr>
                                   <m:t>𝒋</m:t>
                                 </m:r>
                               </m:e>
                               <m:sub>
                                 <m:r>
-                                  <a:rPr lang="en-US" sz="2800" b="1" i="1"/>
+                                  <a:rPr lang="en-US" sz="2800" b="1" i="1">
+                                    <a:latin typeface="Cambria Math"/>
+                                  </a:rPr>
                                   <m:t>𝒌</m:t>
                                 </m:r>
                               </m:sub>
@@ -10227,7 +11090,7 @@
             </p:txBody>
           </p:sp>
         </mc:Choice>
-        <mc:Fallback>
+        <mc:Fallback xmlns="">
           <p:sp>
             <p:nvSpPr>
               <p:cNvPr id="3" name="Объект 2"/>
@@ -10324,7 +11187,6 @@
               <a:rPr lang="uk-UA" sz="2800" dirty="0"/>
               <a:t>залежностей у програмному забезпеченні</a:t>
             </a:r>
-            <a:endParaRPr lang="uk-UA" sz="2800" dirty="0"/>
           </a:p>
         </p:txBody>
       </p:sp>

--- a/Diplom.pptx
+++ b/Diplom.pptx
@@ -4,6 +4,9 @@
   <p:sldMasterIdLst>
     <p:sldMasterId id="2147483672" r:id="rId1"/>
   </p:sldMasterIdLst>
+  <p:notesMasterIdLst>
+    <p:notesMasterId r:id="rId18"/>
+  </p:notesMasterIdLst>
   <p:sldIdLst>
     <p:sldId id="256" r:id="rId2"/>
     <p:sldId id="257" r:id="rId3"/>
@@ -122,6 +125,356 @@
 </p:presentation>
 </file>
 
+<file path=ppt/notesMasters/notesMaster1.xml><?xml version="1.0" encoding="utf-8"?>
+<p:notesMaster xmlns:a="http://schemas.openxmlformats.org/drawingml/2006/main" xmlns:r="http://schemas.openxmlformats.org/officeDocument/2006/relationships" xmlns:p="http://schemas.openxmlformats.org/presentationml/2006/main">
+  <p:cSld>
+    <p:bg>
+      <p:bgRef idx="1001">
+        <a:schemeClr val="bg1"/>
+      </p:bgRef>
+    </p:bg>
+    <p:spTree>
+      <p:nvGrpSpPr>
+        <p:cNvPr id="1" name=""/>
+        <p:cNvGrpSpPr/>
+        <p:nvPr/>
+      </p:nvGrpSpPr>
+      <p:grpSpPr>
+        <a:xfrm>
+          <a:off x="0" y="0"/>
+          <a:ext cx="0" cy="0"/>
+          <a:chOff x="0" y="0"/>
+          <a:chExt cx="0" cy="0"/>
+        </a:xfrm>
+      </p:grpSpPr>
+      <p:sp>
+        <p:nvSpPr>
+          <p:cNvPr id="2" name="Верхний колонтитул 1"/>
+          <p:cNvSpPr>
+            <a:spLocks noGrp="1"/>
+          </p:cNvSpPr>
+          <p:nvPr>
+            <p:ph type="hdr" sz="quarter"/>
+          </p:nvPr>
+        </p:nvSpPr>
+        <p:spPr>
+          <a:xfrm>
+            <a:off x="0" y="0"/>
+            <a:ext cx="2971800" cy="457200"/>
+          </a:xfrm>
+          <a:prstGeom prst="rect">
+            <a:avLst/>
+          </a:prstGeom>
+        </p:spPr>
+        <p:txBody>
+          <a:bodyPr vert="horz" lIns="91440" tIns="45720" rIns="91440" bIns="45720" rtlCol="0"/>
+          <a:lstStyle>
+            <a:lvl1pPr algn="l">
+              <a:defRPr sz="1200"/>
+            </a:lvl1pPr>
+          </a:lstStyle>
+          <a:p>
+            <a:endParaRPr lang="ru-RU"/>
+          </a:p>
+        </p:txBody>
+      </p:sp>
+      <p:sp>
+        <p:nvSpPr>
+          <p:cNvPr id="3" name="Дата 2"/>
+          <p:cNvSpPr>
+            <a:spLocks noGrp="1"/>
+          </p:cNvSpPr>
+          <p:nvPr>
+            <p:ph type="dt" idx="1"/>
+          </p:nvPr>
+        </p:nvSpPr>
+        <p:spPr>
+          <a:xfrm>
+            <a:off x="3884613" y="0"/>
+            <a:ext cx="2971800" cy="457200"/>
+          </a:xfrm>
+          <a:prstGeom prst="rect">
+            <a:avLst/>
+          </a:prstGeom>
+        </p:spPr>
+        <p:txBody>
+          <a:bodyPr vert="horz" lIns="91440" tIns="45720" rIns="91440" bIns="45720" rtlCol="0"/>
+          <a:lstStyle>
+            <a:lvl1pPr algn="r">
+              <a:defRPr sz="1200"/>
+            </a:lvl1pPr>
+          </a:lstStyle>
+          <a:p>
+            <a:fld id="{FAD22BAA-5BB6-472B-A569-38B7BAF31EE1}" type="datetimeFigureOut">
+              <a:rPr lang="ru-RU" smtClean="0"/>
+              <a:t>19.06.2011</a:t>
+            </a:fld>
+            <a:endParaRPr lang="ru-RU"/>
+          </a:p>
+        </p:txBody>
+      </p:sp>
+      <p:sp>
+        <p:nvSpPr>
+          <p:cNvPr id="4" name="Образ слайда 3"/>
+          <p:cNvSpPr>
+            <a:spLocks noGrp="1" noRot="1" noChangeAspect="1"/>
+          </p:cNvSpPr>
+          <p:nvPr>
+            <p:ph type="sldImg" idx="2"/>
+          </p:nvPr>
+        </p:nvSpPr>
+        <p:spPr>
+          <a:xfrm>
+            <a:off x="1143000" y="685800"/>
+            <a:ext cx="4572000" cy="3429000"/>
+          </a:xfrm>
+          <a:prstGeom prst="rect">
+            <a:avLst/>
+          </a:prstGeom>
+          <a:noFill/>
+          <a:ln w="12700">
+            <a:solidFill>
+              <a:prstClr val="black"/>
+            </a:solidFill>
+          </a:ln>
+        </p:spPr>
+        <p:txBody>
+          <a:bodyPr vert="horz" lIns="91440" tIns="45720" rIns="91440" bIns="45720" rtlCol="0" anchor="ctr"/>
+          <a:lstStyle/>
+          <a:p>
+            <a:endParaRPr lang="ru-RU"/>
+          </a:p>
+        </p:txBody>
+      </p:sp>
+      <p:sp>
+        <p:nvSpPr>
+          <p:cNvPr id="5" name="Заметки 4"/>
+          <p:cNvSpPr>
+            <a:spLocks noGrp="1"/>
+          </p:cNvSpPr>
+          <p:nvPr>
+            <p:ph type="body" sz="quarter" idx="3"/>
+          </p:nvPr>
+        </p:nvSpPr>
+        <p:spPr>
+          <a:xfrm>
+            <a:off x="685800" y="4343400"/>
+            <a:ext cx="5486400" cy="4114800"/>
+          </a:xfrm>
+          <a:prstGeom prst="rect">
+            <a:avLst/>
+          </a:prstGeom>
+        </p:spPr>
+        <p:txBody>
+          <a:bodyPr vert="horz" lIns="91440" tIns="45720" rIns="91440" bIns="45720" rtlCol="0"/>
+          <a:lstStyle/>
+          <a:p>
+            <a:pPr lvl="0"/>
+            <a:r>
+              <a:rPr lang="ru-RU" smtClean="0"/>
+              <a:t>Образец текста</a:t>
+            </a:r>
+          </a:p>
+          <a:p>
+            <a:pPr lvl="1"/>
+            <a:r>
+              <a:rPr lang="ru-RU" smtClean="0"/>
+              <a:t>Второй уровень</a:t>
+            </a:r>
+          </a:p>
+          <a:p>
+            <a:pPr lvl="2"/>
+            <a:r>
+              <a:rPr lang="ru-RU" smtClean="0"/>
+              <a:t>Третий уровень</a:t>
+            </a:r>
+          </a:p>
+          <a:p>
+            <a:pPr lvl="3"/>
+            <a:r>
+              <a:rPr lang="ru-RU" smtClean="0"/>
+              <a:t>Четвертый уровень</a:t>
+            </a:r>
+          </a:p>
+          <a:p>
+            <a:pPr lvl="4"/>
+            <a:r>
+              <a:rPr lang="ru-RU" smtClean="0"/>
+              <a:t>Пятый уровень</a:t>
+            </a:r>
+            <a:endParaRPr lang="ru-RU"/>
+          </a:p>
+        </p:txBody>
+      </p:sp>
+      <p:sp>
+        <p:nvSpPr>
+          <p:cNvPr id="6" name="Нижний колонтитул 5"/>
+          <p:cNvSpPr>
+            <a:spLocks noGrp="1"/>
+          </p:cNvSpPr>
+          <p:nvPr>
+            <p:ph type="ftr" sz="quarter" idx="4"/>
+          </p:nvPr>
+        </p:nvSpPr>
+        <p:spPr>
+          <a:xfrm>
+            <a:off x="0" y="8685213"/>
+            <a:ext cx="2971800" cy="457200"/>
+          </a:xfrm>
+          <a:prstGeom prst="rect">
+            <a:avLst/>
+          </a:prstGeom>
+        </p:spPr>
+        <p:txBody>
+          <a:bodyPr vert="horz" lIns="91440" tIns="45720" rIns="91440" bIns="45720" rtlCol="0" anchor="b"/>
+          <a:lstStyle>
+            <a:lvl1pPr algn="l">
+              <a:defRPr sz="1200"/>
+            </a:lvl1pPr>
+          </a:lstStyle>
+          <a:p>
+            <a:endParaRPr lang="ru-RU"/>
+          </a:p>
+        </p:txBody>
+      </p:sp>
+      <p:sp>
+        <p:nvSpPr>
+          <p:cNvPr id="7" name="Номер слайда 6"/>
+          <p:cNvSpPr>
+            <a:spLocks noGrp="1"/>
+          </p:cNvSpPr>
+          <p:nvPr>
+            <p:ph type="sldNum" sz="quarter" idx="5"/>
+          </p:nvPr>
+        </p:nvSpPr>
+        <p:spPr>
+          <a:xfrm>
+            <a:off x="3884613" y="8685213"/>
+            <a:ext cx="2971800" cy="457200"/>
+          </a:xfrm>
+          <a:prstGeom prst="rect">
+            <a:avLst/>
+          </a:prstGeom>
+        </p:spPr>
+        <p:txBody>
+          <a:bodyPr vert="horz" lIns="91440" tIns="45720" rIns="91440" bIns="45720" rtlCol="0" anchor="b"/>
+          <a:lstStyle>
+            <a:lvl1pPr algn="r">
+              <a:defRPr sz="1200"/>
+            </a:lvl1pPr>
+          </a:lstStyle>
+          <a:p>
+            <a:fld id="{496A1C0C-0A5B-4AEC-9E72-C74045A4BDD8}" type="slidenum">
+              <a:rPr lang="ru-RU" smtClean="0"/>
+              <a:t>‹#›</a:t>
+            </a:fld>
+            <a:endParaRPr lang="ru-RU"/>
+          </a:p>
+        </p:txBody>
+      </p:sp>
+    </p:spTree>
+    <p:extLst>
+      <p:ext uri="{BB962C8B-B14F-4D97-AF65-F5344CB8AC3E}">
+        <p14:creationId xmlns:p14="http://schemas.microsoft.com/office/powerpoint/2010/main" val="3288057503"/>
+      </p:ext>
+    </p:extLst>
+  </p:cSld>
+  <p:clrMap bg1="lt1" tx1="dk1" bg2="lt2" tx2="dk2" accent1="accent1" accent2="accent2" accent3="accent3" accent4="accent4" accent5="accent5" accent6="accent6" hlink="hlink" folHlink="folHlink"/>
+  <p:notesStyle>
+    <a:lvl1pPr marL="0" algn="l" defTabSz="914400" rtl="0" eaLnBrk="1" latinLnBrk="0" hangingPunct="1">
+      <a:defRPr sz="1200" kern="1200">
+        <a:solidFill>
+          <a:schemeClr val="tx1"/>
+        </a:solidFill>
+        <a:latin typeface="+mn-lt"/>
+        <a:ea typeface="+mn-ea"/>
+        <a:cs typeface="+mn-cs"/>
+      </a:defRPr>
+    </a:lvl1pPr>
+    <a:lvl2pPr marL="457200" algn="l" defTabSz="914400" rtl="0" eaLnBrk="1" latinLnBrk="0" hangingPunct="1">
+      <a:defRPr sz="1200" kern="1200">
+        <a:solidFill>
+          <a:schemeClr val="tx1"/>
+        </a:solidFill>
+        <a:latin typeface="+mn-lt"/>
+        <a:ea typeface="+mn-ea"/>
+        <a:cs typeface="+mn-cs"/>
+      </a:defRPr>
+    </a:lvl2pPr>
+    <a:lvl3pPr marL="914400" algn="l" defTabSz="914400" rtl="0" eaLnBrk="1" latinLnBrk="0" hangingPunct="1">
+      <a:defRPr sz="1200" kern="1200">
+        <a:solidFill>
+          <a:schemeClr val="tx1"/>
+        </a:solidFill>
+        <a:latin typeface="+mn-lt"/>
+        <a:ea typeface="+mn-ea"/>
+        <a:cs typeface="+mn-cs"/>
+      </a:defRPr>
+    </a:lvl3pPr>
+    <a:lvl4pPr marL="1371600" algn="l" defTabSz="914400" rtl="0" eaLnBrk="1" latinLnBrk="0" hangingPunct="1">
+      <a:defRPr sz="1200" kern="1200">
+        <a:solidFill>
+          <a:schemeClr val="tx1"/>
+        </a:solidFill>
+        <a:latin typeface="+mn-lt"/>
+        <a:ea typeface="+mn-ea"/>
+        <a:cs typeface="+mn-cs"/>
+      </a:defRPr>
+    </a:lvl4pPr>
+    <a:lvl5pPr marL="1828800" algn="l" defTabSz="914400" rtl="0" eaLnBrk="1" latinLnBrk="0" hangingPunct="1">
+      <a:defRPr sz="1200" kern="1200">
+        <a:solidFill>
+          <a:schemeClr val="tx1"/>
+        </a:solidFill>
+        <a:latin typeface="+mn-lt"/>
+        <a:ea typeface="+mn-ea"/>
+        <a:cs typeface="+mn-cs"/>
+      </a:defRPr>
+    </a:lvl5pPr>
+    <a:lvl6pPr marL="2286000" algn="l" defTabSz="914400" rtl="0" eaLnBrk="1" latinLnBrk="0" hangingPunct="1">
+      <a:defRPr sz="1200" kern="1200">
+        <a:solidFill>
+          <a:schemeClr val="tx1"/>
+        </a:solidFill>
+        <a:latin typeface="+mn-lt"/>
+        <a:ea typeface="+mn-ea"/>
+        <a:cs typeface="+mn-cs"/>
+      </a:defRPr>
+    </a:lvl6pPr>
+    <a:lvl7pPr marL="2743200" algn="l" defTabSz="914400" rtl="0" eaLnBrk="1" latinLnBrk="0" hangingPunct="1">
+      <a:defRPr sz="1200" kern="1200">
+        <a:solidFill>
+          <a:schemeClr val="tx1"/>
+        </a:solidFill>
+        <a:latin typeface="+mn-lt"/>
+        <a:ea typeface="+mn-ea"/>
+        <a:cs typeface="+mn-cs"/>
+      </a:defRPr>
+    </a:lvl7pPr>
+    <a:lvl8pPr marL="3200400" algn="l" defTabSz="914400" rtl="0" eaLnBrk="1" latinLnBrk="0" hangingPunct="1">
+      <a:defRPr sz="1200" kern="1200">
+        <a:solidFill>
+          <a:schemeClr val="tx1"/>
+        </a:solidFill>
+        <a:latin typeface="+mn-lt"/>
+        <a:ea typeface="+mn-ea"/>
+        <a:cs typeface="+mn-cs"/>
+      </a:defRPr>
+    </a:lvl8pPr>
+    <a:lvl9pPr marL="3657600" algn="l" defTabSz="914400" rtl="0" eaLnBrk="1" latinLnBrk="0" hangingPunct="1">
+      <a:defRPr sz="1200" kern="1200">
+        <a:solidFill>
+          <a:schemeClr val="tx1"/>
+        </a:solidFill>
+        <a:latin typeface="+mn-lt"/>
+        <a:ea typeface="+mn-ea"/>
+        <a:cs typeface="+mn-cs"/>
+      </a:defRPr>
+    </a:lvl9pPr>
+  </p:notesStyle>
+</p:notesMaster>
+</file>
+
 <file path=ppt/slideLayouts/slideLayout1.xml><?xml version="1.0" encoding="utf-8"?>
 <p:sldLayout xmlns:a="http://schemas.openxmlformats.org/drawingml/2006/main" xmlns:r="http://schemas.openxmlformats.org/officeDocument/2006/relationships" xmlns:p="http://schemas.openxmlformats.org/presentationml/2006/main" type="title" preserve="1">
   <p:cSld name="Титульный слайд">
@@ -542,9 +895,9 @@
           <a:bodyPr/>
           <a:lstStyle/>
           <a:p>
-            <a:fld id="{EB45D141-8447-444F-A991-BD7B09B4A30D}" type="datetimeFigureOut">
+            <a:fld id="{D443757A-CF4F-4EE6-8EEE-D1A1FA4DBBB1}" type="datetime1">
               <a:rPr lang="ru-RU" smtClean="0"/>
-              <a:t>15.06.2011</a:t>
+              <a:t>19.06.2011</a:t>
             </a:fld>
             <a:endParaRPr lang="ru-RU"/>
           </a:p>
@@ -754,9 +1107,9 @@
           <a:bodyPr/>
           <a:lstStyle/>
           <a:p>
-            <a:fld id="{EB45D141-8447-444F-A991-BD7B09B4A30D}" type="datetimeFigureOut">
+            <a:fld id="{420B4381-DA4F-4E0A-9A74-0736DCB53EDA}" type="datetime1">
               <a:rPr lang="ru-RU" smtClean="0"/>
-              <a:t>15.06.2011</a:t>
+              <a:t>19.06.2011</a:t>
             </a:fld>
             <a:endParaRPr lang="ru-RU"/>
           </a:p>
@@ -941,9 +1294,9 @@
           <a:bodyPr/>
           <a:lstStyle/>
           <a:p>
-            <a:fld id="{EB45D141-8447-444F-A991-BD7B09B4A30D}" type="datetimeFigureOut">
+            <a:fld id="{327DA8B5-1661-4B21-A282-AF671D23DEB5}" type="datetime1">
               <a:rPr lang="ru-RU" smtClean="0"/>
-              <a:t>15.06.2011</a:t>
+              <a:t>19.06.2011</a:t>
             </a:fld>
             <a:endParaRPr lang="ru-RU"/>
           </a:p>
@@ -1038,9 +1391,9 @@
           <a:bodyPr/>
           <a:lstStyle/>
           <a:p>
-            <a:fld id="{EB45D141-8447-444F-A991-BD7B09B4A30D}" type="datetimeFigureOut">
+            <a:fld id="{C7A61A44-1BEB-48FD-8D86-A447A0DDEF49}" type="datetime1">
               <a:rPr lang="ru-RU" smtClean="0"/>
-              <a:t>15.06.2011</a:t>
+              <a:t>19.06.2011</a:t>
             </a:fld>
             <a:endParaRPr lang="ru-RU"/>
           </a:p>
@@ -1634,9 +1987,9 @@
           <a:bodyPr/>
           <a:lstStyle/>
           <a:p>
-            <a:fld id="{EB45D141-8447-444F-A991-BD7B09B4A30D}" type="datetimeFigureOut">
+            <a:fld id="{F37F7253-9ED6-45EE-BECA-D91FB2FF1633}" type="datetime1">
               <a:rPr lang="ru-RU" smtClean="0"/>
-              <a:t>15.06.2011</a:t>
+              <a:t>19.06.2011</a:t>
             </a:fld>
             <a:endParaRPr lang="ru-RU"/>
           </a:p>
@@ -1731,9 +2084,9 @@
           <a:bodyPr/>
           <a:lstStyle/>
           <a:p>
-            <a:fld id="{EB45D141-8447-444F-A991-BD7B09B4A30D}" type="datetimeFigureOut">
+            <a:fld id="{8505F7AB-B84F-4E72-9A88-EA6AEAAC82C2}" type="datetime1">
               <a:rPr lang="ru-RU" smtClean="0"/>
-              <a:t>15.06.2011</a:t>
+              <a:t>19.06.2011</a:t>
             </a:fld>
             <a:endParaRPr lang="ru-RU"/>
           </a:p>
@@ -2336,9 +2689,9 @@
           <a:bodyPr/>
           <a:lstStyle/>
           <a:p>
-            <a:fld id="{EB45D141-8447-444F-A991-BD7B09B4A30D}" type="datetimeFigureOut">
+            <a:fld id="{2988D190-706D-4844-BDA7-7E42D80F4934}" type="datetime1">
               <a:rPr lang="ru-RU" smtClean="0"/>
-              <a:t>15.06.2011</a:t>
+              <a:t>19.06.2011</a:t>
             </a:fld>
             <a:endParaRPr lang="ru-RU"/>
           </a:p>
@@ -2479,9 +2832,9 @@
           <a:bodyPr/>
           <a:lstStyle/>
           <a:p>
-            <a:fld id="{EB45D141-8447-444F-A991-BD7B09B4A30D}" type="datetimeFigureOut">
+            <a:fld id="{8B6DBA7F-1DDD-48A5-9C7E-6B6014FFD1B3}" type="datetime1">
               <a:rPr lang="ru-RU" smtClean="0"/>
-              <a:t>15.06.2011</a:t>
+              <a:t>19.06.2011</a:t>
             </a:fld>
             <a:endParaRPr lang="ru-RU"/>
           </a:p>
@@ -2576,9 +2929,9 @@
           <a:bodyPr/>
           <a:lstStyle/>
           <a:p>
-            <a:fld id="{EB45D141-8447-444F-A991-BD7B09B4A30D}" type="datetimeFigureOut">
+            <a:fld id="{A876CF04-1411-405B-9F98-F5B5A8092A9B}" type="datetime1">
               <a:rPr lang="ru-RU" smtClean="0"/>
-              <a:t>15.06.2011</a:t>
+              <a:t>19.06.2011</a:t>
             </a:fld>
             <a:endParaRPr lang="ru-RU"/>
           </a:p>
@@ -2860,9 +3213,9 @@
           <a:bodyPr/>
           <a:lstStyle/>
           <a:p>
-            <a:fld id="{EB45D141-8447-444F-A991-BD7B09B4A30D}" type="datetimeFigureOut">
+            <a:fld id="{809D4523-6823-4DC0-B8B8-46EE0A307C92}" type="datetime1">
               <a:rPr lang="ru-RU" smtClean="0"/>
-              <a:t>15.06.2011</a:t>
+              <a:t>19.06.2011</a:t>
             </a:fld>
             <a:endParaRPr lang="ru-RU"/>
           </a:p>
@@ -3382,9 +3735,9 @@
           <a:bodyPr/>
           <a:lstStyle/>
           <a:p>
-            <a:fld id="{EB45D141-8447-444F-A991-BD7B09B4A30D}" type="datetimeFigureOut">
+            <a:fld id="{086F1D19-FDEE-4BAE-95BE-37C160656D11}" type="datetime1">
               <a:rPr lang="ru-RU" smtClean="0"/>
-              <a:t>15.06.2011</a:t>
+              <a:t>19.06.2011</a:t>
             </a:fld>
             <a:endParaRPr lang="ru-RU"/>
           </a:p>
@@ -3902,9 +4255,9 @@
             </a:lvl1pPr>
           </a:lstStyle>
           <a:p>
-            <a:fld id="{EB45D141-8447-444F-A991-BD7B09B4A30D}" type="datetimeFigureOut">
+            <a:fld id="{EE3A2DBB-C548-44EA-8FD6-11D4DB2A30BF}" type="datetime1">
               <a:rPr lang="ru-RU" smtClean="0"/>
-              <a:t>15.06.2011</a:t>
+              <a:t>19.06.2011</a:t>
             </a:fld>
             <a:endParaRPr lang="ru-RU"/>
           </a:p>
@@ -4013,6 +4366,7 @@
       </p:par>
     </p:tnLst>
   </p:timing>
+  <p:hf hdr="0" ftr="0" dt="0"/>
   <p:txStyles>
     <p:titleStyle>
       <a:lvl1pPr marL="320040" indent="-320040" algn="r" defTabSz="914400" rtl="0" eaLnBrk="1" latinLnBrk="0" hangingPunct="1">
@@ -4565,6 +4919,29 @@
           </a:p>
         </p:txBody>
       </p:sp>
+      <p:sp>
+        <p:nvSpPr>
+          <p:cNvPr id="4" name="Номер слайда 3"/>
+          <p:cNvSpPr>
+            <a:spLocks noGrp="1"/>
+          </p:cNvSpPr>
+          <p:nvPr>
+            <p:ph type="sldNum" sz="quarter" idx="12"/>
+          </p:nvPr>
+        </p:nvSpPr>
+        <p:spPr/>
+        <p:txBody>
+          <a:bodyPr/>
+          <a:lstStyle/>
+          <a:p>
+            <a:fld id="{CECA509B-8D3F-4F3D-88AB-DEF227535A17}" type="slidenum">
+              <a:rPr lang="ru-RU" smtClean="0"/>
+              <a:t>1</a:t>
+            </a:fld>
+            <a:endParaRPr lang="ru-RU"/>
+          </a:p>
+        </p:txBody>
+      </p:sp>
     </p:spTree>
     <p:extLst>
       <p:ext uri="{BB962C8B-B14F-4D97-AF65-F5344CB8AC3E}">
@@ -6109,6 +6486,29 @@
           </p:sp>
         </mc:Fallback>
       </mc:AlternateContent>
+      <p:sp>
+        <p:nvSpPr>
+          <p:cNvPr id="4" name="Номер слайда 3"/>
+          <p:cNvSpPr>
+            <a:spLocks noGrp="1"/>
+          </p:cNvSpPr>
+          <p:nvPr>
+            <p:ph type="sldNum" sz="quarter" idx="12"/>
+          </p:nvPr>
+        </p:nvSpPr>
+        <p:spPr/>
+        <p:txBody>
+          <a:bodyPr/>
+          <a:lstStyle/>
+          <a:p>
+            <a:fld id="{CECA509B-8D3F-4F3D-88AB-DEF227535A17}" type="slidenum">
+              <a:rPr lang="ru-RU" smtClean="0"/>
+              <a:t>10</a:t>
+            </a:fld>
+            <a:endParaRPr lang="ru-RU"/>
+          </a:p>
+        </p:txBody>
+      </p:sp>
     </p:spTree>
     <p:extLst>
       <p:ext uri="{BB962C8B-B14F-4D97-AF65-F5344CB8AC3E}">
@@ -7211,6 +7611,29 @@
           </p:sp>
         </mc:Fallback>
       </mc:AlternateContent>
+      <p:sp>
+        <p:nvSpPr>
+          <p:cNvPr id="4" name="Номер слайда 3"/>
+          <p:cNvSpPr>
+            <a:spLocks noGrp="1"/>
+          </p:cNvSpPr>
+          <p:nvPr>
+            <p:ph type="sldNum" sz="quarter" idx="12"/>
+          </p:nvPr>
+        </p:nvSpPr>
+        <p:spPr/>
+        <p:txBody>
+          <a:bodyPr/>
+          <a:lstStyle/>
+          <a:p>
+            <a:fld id="{CECA509B-8D3F-4F3D-88AB-DEF227535A17}" type="slidenum">
+              <a:rPr lang="ru-RU" smtClean="0"/>
+              <a:t>11</a:t>
+            </a:fld>
+            <a:endParaRPr lang="ru-RU"/>
+          </a:p>
+        </p:txBody>
+      </p:sp>
     </p:spTree>
     <p:extLst>
       <p:ext uri="{BB962C8B-B14F-4D97-AF65-F5344CB8AC3E}">
@@ -7434,6 +7857,29 @@
           </a:fontRef>
         </p:style>
       </p:cxnSp>
+      <p:sp>
+        <p:nvSpPr>
+          <p:cNvPr id="4" name="Номер слайда 3"/>
+          <p:cNvSpPr>
+            <a:spLocks noGrp="1"/>
+          </p:cNvSpPr>
+          <p:nvPr>
+            <p:ph type="sldNum" sz="quarter" idx="12"/>
+          </p:nvPr>
+        </p:nvSpPr>
+        <p:spPr/>
+        <p:txBody>
+          <a:bodyPr/>
+          <a:lstStyle/>
+          <a:p>
+            <a:fld id="{CECA509B-8D3F-4F3D-88AB-DEF227535A17}" type="slidenum">
+              <a:rPr lang="ru-RU" smtClean="0"/>
+              <a:t>12</a:t>
+            </a:fld>
+            <a:endParaRPr lang="ru-RU"/>
+          </a:p>
+        </p:txBody>
+      </p:sp>
     </p:spTree>
     <p:extLst>
       <p:ext uri="{BB962C8B-B14F-4D97-AF65-F5344CB8AC3E}">
@@ -7571,6 +8017,29 @@
           </a:extLst>
         </p:spPr>
       </p:pic>
+      <p:sp>
+        <p:nvSpPr>
+          <p:cNvPr id="4" name="Номер слайда 3"/>
+          <p:cNvSpPr>
+            <a:spLocks noGrp="1"/>
+          </p:cNvSpPr>
+          <p:nvPr>
+            <p:ph type="sldNum" sz="quarter" idx="12"/>
+          </p:nvPr>
+        </p:nvSpPr>
+        <p:spPr/>
+        <p:txBody>
+          <a:bodyPr/>
+          <a:lstStyle/>
+          <a:p>
+            <a:fld id="{CECA509B-8D3F-4F3D-88AB-DEF227535A17}" type="slidenum">
+              <a:rPr lang="ru-RU" smtClean="0"/>
+              <a:t>13</a:t>
+            </a:fld>
+            <a:endParaRPr lang="ru-RU"/>
+          </a:p>
+        </p:txBody>
+      </p:sp>
     </p:spTree>
     <p:extLst>
       <p:ext uri="{BB962C8B-B14F-4D97-AF65-F5344CB8AC3E}">
@@ -7679,6 +8148,29 @@
           </a:extLst>
         </p:spPr>
       </p:pic>
+      <p:sp>
+        <p:nvSpPr>
+          <p:cNvPr id="3" name="Номер слайда 2"/>
+          <p:cNvSpPr>
+            <a:spLocks noGrp="1"/>
+          </p:cNvSpPr>
+          <p:nvPr>
+            <p:ph type="sldNum" sz="quarter" idx="12"/>
+          </p:nvPr>
+        </p:nvSpPr>
+        <p:spPr/>
+        <p:txBody>
+          <a:bodyPr/>
+          <a:lstStyle/>
+          <a:p>
+            <a:fld id="{CECA509B-8D3F-4F3D-88AB-DEF227535A17}" type="slidenum">
+              <a:rPr lang="ru-RU" smtClean="0"/>
+              <a:t>14</a:t>
+            </a:fld>
+            <a:endParaRPr lang="ru-RU"/>
+          </a:p>
+        </p:txBody>
+      </p:sp>
     </p:spTree>
     <p:extLst>
       <p:ext uri="{BB962C8B-B14F-4D97-AF65-F5344CB8AC3E}">
@@ -7781,38 +8273,52 @@
             </a:r>
             <a:r>
               <a:rPr lang="uk-UA" sz="2800" dirty="0" smtClean="0"/>
-              <a:t>версіями дав </a:t>
-            </a:r>
+              <a:t>версіями дав можливість:</a:t>
+            </a:r>
+          </a:p>
+          <a:p>
             <a:r>
               <a:rPr lang="uk-UA" sz="2800" dirty="0" smtClean="0"/>
-              <a:t>можливість:</a:t>
+              <a:t> розробити метод планування регресійного тестування заснований на використанні систем управління версіями </a:t>
             </a:r>
           </a:p>
           <a:p>
             <a:r>
               <a:rPr lang="uk-UA" sz="2800" dirty="0" smtClean="0"/>
-              <a:t> </a:t>
+              <a:t>розробити програмне забезпечення що реалізує </a:t>
+            </a:r>
+            <a:r>
+              <a:rPr lang="uk-UA" sz="2800" smtClean="0"/>
+              <a:t>даний метод </a:t>
             </a:r>
             <a:r>
               <a:rPr lang="uk-UA" sz="2800" dirty="0" smtClean="0"/>
-              <a:t>розробити метод планування регресійного тестування заснований на використанні систем управління версіями </a:t>
-            </a:r>
-            <a:endParaRPr lang="uk-UA" sz="2800" dirty="0" smtClean="0"/>
-          </a:p>
-          <a:p>
-            <a:r>
-              <a:rPr lang="uk-UA" sz="2800" dirty="0" smtClean="0"/>
-              <a:t>розробити </a:t>
-            </a:r>
-            <a:r>
-              <a:rPr lang="uk-UA" sz="2800" dirty="0" smtClean="0"/>
-              <a:t>програмне забезпечення що реалізує дані функції за допомогою побудови когнітивних </a:t>
-            </a:r>
-            <a:r>
-              <a:rPr lang="uk-UA" sz="2800" dirty="0" smtClean="0"/>
-              <a:t>карт</a:t>
+              <a:t>за допомогою побудови когнітивних карт</a:t>
             </a:r>
             <a:endParaRPr lang="ru-RU" sz="2800" dirty="0"/>
+          </a:p>
+        </p:txBody>
+      </p:sp>
+      <p:sp>
+        <p:nvSpPr>
+          <p:cNvPr id="4" name="Номер слайда 3"/>
+          <p:cNvSpPr>
+            <a:spLocks noGrp="1"/>
+          </p:cNvSpPr>
+          <p:nvPr>
+            <p:ph type="sldNum" sz="quarter" idx="12"/>
+          </p:nvPr>
+        </p:nvSpPr>
+        <p:spPr/>
+        <p:txBody>
+          <a:bodyPr/>
+          <a:lstStyle/>
+          <a:p>
+            <a:fld id="{CECA509B-8D3F-4F3D-88AB-DEF227535A17}" type="slidenum">
+              <a:rPr lang="ru-RU" smtClean="0"/>
+              <a:t>15</a:t>
+            </a:fld>
+            <a:endParaRPr lang="ru-RU"/>
           </a:p>
         </p:txBody>
       </p:sp>
@@ -7872,6 +8378,29 @@
               <a:t>Дякую за увагу!</a:t>
             </a:r>
             <a:endParaRPr lang="ru-RU" sz="7200" dirty="0"/>
+          </a:p>
+        </p:txBody>
+      </p:sp>
+      <p:sp>
+        <p:nvSpPr>
+          <p:cNvPr id="3" name="Номер слайда 2"/>
+          <p:cNvSpPr>
+            <a:spLocks noGrp="1"/>
+          </p:cNvSpPr>
+          <p:nvPr>
+            <p:ph type="sldNum" sz="quarter" idx="12"/>
+          </p:nvPr>
+        </p:nvSpPr>
+        <p:spPr/>
+        <p:txBody>
+          <a:bodyPr/>
+          <a:lstStyle/>
+          <a:p>
+            <a:fld id="{CECA509B-8D3F-4F3D-88AB-DEF227535A17}" type="slidenum">
+              <a:rPr lang="ru-RU" smtClean="0"/>
+              <a:t>16</a:t>
+            </a:fld>
+            <a:endParaRPr lang="ru-RU"/>
           </a:p>
         </p:txBody>
       </p:sp>
@@ -8110,6 +8639,29 @@
           </a:p>
         </p:txBody>
       </p:sp>
+      <p:sp>
+        <p:nvSpPr>
+          <p:cNvPr id="4" name="Номер слайда 3"/>
+          <p:cNvSpPr>
+            <a:spLocks noGrp="1"/>
+          </p:cNvSpPr>
+          <p:nvPr>
+            <p:ph type="sldNum" sz="quarter" idx="12"/>
+          </p:nvPr>
+        </p:nvSpPr>
+        <p:spPr/>
+        <p:txBody>
+          <a:bodyPr/>
+          <a:lstStyle/>
+          <a:p>
+            <a:fld id="{CECA509B-8D3F-4F3D-88AB-DEF227535A17}" type="slidenum">
+              <a:rPr lang="ru-RU" smtClean="0"/>
+              <a:t>2</a:t>
+            </a:fld>
+            <a:endParaRPr lang="ru-RU"/>
+          </a:p>
+        </p:txBody>
+      </p:sp>
     </p:spTree>
     <p:extLst>
       <p:ext uri="{BB962C8B-B14F-4D97-AF65-F5344CB8AC3E}">
@@ -8191,18 +8743,13 @@
           </a:bodyPr>
           <a:lstStyle/>
           <a:p>
-            <a:pPr marL="45720" indent="0">
-              <a:buNone/>
-            </a:pPr>
             <a:r>
               <a:rPr lang="uk-UA" dirty="0" smtClean="0"/>
-              <a:t>У даній роботі ставиться за мету:</a:t>
-            </a:r>
-          </a:p>
-          <a:p>
+              <a:t>Аналіз </a:t>
+            </a:r>
             <a:r>
               <a:rPr lang="uk-UA" dirty="0" smtClean="0"/>
-              <a:t>Аналіз методів регресійного тестування</a:t>
+              <a:t>методів регресійного тестування</a:t>
             </a:r>
           </a:p>
           <a:p>
@@ -8238,6 +8785,29 @@
           </a:p>
           <a:p>
             <a:endParaRPr lang="ru-RU" dirty="0"/>
+          </a:p>
+        </p:txBody>
+      </p:sp>
+      <p:sp>
+        <p:nvSpPr>
+          <p:cNvPr id="4" name="Номер слайда 3"/>
+          <p:cNvSpPr>
+            <a:spLocks noGrp="1"/>
+          </p:cNvSpPr>
+          <p:nvPr>
+            <p:ph type="sldNum" sz="quarter" idx="12"/>
+          </p:nvPr>
+        </p:nvSpPr>
+        <p:spPr/>
+        <p:txBody>
+          <a:bodyPr/>
+          <a:lstStyle/>
+          <a:p>
+            <a:fld id="{CECA509B-8D3F-4F3D-88AB-DEF227535A17}" type="slidenum">
+              <a:rPr lang="ru-RU" smtClean="0"/>
+              <a:t>3</a:t>
+            </a:fld>
+            <a:endParaRPr lang="ru-RU"/>
           </a:p>
         </p:txBody>
       </p:sp>
@@ -8369,6 +8939,29 @@
           </a:p>
         </p:txBody>
       </p:sp>
+      <p:sp>
+        <p:nvSpPr>
+          <p:cNvPr id="4" name="Номер слайда 3"/>
+          <p:cNvSpPr>
+            <a:spLocks noGrp="1"/>
+          </p:cNvSpPr>
+          <p:nvPr>
+            <p:ph type="sldNum" sz="quarter" idx="12"/>
+          </p:nvPr>
+        </p:nvSpPr>
+        <p:spPr/>
+        <p:txBody>
+          <a:bodyPr/>
+          <a:lstStyle/>
+          <a:p>
+            <a:fld id="{CECA509B-8D3F-4F3D-88AB-DEF227535A17}" type="slidenum">
+              <a:rPr lang="ru-RU" smtClean="0"/>
+              <a:t>4</a:t>
+            </a:fld>
+            <a:endParaRPr lang="ru-RU"/>
+          </a:p>
+        </p:txBody>
+      </p:sp>
     </p:spTree>
     <p:extLst>
       <p:ext uri="{BB962C8B-B14F-4D97-AF65-F5344CB8AC3E}">
@@ -9115,6 +9708,29 @@
           </p:sp>
         </mc:Fallback>
       </mc:AlternateContent>
+      <p:sp>
+        <p:nvSpPr>
+          <p:cNvPr id="4" name="Номер слайда 3"/>
+          <p:cNvSpPr>
+            <a:spLocks noGrp="1"/>
+          </p:cNvSpPr>
+          <p:nvPr>
+            <p:ph type="sldNum" sz="quarter" idx="12"/>
+          </p:nvPr>
+        </p:nvSpPr>
+        <p:spPr/>
+        <p:txBody>
+          <a:bodyPr/>
+          <a:lstStyle/>
+          <a:p>
+            <a:fld id="{CECA509B-8D3F-4F3D-88AB-DEF227535A17}" type="slidenum">
+              <a:rPr lang="ru-RU" smtClean="0"/>
+              <a:t>5</a:t>
+            </a:fld>
+            <a:endParaRPr lang="ru-RU"/>
+          </a:p>
+        </p:txBody>
+      </p:sp>
     </p:spTree>
     <p:extLst>
       <p:ext uri="{BB962C8B-B14F-4D97-AF65-F5344CB8AC3E}">
@@ -9420,6 +10036,29 @@
           </p:sp>
         </mc:Fallback>
       </mc:AlternateContent>
+      <p:sp>
+        <p:nvSpPr>
+          <p:cNvPr id="4" name="Номер слайда 3"/>
+          <p:cNvSpPr>
+            <a:spLocks noGrp="1"/>
+          </p:cNvSpPr>
+          <p:nvPr>
+            <p:ph type="sldNum" sz="quarter" idx="12"/>
+          </p:nvPr>
+        </p:nvSpPr>
+        <p:spPr/>
+        <p:txBody>
+          <a:bodyPr/>
+          <a:lstStyle/>
+          <a:p>
+            <a:fld id="{CECA509B-8D3F-4F3D-88AB-DEF227535A17}" type="slidenum">
+              <a:rPr lang="ru-RU" smtClean="0"/>
+              <a:t>6</a:t>
+            </a:fld>
+            <a:endParaRPr lang="ru-RU"/>
+          </a:p>
+        </p:txBody>
+      </p:sp>
     </p:spTree>
     <p:extLst>
       <p:ext uri="{BB962C8B-B14F-4D97-AF65-F5344CB8AC3E}">
@@ -9592,6 +10231,29 @@
               <a:buNone/>
             </a:pPr>
             <a:endParaRPr lang="ru-RU" sz="2000" dirty="0"/>
+          </a:p>
+        </p:txBody>
+      </p:sp>
+      <p:sp>
+        <p:nvSpPr>
+          <p:cNvPr id="4" name="Номер слайда 3"/>
+          <p:cNvSpPr>
+            <a:spLocks noGrp="1"/>
+          </p:cNvSpPr>
+          <p:nvPr>
+            <p:ph type="sldNum" sz="quarter" idx="12"/>
+          </p:nvPr>
+        </p:nvSpPr>
+        <p:spPr/>
+        <p:txBody>
+          <a:bodyPr/>
+          <a:lstStyle/>
+          <a:p>
+            <a:fld id="{CECA509B-8D3F-4F3D-88AB-DEF227535A17}" type="slidenum">
+              <a:rPr lang="ru-RU" smtClean="0"/>
+              <a:t>7</a:t>
+            </a:fld>
+            <a:endParaRPr lang="ru-RU"/>
           </a:p>
         </p:txBody>
       </p:sp>
@@ -11128,6 +11790,29 @@
           </p:sp>
         </mc:Fallback>
       </mc:AlternateContent>
+      <p:sp>
+        <p:nvSpPr>
+          <p:cNvPr id="4" name="Номер слайда 3"/>
+          <p:cNvSpPr>
+            <a:spLocks noGrp="1"/>
+          </p:cNvSpPr>
+          <p:nvPr>
+            <p:ph type="sldNum" sz="quarter" idx="12"/>
+          </p:nvPr>
+        </p:nvSpPr>
+        <p:spPr/>
+        <p:txBody>
+          <a:bodyPr/>
+          <a:lstStyle/>
+          <a:p>
+            <a:fld id="{CECA509B-8D3F-4F3D-88AB-DEF227535A17}" type="slidenum">
+              <a:rPr lang="ru-RU" smtClean="0"/>
+              <a:t>8</a:t>
+            </a:fld>
+            <a:endParaRPr lang="ru-RU"/>
+          </a:p>
+        </p:txBody>
+      </p:sp>
     </p:spTree>
     <p:extLst>
       <p:ext uri="{BB962C8B-B14F-4D97-AF65-F5344CB8AC3E}">
@@ -11338,6 +12023,29 @@
           </a:fontRef>
         </p:style>
       </p:cxnSp>
+      <p:sp>
+        <p:nvSpPr>
+          <p:cNvPr id="4" name="Номер слайда 3"/>
+          <p:cNvSpPr>
+            <a:spLocks noGrp="1"/>
+          </p:cNvSpPr>
+          <p:nvPr>
+            <p:ph type="sldNum" sz="quarter" idx="12"/>
+          </p:nvPr>
+        </p:nvSpPr>
+        <p:spPr/>
+        <p:txBody>
+          <a:bodyPr/>
+          <a:lstStyle/>
+          <a:p>
+            <a:fld id="{CECA509B-8D3F-4F3D-88AB-DEF227535A17}" type="slidenum">
+              <a:rPr lang="ru-RU" smtClean="0"/>
+              <a:t>9</a:t>
+            </a:fld>
+            <a:endParaRPr lang="ru-RU"/>
+          </a:p>
+        </p:txBody>
+      </p:sp>
     </p:spTree>
     <p:extLst>
       <p:ext uri="{BB962C8B-B14F-4D97-AF65-F5344CB8AC3E}">
@@ -11651,4 +12359,289 @@
   <a:objectDefaults/>
   <a:extraClrSchemeLst/>
 </a:theme>
+</file>
+
+<file path=ppt/theme/theme2.xml><?xml version="1.0" encoding="utf-8"?>
+<a:theme xmlns:a="http://schemas.openxmlformats.org/drawingml/2006/main" name="Тема Office">
+  <a:themeElements>
+    <a:clrScheme name="Стандартная">
+      <a:dk1>
+        <a:sysClr val="windowText" lastClr="000000"/>
+      </a:dk1>
+      <a:lt1>
+        <a:sysClr val="window" lastClr="FFFFFF"/>
+      </a:lt1>
+      <a:dk2>
+        <a:srgbClr val="1F497D"/>
+      </a:dk2>
+      <a:lt2>
+        <a:srgbClr val="EEECE1"/>
+      </a:lt2>
+      <a:accent1>
+        <a:srgbClr val="4F81BD"/>
+      </a:accent1>
+      <a:accent2>
+        <a:srgbClr val="C0504D"/>
+      </a:accent2>
+      <a:accent3>
+        <a:srgbClr val="9BBB59"/>
+      </a:accent3>
+      <a:accent4>
+        <a:srgbClr val="8064A2"/>
+      </a:accent4>
+      <a:accent5>
+        <a:srgbClr val="4BACC6"/>
+      </a:accent5>
+      <a:accent6>
+        <a:srgbClr val="F79646"/>
+      </a:accent6>
+      <a:hlink>
+        <a:srgbClr val="0000FF"/>
+      </a:hlink>
+      <a:folHlink>
+        <a:srgbClr val="800080"/>
+      </a:folHlink>
+    </a:clrScheme>
+    <a:fontScheme name="Стандартная">
+      <a:majorFont>
+        <a:latin typeface="Calibri"/>
+        <a:ea typeface=""/>
+        <a:cs typeface=""/>
+        <a:font script="Jpan" typeface="ＭＳ Ｐゴシック"/>
+        <a:font script="Hang" typeface="맑은 고딕"/>
+        <a:font script="Hans" typeface="宋体"/>
+        <a:font script="Hant" typeface="新細明體"/>
+        <a:font script="Arab" typeface="Times New Roman"/>
+        <a:font script="Hebr" typeface="Times New Roman"/>
+        <a:font script="Thai" typeface="Angsana New"/>
+        <a:font script="Ethi" typeface="Nyala"/>
+        <a:font script="Beng" typeface="Vrinda"/>
+        <a:font script="Gujr" typeface="Shruti"/>
+        <a:font script="Khmr" typeface="MoolBoran"/>
+        <a:font script="Knda" typeface="Tunga"/>
+        <a:font script="Guru" typeface="Raavi"/>
+        <a:font script="Cans" typeface="Euphemia"/>
+        <a:font script="Cher" typeface="Plantagenet Cherokee"/>
+        <a:font script="Yiii" typeface="Microsoft Yi Baiti"/>
+        <a:font script="Tibt" typeface="Microsoft Himalaya"/>
+        <a:font script="Thaa" typeface="MV Boli"/>
+        <a:font script="Deva" typeface="Mangal"/>
+        <a:font script="Telu" typeface="Gautami"/>
+        <a:font script="Taml" typeface="Latha"/>
+        <a:font script="Syrc" typeface="Estrangelo Edessa"/>
+        <a:font script="Orya" typeface="Kalinga"/>
+        <a:font script="Mlym" typeface="Kartika"/>
+        <a:font script="Laoo" typeface="DokChampa"/>
+        <a:font script="Sinh" typeface="Iskoola Pota"/>
+        <a:font script="Mong" typeface="Mongolian Baiti"/>
+        <a:font script="Viet" typeface="Times New Roman"/>
+        <a:font script="Uigh" typeface="Microsoft Uighur"/>
+        <a:font script="Geor" typeface="Sylfaen"/>
+      </a:majorFont>
+      <a:minorFont>
+        <a:latin typeface="Calibri"/>
+        <a:ea typeface=""/>
+        <a:cs typeface=""/>
+        <a:font script="Jpan" typeface="ＭＳ Ｐゴシック"/>
+        <a:font script="Hang" typeface="맑은 고딕"/>
+        <a:font script="Hans" typeface="宋体"/>
+        <a:font script="Hant" typeface="新細明體"/>
+        <a:font script="Arab" typeface="Arial"/>
+        <a:font script="Hebr" typeface="Arial"/>
+        <a:font script="Thai" typeface="Cordia New"/>
+        <a:font script="Ethi" typeface="Nyala"/>
+        <a:font script="Beng" typeface="Vrinda"/>
+        <a:font script="Gujr" typeface="Shruti"/>
+        <a:font script="Khmr" typeface="DaunPenh"/>
+        <a:font script="Knda" typeface="Tunga"/>
+        <a:font script="Guru" typeface="Raavi"/>
+        <a:font script="Cans" typeface="Euphemia"/>
+        <a:font script="Cher" typeface="Plantagenet Cherokee"/>
+        <a:font script="Yiii" typeface="Microsoft Yi Baiti"/>
+        <a:font script="Tibt" typeface="Microsoft Himalaya"/>
+        <a:font script="Thaa" typeface="MV Boli"/>
+        <a:font script="Deva" typeface="Mangal"/>
+        <a:font script="Telu" typeface="Gautami"/>
+        <a:font script="Taml" typeface="Latha"/>
+        <a:font script="Syrc" typeface="Estrangelo Edessa"/>
+        <a:font script="Orya" typeface="Kalinga"/>
+        <a:font script="Mlym" typeface="Kartika"/>
+        <a:font script="Laoo" typeface="DokChampa"/>
+        <a:font script="Sinh" typeface="Iskoola Pota"/>
+        <a:font script="Mong" typeface="Mongolian Baiti"/>
+        <a:font script="Viet" typeface="Arial"/>
+        <a:font script="Uigh" typeface="Microsoft Uighur"/>
+        <a:font script="Geor" typeface="Sylfaen"/>
+      </a:minorFont>
+    </a:fontScheme>
+    <a:fmtScheme name="Стандартная">
+      <a:fillStyleLst>
+        <a:solidFill>
+          <a:schemeClr val="phClr"/>
+        </a:solidFill>
+        <a:gradFill rotWithShape="1">
+          <a:gsLst>
+            <a:gs pos="0">
+              <a:schemeClr val="phClr">
+                <a:tint val="50000"/>
+                <a:satMod val="300000"/>
+              </a:schemeClr>
+            </a:gs>
+            <a:gs pos="35000">
+              <a:schemeClr val="phClr">
+                <a:tint val="37000"/>
+                <a:satMod val="300000"/>
+              </a:schemeClr>
+            </a:gs>
+            <a:gs pos="100000">
+              <a:schemeClr val="phClr">
+                <a:tint val="15000"/>
+                <a:satMod val="350000"/>
+              </a:schemeClr>
+            </a:gs>
+          </a:gsLst>
+          <a:lin ang="16200000" scaled="1"/>
+        </a:gradFill>
+        <a:gradFill rotWithShape="1">
+          <a:gsLst>
+            <a:gs pos="0">
+              <a:schemeClr val="phClr">
+                <a:shade val="51000"/>
+                <a:satMod val="130000"/>
+              </a:schemeClr>
+            </a:gs>
+            <a:gs pos="80000">
+              <a:schemeClr val="phClr">
+                <a:shade val="93000"/>
+                <a:satMod val="130000"/>
+              </a:schemeClr>
+            </a:gs>
+            <a:gs pos="100000">
+              <a:schemeClr val="phClr">
+                <a:shade val="94000"/>
+                <a:satMod val="135000"/>
+              </a:schemeClr>
+            </a:gs>
+          </a:gsLst>
+          <a:lin ang="16200000" scaled="0"/>
+        </a:gradFill>
+      </a:fillStyleLst>
+      <a:lnStyleLst>
+        <a:ln w="9525" cap="flat" cmpd="sng" algn="ctr">
+          <a:solidFill>
+            <a:schemeClr val="phClr">
+              <a:shade val="95000"/>
+              <a:satMod val="105000"/>
+            </a:schemeClr>
+          </a:solidFill>
+          <a:prstDash val="solid"/>
+        </a:ln>
+        <a:ln w="25400" cap="flat" cmpd="sng" algn="ctr">
+          <a:solidFill>
+            <a:schemeClr val="phClr"/>
+          </a:solidFill>
+          <a:prstDash val="solid"/>
+        </a:ln>
+        <a:ln w="38100" cap="flat" cmpd="sng" algn="ctr">
+          <a:solidFill>
+            <a:schemeClr val="phClr"/>
+          </a:solidFill>
+          <a:prstDash val="solid"/>
+        </a:ln>
+      </a:lnStyleLst>
+      <a:effectStyleLst>
+        <a:effectStyle>
+          <a:effectLst>
+            <a:outerShdw blurRad="40000" dist="20000" dir="5400000" rotWithShape="0">
+              <a:srgbClr val="000000">
+                <a:alpha val="38000"/>
+              </a:srgbClr>
+            </a:outerShdw>
+          </a:effectLst>
+        </a:effectStyle>
+        <a:effectStyle>
+          <a:effectLst>
+            <a:outerShdw blurRad="40000" dist="23000" dir="5400000" rotWithShape="0">
+              <a:srgbClr val="000000">
+                <a:alpha val="35000"/>
+              </a:srgbClr>
+            </a:outerShdw>
+          </a:effectLst>
+        </a:effectStyle>
+        <a:effectStyle>
+          <a:effectLst>
+            <a:outerShdw blurRad="40000" dist="23000" dir="5400000" rotWithShape="0">
+              <a:srgbClr val="000000">
+                <a:alpha val="35000"/>
+              </a:srgbClr>
+            </a:outerShdw>
+          </a:effectLst>
+          <a:scene3d>
+            <a:camera prst="orthographicFront">
+              <a:rot lat="0" lon="0" rev="0"/>
+            </a:camera>
+            <a:lightRig rig="threePt" dir="t">
+              <a:rot lat="0" lon="0" rev="1200000"/>
+            </a:lightRig>
+          </a:scene3d>
+          <a:sp3d>
+            <a:bevelT w="63500" h="25400"/>
+          </a:sp3d>
+        </a:effectStyle>
+      </a:effectStyleLst>
+      <a:bgFillStyleLst>
+        <a:solidFill>
+          <a:schemeClr val="phClr"/>
+        </a:solidFill>
+        <a:gradFill rotWithShape="1">
+          <a:gsLst>
+            <a:gs pos="0">
+              <a:schemeClr val="phClr">
+                <a:tint val="40000"/>
+                <a:satMod val="350000"/>
+              </a:schemeClr>
+            </a:gs>
+            <a:gs pos="40000">
+              <a:schemeClr val="phClr">
+                <a:tint val="45000"/>
+                <a:shade val="99000"/>
+                <a:satMod val="350000"/>
+              </a:schemeClr>
+            </a:gs>
+            <a:gs pos="100000">
+              <a:schemeClr val="phClr">
+                <a:shade val="20000"/>
+                <a:satMod val="255000"/>
+              </a:schemeClr>
+            </a:gs>
+          </a:gsLst>
+          <a:path path="circle">
+            <a:fillToRect l="50000" t="-80000" r="50000" b="180000"/>
+          </a:path>
+        </a:gradFill>
+        <a:gradFill rotWithShape="1">
+          <a:gsLst>
+            <a:gs pos="0">
+              <a:schemeClr val="phClr">
+                <a:tint val="80000"/>
+                <a:satMod val="300000"/>
+              </a:schemeClr>
+            </a:gs>
+            <a:gs pos="100000">
+              <a:schemeClr val="phClr">
+                <a:shade val="30000"/>
+                <a:satMod val="200000"/>
+              </a:schemeClr>
+            </a:gs>
+          </a:gsLst>
+          <a:path path="circle">
+            <a:fillToRect l="50000" t="50000" r="50000" b="50000"/>
+          </a:path>
+        </a:gradFill>
+      </a:bgFillStyleLst>
+    </a:fmtScheme>
+  </a:themeElements>
+  <a:objectDefaults/>
+  <a:extraClrSchemeLst/>
+</a:theme>
 </file>